--- a/data_structure/charts.pptx
+++ b/data_structure/charts.pptx
@@ -4,9 +4,13 @@
   <p:sldMasterIdLst>
     <p:sldMasterId id="2147483672" r:id="rId1"/>
   </p:sldMasterIdLst>
+  <p:notesMasterIdLst>
+    <p:notesMasterId r:id="rId5"/>
+  </p:notesMasterIdLst>
   <p:sldIdLst>
     <p:sldId id="256" r:id="rId2"/>
     <p:sldId id="257" r:id="rId3"/>
+    <p:sldId id="259" r:id="rId4"/>
   </p:sldIdLst>
   <p:sldSz cx="21674138" cy="12192000"/>
   <p:notesSz cx="6858000" cy="9144000"/>
@@ -113,6 +117,356 @@
 </p:presentation>
 </file>
 
+<file path=ppt/notesMasters/notesMaster1.xml><?xml version="1.0" encoding="utf-8"?>
+<p:notesMaster xmlns:a="http://schemas.openxmlformats.org/drawingml/2006/main" xmlns:r="http://schemas.openxmlformats.org/officeDocument/2006/relationships" xmlns:p="http://schemas.openxmlformats.org/presentationml/2006/main">
+  <p:cSld>
+    <p:bg>
+      <p:bgRef idx="1001">
+        <a:schemeClr val="bg1"/>
+      </p:bgRef>
+    </p:bg>
+    <p:spTree>
+      <p:nvGrpSpPr>
+        <p:cNvPr id="1" name=""/>
+        <p:cNvGrpSpPr/>
+        <p:nvPr/>
+      </p:nvGrpSpPr>
+      <p:grpSpPr>
+        <a:xfrm>
+          <a:off x="0" y="0"/>
+          <a:ext cx="0" cy="0"/>
+          <a:chOff x="0" y="0"/>
+          <a:chExt cx="0" cy="0"/>
+        </a:xfrm>
+      </p:grpSpPr>
+      <p:sp>
+        <p:nvSpPr>
+          <p:cNvPr id="2" name="Header Placeholder 1"/>
+          <p:cNvSpPr>
+            <a:spLocks noGrp="1"/>
+          </p:cNvSpPr>
+          <p:nvPr>
+            <p:ph type="hdr" sz="quarter"/>
+          </p:nvPr>
+        </p:nvSpPr>
+        <p:spPr>
+          <a:xfrm>
+            <a:off x="0" y="0"/>
+            <a:ext cx="2971800" cy="458788"/>
+          </a:xfrm>
+          <a:prstGeom prst="rect">
+            <a:avLst/>
+          </a:prstGeom>
+        </p:spPr>
+        <p:txBody>
+          <a:bodyPr vert="horz" lIns="91440" tIns="45720" rIns="91440" bIns="45720" rtlCol="0"/>
+          <a:lstStyle>
+            <a:lvl1pPr algn="l">
+              <a:defRPr sz="1200"/>
+            </a:lvl1pPr>
+          </a:lstStyle>
+          <a:p>
+            <a:endParaRPr lang="en-US"/>
+          </a:p>
+        </p:txBody>
+      </p:sp>
+      <p:sp>
+        <p:nvSpPr>
+          <p:cNvPr id="3" name="Date Placeholder 2"/>
+          <p:cNvSpPr>
+            <a:spLocks noGrp="1"/>
+          </p:cNvSpPr>
+          <p:nvPr>
+            <p:ph type="dt" idx="1"/>
+          </p:nvPr>
+        </p:nvSpPr>
+        <p:spPr>
+          <a:xfrm>
+            <a:off x="3884613" y="0"/>
+            <a:ext cx="2971800" cy="458788"/>
+          </a:xfrm>
+          <a:prstGeom prst="rect">
+            <a:avLst/>
+          </a:prstGeom>
+        </p:spPr>
+        <p:txBody>
+          <a:bodyPr vert="horz" lIns="91440" tIns="45720" rIns="91440" bIns="45720" rtlCol="0"/>
+          <a:lstStyle>
+            <a:lvl1pPr algn="r">
+              <a:defRPr sz="1200"/>
+            </a:lvl1pPr>
+          </a:lstStyle>
+          <a:p>
+            <a:fld id="{061D1934-5DF5-C54F-B23E-73DBB33C8C5F}" type="datetimeFigureOut">
+              <a:rPr lang="en-US" smtClean="0"/>
+              <a:t>11/29/17</a:t>
+            </a:fld>
+            <a:endParaRPr lang="en-US"/>
+          </a:p>
+        </p:txBody>
+      </p:sp>
+      <p:sp>
+        <p:nvSpPr>
+          <p:cNvPr id="4" name="Slide Image Placeholder 3"/>
+          <p:cNvSpPr>
+            <a:spLocks noGrp="1" noRot="1" noChangeAspect="1"/>
+          </p:cNvSpPr>
+          <p:nvPr>
+            <p:ph type="sldImg" idx="2"/>
+          </p:nvPr>
+        </p:nvSpPr>
+        <p:spPr>
+          <a:xfrm>
+            <a:off x="685800" y="1143000"/>
+            <a:ext cx="5486400" cy="3086100"/>
+          </a:xfrm>
+          <a:prstGeom prst="rect">
+            <a:avLst/>
+          </a:prstGeom>
+          <a:noFill/>
+          <a:ln w="12700">
+            <a:solidFill>
+              <a:prstClr val="black"/>
+            </a:solidFill>
+          </a:ln>
+        </p:spPr>
+        <p:txBody>
+          <a:bodyPr vert="horz" lIns="91440" tIns="45720" rIns="91440" bIns="45720" rtlCol="0" anchor="ctr"/>
+          <a:lstStyle/>
+          <a:p>
+            <a:endParaRPr lang="en-US"/>
+          </a:p>
+        </p:txBody>
+      </p:sp>
+      <p:sp>
+        <p:nvSpPr>
+          <p:cNvPr id="5" name="Notes Placeholder 4"/>
+          <p:cNvSpPr>
+            <a:spLocks noGrp="1"/>
+          </p:cNvSpPr>
+          <p:nvPr>
+            <p:ph type="body" sz="quarter" idx="3"/>
+          </p:nvPr>
+        </p:nvSpPr>
+        <p:spPr>
+          <a:xfrm>
+            <a:off x="685800" y="4400550"/>
+            <a:ext cx="5486400" cy="3600450"/>
+          </a:xfrm>
+          <a:prstGeom prst="rect">
+            <a:avLst/>
+          </a:prstGeom>
+        </p:spPr>
+        <p:txBody>
+          <a:bodyPr vert="horz" lIns="91440" tIns="45720" rIns="91440" bIns="45720" rtlCol="0"/>
+          <a:lstStyle/>
+          <a:p>
+            <a:pPr lvl="0"/>
+            <a:r>
+              <a:rPr lang="en-US" smtClean="0"/>
+              <a:t>Click to edit Master text styles</a:t>
+            </a:r>
+          </a:p>
+          <a:p>
+            <a:pPr lvl="1"/>
+            <a:r>
+              <a:rPr lang="en-US" smtClean="0"/>
+              <a:t>Second level</a:t>
+            </a:r>
+          </a:p>
+          <a:p>
+            <a:pPr lvl="2"/>
+            <a:r>
+              <a:rPr lang="en-US" smtClean="0"/>
+              <a:t>Third level</a:t>
+            </a:r>
+          </a:p>
+          <a:p>
+            <a:pPr lvl="3"/>
+            <a:r>
+              <a:rPr lang="en-US" smtClean="0"/>
+              <a:t>Fourth level</a:t>
+            </a:r>
+          </a:p>
+          <a:p>
+            <a:pPr lvl="4"/>
+            <a:r>
+              <a:rPr lang="en-US" smtClean="0"/>
+              <a:t>Fifth level</a:t>
+            </a:r>
+            <a:endParaRPr lang="en-US"/>
+          </a:p>
+        </p:txBody>
+      </p:sp>
+      <p:sp>
+        <p:nvSpPr>
+          <p:cNvPr id="6" name="Footer Placeholder 5"/>
+          <p:cNvSpPr>
+            <a:spLocks noGrp="1"/>
+          </p:cNvSpPr>
+          <p:nvPr>
+            <p:ph type="ftr" sz="quarter" idx="4"/>
+          </p:nvPr>
+        </p:nvSpPr>
+        <p:spPr>
+          <a:xfrm>
+            <a:off x="0" y="8685213"/>
+            <a:ext cx="2971800" cy="458787"/>
+          </a:xfrm>
+          <a:prstGeom prst="rect">
+            <a:avLst/>
+          </a:prstGeom>
+        </p:spPr>
+        <p:txBody>
+          <a:bodyPr vert="horz" lIns="91440" tIns="45720" rIns="91440" bIns="45720" rtlCol="0" anchor="b"/>
+          <a:lstStyle>
+            <a:lvl1pPr algn="l">
+              <a:defRPr sz="1200"/>
+            </a:lvl1pPr>
+          </a:lstStyle>
+          <a:p>
+            <a:endParaRPr lang="en-US"/>
+          </a:p>
+        </p:txBody>
+      </p:sp>
+      <p:sp>
+        <p:nvSpPr>
+          <p:cNvPr id="7" name="Slide Number Placeholder 6"/>
+          <p:cNvSpPr>
+            <a:spLocks noGrp="1"/>
+          </p:cNvSpPr>
+          <p:nvPr>
+            <p:ph type="sldNum" sz="quarter" idx="5"/>
+          </p:nvPr>
+        </p:nvSpPr>
+        <p:spPr>
+          <a:xfrm>
+            <a:off x="3884613" y="8685213"/>
+            <a:ext cx="2971800" cy="458787"/>
+          </a:xfrm>
+          <a:prstGeom prst="rect">
+            <a:avLst/>
+          </a:prstGeom>
+        </p:spPr>
+        <p:txBody>
+          <a:bodyPr vert="horz" lIns="91440" tIns="45720" rIns="91440" bIns="45720" rtlCol="0" anchor="b"/>
+          <a:lstStyle>
+            <a:lvl1pPr algn="r">
+              <a:defRPr sz="1200"/>
+            </a:lvl1pPr>
+          </a:lstStyle>
+          <a:p>
+            <a:fld id="{16A60896-5EA2-E84A-8303-B8EF42F20825}" type="slidenum">
+              <a:rPr lang="en-US" smtClean="0"/>
+              <a:t>‹#›</a:t>
+            </a:fld>
+            <a:endParaRPr lang="en-US"/>
+          </a:p>
+        </p:txBody>
+      </p:sp>
+    </p:spTree>
+    <p:extLst>
+      <p:ext uri="{BB962C8B-B14F-4D97-AF65-F5344CB8AC3E}">
+        <p14:creationId xmlns:p14="http://schemas.microsoft.com/office/powerpoint/2010/main" val="1700166200"/>
+      </p:ext>
+    </p:extLst>
+  </p:cSld>
+  <p:clrMap bg1="lt1" tx1="dk1" bg2="lt2" tx2="dk2" accent1="accent1" accent2="accent2" accent3="accent3" accent4="accent4" accent5="accent5" accent6="accent6" hlink="hlink" folHlink="folHlink"/>
+  <p:notesStyle>
+    <a:lvl1pPr marL="0" algn="l" defTabSz="914400" rtl="0" eaLnBrk="1" latinLnBrk="0" hangingPunct="1">
+      <a:defRPr sz="1200" kern="1200">
+        <a:solidFill>
+          <a:schemeClr val="tx1"/>
+        </a:solidFill>
+        <a:latin typeface="+mn-lt"/>
+        <a:ea typeface="+mn-ea"/>
+        <a:cs typeface="+mn-cs"/>
+      </a:defRPr>
+    </a:lvl1pPr>
+    <a:lvl2pPr marL="457200" algn="l" defTabSz="914400" rtl="0" eaLnBrk="1" latinLnBrk="0" hangingPunct="1">
+      <a:defRPr sz="1200" kern="1200">
+        <a:solidFill>
+          <a:schemeClr val="tx1"/>
+        </a:solidFill>
+        <a:latin typeface="+mn-lt"/>
+        <a:ea typeface="+mn-ea"/>
+        <a:cs typeface="+mn-cs"/>
+      </a:defRPr>
+    </a:lvl2pPr>
+    <a:lvl3pPr marL="914400" algn="l" defTabSz="914400" rtl="0" eaLnBrk="1" latinLnBrk="0" hangingPunct="1">
+      <a:defRPr sz="1200" kern="1200">
+        <a:solidFill>
+          <a:schemeClr val="tx1"/>
+        </a:solidFill>
+        <a:latin typeface="+mn-lt"/>
+        <a:ea typeface="+mn-ea"/>
+        <a:cs typeface="+mn-cs"/>
+      </a:defRPr>
+    </a:lvl3pPr>
+    <a:lvl4pPr marL="1371600" algn="l" defTabSz="914400" rtl="0" eaLnBrk="1" latinLnBrk="0" hangingPunct="1">
+      <a:defRPr sz="1200" kern="1200">
+        <a:solidFill>
+          <a:schemeClr val="tx1"/>
+        </a:solidFill>
+        <a:latin typeface="+mn-lt"/>
+        <a:ea typeface="+mn-ea"/>
+        <a:cs typeface="+mn-cs"/>
+      </a:defRPr>
+    </a:lvl4pPr>
+    <a:lvl5pPr marL="1828800" algn="l" defTabSz="914400" rtl="0" eaLnBrk="1" latinLnBrk="0" hangingPunct="1">
+      <a:defRPr sz="1200" kern="1200">
+        <a:solidFill>
+          <a:schemeClr val="tx1"/>
+        </a:solidFill>
+        <a:latin typeface="+mn-lt"/>
+        <a:ea typeface="+mn-ea"/>
+        <a:cs typeface="+mn-cs"/>
+      </a:defRPr>
+    </a:lvl5pPr>
+    <a:lvl6pPr marL="2286000" algn="l" defTabSz="914400" rtl="0" eaLnBrk="1" latinLnBrk="0" hangingPunct="1">
+      <a:defRPr sz="1200" kern="1200">
+        <a:solidFill>
+          <a:schemeClr val="tx1"/>
+        </a:solidFill>
+        <a:latin typeface="+mn-lt"/>
+        <a:ea typeface="+mn-ea"/>
+        <a:cs typeface="+mn-cs"/>
+      </a:defRPr>
+    </a:lvl6pPr>
+    <a:lvl7pPr marL="2743200" algn="l" defTabSz="914400" rtl="0" eaLnBrk="1" latinLnBrk="0" hangingPunct="1">
+      <a:defRPr sz="1200" kern="1200">
+        <a:solidFill>
+          <a:schemeClr val="tx1"/>
+        </a:solidFill>
+        <a:latin typeface="+mn-lt"/>
+        <a:ea typeface="+mn-ea"/>
+        <a:cs typeface="+mn-cs"/>
+      </a:defRPr>
+    </a:lvl7pPr>
+    <a:lvl8pPr marL="3200400" algn="l" defTabSz="914400" rtl="0" eaLnBrk="1" latinLnBrk="0" hangingPunct="1">
+      <a:defRPr sz="1200" kern="1200">
+        <a:solidFill>
+          <a:schemeClr val="tx1"/>
+        </a:solidFill>
+        <a:latin typeface="+mn-lt"/>
+        <a:ea typeface="+mn-ea"/>
+        <a:cs typeface="+mn-cs"/>
+      </a:defRPr>
+    </a:lvl8pPr>
+    <a:lvl9pPr marL="3657600" algn="l" defTabSz="914400" rtl="0" eaLnBrk="1" latinLnBrk="0" hangingPunct="1">
+      <a:defRPr sz="1200" kern="1200">
+        <a:solidFill>
+          <a:schemeClr val="tx1"/>
+        </a:solidFill>
+        <a:latin typeface="+mn-lt"/>
+        <a:ea typeface="+mn-ea"/>
+        <a:cs typeface="+mn-cs"/>
+      </a:defRPr>
+    </a:lvl9pPr>
+  </p:notesStyle>
+</p:notesMaster>
+</file>
+
 <file path=ppt/slideLayouts/slideLayout1.xml><?xml version="1.0" encoding="utf-8"?>
 <p:sldLayout xmlns:a="http://schemas.openxmlformats.org/drawingml/2006/main" xmlns:r="http://schemas.openxmlformats.org/officeDocument/2006/relationships" xmlns:p="http://schemas.openxmlformats.org/presentationml/2006/main" type="title" preserve="1">
   <p:cSld name="Title Slide">
@@ -244,7 +598,7 @@
           <a:p>
             <a:fld id="{C54E8006-D355-7B42-8642-83EF30980978}" type="datetimeFigureOut">
               <a:rPr lang="en-US" smtClean="0"/>
-              <a:t>11/17/17</a:t>
+              <a:t>11/29/17</a:t>
             </a:fld>
             <a:endParaRPr lang="en-US"/>
           </a:p>
@@ -414,7 +768,7 @@
           <a:p>
             <a:fld id="{C54E8006-D355-7B42-8642-83EF30980978}" type="datetimeFigureOut">
               <a:rPr lang="en-US" smtClean="0"/>
-              <a:t>11/17/17</a:t>
+              <a:t>11/29/17</a:t>
             </a:fld>
             <a:endParaRPr lang="en-US"/>
           </a:p>
@@ -594,7 +948,7 @@
           <a:p>
             <a:fld id="{C54E8006-D355-7B42-8642-83EF30980978}" type="datetimeFigureOut">
               <a:rPr lang="en-US" smtClean="0"/>
-              <a:t>11/17/17</a:t>
+              <a:t>11/29/17</a:t>
             </a:fld>
             <a:endParaRPr lang="en-US"/>
           </a:p>
@@ -764,7 +1118,7 @@
           <a:p>
             <a:fld id="{C54E8006-D355-7B42-8642-83EF30980978}" type="datetimeFigureOut">
               <a:rPr lang="en-US" smtClean="0"/>
-              <a:t>11/17/17</a:t>
+              <a:t>11/29/17</a:t>
             </a:fld>
             <a:endParaRPr lang="en-US"/>
           </a:p>
@@ -1010,7 +1364,7 @@
           <a:p>
             <a:fld id="{C54E8006-D355-7B42-8642-83EF30980978}" type="datetimeFigureOut">
               <a:rPr lang="en-US" smtClean="0"/>
-              <a:t>11/17/17</a:t>
+              <a:t>11/29/17</a:t>
             </a:fld>
             <a:endParaRPr lang="en-US"/>
           </a:p>
@@ -1242,7 +1596,7 @@
           <a:p>
             <a:fld id="{C54E8006-D355-7B42-8642-83EF30980978}" type="datetimeFigureOut">
               <a:rPr lang="en-US" smtClean="0"/>
-              <a:t>11/17/17</a:t>
+              <a:t>11/29/17</a:t>
             </a:fld>
             <a:endParaRPr lang="en-US"/>
           </a:p>
@@ -1609,7 +1963,7 @@
           <a:p>
             <a:fld id="{C54E8006-D355-7B42-8642-83EF30980978}" type="datetimeFigureOut">
               <a:rPr lang="en-US" smtClean="0"/>
-              <a:t>11/17/17</a:t>
+              <a:t>11/29/17</a:t>
             </a:fld>
             <a:endParaRPr lang="en-US"/>
           </a:p>
@@ -1727,7 +2081,7 @@
           <a:p>
             <a:fld id="{C54E8006-D355-7B42-8642-83EF30980978}" type="datetimeFigureOut">
               <a:rPr lang="en-US" smtClean="0"/>
-              <a:t>11/17/17</a:t>
+              <a:t>11/29/17</a:t>
             </a:fld>
             <a:endParaRPr lang="en-US"/>
           </a:p>
@@ -1822,7 +2176,7 @@
           <a:p>
             <a:fld id="{C54E8006-D355-7B42-8642-83EF30980978}" type="datetimeFigureOut">
               <a:rPr lang="en-US" smtClean="0"/>
-              <a:t>11/17/17</a:t>
+              <a:t>11/29/17</a:t>
             </a:fld>
             <a:endParaRPr lang="en-US"/>
           </a:p>
@@ -2099,7 +2453,7 @@
           <a:p>
             <a:fld id="{C54E8006-D355-7B42-8642-83EF30980978}" type="datetimeFigureOut">
               <a:rPr lang="en-US" smtClean="0"/>
-              <a:t>11/17/17</a:t>
+              <a:t>11/29/17</a:t>
             </a:fld>
             <a:endParaRPr lang="en-US"/>
           </a:p>
@@ -2356,7 +2710,7 @@
           <a:p>
             <a:fld id="{C54E8006-D355-7B42-8642-83EF30980978}" type="datetimeFigureOut">
               <a:rPr lang="en-US" smtClean="0"/>
-              <a:t>11/17/17</a:t>
+              <a:t>11/29/17</a:t>
             </a:fld>
             <a:endParaRPr lang="en-US"/>
           </a:p>
@@ -2569,7 +2923,7 @@
           <a:p>
             <a:fld id="{C54E8006-D355-7B42-8642-83EF30980978}" type="datetimeFigureOut">
               <a:rPr lang="en-US" smtClean="0"/>
-              <a:t>11/17/17</a:t>
+              <a:t>11/29/17</a:t>
             </a:fld>
             <a:endParaRPr lang="en-US"/>
           </a:p>
@@ -5911,6 +6265,1700 @@
 </p:sld>
 </file>
 
+<file path=ppt/slides/slide3.xml><?xml version="1.0" encoding="utf-8"?>
+<p:sld xmlns:a="http://schemas.openxmlformats.org/drawingml/2006/main" xmlns:r="http://schemas.openxmlformats.org/officeDocument/2006/relationships" xmlns:p="http://schemas.openxmlformats.org/presentationml/2006/main">
+  <p:cSld>
+    <p:spTree>
+      <p:nvGrpSpPr>
+        <p:cNvPr id="1" name=""/>
+        <p:cNvGrpSpPr/>
+        <p:nvPr/>
+      </p:nvGrpSpPr>
+      <p:grpSpPr>
+        <a:xfrm>
+          <a:off x="0" y="0"/>
+          <a:ext cx="0" cy="0"/>
+          <a:chOff x="0" y="0"/>
+          <a:chExt cx="0" cy="0"/>
+        </a:xfrm>
+      </p:grpSpPr>
+      <p:sp>
+        <p:nvSpPr>
+          <p:cNvPr id="25" name="Rounded Rectangle 24"/>
+          <p:cNvSpPr/>
+          <p:nvPr/>
+        </p:nvSpPr>
+        <p:spPr>
+          <a:xfrm>
+            <a:off x="4344470" y="6484196"/>
+            <a:ext cx="5108713" cy="2606535"/>
+          </a:xfrm>
+          <a:prstGeom prst="roundRect">
+            <a:avLst/>
+          </a:prstGeom>
+          <a:ln>
+            <a:prstDash val="dash"/>
+          </a:ln>
+        </p:spPr>
+        <p:style>
+          <a:lnRef idx="2">
+            <a:schemeClr val="dk1"/>
+          </a:lnRef>
+          <a:fillRef idx="1">
+            <a:schemeClr val="lt1"/>
+          </a:fillRef>
+          <a:effectRef idx="0">
+            <a:schemeClr val="dk1"/>
+          </a:effectRef>
+          <a:fontRef idx="minor">
+            <a:schemeClr val="dk1"/>
+          </a:fontRef>
+        </p:style>
+        <p:txBody>
+          <a:bodyPr rtlCol="0" anchor="ctr"/>
+          <a:lstStyle/>
+          <a:p>
+            <a:pPr algn="ctr"/>
+            <a:endParaRPr lang="en-US" dirty="0"/>
+          </a:p>
+        </p:txBody>
+      </p:sp>
+      <p:sp>
+        <p:nvSpPr>
+          <p:cNvPr id="4" name="Rounded Rectangle 3"/>
+          <p:cNvSpPr/>
+          <p:nvPr/>
+        </p:nvSpPr>
+        <p:spPr>
+          <a:xfrm>
+            <a:off x="5290561" y="-800949"/>
+            <a:ext cx="2989198" cy="516834"/>
+          </a:xfrm>
+          <a:prstGeom prst="roundRect">
+            <a:avLst/>
+          </a:prstGeom>
+        </p:spPr>
+        <p:style>
+          <a:lnRef idx="2">
+            <a:schemeClr val="dk1"/>
+          </a:lnRef>
+          <a:fillRef idx="1">
+            <a:schemeClr val="lt1"/>
+          </a:fillRef>
+          <a:effectRef idx="0">
+            <a:schemeClr val="dk1"/>
+          </a:effectRef>
+          <a:fontRef idx="minor">
+            <a:schemeClr val="dk1"/>
+          </a:fontRef>
+        </p:style>
+        <p:txBody>
+          <a:bodyPr rtlCol="0" anchor="ctr"/>
+          <a:lstStyle/>
+          <a:p>
+            <a:pPr algn="ctr"/>
+            <a:r>
+              <a:rPr lang="en-US" altLang="zh-CN" smtClean="0"/>
+              <a:t>SqList_delete</a:t>
+            </a:r>
+            <a:r>
+              <a:rPr lang="en-US" altLang="zh-CN" dirty="0" smtClean="0"/>
+              <a:t> (&amp;</a:t>
+            </a:r>
+            <a:r>
+              <a:rPr lang="en-US" altLang="zh-CN" dirty="0" smtClean="0"/>
+              <a:t>L, key, </a:t>
+            </a:r>
+            <a:r>
+              <a:rPr lang="en-US" altLang="zh-CN" dirty="0" smtClean="0"/>
+              <a:t>&amp;</a:t>
+            </a:r>
+            <a:r>
+              <a:rPr lang="en-US" altLang="zh-CN" dirty="0" err="1" smtClean="0"/>
+              <a:t>val</a:t>
+            </a:r>
+            <a:r>
+              <a:rPr lang="en-US" altLang="zh-CN" dirty="0" smtClean="0"/>
+              <a:t>)</a:t>
+            </a:r>
+            <a:endParaRPr lang="en-US" dirty="0"/>
+          </a:p>
+        </p:txBody>
+      </p:sp>
+      <p:sp>
+        <p:nvSpPr>
+          <p:cNvPr id="5" name="Decision 4"/>
+          <p:cNvSpPr/>
+          <p:nvPr/>
+        </p:nvSpPr>
+        <p:spPr>
+          <a:xfrm>
+            <a:off x="5411853" y="178905"/>
+            <a:ext cx="2753141" cy="1172817"/>
+          </a:xfrm>
+          <a:prstGeom prst="flowChartDecision">
+            <a:avLst/>
+          </a:prstGeom>
+        </p:spPr>
+        <p:style>
+          <a:lnRef idx="2">
+            <a:schemeClr val="dk1"/>
+          </a:lnRef>
+          <a:fillRef idx="1">
+            <a:schemeClr val="lt1"/>
+          </a:fillRef>
+          <a:effectRef idx="0">
+            <a:schemeClr val="dk1"/>
+          </a:effectRef>
+          <a:fontRef idx="minor">
+            <a:schemeClr val="dk1"/>
+          </a:fontRef>
+        </p:style>
+        <p:txBody>
+          <a:bodyPr rtlCol="0" anchor="ctr"/>
+          <a:lstStyle/>
+          <a:p>
+            <a:pPr algn="ctr"/>
+            <a:r>
+              <a:rPr lang="en-US" dirty="0" smtClean="0"/>
+              <a:t>L-&gt;</a:t>
+            </a:r>
+            <a:r>
+              <a:rPr lang="en-US" dirty="0" err="1" smtClean="0"/>
+              <a:t>elem</a:t>
+            </a:r>
+            <a:r>
+              <a:rPr lang="zh-CN" altLang="en-US" dirty="0" smtClean="0"/>
+              <a:t> 是否为空指针？</a:t>
+            </a:r>
+            <a:endParaRPr lang="en-US" dirty="0"/>
+          </a:p>
+        </p:txBody>
+      </p:sp>
+      <p:sp>
+        <p:nvSpPr>
+          <p:cNvPr id="6" name="Rounded Rectangle 5"/>
+          <p:cNvSpPr/>
+          <p:nvPr/>
+        </p:nvSpPr>
+        <p:spPr>
+          <a:xfrm>
+            <a:off x="2678283" y="12212961"/>
+            <a:ext cx="993913" cy="715616"/>
+          </a:xfrm>
+          <a:prstGeom prst="roundRect">
+            <a:avLst/>
+          </a:prstGeom>
+        </p:spPr>
+        <p:style>
+          <a:lnRef idx="2">
+            <a:schemeClr val="dk1"/>
+          </a:lnRef>
+          <a:fillRef idx="1">
+            <a:schemeClr val="lt1"/>
+          </a:fillRef>
+          <a:effectRef idx="0">
+            <a:schemeClr val="dk1"/>
+          </a:effectRef>
+          <a:fontRef idx="minor">
+            <a:schemeClr val="dk1"/>
+          </a:fontRef>
+        </p:style>
+        <p:txBody>
+          <a:bodyPr rtlCol="0" anchor="ctr"/>
+          <a:lstStyle/>
+          <a:p>
+            <a:pPr algn="ctr"/>
+            <a:r>
+              <a:rPr lang="zh-CN" altLang="en-US" dirty="0" smtClean="0"/>
+              <a:t>返回</a:t>
+            </a:r>
+            <a:r>
+              <a:rPr lang="en-US" altLang="zh-CN" dirty="0" smtClean="0"/>
+              <a:t>ERROR</a:t>
+            </a:r>
+            <a:endParaRPr lang="en-US" dirty="0"/>
+          </a:p>
+        </p:txBody>
+      </p:sp>
+      <p:sp>
+        <p:nvSpPr>
+          <p:cNvPr id="2" name="Diamond 1"/>
+          <p:cNvSpPr/>
+          <p:nvPr/>
+        </p:nvSpPr>
+        <p:spPr>
+          <a:xfrm>
+            <a:off x="5635483" y="1808922"/>
+            <a:ext cx="2305879" cy="1172819"/>
+          </a:xfrm>
+          <a:prstGeom prst="diamond">
+            <a:avLst/>
+          </a:prstGeom>
+        </p:spPr>
+        <p:style>
+          <a:lnRef idx="2">
+            <a:schemeClr val="dk1"/>
+          </a:lnRef>
+          <a:fillRef idx="1">
+            <a:schemeClr val="lt1"/>
+          </a:fillRef>
+          <a:effectRef idx="0">
+            <a:schemeClr val="dk1"/>
+          </a:effectRef>
+          <a:fontRef idx="minor">
+            <a:schemeClr val="dk1"/>
+          </a:fontRef>
+        </p:style>
+        <p:txBody>
+          <a:bodyPr rtlCol="0" anchor="ctr"/>
+          <a:lstStyle/>
+          <a:p>
+            <a:pPr algn="ctr"/>
+            <a:r>
+              <a:rPr lang="en-US" altLang="zh-CN" dirty="0" smtClean="0"/>
+              <a:t>key</a:t>
+            </a:r>
+            <a:r>
+              <a:rPr lang="zh-CN" altLang="en-US" dirty="0" smtClean="0"/>
+              <a:t> 大小是否合法？</a:t>
+            </a:r>
+            <a:endParaRPr lang="en-US" dirty="0"/>
+          </a:p>
+        </p:txBody>
+      </p:sp>
+      <p:cxnSp>
+        <p:nvCxnSpPr>
+          <p:cNvPr id="10" name="Straight Arrow Connector 9"/>
+          <p:cNvCxnSpPr>
+            <a:stCxn id="4" idx="2"/>
+            <a:endCxn id="5" idx="0"/>
+          </p:cNvCxnSpPr>
+          <p:nvPr/>
+        </p:nvCxnSpPr>
+        <p:spPr>
+          <a:xfrm>
+            <a:off x="6785160" y="-284115"/>
+            <a:ext cx="3264" cy="463020"/>
+          </a:xfrm>
+          <a:prstGeom prst="straightConnector1">
+            <a:avLst/>
+          </a:prstGeom>
+          <a:ln>
+            <a:tailEnd type="triangle"/>
+          </a:ln>
+        </p:spPr>
+        <p:style>
+          <a:lnRef idx="2">
+            <a:schemeClr val="dk1"/>
+          </a:lnRef>
+          <a:fillRef idx="0">
+            <a:schemeClr val="dk1"/>
+          </a:fillRef>
+          <a:effectRef idx="1">
+            <a:schemeClr val="dk1"/>
+          </a:effectRef>
+          <a:fontRef idx="minor">
+            <a:schemeClr val="tx1"/>
+          </a:fontRef>
+        </p:style>
+      </p:cxnSp>
+      <p:cxnSp>
+        <p:nvCxnSpPr>
+          <p:cNvPr id="11" name="Straight Arrow Connector 10"/>
+          <p:cNvCxnSpPr>
+            <a:stCxn id="5" idx="2"/>
+            <a:endCxn id="2" idx="0"/>
+          </p:cNvCxnSpPr>
+          <p:nvPr/>
+        </p:nvCxnSpPr>
+        <p:spPr>
+          <a:xfrm flipH="1">
+            <a:off x="6788423" y="1351722"/>
+            <a:ext cx="1" cy="457200"/>
+          </a:xfrm>
+          <a:prstGeom prst="straightConnector1">
+            <a:avLst/>
+          </a:prstGeom>
+          <a:ln>
+            <a:tailEnd type="triangle"/>
+          </a:ln>
+        </p:spPr>
+        <p:style>
+          <a:lnRef idx="2">
+            <a:schemeClr val="dk1"/>
+          </a:lnRef>
+          <a:fillRef idx="0">
+            <a:schemeClr val="dk1"/>
+          </a:fillRef>
+          <a:effectRef idx="1">
+            <a:schemeClr val="dk1"/>
+          </a:effectRef>
+          <a:fontRef idx="minor">
+            <a:schemeClr val="tx1"/>
+          </a:fontRef>
+        </p:style>
+      </p:cxnSp>
+      <p:cxnSp>
+        <p:nvCxnSpPr>
+          <p:cNvPr id="23" name="Elbow Connector 22"/>
+          <p:cNvCxnSpPr>
+            <a:stCxn id="5" idx="1"/>
+            <a:endCxn id="6" idx="0"/>
+          </p:cNvCxnSpPr>
+          <p:nvPr/>
+        </p:nvCxnSpPr>
+        <p:spPr>
+          <a:xfrm rot="10800000" flipV="1">
+            <a:off x="3175241" y="765313"/>
+            <a:ext cx="2236613" cy="11447647"/>
+          </a:xfrm>
+          <a:prstGeom prst="bentConnector2">
+            <a:avLst/>
+          </a:prstGeom>
+          <a:ln>
+            <a:tailEnd type="triangle"/>
+          </a:ln>
+        </p:spPr>
+        <p:style>
+          <a:lnRef idx="2">
+            <a:schemeClr val="dk1"/>
+          </a:lnRef>
+          <a:fillRef idx="0">
+            <a:schemeClr val="dk1"/>
+          </a:fillRef>
+          <a:effectRef idx="1">
+            <a:schemeClr val="dk1"/>
+          </a:effectRef>
+          <a:fontRef idx="minor">
+            <a:schemeClr val="tx1"/>
+          </a:fontRef>
+        </p:style>
+      </p:cxnSp>
+      <p:cxnSp>
+        <p:nvCxnSpPr>
+          <p:cNvPr id="26" name="Elbow Connector 25"/>
+          <p:cNvCxnSpPr>
+            <a:stCxn id="2" idx="1"/>
+            <a:endCxn id="6" idx="0"/>
+          </p:cNvCxnSpPr>
+          <p:nvPr/>
+        </p:nvCxnSpPr>
+        <p:spPr>
+          <a:xfrm rot="10800000" flipV="1">
+            <a:off x="3175241" y="2395331"/>
+            <a:ext cx="2460243" cy="9817629"/>
+          </a:xfrm>
+          <a:prstGeom prst="bentConnector2">
+            <a:avLst/>
+          </a:prstGeom>
+          <a:ln>
+            <a:tailEnd type="triangle"/>
+          </a:ln>
+        </p:spPr>
+        <p:style>
+          <a:lnRef idx="2">
+            <a:schemeClr val="dk1"/>
+          </a:lnRef>
+          <a:fillRef idx="0">
+            <a:schemeClr val="dk1"/>
+          </a:fillRef>
+          <a:effectRef idx="1">
+            <a:schemeClr val="dk1"/>
+          </a:effectRef>
+          <a:fontRef idx="minor">
+            <a:schemeClr val="tx1"/>
+          </a:fontRef>
+        </p:style>
+      </p:cxnSp>
+      <p:sp>
+        <p:nvSpPr>
+          <p:cNvPr id="43" name="Rectangle 42"/>
+          <p:cNvSpPr/>
+          <p:nvPr/>
+        </p:nvSpPr>
+        <p:spPr>
+          <a:xfrm>
+            <a:off x="6465491" y="5694440"/>
+            <a:ext cx="639337" cy="312247"/>
+          </a:xfrm>
+          <a:prstGeom prst="rect">
+            <a:avLst/>
+          </a:prstGeom>
+        </p:spPr>
+        <p:style>
+          <a:lnRef idx="2">
+            <a:schemeClr val="dk1"/>
+          </a:lnRef>
+          <a:fillRef idx="1">
+            <a:schemeClr val="lt1"/>
+          </a:fillRef>
+          <a:effectRef idx="0">
+            <a:schemeClr val="dk1"/>
+          </a:effectRef>
+          <a:fontRef idx="minor">
+            <a:schemeClr val="dk1"/>
+          </a:fontRef>
+        </p:style>
+        <p:txBody>
+          <a:bodyPr rtlCol="0" anchor="ctr"/>
+          <a:lstStyle/>
+          <a:p>
+            <a:pPr algn="ctr"/>
+            <a:r>
+              <a:rPr lang="en-US" altLang="zh-CN" smtClean="0"/>
+              <a:t>i</a:t>
+            </a:r>
+            <a:r>
+              <a:rPr lang="en-US" altLang="zh-CN" dirty="0" smtClean="0"/>
+              <a:t>--</a:t>
+            </a:r>
+            <a:endParaRPr lang="en-US" dirty="0"/>
+          </a:p>
+        </p:txBody>
+      </p:sp>
+      <p:sp>
+        <p:nvSpPr>
+          <p:cNvPr id="55" name="Diamond 54"/>
+          <p:cNvSpPr/>
+          <p:nvPr/>
+        </p:nvSpPr>
+        <p:spPr>
+          <a:xfrm>
+            <a:off x="5028590" y="6702856"/>
+            <a:ext cx="3501924" cy="665922"/>
+          </a:xfrm>
+          <a:prstGeom prst="diamond">
+            <a:avLst/>
+          </a:prstGeom>
+        </p:spPr>
+        <p:style>
+          <a:lnRef idx="2">
+            <a:schemeClr val="dk1"/>
+          </a:lnRef>
+          <a:fillRef idx="1">
+            <a:schemeClr val="lt1"/>
+          </a:fillRef>
+          <a:effectRef idx="0">
+            <a:schemeClr val="dk1"/>
+          </a:effectRef>
+          <a:fontRef idx="minor">
+            <a:schemeClr val="dk1"/>
+          </a:fontRef>
+        </p:style>
+        <p:txBody>
+          <a:bodyPr rtlCol="0" anchor="ctr"/>
+          <a:lstStyle/>
+          <a:p>
+            <a:pPr algn="ctr"/>
+            <a:r>
+              <a:rPr lang="en-US" altLang="zh-CN" dirty="0" err="1" smtClean="0"/>
+              <a:t>i</a:t>
+            </a:r>
+            <a:r>
+              <a:rPr lang="zh-CN" altLang="en-US" dirty="0" smtClean="0"/>
+              <a:t> </a:t>
+            </a:r>
+            <a:r>
+              <a:rPr lang="en-US" altLang="zh-CN" dirty="0"/>
+              <a:t>&lt;</a:t>
+            </a:r>
+            <a:r>
+              <a:rPr lang="en-US" dirty="0" smtClean="0"/>
+              <a:t> </a:t>
+            </a:r>
+            <a:r>
+              <a:rPr lang="en-US" dirty="0" smtClean="0"/>
+              <a:t>L-&gt;length</a:t>
+            </a:r>
+            <a:r>
+              <a:rPr lang="en-US" dirty="0" smtClean="0"/>
+              <a:t> </a:t>
+            </a:r>
+            <a:r>
+              <a:rPr lang="en-US" dirty="0" smtClean="0"/>
+              <a:t>?</a:t>
+            </a:r>
+            <a:endParaRPr lang="en-US" dirty="0"/>
+          </a:p>
+        </p:txBody>
+      </p:sp>
+      <p:sp>
+        <p:nvSpPr>
+          <p:cNvPr id="56" name="Rectangle 55"/>
+          <p:cNvSpPr/>
+          <p:nvPr/>
+        </p:nvSpPr>
+        <p:spPr>
+          <a:xfrm>
+            <a:off x="4686740" y="7732806"/>
+            <a:ext cx="4185625" cy="377692"/>
+          </a:xfrm>
+          <a:prstGeom prst="rect">
+            <a:avLst/>
+          </a:prstGeom>
+        </p:spPr>
+        <p:style>
+          <a:lnRef idx="2">
+            <a:schemeClr val="dk1"/>
+          </a:lnRef>
+          <a:fillRef idx="1">
+            <a:schemeClr val="lt1"/>
+          </a:fillRef>
+          <a:effectRef idx="0">
+            <a:schemeClr val="dk1"/>
+          </a:effectRef>
+          <a:fontRef idx="minor">
+            <a:schemeClr val="dk1"/>
+          </a:fontRef>
+        </p:style>
+        <p:txBody>
+          <a:bodyPr rtlCol="0" anchor="ctr"/>
+          <a:lstStyle/>
+          <a:p>
+            <a:pPr algn="ctr"/>
+            <a:r>
+              <a:rPr lang="en-US" smtClean="0"/>
+              <a:t>L-</a:t>
+            </a:r>
+            <a:r>
+              <a:rPr lang="en-US" dirty="0" smtClean="0"/>
+              <a:t>&gt;</a:t>
+            </a:r>
+            <a:r>
+              <a:rPr lang="en-US" dirty="0" err="1" smtClean="0"/>
+              <a:t>elem</a:t>
+            </a:r>
+            <a:r>
+              <a:rPr lang="en-US" dirty="0" smtClean="0"/>
+              <a:t>[</a:t>
+            </a:r>
+            <a:r>
+              <a:rPr lang="en-US" dirty="0" err="1" smtClean="0"/>
+              <a:t>bak_ptr</a:t>
+            </a:r>
+            <a:r>
+              <a:rPr lang="en-US" dirty="0" smtClean="0"/>
+              <a:t> + 1] = L-&gt;</a:t>
+            </a:r>
+            <a:r>
+              <a:rPr lang="en-US" dirty="0" err="1" smtClean="0"/>
+              <a:t>elem</a:t>
+            </a:r>
+            <a:r>
+              <a:rPr lang="en-US" dirty="0" smtClean="0"/>
+              <a:t>[</a:t>
+            </a:r>
+            <a:r>
+              <a:rPr lang="en-US" dirty="0" err="1" smtClean="0"/>
+              <a:t>bak_ptr</a:t>
+            </a:r>
+            <a:r>
+              <a:rPr lang="en-US" dirty="0" smtClean="0"/>
+              <a:t>]</a:t>
+            </a:r>
+            <a:endParaRPr lang="en-US" dirty="0"/>
+          </a:p>
+        </p:txBody>
+      </p:sp>
+      <p:cxnSp>
+        <p:nvCxnSpPr>
+          <p:cNvPr id="57" name="Straight Arrow Connector 56"/>
+          <p:cNvCxnSpPr>
+            <a:stCxn id="43" idx="2"/>
+            <a:endCxn id="55" idx="0"/>
+          </p:cNvCxnSpPr>
+          <p:nvPr/>
+        </p:nvCxnSpPr>
+        <p:spPr>
+          <a:xfrm flipH="1">
+            <a:off x="6779552" y="6006687"/>
+            <a:ext cx="5608" cy="696169"/>
+          </a:xfrm>
+          <a:prstGeom prst="straightConnector1">
+            <a:avLst/>
+          </a:prstGeom>
+          <a:ln>
+            <a:tailEnd type="triangle"/>
+          </a:ln>
+        </p:spPr>
+        <p:style>
+          <a:lnRef idx="2">
+            <a:schemeClr val="dk1"/>
+          </a:lnRef>
+          <a:fillRef idx="0">
+            <a:schemeClr val="dk1"/>
+          </a:fillRef>
+          <a:effectRef idx="1">
+            <a:schemeClr val="dk1"/>
+          </a:effectRef>
+          <a:fontRef idx="minor">
+            <a:schemeClr val="tx1"/>
+          </a:fontRef>
+        </p:style>
+      </p:cxnSp>
+      <p:cxnSp>
+        <p:nvCxnSpPr>
+          <p:cNvPr id="60" name="Straight Arrow Connector 59"/>
+          <p:cNvCxnSpPr>
+            <a:stCxn id="55" idx="2"/>
+            <a:endCxn id="56" idx="0"/>
+          </p:cNvCxnSpPr>
+          <p:nvPr/>
+        </p:nvCxnSpPr>
+        <p:spPr>
+          <a:xfrm>
+            <a:off x="6779552" y="7368778"/>
+            <a:ext cx="1" cy="364028"/>
+          </a:xfrm>
+          <a:prstGeom prst="straightConnector1">
+            <a:avLst/>
+          </a:prstGeom>
+          <a:ln>
+            <a:tailEnd type="triangle"/>
+          </a:ln>
+        </p:spPr>
+        <p:style>
+          <a:lnRef idx="2">
+            <a:schemeClr val="dk1"/>
+          </a:lnRef>
+          <a:fillRef idx="0">
+            <a:schemeClr val="dk1"/>
+          </a:fillRef>
+          <a:effectRef idx="1">
+            <a:schemeClr val="dk1"/>
+          </a:effectRef>
+          <a:fontRef idx="minor">
+            <a:schemeClr val="tx1"/>
+          </a:fontRef>
+        </p:style>
+      </p:cxnSp>
+      <p:cxnSp>
+        <p:nvCxnSpPr>
+          <p:cNvPr id="63" name="Elbow Connector 62"/>
+          <p:cNvCxnSpPr>
+            <a:stCxn id="27" idx="3"/>
+            <a:endCxn id="55" idx="3"/>
+          </p:cNvCxnSpPr>
+          <p:nvPr/>
+        </p:nvCxnSpPr>
+        <p:spPr>
+          <a:xfrm flipV="1">
+            <a:off x="7381185" y="7035817"/>
+            <a:ext cx="1149329" cy="1637091"/>
+          </a:xfrm>
+          <a:prstGeom prst="bentConnector3">
+            <a:avLst>
+              <a:gd name="adj1" fmla="val 152752"/>
+            </a:avLst>
+          </a:prstGeom>
+          <a:ln>
+            <a:tailEnd type="triangle"/>
+          </a:ln>
+        </p:spPr>
+        <p:style>
+          <a:lnRef idx="2">
+            <a:schemeClr val="dk1"/>
+          </a:lnRef>
+          <a:fillRef idx="0">
+            <a:schemeClr val="dk1"/>
+          </a:fillRef>
+          <a:effectRef idx="1">
+            <a:schemeClr val="dk1"/>
+          </a:effectRef>
+          <a:fontRef idx="minor">
+            <a:schemeClr val="tx1"/>
+          </a:fontRef>
+        </p:style>
+      </p:cxnSp>
+      <p:sp>
+        <p:nvSpPr>
+          <p:cNvPr id="9" name="TextBox 8"/>
+          <p:cNvSpPr txBox="1"/>
+          <p:nvPr/>
+        </p:nvSpPr>
+        <p:spPr>
+          <a:xfrm>
+            <a:off x="6680162" y="6108989"/>
+            <a:ext cx="3781805" cy="369332"/>
+          </a:xfrm>
+          <a:prstGeom prst="rect">
+            <a:avLst/>
+          </a:prstGeom>
+          <a:noFill/>
+        </p:spPr>
+        <p:txBody>
+          <a:bodyPr wrap="none" rtlCol="0">
+            <a:spAutoFit/>
+          </a:bodyPr>
+          <a:lstStyle/>
+          <a:p>
+            <a:r>
+              <a:rPr lang="zh-CN" altLang="en-US" dirty="0"/>
+              <a:t>（</a:t>
+            </a:r>
+            <a:r>
+              <a:rPr lang="zh-CN" altLang="en-US" dirty="0" smtClean="0"/>
+              <a:t>插入位置后元素</a:t>
+            </a:r>
+            <a:r>
+              <a:rPr lang="zh-CN" altLang="en-US" dirty="0" smtClean="0"/>
+              <a:t>依次后</a:t>
+            </a:r>
+            <a:r>
+              <a:rPr lang="zh-CN" altLang="en-US" dirty="0" smtClean="0"/>
+              <a:t>移</a:t>
+            </a:r>
+            <a:r>
+              <a:rPr lang="zh-CN" altLang="en-US" dirty="0" smtClean="0"/>
+              <a:t>一</a:t>
+            </a:r>
+            <a:r>
+              <a:rPr lang="zh-CN" altLang="en-US" dirty="0" smtClean="0"/>
+              <a:t>位）</a:t>
+            </a:r>
+            <a:endParaRPr lang="en-US" dirty="0"/>
+          </a:p>
+        </p:txBody>
+      </p:sp>
+      <p:sp>
+        <p:nvSpPr>
+          <p:cNvPr id="27" name="Rectangle 26"/>
+          <p:cNvSpPr/>
+          <p:nvPr/>
+        </p:nvSpPr>
+        <p:spPr>
+          <a:xfrm>
+            <a:off x="6177921" y="8474526"/>
+            <a:ext cx="1203264" cy="396763"/>
+          </a:xfrm>
+          <a:prstGeom prst="rect">
+            <a:avLst/>
+          </a:prstGeom>
+        </p:spPr>
+        <p:style>
+          <a:lnRef idx="2">
+            <a:schemeClr val="dk1"/>
+          </a:lnRef>
+          <a:fillRef idx="1">
+            <a:schemeClr val="lt1"/>
+          </a:fillRef>
+          <a:effectRef idx="0">
+            <a:schemeClr val="dk1"/>
+          </a:effectRef>
+          <a:fontRef idx="minor">
+            <a:schemeClr val="dk1"/>
+          </a:fontRef>
+        </p:style>
+        <p:txBody>
+          <a:bodyPr rtlCol="0" anchor="ctr"/>
+          <a:lstStyle/>
+          <a:p>
+            <a:pPr algn="ctr"/>
+            <a:r>
+              <a:rPr lang="en-US" altLang="zh-CN" dirty="0" err="1" smtClean="0"/>
+              <a:t>bak_ptr</a:t>
+            </a:r>
+            <a:r>
+              <a:rPr lang="en-US" altLang="zh-CN" dirty="0" smtClean="0"/>
+              <a:t>--</a:t>
+            </a:r>
+            <a:endParaRPr lang="en-US" dirty="0"/>
+          </a:p>
+        </p:txBody>
+      </p:sp>
+      <p:cxnSp>
+        <p:nvCxnSpPr>
+          <p:cNvPr id="28" name="Straight Arrow Connector 27"/>
+          <p:cNvCxnSpPr>
+            <a:stCxn id="56" idx="2"/>
+            <a:endCxn id="27" idx="0"/>
+          </p:cNvCxnSpPr>
+          <p:nvPr/>
+        </p:nvCxnSpPr>
+        <p:spPr>
+          <a:xfrm>
+            <a:off x="6779553" y="8110498"/>
+            <a:ext cx="0" cy="364028"/>
+          </a:xfrm>
+          <a:prstGeom prst="straightConnector1">
+            <a:avLst/>
+          </a:prstGeom>
+          <a:ln>
+            <a:tailEnd type="triangle"/>
+          </a:ln>
+        </p:spPr>
+        <p:style>
+          <a:lnRef idx="2">
+            <a:schemeClr val="dk1"/>
+          </a:lnRef>
+          <a:fillRef idx="0">
+            <a:schemeClr val="dk1"/>
+          </a:fillRef>
+          <a:effectRef idx="1">
+            <a:schemeClr val="dk1"/>
+          </a:effectRef>
+          <a:fontRef idx="minor">
+            <a:schemeClr val="tx1"/>
+          </a:fontRef>
+        </p:style>
+      </p:cxnSp>
+      <p:cxnSp>
+        <p:nvCxnSpPr>
+          <p:cNvPr id="54" name="Elbow Connector 53"/>
+          <p:cNvCxnSpPr>
+            <a:stCxn id="55" idx="1"/>
+            <a:endCxn id="75" idx="0"/>
+          </p:cNvCxnSpPr>
+          <p:nvPr/>
+        </p:nvCxnSpPr>
+        <p:spPr>
+          <a:xfrm rot="10800000" flipH="1" flipV="1">
+            <a:off x="5028590" y="7035816"/>
+            <a:ext cx="1746636" cy="2488137"/>
+          </a:xfrm>
+          <a:prstGeom prst="bentConnector4">
+            <a:avLst>
+              <a:gd name="adj1" fmla="val -57473"/>
+              <a:gd name="adj2" fmla="val 88648"/>
+            </a:avLst>
+          </a:prstGeom>
+          <a:ln>
+            <a:tailEnd type="triangle"/>
+          </a:ln>
+        </p:spPr>
+        <p:style>
+          <a:lnRef idx="2">
+            <a:schemeClr val="dk1"/>
+          </a:lnRef>
+          <a:fillRef idx="0">
+            <a:schemeClr val="dk1"/>
+          </a:fillRef>
+          <a:effectRef idx="1">
+            <a:schemeClr val="dk1"/>
+          </a:effectRef>
+          <a:fontRef idx="minor">
+            <a:schemeClr val="tx1"/>
+          </a:fontRef>
+        </p:style>
+      </p:cxnSp>
+      <p:sp>
+        <p:nvSpPr>
+          <p:cNvPr id="61" name="Rounded Rectangle 60"/>
+          <p:cNvSpPr/>
+          <p:nvPr/>
+        </p:nvSpPr>
+        <p:spPr>
+          <a:xfrm>
+            <a:off x="6278268" y="12322547"/>
+            <a:ext cx="993913" cy="496445"/>
+          </a:xfrm>
+          <a:prstGeom prst="roundRect">
+            <a:avLst/>
+          </a:prstGeom>
+        </p:spPr>
+        <p:style>
+          <a:lnRef idx="2">
+            <a:schemeClr val="dk1"/>
+          </a:lnRef>
+          <a:fillRef idx="1">
+            <a:schemeClr val="lt1"/>
+          </a:fillRef>
+          <a:effectRef idx="0">
+            <a:schemeClr val="dk1"/>
+          </a:effectRef>
+          <a:fontRef idx="minor">
+            <a:schemeClr val="dk1"/>
+          </a:fontRef>
+        </p:style>
+        <p:txBody>
+          <a:bodyPr rtlCol="0" anchor="ctr"/>
+          <a:lstStyle/>
+          <a:p>
+            <a:pPr algn="ctr"/>
+            <a:r>
+              <a:rPr lang="zh-CN" altLang="en-US" dirty="0" smtClean="0"/>
+              <a:t>返回</a:t>
+            </a:r>
+            <a:r>
+              <a:rPr lang="en-US" altLang="zh-CN" dirty="0" smtClean="0"/>
+              <a:t>OK</a:t>
+            </a:r>
+            <a:endParaRPr lang="en-US" dirty="0"/>
+          </a:p>
+        </p:txBody>
+      </p:sp>
+      <p:sp>
+        <p:nvSpPr>
+          <p:cNvPr id="67" name="TextBox 66"/>
+          <p:cNvSpPr txBox="1"/>
+          <p:nvPr/>
+        </p:nvSpPr>
+        <p:spPr>
+          <a:xfrm>
+            <a:off x="5078355" y="395980"/>
+            <a:ext cx="296876" cy="369332"/>
+          </a:xfrm>
+          <a:prstGeom prst="rect">
+            <a:avLst/>
+          </a:prstGeom>
+          <a:noFill/>
+        </p:spPr>
+        <p:txBody>
+          <a:bodyPr wrap="none" rtlCol="0">
+            <a:spAutoFit/>
+          </a:bodyPr>
+          <a:lstStyle/>
+          <a:p>
+            <a:r>
+              <a:rPr lang="en-US" altLang="zh-CN" dirty="0" smtClean="0"/>
+              <a:t>Y</a:t>
+            </a:r>
+            <a:endParaRPr lang="en-US" dirty="0"/>
+          </a:p>
+        </p:txBody>
+      </p:sp>
+      <p:sp>
+        <p:nvSpPr>
+          <p:cNvPr id="68" name="TextBox 67"/>
+          <p:cNvSpPr txBox="1"/>
+          <p:nvPr/>
+        </p:nvSpPr>
+        <p:spPr>
+          <a:xfrm>
+            <a:off x="6794029" y="1349070"/>
+            <a:ext cx="333746" cy="369332"/>
+          </a:xfrm>
+          <a:prstGeom prst="rect">
+            <a:avLst/>
+          </a:prstGeom>
+          <a:noFill/>
+        </p:spPr>
+        <p:txBody>
+          <a:bodyPr wrap="none" rtlCol="0">
+            <a:spAutoFit/>
+          </a:bodyPr>
+          <a:lstStyle/>
+          <a:p>
+            <a:r>
+              <a:rPr lang="en-US" altLang="zh-CN" dirty="0" smtClean="0"/>
+              <a:t>N</a:t>
+            </a:r>
+            <a:endParaRPr lang="en-US" dirty="0"/>
+          </a:p>
+        </p:txBody>
+      </p:sp>
+      <p:sp>
+        <p:nvSpPr>
+          <p:cNvPr id="69" name="TextBox 68"/>
+          <p:cNvSpPr txBox="1"/>
+          <p:nvPr/>
+        </p:nvSpPr>
+        <p:spPr>
+          <a:xfrm>
+            <a:off x="5338607" y="2068238"/>
+            <a:ext cx="333746" cy="369332"/>
+          </a:xfrm>
+          <a:prstGeom prst="rect">
+            <a:avLst/>
+          </a:prstGeom>
+          <a:noFill/>
+        </p:spPr>
+        <p:txBody>
+          <a:bodyPr wrap="none" rtlCol="0">
+            <a:spAutoFit/>
+          </a:bodyPr>
+          <a:lstStyle/>
+          <a:p>
+            <a:r>
+              <a:rPr lang="en-US" altLang="zh-CN" dirty="0" smtClean="0"/>
+              <a:t>N</a:t>
+            </a:r>
+            <a:endParaRPr lang="en-US" dirty="0"/>
+          </a:p>
+        </p:txBody>
+      </p:sp>
+      <p:sp>
+        <p:nvSpPr>
+          <p:cNvPr id="70" name="TextBox 69"/>
+          <p:cNvSpPr txBox="1"/>
+          <p:nvPr/>
+        </p:nvSpPr>
+        <p:spPr>
+          <a:xfrm>
+            <a:off x="6775226" y="2982708"/>
+            <a:ext cx="296876" cy="369332"/>
+          </a:xfrm>
+          <a:prstGeom prst="rect">
+            <a:avLst/>
+          </a:prstGeom>
+          <a:noFill/>
+        </p:spPr>
+        <p:txBody>
+          <a:bodyPr wrap="none" rtlCol="0">
+            <a:spAutoFit/>
+          </a:bodyPr>
+          <a:lstStyle/>
+          <a:p>
+            <a:r>
+              <a:rPr lang="en-US" altLang="zh-CN" dirty="0" smtClean="0"/>
+              <a:t>Y</a:t>
+            </a:r>
+            <a:endParaRPr lang="en-US" dirty="0"/>
+          </a:p>
+        </p:txBody>
+      </p:sp>
+      <p:sp>
+        <p:nvSpPr>
+          <p:cNvPr id="71" name="TextBox 70"/>
+          <p:cNvSpPr txBox="1"/>
+          <p:nvPr/>
+        </p:nvSpPr>
+        <p:spPr>
+          <a:xfrm>
+            <a:off x="6785160" y="7369691"/>
+            <a:ext cx="296876" cy="369332"/>
+          </a:xfrm>
+          <a:prstGeom prst="rect">
+            <a:avLst/>
+          </a:prstGeom>
+          <a:noFill/>
+        </p:spPr>
+        <p:txBody>
+          <a:bodyPr wrap="none" rtlCol="0">
+            <a:spAutoFit/>
+          </a:bodyPr>
+          <a:lstStyle/>
+          <a:p>
+            <a:r>
+              <a:rPr lang="en-US" altLang="zh-CN" dirty="0" smtClean="0"/>
+              <a:t>Y</a:t>
+            </a:r>
+            <a:endParaRPr lang="en-US" dirty="0"/>
+          </a:p>
+        </p:txBody>
+      </p:sp>
+      <p:sp>
+        <p:nvSpPr>
+          <p:cNvPr id="78" name="TextBox 77"/>
+          <p:cNvSpPr txBox="1"/>
+          <p:nvPr/>
+        </p:nvSpPr>
+        <p:spPr>
+          <a:xfrm>
+            <a:off x="4734186" y="6666484"/>
+            <a:ext cx="333746" cy="369332"/>
+          </a:xfrm>
+          <a:prstGeom prst="rect">
+            <a:avLst/>
+          </a:prstGeom>
+          <a:noFill/>
+        </p:spPr>
+        <p:txBody>
+          <a:bodyPr wrap="none" rtlCol="0">
+            <a:spAutoFit/>
+          </a:bodyPr>
+          <a:lstStyle/>
+          <a:p>
+            <a:r>
+              <a:rPr lang="en-US" altLang="zh-CN" dirty="0" smtClean="0"/>
+              <a:t>N</a:t>
+            </a:r>
+            <a:endParaRPr lang="en-US" dirty="0"/>
+          </a:p>
+        </p:txBody>
+      </p:sp>
+      <p:sp>
+        <p:nvSpPr>
+          <p:cNvPr id="48" name="Rectangle 47"/>
+          <p:cNvSpPr/>
+          <p:nvPr/>
+        </p:nvSpPr>
+        <p:spPr>
+          <a:xfrm>
+            <a:off x="5548461" y="4521621"/>
+            <a:ext cx="2473399" cy="719168"/>
+          </a:xfrm>
+          <a:prstGeom prst="rect">
+            <a:avLst/>
+          </a:prstGeom>
+        </p:spPr>
+        <p:style>
+          <a:lnRef idx="2">
+            <a:schemeClr val="dk1"/>
+          </a:lnRef>
+          <a:fillRef idx="1">
+            <a:schemeClr val="lt1"/>
+          </a:fillRef>
+          <a:effectRef idx="0">
+            <a:schemeClr val="dk1"/>
+          </a:effectRef>
+          <a:fontRef idx="minor">
+            <a:schemeClr val="dk1"/>
+          </a:fontRef>
+        </p:style>
+        <p:txBody>
+          <a:bodyPr rtlCol="0" anchor="ctr"/>
+          <a:lstStyle/>
+          <a:p>
+            <a:pPr algn="ctr"/>
+            <a:r>
+              <a:rPr lang="zh-CN" altLang="en-US" dirty="0" smtClean="0"/>
+              <a:t>要删除的</a:t>
+            </a:r>
+            <a:r>
+              <a:rPr lang="zh-CN" altLang="en-US" smtClean="0"/>
+              <a:t>元素值带出：</a:t>
+            </a:r>
+            <a:endParaRPr lang="en-US" altLang="zh-CN" dirty="0" smtClean="0"/>
+          </a:p>
+          <a:p>
+            <a:pPr algn="ctr"/>
+            <a:r>
+              <a:rPr lang="zh-CN" altLang="en-US" dirty="0" smtClean="0"/>
+              <a:t>*</a:t>
+            </a:r>
+            <a:r>
+              <a:rPr lang="en-US" altLang="zh-CN" dirty="0" smtClean="0"/>
+              <a:t>e = L-&gt;</a:t>
+            </a:r>
+            <a:r>
+              <a:rPr lang="en-US" altLang="zh-CN" dirty="0" err="1" smtClean="0"/>
+              <a:t>elem</a:t>
+            </a:r>
+            <a:r>
+              <a:rPr lang="en-US" altLang="zh-CN" dirty="0" smtClean="0"/>
+              <a:t>[key - 1]</a:t>
+            </a:r>
+            <a:endParaRPr lang="en-US" dirty="0"/>
+          </a:p>
+        </p:txBody>
+      </p:sp>
+      <p:sp>
+        <p:nvSpPr>
+          <p:cNvPr id="50" name="Rectangle 49"/>
+          <p:cNvSpPr/>
+          <p:nvPr/>
+        </p:nvSpPr>
+        <p:spPr>
+          <a:xfrm>
+            <a:off x="5713281" y="3444761"/>
+            <a:ext cx="2143760" cy="613840"/>
+          </a:xfrm>
+          <a:prstGeom prst="rect">
+            <a:avLst/>
+          </a:prstGeom>
+        </p:spPr>
+        <p:style>
+          <a:lnRef idx="2">
+            <a:schemeClr val="dk1"/>
+          </a:lnRef>
+          <a:fillRef idx="1">
+            <a:schemeClr val="lt1"/>
+          </a:fillRef>
+          <a:effectRef idx="0">
+            <a:schemeClr val="dk1"/>
+          </a:effectRef>
+          <a:fontRef idx="minor">
+            <a:schemeClr val="dk1"/>
+          </a:fontRef>
+        </p:style>
+        <p:txBody>
+          <a:bodyPr rtlCol="0" anchor="ctr"/>
+          <a:lstStyle/>
+          <a:p>
+            <a:pPr algn="ctr"/>
+            <a:r>
+              <a:rPr lang="zh-CN" altLang="en-US" smtClean="0"/>
+              <a:t>修改记录的表长：</a:t>
+            </a:r>
+            <a:endParaRPr lang="en-US" altLang="zh-CN" dirty="0" smtClean="0"/>
+          </a:p>
+          <a:p>
+            <a:pPr algn="ctr"/>
+            <a:r>
+              <a:rPr lang="en-US" altLang="zh-CN" dirty="0" smtClean="0"/>
+              <a:t>L-&gt;length--</a:t>
+            </a:r>
+            <a:endParaRPr lang="en-US" dirty="0"/>
+          </a:p>
+        </p:txBody>
+      </p:sp>
+      <p:cxnSp>
+        <p:nvCxnSpPr>
+          <p:cNvPr id="58" name="Straight Arrow Connector 57"/>
+          <p:cNvCxnSpPr>
+            <a:stCxn id="2" idx="2"/>
+            <a:endCxn id="50" idx="0"/>
+          </p:cNvCxnSpPr>
+          <p:nvPr/>
+        </p:nvCxnSpPr>
+        <p:spPr>
+          <a:xfrm flipH="1">
+            <a:off x="6785161" y="2981741"/>
+            <a:ext cx="3262" cy="463020"/>
+          </a:xfrm>
+          <a:prstGeom prst="straightConnector1">
+            <a:avLst/>
+          </a:prstGeom>
+          <a:ln>
+            <a:tailEnd type="triangle"/>
+          </a:ln>
+        </p:spPr>
+        <p:style>
+          <a:lnRef idx="2">
+            <a:schemeClr val="dk1"/>
+          </a:lnRef>
+          <a:fillRef idx="0">
+            <a:schemeClr val="dk1"/>
+          </a:fillRef>
+          <a:effectRef idx="1">
+            <a:schemeClr val="dk1"/>
+          </a:effectRef>
+          <a:fontRef idx="minor">
+            <a:schemeClr val="tx1"/>
+          </a:fontRef>
+        </p:style>
+      </p:cxnSp>
+      <p:cxnSp>
+        <p:nvCxnSpPr>
+          <p:cNvPr id="59" name="Straight Arrow Connector 58"/>
+          <p:cNvCxnSpPr>
+            <a:stCxn id="50" idx="2"/>
+            <a:endCxn id="48" idx="0"/>
+          </p:cNvCxnSpPr>
+          <p:nvPr/>
+        </p:nvCxnSpPr>
+        <p:spPr>
+          <a:xfrm>
+            <a:off x="6785161" y="4058601"/>
+            <a:ext cx="0" cy="463020"/>
+          </a:xfrm>
+          <a:prstGeom prst="straightConnector1">
+            <a:avLst/>
+          </a:prstGeom>
+          <a:ln>
+            <a:tailEnd type="triangle"/>
+          </a:ln>
+        </p:spPr>
+        <p:style>
+          <a:lnRef idx="2">
+            <a:schemeClr val="dk1"/>
+          </a:lnRef>
+          <a:fillRef idx="0">
+            <a:schemeClr val="dk1"/>
+          </a:fillRef>
+          <a:effectRef idx="1">
+            <a:schemeClr val="dk1"/>
+          </a:effectRef>
+          <a:fontRef idx="minor">
+            <a:schemeClr val="tx1"/>
+          </a:fontRef>
+        </p:style>
+      </p:cxnSp>
+      <p:cxnSp>
+        <p:nvCxnSpPr>
+          <p:cNvPr id="62" name="Straight Arrow Connector 61"/>
+          <p:cNvCxnSpPr>
+            <a:stCxn id="48" idx="2"/>
+            <a:endCxn id="43" idx="0"/>
+          </p:cNvCxnSpPr>
+          <p:nvPr/>
+        </p:nvCxnSpPr>
+        <p:spPr>
+          <a:xfrm flipH="1">
+            <a:off x="6785160" y="5240789"/>
+            <a:ext cx="1" cy="453651"/>
+          </a:xfrm>
+          <a:prstGeom prst="straightConnector1">
+            <a:avLst/>
+          </a:prstGeom>
+          <a:ln>
+            <a:tailEnd type="triangle"/>
+          </a:ln>
+        </p:spPr>
+        <p:style>
+          <a:lnRef idx="2">
+            <a:schemeClr val="dk1"/>
+          </a:lnRef>
+          <a:fillRef idx="0">
+            <a:schemeClr val="dk1"/>
+          </a:fillRef>
+          <a:effectRef idx="1">
+            <a:schemeClr val="dk1"/>
+          </a:effectRef>
+          <a:fontRef idx="minor">
+            <a:schemeClr val="tx1"/>
+          </a:fontRef>
+        </p:style>
+      </p:cxnSp>
+      <p:sp>
+        <p:nvSpPr>
+          <p:cNvPr id="75" name="Diamond 74"/>
+          <p:cNvSpPr/>
+          <p:nvPr/>
+        </p:nvSpPr>
+        <p:spPr>
+          <a:xfrm>
+            <a:off x="5137561" y="9523954"/>
+            <a:ext cx="3275330" cy="1172819"/>
+          </a:xfrm>
+          <a:prstGeom prst="diamond">
+            <a:avLst/>
+          </a:prstGeom>
+        </p:spPr>
+        <p:style>
+          <a:lnRef idx="2">
+            <a:schemeClr val="dk1"/>
+          </a:lnRef>
+          <a:fillRef idx="1">
+            <a:schemeClr val="lt1"/>
+          </a:fillRef>
+          <a:effectRef idx="0">
+            <a:schemeClr val="dk1"/>
+          </a:effectRef>
+          <a:fontRef idx="minor">
+            <a:schemeClr val="dk1"/>
+          </a:fontRef>
+        </p:style>
+        <p:txBody>
+          <a:bodyPr rtlCol="0" anchor="ctr"/>
+          <a:lstStyle/>
+          <a:p>
+            <a:pPr algn="ctr"/>
+            <a:r>
+              <a:rPr lang="zh-CN" altLang="en-US" dirty="0" smtClean="0"/>
+              <a:t>是否可以分配更</a:t>
+            </a:r>
+            <a:r>
+              <a:rPr lang="zh-CN" altLang="en-US" smtClean="0"/>
+              <a:t>小的空间？</a:t>
+            </a:r>
+            <a:endParaRPr lang="en-US" dirty="0"/>
+          </a:p>
+        </p:txBody>
+      </p:sp>
+      <p:sp>
+        <p:nvSpPr>
+          <p:cNvPr id="82" name="Diamond 81"/>
+          <p:cNvSpPr/>
+          <p:nvPr/>
+        </p:nvSpPr>
+        <p:spPr>
+          <a:xfrm>
+            <a:off x="5446489" y="11090347"/>
+            <a:ext cx="2657473" cy="775382"/>
+          </a:xfrm>
+          <a:prstGeom prst="diamond">
+            <a:avLst/>
+          </a:prstGeom>
+        </p:spPr>
+        <p:style>
+          <a:lnRef idx="2">
+            <a:schemeClr val="dk1"/>
+          </a:lnRef>
+          <a:fillRef idx="1">
+            <a:schemeClr val="lt1"/>
+          </a:fillRef>
+          <a:effectRef idx="0">
+            <a:schemeClr val="dk1"/>
+          </a:effectRef>
+          <a:fontRef idx="minor">
+            <a:schemeClr val="dk1"/>
+          </a:fontRef>
+        </p:style>
+        <p:txBody>
+          <a:bodyPr rtlCol="0" anchor="ctr"/>
+          <a:lstStyle/>
+          <a:p>
+            <a:pPr algn="ctr"/>
+            <a:r>
+              <a:rPr lang="zh-CN" altLang="en-US" smtClean="0"/>
+              <a:t>分配新空间</a:t>
+            </a:r>
+            <a:endParaRPr lang="en-US" dirty="0"/>
+          </a:p>
+        </p:txBody>
+      </p:sp>
+      <p:cxnSp>
+        <p:nvCxnSpPr>
+          <p:cNvPr id="83" name="Straight Arrow Connector 82"/>
+          <p:cNvCxnSpPr>
+            <a:stCxn id="75" idx="2"/>
+            <a:endCxn id="82" idx="0"/>
+          </p:cNvCxnSpPr>
+          <p:nvPr/>
+        </p:nvCxnSpPr>
+        <p:spPr>
+          <a:xfrm>
+            <a:off x="6775226" y="10696773"/>
+            <a:ext cx="0" cy="393574"/>
+          </a:xfrm>
+          <a:prstGeom prst="straightConnector1">
+            <a:avLst/>
+          </a:prstGeom>
+          <a:ln>
+            <a:tailEnd type="triangle"/>
+          </a:ln>
+        </p:spPr>
+        <p:style>
+          <a:lnRef idx="2">
+            <a:schemeClr val="dk1"/>
+          </a:lnRef>
+          <a:fillRef idx="0">
+            <a:schemeClr val="dk1"/>
+          </a:fillRef>
+          <a:effectRef idx="1">
+            <a:schemeClr val="dk1"/>
+          </a:effectRef>
+          <a:fontRef idx="minor">
+            <a:schemeClr val="tx1"/>
+          </a:fontRef>
+        </p:style>
+      </p:cxnSp>
+      <p:cxnSp>
+        <p:nvCxnSpPr>
+          <p:cNvPr id="89" name="Straight Arrow Connector 88"/>
+          <p:cNvCxnSpPr>
+            <a:stCxn id="82" idx="2"/>
+            <a:endCxn id="61" idx="0"/>
+          </p:cNvCxnSpPr>
+          <p:nvPr/>
+        </p:nvCxnSpPr>
+        <p:spPr>
+          <a:xfrm flipH="1">
+            <a:off x="6775225" y="11865729"/>
+            <a:ext cx="1" cy="456818"/>
+          </a:xfrm>
+          <a:prstGeom prst="straightConnector1">
+            <a:avLst/>
+          </a:prstGeom>
+          <a:ln>
+            <a:tailEnd type="triangle"/>
+          </a:ln>
+        </p:spPr>
+        <p:style>
+          <a:lnRef idx="2">
+            <a:schemeClr val="dk1"/>
+          </a:lnRef>
+          <a:fillRef idx="0">
+            <a:schemeClr val="dk1"/>
+          </a:fillRef>
+          <a:effectRef idx="1">
+            <a:schemeClr val="dk1"/>
+          </a:effectRef>
+          <a:fontRef idx="minor">
+            <a:schemeClr val="tx1"/>
+          </a:fontRef>
+        </p:style>
+      </p:cxnSp>
+      <p:cxnSp>
+        <p:nvCxnSpPr>
+          <p:cNvPr id="92" name="Elbow Connector 91"/>
+          <p:cNvCxnSpPr>
+            <a:stCxn id="75" idx="3"/>
+            <a:endCxn id="61" idx="3"/>
+          </p:cNvCxnSpPr>
+          <p:nvPr/>
+        </p:nvCxnSpPr>
+        <p:spPr>
+          <a:xfrm flipH="1">
+            <a:off x="7272181" y="10110364"/>
+            <a:ext cx="1140710" cy="2460406"/>
+          </a:xfrm>
+          <a:prstGeom prst="bentConnector3">
+            <a:avLst>
+              <a:gd name="adj1" fmla="val -39209"/>
+            </a:avLst>
+          </a:prstGeom>
+          <a:ln>
+            <a:tailEnd type="triangle"/>
+          </a:ln>
+        </p:spPr>
+        <p:style>
+          <a:lnRef idx="2">
+            <a:schemeClr val="dk1"/>
+          </a:lnRef>
+          <a:fillRef idx="0">
+            <a:schemeClr val="dk1"/>
+          </a:fillRef>
+          <a:effectRef idx="1">
+            <a:schemeClr val="dk1"/>
+          </a:effectRef>
+          <a:fontRef idx="minor">
+            <a:schemeClr val="tx1"/>
+          </a:fontRef>
+        </p:style>
+      </p:cxnSp>
+      <p:sp>
+        <p:nvSpPr>
+          <p:cNvPr id="95" name="TextBox 94"/>
+          <p:cNvSpPr txBox="1"/>
+          <p:nvPr/>
+        </p:nvSpPr>
+        <p:spPr>
+          <a:xfrm>
+            <a:off x="6782356" y="11902878"/>
+            <a:ext cx="1107996" cy="369332"/>
+          </a:xfrm>
+          <a:prstGeom prst="rect">
+            <a:avLst/>
+          </a:prstGeom>
+          <a:noFill/>
+        </p:spPr>
+        <p:txBody>
+          <a:bodyPr wrap="none" rtlCol="0">
+            <a:spAutoFit/>
+          </a:bodyPr>
+          <a:lstStyle/>
+          <a:p>
+            <a:r>
+              <a:rPr lang="zh-CN" altLang="en-US" smtClean="0"/>
+              <a:t>分配成功</a:t>
+            </a:r>
+            <a:endParaRPr lang="en-US" dirty="0"/>
+          </a:p>
+        </p:txBody>
+      </p:sp>
+      <p:cxnSp>
+        <p:nvCxnSpPr>
+          <p:cNvPr id="96" name="Elbow Connector 95"/>
+          <p:cNvCxnSpPr>
+            <a:stCxn id="82" idx="1"/>
+            <a:endCxn id="6" idx="0"/>
+          </p:cNvCxnSpPr>
+          <p:nvPr/>
+        </p:nvCxnSpPr>
+        <p:spPr>
+          <a:xfrm rot="10800000" flipV="1">
+            <a:off x="3175241" y="11478037"/>
+            <a:ext cx="2271249" cy="734923"/>
+          </a:xfrm>
+          <a:prstGeom prst="bentConnector2">
+            <a:avLst/>
+          </a:prstGeom>
+          <a:ln>
+            <a:tailEnd type="triangle"/>
+          </a:ln>
+        </p:spPr>
+        <p:style>
+          <a:lnRef idx="2">
+            <a:schemeClr val="dk1"/>
+          </a:lnRef>
+          <a:fillRef idx="0">
+            <a:schemeClr val="dk1"/>
+          </a:fillRef>
+          <a:effectRef idx="1">
+            <a:schemeClr val="dk1"/>
+          </a:effectRef>
+          <a:fontRef idx="minor">
+            <a:schemeClr val="tx1"/>
+          </a:fontRef>
+        </p:style>
+      </p:cxnSp>
+      <p:sp>
+        <p:nvSpPr>
+          <p:cNvPr id="103" name="TextBox 102"/>
+          <p:cNvSpPr txBox="1"/>
+          <p:nvPr/>
+        </p:nvSpPr>
+        <p:spPr>
+          <a:xfrm>
+            <a:off x="8412891" y="9741031"/>
+            <a:ext cx="303405" cy="369332"/>
+          </a:xfrm>
+          <a:prstGeom prst="rect">
+            <a:avLst/>
+          </a:prstGeom>
+          <a:noFill/>
+        </p:spPr>
+        <p:txBody>
+          <a:bodyPr wrap="none" rtlCol="0">
+            <a:spAutoFit/>
+          </a:bodyPr>
+          <a:lstStyle/>
+          <a:p>
+            <a:r>
+              <a:rPr lang="en-US" altLang="zh-CN" dirty="0" smtClean="0"/>
+              <a:t>N</a:t>
+            </a:r>
+            <a:endParaRPr lang="en-US" dirty="0"/>
+          </a:p>
+        </p:txBody>
+      </p:sp>
+      <p:sp>
+        <p:nvSpPr>
+          <p:cNvPr id="104" name="TextBox 103"/>
+          <p:cNvSpPr txBox="1"/>
+          <p:nvPr/>
+        </p:nvSpPr>
+        <p:spPr>
+          <a:xfrm>
+            <a:off x="6794029" y="10696773"/>
+            <a:ext cx="303405" cy="369332"/>
+          </a:xfrm>
+          <a:prstGeom prst="rect">
+            <a:avLst/>
+          </a:prstGeom>
+          <a:noFill/>
+        </p:spPr>
+        <p:txBody>
+          <a:bodyPr wrap="none" rtlCol="0">
+            <a:spAutoFit/>
+          </a:bodyPr>
+          <a:lstStyle/>
+          <a:p>
+            <a:r>
+              <a:rPr lang="en-US" altLang="zh-CN" smtClean="0"/>
+              <a:t>Y</a:t>
+            </a:r>
+            <a:endParaRPr lang="en-US" dirty="0"/>
+          </a:p>
+        </p:txBody>
+      </p:sp>
+      <p:sp>
+        <p:nvSpPr>
+          <p:cNvPr id="105" name="TextBox 104"/>
+          <p:cNvSpPr txBox="1"/>
+          <p:nvPr/>
+        </p:nvSpPr>
+        <p:spPr>
+          <a:xfrm>
+            <a:off x="4347202" y="11108706"/>
+            <a:ext cx="1107996" cy="369332"/>
+          </a:xfrm>
+          <a:prstGeom prst="rect">
+            <a:avLst/>
+          </a:prstGeom>
+          <a:noFill/>
+        </p:spPr>
+        <p:txBody>
+          <a:bodyPr wrap="none" rtlCol="0">
+            <a:spAutoFit/>
+          </a:bodyPr>
+          <a:lstStyle/>
+          <a:p>
+            <a:r>
+              <a:rPr lang="zh-CN" altLang="en-US" smtClean="0"/>
+              <a:t>分配失败</a:t>
+            </a:r>
+            <a:endParaRPr lang="en-US" dirty="0"/>
+          </a:p>
+        </p:txBody>
+      </p:sp>
+    </p:spTree>
+    <p:extLst>
+      <p:ext uri="{BB962C8B-B14F-4D97-AF65-F5344CB8AC3E}">
+        <p14:creationId xmlns:p14="http://schemas.microsoft.com/office/powerpoint/2010/main" val="275916418"/>
+      </p:ext>
+    </p:extLst>
+  </p:cSld>
+  <p:clrMapOvr>
+    <a:masterClrMapping/>
+  </p:clrMapOvr>
+</p:sld>
+</file>
+
 <file path=ppt/theme/theme1.xml><?xml version="1.0" encoding="utf-8"?>
 <a:theme xmlns:a="http://schemas.openxmlformats.org/drawingml/2006/main" name="Office Theme">
   <a:themeElements>
@@ -6170,4 +8218,265 @@
     </a:ext>
   </a:extLst>
 </a:theme>
+</file>
+
+<file path=ppt/theme/theme2.xml><?xml version="1.0" encoding="utf-8"?>
+<a:theme xmlns:a="http://schemas.openxmlformats.org/drawingml/2006/main" name="Office Theme">
+  <a:themeElements>
+    <a:clrScheme name="Office">
+      <a:dk1>
+        <a:sysClr val="windowText" lastClr="000000"/>
+      </a:dk1>
+      <a:lt1>
+        <a:sysClr val="window" lastClr="FFFFFF"/>
+      </a:lt1>
+      <a:dk2>
+        <a:srgbClr val="44546A"/>
+      </a:dk2>
+      <a:lt2>
+        <a:srgbClr val="E7E6E6"/>
+      </a:lt2>
+      <a:accent1>
+        <a:srgbClr val="4472C4"/>
+      </a:accent1>
+      <a:accent2>
+        <a:srgbClr val="ED7D31"/>
+      </a:accent2>
+      <a:accent3>
+        <a:srgbClr val="A5A5A5"/>
+      </a:accent3>
+      <a:accent4>
+        <a:srgbClr val="FFC000"/>
+      </a:accent4>
+      <a:accent5>
+        <a:srgbClr val="5B9BD5"/>
+      </a:accent5>
+      <a:accent6>
+        <a:srgbClr val="70AD47"/>
+      </a:accent6>
+      <a:hlink>
+        <a:srgbClr val="0563C1"/>
+      </a:hlink>
+      <a:folHlink>
+        <a:srgbClr val="954F72"/>
+      </a:folHlink>
+    </a:clrScheme>
+    <a:fontScheme name="Office">
+      <a:majorFont>
+        <a:latin typeface="Calibri Light" panose="020F0302020204030204"/>
+        <a:ea typeface=""/>
+        <a:cs typeface=""/>
+        <a:font script="Jpan" typeface="Yu Gothic Light"/>
+        <a:font script="Hang" typeface="맑은 고딕"/>
+        <a:font script="Hans" typeface="DengXian Light"/>
+        <a:font script="Hant" typeface="新細明體"/>
+        <a:font script="Arab" typeface="Times New Roman"/>
+        <a:font script="Hebr" typeface="Times New Roman"/>
+        <a:font script="Thai" typeface="Angsana New"/>
+        <a:font script="Ethi" typeface="Nyala"/>
+        <a:font script="Beng" typeface="Vrinda"/>
+        <a:font script="Gujr" typeface="Shruti"/>
+        <a:font script="Khmr" typeface="MoolBoran"/>
+        <a:font script="Knda" typeface="Tunga"/>
+        <a:font script="Guru" typeface="Raavi"/>
+        <a:font script="Cans" typeface="Euphemia"/>
+        <a:font script="Cher" typeface="Plantagenet Cherokee"/>
+        <a:font script="Yiii" typeface="Microsoft Yi Baiti"/>
+        <a:font script="Tibt" typeface="Microsoft Himalaya"/>
+        <a:font script="Thaa" typeface="MV Boli"/>
+        <a:font script="Deva" typeface="Mangal"/>
+        <a:font script="Telu" typeface="Gautami"/>
+        <a:font script="Taml" typeface="Latha"/>
+        <a:font script="Syrc" typeface="Estrangelo Edessa"/>
+        <a:font script="Orya" typeface="Kalinga"/>
+        <a:font script="Mlym" typeface="Kartika"/>
+        <a:font script="Laoo" typeface="DokChampa"/>
+        <a:font script="Sinh" typeface="Iskoola Pota"/>
+        <a:font script="Mong" typeface="Mongolian Baiti"/>
+        <a:font script="Viet" typeface="Times New Roman"/>
+        <a:font script="Uigh" typeface="Microsoft Uighur"/>
+        <a:font script="Geor" typeface="Sylfaen"/>
+      </a:majorFont>
+      <a:minorFont>
+        <a:latin typeface="Calibri" panose="020F0502020204030204"/>
+        <a:ea typeface=""/>
+        <a:cs typeface=""/>
+        <a:font script="Jpan" typeface="Yu Gothic"/>
+        <a:font script="Hang" typeface="맑은 고딕"/>
+        <a:font script="Hans" typeface="DengXian"/>
+        <a:font script="Hant" typeface="新細明體"/>
+        <a:font script="Arab" typeface="Arial"/>
+        <a:font script="Hebr" typeface="Arial"/>
+        <a:font script="Thai" typeface="Cordia New"/>
+        <a:font script="Ethi" typeface="Nyala"/>
+        <a:font script="Beng" typeface="Vrinda"/>
+        <a:font script="Gujr" typeface="Shruti"/>
+        <a:font script="Khmr" typeface="DaunPenh"/>
+        <a:font script="Knda" typeface="Tunga"/>
+        <a:font script="Guru" typeface="Raavi"/>
+        <a:font script="Cans" typeface="Euphemia"/>
+        <a:font script="Cher" typeface="Plantagenet Cherokee"/>
+        <a:font script="Yiii" typeface="Microsoft Yi Baiti"/>
+        <a:font script="Tibt" typeface="Microsoft Himalaya"/>
+        <a:font script="Thaa" typeface="MV Boli"/>
+        <a:font script="Deva" typeface="Mangal"/>
+        <a:font script="Telu" typeface="Gautami"/>
+        <a:font script="Taml" typeface="Latha"/>
+        <a:font script="Syrc" typeface="Estrangelo Edessa"/>
+        <a:font script="Orya" typeface="Kalinga"/>
+        <a:font script="Mlym" typeface="Kartika"/>
+        <a:font script="Laoo" typeface="DokChampa"/>
+        <a:font script="Sinh" typeface="Iskoola Pota"/>
+        <a:font script="Mong" typeface="Mongolian Baiti"/>
+        <a:font script="Viet" typeface="Arial"/>
+        <a:font script="Uigh" typeface="Microsoft Uighur"/>
+        <a:font script="Geor" typeface="Sylfaen"/>
+      </a:minorFont>
+    </a:fontScheme>
+    <a:fmtScheme name="Office">
+      <a:fillStyleLst>
+        <a:solidFill>
+          <a:schemeClr val="phClr"/>
+        </a:solidFill>
+        <a:gradFill rotWithShape="1">
+          <a:gsLst>
+            <a:gs pos="0">
+              <a:schemeClr val="phClr">
+                <a:lumMod val="110000"/>
+                <a:satMod val="105000"/>
+                <a:tint val="67000"/>
+              </a:schemeClr>
+            </a:gs>
+            <a:gs pos="50000">
+              <a:schemeClr val="phClr">
+                <a:lumMod val="105000"/>
+                <a:satMod val="103000"/>
+                <a:tint val="73000"/>
+              </a:schemeClr>
+            </a:gs>
+            <a:gs pos="100000">
+              <a:schemeClr val="phClr">
+                <a:lumMod val="105000"/>
+                <a:satMod val="109000"/>
+                <a:tint val="81000"/>
+              </a:schemeClr>
+            </a:gs>
+          </a:gsLst>
+          <a:lin ang="5400000" scaled="0"/>
+        </a:gradFill>
+        <a:gradFill rotWithShape="1">
+          <a:gsLst>
+            <a:gs pos="0">
+              <a:schemeClr val="phClr">
+                <a:satMod val="103000"/>
+                <a:lumMod val="102000"/>
+                <a:tint val="94000"/>
+              </a:schemeClr>
+            </a:gs>
+            <a:gs pos="50000">
+              <a:schemeClr val="phClr">
+                <a:satMod val="110000"/>
+                <a:lumMod val="100000"/>
+                <a:shade val="100000"/>
+              </a:schemeClr>
+            </a:gs>
+            <a:gs pos="100000">
+              <a:schemeClr val="phClr">
+                <a:lumMod val="99000"/>
+                <a:satMod val="120000"/>
+                <a:shade val="78000"/>
+              </a:schemeClr>
+            </a:gs>
+          </a:gsLst>
+          <a:lin ang="5400000" scaled="0"/>
+        </a:gradFill>
+      </a:fillStyleLst>
+      <a:lnStyleLst>
+        <a:ln w="6350" cap="flat" cmpd="sng" algn="ctr">
+          <a:solidFill>
+            <a:schemeClr val="phClr"/>
+          </a:solidFill>
+          <a:prstDash val="solid"/>
+          <a:miter lim="800000"/>
+        </a:ln>
+        <a:ln w="12700" cap="flat" cmpd="sng" algn="ctr">
+          <a:solidFill>
+            <a:schemeClr val="phClr"/>
+          </a:solidFill>
+          <a:prstDash val="solid"/>
+          <a:miter lim="800000"/>
+        </a:ln>
+        <a:ln w="19050" cap="flat" cmpd="sng" algn="ctr">
+          <a:solidFill>
+            <a:schemeClr val="phClr"/>
+          </a:solidFill>
+          <a:prstDash val="solid"/>
+          <a:miter lim="800000"/>
+        </a:ln>
+      </a:lnStyleLst>
+      <a:effectStyleLst>
+        <a:effectStyle>
+          <a:effectLst/>
+        </a:effectStyle>
+        <a:effectStyle>
+          <a:effectLst/>
+        </a:effectStyle>
+        <a:effectStyle>
+          <a:effectLst>
+            <a:outerShdw blurRad="57150" dist="19050" dir="5400000" algn="ctr" rotWithShape="0">
+              <a:srgbClr val="000000">
+                <a:alpha val="63000"/>
+              </a:srgbClr>
+            </a:outerShdw>
+          </a:effectLst>
+        </a:effectStyle>
+      </a:effectStyleLst>
+      <a:bgFillStyleLst>
+        <a:solidFill>
+          <a:schemeClr val="phClr"/>
+        </a:solidFill>
+        <a:solidFill>
+          <a:schemeClr val="phClr">
+            <a:tint val="95000"/>
+            <a:satMod val="170000"/>
+          </a:schemeClr>
+        </a:solidFill>
+        <a:gradFill rotWithShape="1">
+          <a:gsLst>
+            <a:gs pos="0">
+              <a:schemeClr val="phClr">
+                <a:tint val="93000"/>
+                <a:satMod val="150000"/>
+                <a:shade val="98000"/>
+                <a:lumMod val="102000"/>
+              </a:schemeClr>
+            </a:gs>
+            <a:gs pos="50000">
+              <a:schemeClr val="phClr">
+                <a:tint val="98000"/>
+                <a:satMod val="130000"/>
+                <a:shade val="90000"/>
+                <a:lumMod val="103000"/>
+              </a:schemeClr>
+            </a:gs>
+            <a:gs pos="100000">
+              <a:schemeClr val="phClr">
+                <a:shade val="63000"/>
+                <a:satMod val="120000"/>
+              </a:schemeClr>
+            </a:gs>
+          </a:gsLst>
+          <a:lin ang="5400000" scaled="0"/>
+        </a:gradFill>
+      </a:bgFillStyleLst>
+    </a:fmtScheme>
+  </a:themeElements>
+  <a:objectDefaults/>
+  <a:extraClrSchemeLst/>
+  <a:extLst>
+    <a:ext uri="{05A4C25C-085E-4340-85A3-A5531E510DB2}">
+      <thm15:themeFamily xmlns:thm15="http://schemas.microsoft.com/office/thememl/2012/main" name="Office Theme" id="{62F939B6-93AF-4DB8-9C6B-D6C7DFDC589F}" vid="{4A3C46E8-61CC-4603-A589-7422A47A8E4A}"/>
+    </a:ext>
+  </a:extLst>
+</a:theme>
 </file>
--- a/data_structure/charts.pptx
+++ b/data_structure/charts.pptx
@@ -5,12 +5,14 @@
     <p:sldMasterId id="2147483672" r:id="rId1"/>
   </p:sldMasterIdLst>
   <p:notesMasterIdLst>
-    <p:notesMasterId r:id="rId5"/>
+    <p:notesMasterId r:id="rId7"/>
   </p:notesMasterIdLst>
   <p:sldIdLst>
     <p:sldId id="256" r:id="rId2"/>
     <p:sldId id="257" r:id="rId3"/>
     <p:sldId id="259" r:id="rId4"/>
+    <p:sldId id="260" r:id="rId5"/>
+    <p:sldId id="261" r:id="rId6"/>
   </p:sldIdLst>
   <p:sldSz cx="21674138" cy="12192000"/>
   <p:notesSz cx="6858000" cy="9144000"/>
@@ -199,7 +201,7 @@
           <a:p>
             <a:fld id="{061D1934-5DF5-C54F-B23E-73DBB33C8C5F}" type="datetimeFigureOut">
               <a:rPr lang="en-US" smtClean="0"/>
-              <a:t>11/29/17</a:t>
+              <a:t>11/30/17</a:t>
             </a:fld>
             <a:endParaRPr lang="en-US"/>
           </a:p>
@@ -598,7 +600,7 @@
           <a:p>
             <a:fld id="{C54E8006-D355-7B42-8642-83EF30980978}" type="datetimeFigureOut">
               <a:rPr lang="en-US" smtClean="0"/>
-              <a:t>11/29/17</a:t>
+              <a:t>11/30/17</a:t>
             </a:fld>
             <a:endParaRPr lang="en-US"/>
           </a:p>
@@ -768,7 +770,7 @@
           <a:p>
             <a:fld id="{C54E8006-D355-7B42-8642-83EF30980978}" type="datetimeFigureOut">
               <a:rPr lang="en-US" smtClean="0"/>
-              <a:t>11/29/17</a:t>
+              <a:t>11/30/17</a:t>
             </a:fld>
             <a:endParaRPr lang="en-US"/>
           </a:p>
@@ -948,7 +950,7 @@
           <a:p>
             <a:fld id="{C54E8006-D355-7B42-8642-83EF30980978}" type="datetimeFigureOut">
               <a:rPr lang="en-US" smtClean="0"/>
-              <a:t>11/29/17</a:t>
+              <a:t>11/30/17</a:t>
             </a:fld>
             <a:endParaRPr lang="en-US"/>
           </a:p>
@@ -1118,7 +1120,7 @@
           <a:p>
             <a:fld id="{C54E8006-D355-7B42-8642-83EF30980978}" type="datetimeFigureOut">
               <a:rPr lang="en-US" smtClean="0"/>
-              <a:t>11/29/17</a:t>
+              <a:t>11/30/17</a:t>
             </a:fld>
             <a:endParaRPr lang="en-US"/>
           </a:p>
@@ -1364,7 +1366,7 @@
           <a:p>
             <a:fld id="{C54E8006-D355-7B42-8642-83EF30980978}" type="datetimeFigureOut">
               <a:rPr lang="en-US" smtClean="0"/>
-              <a:t>11/29/17</a:t>
+              <a:t>11/30/17</a:t>
             </a:fld>
             <a:endParaRPr lang="en-US"/>
           </a:p>
@@ -1596,7 +1598,7 @@
           <a:p>
             <a:fld id="{C54E8006-D355-7B42-8642-83EF30980978}" type="datetimeFigureOut">
               <a:rPr lang="en-US" smtClean="0"/>
-              <a:t>11/29/17</a:t>
+              <a:t>11/30/17</a:t>
             </a:fld>
             <a:endParaRPr lang="en-US"/>
           </a:p>
@@ -1963,7 +1965,7 @@
           <a:p>
             <a:fld id="{C54E8006-D355-7B42-8642-83EF30980978}" type="datetimeFigureOut">
               <a:rPr lang="en-US" smtClean="0"/>
-              <a:t>11/29/17</a:t>
+              <a:t>11/30/17</a:t>
             </a:fld>
             <a:endParaRPr lang="en-US"/>
           </a:p>
@@ -2081,7 +2083,7 @@
           <a:p>
             <a:fld id="{C54E8006-D355-7B42-8642-83EF30980978}" type="datetimeFigureOut">
               <a:rPr lang="en-US" smtClean="0"/>
-              <a:t>11/29/17</a:t>
+              <a:t>11/30/17</a:t>
             </a:fld>
             <a:endParaRPr lang="en-US"/>
           </a:p>
@@ -2176,7 +2178,7 @@
           <a:p>
             <a:fld id="{C54E8006-D355-7B42-8642-83EF30980978}" type="datetimeFigureOut">
               <a:rPr lang="en-US" smtClean="0"/>
-              <a:t>11/29/17</a:t>
+              <a:t>11/30/17</a:t>
             </a:fld>
             <a:endParaRPr lang="en-US"/>
           </a:p>
@@ -2453,7 +2455,7 @@
           <a:p>
             <a:fld id="{C54E8006-D355-7B42-8642-83EF30980978}" type="datetimeFigureOut">
               <a:rPr lang="en-US" smtClean="0"/>
-              <a:t>11/29/17</a:t>
+              <a:t>11/30/17</a:t>
             </a:fld>
             <a:endParaRPr lang="en-US"/>
           </a:p>
@@ -2710,7 +2712,7 @@
           <a:p>
             <a:fld id="{C54E8006-D355-7B42-8642-83EF30980978}" type="datetimeFigureOut">
               <a:rPr lang="en-US" smtClean="0"/>
-              <a:t>11/29/17</a:t>
+              <a:t>11/30/17</a:t>
             </a:fld>
             <a:endParaRPr lang="en-US"/>
           </a:p>
@@ -2923,7 +2925,7 @@
           <a:p>
             <a:fld id="{C54E8006-D355-7B42-8642-83EF30980978}" type="datetimeFigureOut">
               <a:rPr lang="en-US" smtClean="0"/>
-              <a:t>11/29/17</a:t>
+              <a:t>11/30/17</a:t>
             </a:fld>
             <a:endParaRPr lang="en-US"/>
           </a:p>
@@ -4594,11 +4596,15 @@
             <a:pPr algn="ctr"/>
             <a:r>
               <a:rPr lang="en-US" altLang="zh-CN" dirty="0" err="1" smtClean="0"/>
-              <a:t>SqList_insert</a:t>
+              <a:t>ListInsert</a:t>
             </a:r>
             <a:r>
               <a:rPr lang="en-US" altLang="zh-CN" dirty="0" smtClean="0"/>
-              <a:t>(&amp;L, key, </a:t>
+              <a:t>(&amp;</a:t>
+            </a:r>
+            <a:r>
+              <a:rPr lang="en-US" altLang="zh-CN" dirty="0" smtClean="0"/>
+              <a:t>L, key, </a:t>
             </a:r>
             <a:r>
               <a:rPr lang="en-US" altLang="zh-CN" dirty="0" err="1" smtClean="0"/>
@@ -6358,20 +6364,16 @@
           <a:p>
             <a:pPr algn="ctr"/>
             <a:r>
-              <a:rPr lang="en-US" altLang="zh-CN" smtClean="0"/>
-              <a:t>SqList_delete</a:t>
+              <a:rPr lang="en-US" altLang="zh-CN" dirty="0" err="1" smtClean="0"/>
+              <a:t>ListDelete</a:t>
             </a:r>
             <a:r>
               <a:rPr lang="en-US" altLang="zh-CN" dirty="0" smtClean="0"/>
-              <a:t> (&amp;</a:t>
+              <a:t>(&amp;</a:t>
             </a:r>
             <a:r>
               <a:rPr lang="en-US" altLang="zh-CN" dirty="0" smtClean="0"/>
-              <a:t>L, key, </a:t>
-            </a:r>
-            <a:r>
-              <a:rPr lang="en-US" altLang="zh-CN" dirty="0" smtClean="0"/>
-              <a:t>&amp;</a:t>
+              <a:t>L, key, &amp;</a:t>
             </a:r>
             <a:r>
               <a:rPr lang="en-US" altLang="zh-CN" dirty="0" err="1" smtClean="0"/>
@@ -6765,19 +6767,7 @@
             </a:r>
             <a:r>
               <a:rPr lang="en-US" dirty="0" smtClean="0"/>
-              <a:t> </a:t>
-            </a:r>
-            <a:r>
-              <a:rPr lang="en-US" dirty="0" smtClean="0"/>
-              <a:t>L-&gt;length</a:t>
-            </a:r>
-            <a:r>
-              <a:rPr lang="en-US" dirty="0" smtClean="0"/>
-              <a:t> </a:t>
-            </a:r>
-            <a:r>
-              <a:rPr lang="en-US" dirty="0" smtClean="0"/>
-              <a:t>?</a:t>
+              <a:t> L-&gt;length ?</a:t>
             </a:r>
             <a:endParaRPr lang="en-US" dirty="0"/>
           </a:p>
@@ -6999,23 +6989,7 @@
             </a:r>
             <a:r>
               <a:rPr lang="zh-CN" altLang="en-US" dirty="0" smtClean="0"/>
-              <a:t>插入位置后元素</a:t>
-            </a:r>
-            <a:r>
-              <a:rPr lang="zh-CN" altLang="en-US" dirty="0" smtClean="0"/>
-              <a:t>依次后</a:t>
-            </a:r>
-            <a:r>
-              <a:rPr lang="zh-CN" altLang="en-US" dirty="0" smtClean="0"/>
-              <a:t>移</a:t>
-            </a:r>
-            <a:r>
-              <a:rPr lang="zh-CN" altLang="en-US" dirty="0" smtClean="0"/>
-              <a:t>一</a:t>
-            </a:r>
-            <a:r>
-              <a:rPr lang="zh-CN" altLang="en-US" dirty="0" smtClean="0"/>
-              <a:t>位）</a:t>
+              <a:t>插入位置后元素依次后移一位）</a:t>
             </a:r>
             <a:endParaRPr lang="en-US" dirty="0"/>
           </a:p>
@@ -7950,6 +7924,2042 @@
     <p:extLst>
       <p:ext uri="{BB962C8B-B14F-4D97-AF65-F5344CB8AC3E}">
         <p14:creationId xmlns:p14="http://schemas.microsoft.com/office/powerpoint/2010/main" val="275916418"/>
+      </p:ext>
+    </p:extLst>
+  </p:cSld>
+  <p:clrMapOvr>
+    <a:masterClrMapping/>
+  </p:clrMapOvr>
+</p:sld>
+</file>
+
+<file path=ppt/slides/slide4.xml><?xml version="1.0" encoding="utf-8"?>
+<p:sld xmlns:a="http://schemas.openxmlformats.org/drawingml/2006/main" xmlns:r="http://schemas.openxmlformats.org/officeDocument/2006/relationships" xmlns:p="http://schemas.openxmlformats.org/presentationml/2006/main">
+  <p:cSld>
+    <p:spTree>
+      <p:nvGrpSpPr>
+        <p:cNvPr id="1" name=""/>
+        <p:cNvGrpSpPr/>
+        <p:nvPr/>
+      </p:nvGrpSpPr>
+      <p:grpSpPr>
+        <a:xfrm>
+          <a:off x="0" y="0"/>
+          <a:ext cx="0" cy="0"/>
+          <a:chOff x="0" y="0"/>
+          <a:chExt cx="0" cy="0"/>
+        </a:xfrm>
+      </p:grpSpPr>
+      <p:sp>
+        <p:nvSpPr>
+          <p:cNvPr id="4" name="Rounded Rectangle 3"/>
+          <p:cNvSpPr/>
+          <p:nvPr/>
+        </p:nvSpPr>
+        <p:spPr>
+          <a:xfrm>
+            <a:off x="2705163" y="568403"/>
+            <a:ext cx="2989198" cy="516834"/>
+          </a:xfrm>
+          <a:prstGeom prst="roundRect">
+            <a:avLst/>
+          </a:prstGeom>
+        </p:spPr>
+        <p:style>
+          <a:lnRef idx="2">
+            <a:schemeClr val="dk1"/>
+          </a:lnRef>
+          <a:fillRef idx="1">
+            <a:schemeClr val="lt1"/>
+          </a:fillRef>
+          <a:effectRef idx="0">
+            <a:schemeClr val="dk1"/>
+          </a:effectRef>
+          <a:fontRef idx="minor">
+            <a:schemeClr val="dk1"/>
+          </a:fontRef>
+        </p:style>
+        <p:txBody>
+          <a:bodyPr rtlCol="0" anchor="ctr"/>
+          <a:lstStyle/>
+          <a:p>
+            <a:pPr algn="ctr"/>
+            <a:r>
+              <a:rPr lang="en-US" altLang="zh-CN" dirty="0" err="1" smtClean="0"/>
+              <a:t>PriorElem</a:t>
+            </a:r>
+            <a:r>
+              <a:rPr lang="en-US" altLang="zh-CN" dirty="0" smtClean="0"/>
+              <a:t>(L, </a:t>
+            </a:r>
+            <a:r>
+              <a:rPr lang="en-US" altLang="zh-CN" dirty="0" err="1" smtClean="0"/>
+              <a:t>cur_e</a:t>
+            </a:r>
+            <a:r>
+              <a:rPr lang="en-US" altLang="zh-CN" dirty="0" smtClean="0"/>
+              <a:t>, &amp;</a:t>
+            </a:r>
+            <a:r>
+              <a:rPr lang="en-US" altLang="zh-CN" dirty="0" err="1" smtClean="0"/>
+              <a:t>pre_e</a:t>
+            </a:r>
+            <a:r>
+              <a:rPr lang="en-US" altLang="zh-CN" dirty="0" smtClean="0"/>
+              <a:t>)</a:t>
+            </a:r>
+            <a:endParaRPr lang="en-US" dirty="0"/>
+          </a:p>
+        </p:txBody>
+      </p:sp>
+      <p:sp>
+        <p:nvSpPr>
+          <p:cNvPr id="5" name="Decision 4"/>
+          <p:cNvSpPr/>
+          <p:nvPr/>
+        </p:nvSpPr>
+        <p:spPr>
+          <a:xfrm>
+            <a:off x="2825816" y="1407630"/>
+            <a:ext cx="2753141" cy="1172817"/>
+          </a:xfrm>
+          <a:prstGeom prst="flowChartDecision">
+            <a:avLst/>
+          </a:prstGeom>
+        </p:spPr>
+        <p:style>
+          <a:lnRef idx="2">
+            <a:schemeClr val="dk1"/>
+          </a:lnRef>
+          <a:fillRef idx="1">
+            <a:schemeClr val="lt1"/>
+          </a:fillRef>
+          <a:effectRef idx="0">
+            <a:schemeClr val="dk1"/>
+          </a:effectRef>
+          <a:fontRef idx="minor">
+            <a:schemeClr val="dk1"/>
+          </a:fontRef>
+        </p:style>
+        <p:txBody>
+          <a:bodyPr rtlCol="0" anchor="ctr"/>
+          <a:lstStyle/>
+          <a:p>
+            <a:pPr algn="ctr"/>
+            <a:r>
+              <a:rPr lang="en-US" dirty="0" err="1" smtClean="0"/>
+              <a:t>L.elem</a:t>
+            </a:r>
+            <a:r>
+              <a:rPr lang="zh-CN" altLang="en-US" dirty="0" smtClean="0"/>
+              <a:t> </a:t>
+            </a:r>
+            <a:r>
+              <a:rPr lang="zh-CN" altLang="en-US" dirty="0" smtClean="0"/>
+              <a:t>是否为空指针？</a:t>
+            </a:r>
+            <a:endParaRPr lang="en-US" dirty="0"/>
+          </a:p>
+        </p:txBody>
+      </p:sp>
+      <p:sp>
+        <p:nvSpPr>
+          <p:cNvPr id="6" name="Rounded Rectangle 5"/>
+          <p:cNvSpPr/>
+          <p:nvPr/>
+        </p:nvSpPr>
+        <p:spPr>
+          <a:xfrm>
+            <a:off x="1385734" y="10042647"/>
+            <a:ext cx="993913" cy="715616"/>
+          </a:xfrm>
+          <a:prstGeom prst="roundRect">
+            <a:avLst/>
+          </a:prstGeom>
+        </p:spPr>
+        <p:style>
+          <a:lnRef idx="2">
+            <a:schemeClr val="dk1"/>
+          </a:lnRef>
+          <a:fillRef idx="1">
+            <a:schemeClr val="lt1"/>
+          </a:fillRef>
+          <a:effectRef idx="0">
+            <a:schemeClr val="dk1"/>
+          </a:effectRef>
+          <a:fontRef idx="minor">
+            <a:schemeClr val="dk1"/>
+          </a:fontRef>
+        </p:style>
+        <p:txBody>
+          <a:bodyPr rtlCol="0" anchor="ctr"/>
+          <a:lstStyle/>
+          <a:p>
+            <a:pPr algn="ctr"/>
+            <a:r>
+              <a:rPr lang="zh-CN" altLang="en-US" dirty="0" smtClean="0"/>
+              <a:t>返回</a:t>
+            </a:r>
+            <a:r>
+              <a:rPr lang="en-US" altLang="zh-CN" dirty="0" smtClean="0"/>
+              <a:t>ERROR</a:t>
+            </a:r>
+            <a:endParaRPr lang="en-US" dirty="0"/>
+          </a:p>
+        </p:txBody>
+      </p:sp>
+      <p:cxnSp>
+        <p:nvCxnSpPr>
+          <p:cNvPr id="10" name="Straight Arrow Connector 9"/>
+          <p:cNvCxnSpPr>
+            <a:stCxn id="4" idx="2"/>
+            <a:endCxn id="5" idx="0"/>
+          </p:cNvCxnSpPr>
+          <p:nvPr/>
+        </p:nvCxnSpPr>
+        <p:spPr>
+          <a:xfrm>
+            <a:off x="4199762" y="1085237"/>
+            <a:ext cx="2625" cy="322393"/>
+          </a:xfrm>
+          <a:prstGeom prst="straightConnector1">
+            <a:avLst/>
+          </a:prstGeom>
+          <a:ln>
+            <a:tailEnd type="triangle"/>
+          </a:ln>
+        </p:spPr>
+        <p:style>
+          <a:lnRef idx="2">
+            <a:schemeClr val="dk1"/>
+          </a:lnRef>
+          <a:fillRef idx="0">
+            <a:schemeClr val="dk1"/>
+          </a:fillRef>
+          <a:effectRef idx="1">
+            <a:schemeClr val="dk1"/>
+          </a:effectRef>
+          <a:fontRef idx="minor">
+            <a:schemeClr val="tx1"/>
+          </a:fontRef>
+        </p:style>
+      </p:cxnSp>
+      <p:cxnSp>
+        <p:nvCxnSpPr>
+          <p:cNvPr id="11" name="Straight Arrow Connector 10"/>
+          <p:cNvCxnSpPr>
+            <a:stCxn id="5" idx="2"/>
+            <a:endCxn id="49" idx="0"/>
+          </p:cNvCxnSpPr>
+          <p:nvPr/>
+        </p:nvCxnSpPr>
+        <p:spPr>
+          <a:xfrm flipH="1">
+            <a:off x="4199763" y="2580447"/>
+            <a:ext cx="2624" cy="456550"/>
+          </a:xfrm>
+          <a:prstGeom prst="straightConnector1">
+            <a:avLst/>
+          </a:prstGeom>
+          <a:ln>
+            <a:tailEnd type="triangle"/>
+          </a:ln>
+        </p:spPr>
+        <p:style>
+          <a:lnRef idx="2">
+            <a:schemeClr val="dk1"/>
+          </a:lnRef>
+          <a:fillRef idx="0">
+            <a:schemeClr val="dk1"/>
+          </a:fillRef>
+          <a:effectRef idx="1">
+            <a:schemeClr val="dk1"/>
+          </a:effectRef>
+          <a:fontRef idx="minor">
+            <a:schemeClr val="tx1"/>
+          </a:fontRef>
+        </p:style>
+      </p:cxnSp>
+      <p:cxnSp>
+        <p:nvCxnSpPr>
+          <p:cNvPr id="23" name="Elbow Connector 22"/>
+          <p:cNvCxnSpPr>
+            <a:stCxn id="5" idx="1"/>
+            <a:endCxn id="6" idx="0"/>
+          </p:cNvCxnSpPr>
+          <p:nvPr/>
+        </p:nvCxnSpPr>
+        <p:spPr>
+          <a:xfrm rot="10800000" flipV="1">
+            <a:off x="1882692" y="1994039"/>
+            <a:ext cx="943125" cy="8048608"/>
+          </a:xfrm>
+          <a:prstGeom prst="bentConnector2">
+            <a:avLst/>
+          </a:prstGeom>
+          <a:ln>
+            <a:tailEnd type="triangle"/>
+          </a:ln>
+        </p:spPr>
+        <p:style>
+          <a:lnRef idx="2">
+            <a:schemeClr val="dk1"/>
+          </a:lnRef>
+          <a:fillRef idx="0">
+            <a:schemeClr val="dk1"/>
+          </a:fillRef>
+          <a:effectRef idx="1">
+            <a:schemeClr val="dk1"/>
+          </a:effectRef>
+          <a:fontRef idx="minor">
+            <a:schemeClr val="tx1"/>
+          </a:fontRef>
+        </p:style>
+      </p:cxnSp>
+      <p:sp>
+        <p:nvSpPr>
+          <p:cNvPr id="67" name="TextBox 66"/>
+          <p:cNvSpPr txBox="1"/>
+          <p:nvPr/>
+        </p:nvSpPr>
+        <p:spPr>
+          <a:xfrm>
+            <a:off x="2615513" y="1671645"/>
+            <a:ext cx="296876" cy="369332"/>
+          </a:xfrm>
+          <a:prstGeom prst="rect">
+            <a:avLst/>
+          </a:prstGeom>
+          <a:noFill/>
+        </p:spPr>
+        <p:txBody>
+          <a:bodyPr wrap="none" rtlCol="0">
+            <a:spAutoFit/>
+          </a:bodyPr>
+          <a:lstStyle/>
+          <a:p>
+            <a:r>
+              <a:rPr lang="en-US" altLang="zh-CN" dirty="0" smtClean="0"/>
+              <a:t>Y</a:t>
+            </a:r>
+            <a:endParaRPr lang="en-US" dirty="0"/>
+          </a:p>
+        </p:txBody>
+      </p:sp>
+      <p:sp>
+        <p:nvSpPr>
+          <p:cNvPr id="68" name="TextBox 67"/>
+          <p:cNvSpPr txBox="1"/>
+          <p:nvPr/>
+        </p:nvSpPr>
+        <p:spPr>
+          <a:xfrm>
+            <a:off x="4181325" y="2535077"/>
+            <a:ext cx="333746" cy="369332"/>
+          </a:xfrm>
+          <a:prstGeom prst="rect">
+            <a:avLst/>
+          </a:prstGeom>
+          <a:noFill/>
+        </p:spPr>
+        <p:txBody>
+          <a:bodyPr wrap="none" rtlCol="0">
+            <a:spAutoFit/>
+          </a:bodyPr>
+          <a:lstStyle/>
+          <a:p>
+            <a:r>
+              <a:rPr lang="en-US" altLang="zh-CN" dirty="0" smtClean="0"/>
+              <a:t>N</a:t>
+            </a:r>
+            <a:endParaRPr lang="en-US" dirty="0"/>
+          </a:p>
+        </p:txBody>
+      </p:sp>
+      <p:sp>
+        <p:nvSpPr>
+          <p:cNvPr id="69" name="TextBox 68"/>
+          <p:cNvSpPr txBox="1"/>
+          <p:nvPr/>
+        </p:nvSpPr>
+        <p:spPr>
+          <a:xfrm>
+            <a:off x="2379647" y="4772139"/>
+            <a:ext cx="333746" cy="369332"/>
+          </a:xfrm>
+          <a:prstGeom prst="rect">
+            <a:avLst/>
+          </a:prstGeom>
+          <a:noFill/>
+        </p:spPr>
+        <p:txBody>
+          <a:bodyPr wrap="none" rtlCol="0">
+            <a:spAutoFit/>
+          </a:bodyPr>
+          <a:lstStyle/>
+          <a:p>
+            <a:r>
+              <a:rPr lang="en-US" altLang="zh-CN" dirty="0" smtClean="0"/>
+              <a:t>N</a:t>
+            </a:r>
+            <a:endParaRPr lang="en-US" dirty="0"/>
+          </a:p>
+        </p:txBody>
+      </p:sp>
+      <p:sp>
+        <p:nvSpPr>
+          <p:cNvPr id="49" name="Rectangle 48"/>
+          <p:cNvSpPr/>
+          <p:nvPr/>
+        </p:nvSpPr>
+        <p:spPr>
+          <a:xfrm>
+            <a:off x="2805728" y="3036997"/>
+            <a:ext cx="2788070" cy="960923"/>
+          </a:xfrm>
+          <a:prstGeom prst="rect">
+            <a:avLst/>
+          </a:prstGeom>
+        </p:spPr>
+        <p:style>
+          <a:lnRef idx="2">
+            <a:schemeClr val="dk1"/>
+          </a:lnRef>
+          <a:fillRef idx="1">
+            <a:schemeClr val="lt1"/>
+          </a:fillRef>
+          <a:effectRef idx="0">
+            <a:schemeClr val="dk1"/>
+          </a:effectRef>
+          <a:fontRef idx="minor">
+            <a:schemeClr val="dk1"/>
+          </a:fontRef>
+        </p:style>
+        <p:txBody>
+          <a:bodyPr rtlCol="0" anchor="ctr"/>
+          <a:lstStyle/>
+          <a:p>
+            <a:pPr algn="ctr"/>
+            <a:r>
+              <a:rPr lang="zh-CN" altLang="en-US" dirty="0" smtClean="0"/>
+              <a:t>调用</a:t>
+            </a:r>
+            <a:r>
+              <a:rPr lang="en-US" altLang="zh-CN" dirty="0" err="1" smtClean="0"/>
+              <a:t>LocateElem</a:t>
+            </a:r>
+            <a:r>
+              <a:rPr lang="en-US" altLang="zh-CN" dirty="0" smtClean="0"/>
+              <a:t>(L, </a:t>
+            </a:r>
+            <a:r>
+              <a:rPr lang="en-US" altLang="zh-CN" dirty="0" err="1" smtClean="0"/>
+              <a:t>cur_e</a:t>
+            </a:r>
+            <a:r>
+              <a:rPr lang="en-US" altLang="zh-CN" dirty="0" smtClean="0"/>
+              <a:t>)</a:t>
+            </a:r>
+            <a:r>
+              <a:rPr lang="zh-CN" altLang="en-US" dirty="0" smtClean="0"/>
+              <a:t>获取值为</a:t>
+            </a:r>
+            <a:r>
+              <a:rPr lang="en-US" altLang="zh-CN" dirty="0" err="1" smtClean="0"/>
+              <a:t>cur_e</a:t>
+            </a:r>
+            <a:r>
+              <a:rPr lang="zh-CN" altLang="en-US" dirty="0" smtClean="0"/>
+              <a:t>在线性表中的位序，结果存入</a:t>
+            </a:r>
+            <a:r>
+              <a:rPr lang="en-US" altLang="zh-CN" dirty="0" err="1" smtClean="0"/>
+              <a:t>idx</a:t>
+            </a:r>
+            <a:r>
+              <a:rPr lang="zh-CN" altLang="en-US" dirty="0" smtClean="0"/>
+              <a:t>中</a:t>
+            </a:r>
+            <a:endParaRPr lang="en-US" dirty="0"/>
+          </a:p>
+        </p:txBody>
+      </p:sp>
+      <p:sp>
+        <p:nvSpPr>
+          <p:cNvPr id="64" name="Decision 63"/>
+          <p:cNvSpPr/>
+          <p:nvPr/>
+        </p:nvSpPr>
+        <p:spPr>
+          <a:xfrm>
+            <a:off x="2615513" y="4354250"/>
+            <a:ext cx="3168499" cy="1574446"/>
+          </a:xfrm>
+          <a:prstGeom prst="flowChartDecision">
+            <a:avLst/>
+          </a:prstGeom>
+        </p:spPr>
+        <p:style>
+          <a:lnRef idx="2">
+            <a:schemeClr val="dk1"/>
+          </a:lnRef>
+          <a:fillRef idx="1">
+            <a:schemeClr val="lt1"/>
+          </a:fillRef>
+          <a:effectRef idx="0">
+            <a:schemeClr val="dk1"/>
+          </a:effectRef>
+          <a:fontRef idx="minor">
+            <a:schemeClr val="dk1"/>
+          </a:fontRef>
+        </p:style>
+        <p:txBody>
+          <a:bodyPr rtlCol="0" anchor="ctr"/>
+          <a:lstStyle/>
+          <a:p>
+            <a:pPr algn="ctr"/>
+            <a:r>
+              <a:rPr lang="zh-CN" altLang="en-US" dirty="0" smtClean="0"/>
+              <a:t>值为</a:t>
+            </a:r>
+            <a:r>
+              <a:rPr lang="en-US" altLang="zh-CN" dirty="0" err="1" smtClean="0"/>
+              <a:t>cur_e</a:t>
+            </a:r>
+            <a:r>
+              <a:rPr lang="zh-CN" altLang="en-US" dirty="0" smtClean="0"/>
+              <a:t>的元素是否存在于线性表中？</a:t>
+            </a:r>
+            <a:endParaRPr lang="en-US" dirty="0"/>
+          </a:p>
+        </p:txBody>
+      </p:sp>
+      <p:sp>
+        <p:nvSpPr>
+          <p:cNvPr id="65" name="Decision 64"/>
+          <p:cNvSpPr/>
+          <p:nvPr/>
+        </p:nvSpPr>
+        <p:spPr>
+          <a:xfrm>
+            <a:off x="2505021" y="6310753"/>
+            <a:ext cx="3389480" cy="1956804"/>
+          </a:xfrm>
+          <a:prstGeom prst="flowChartDecision">
+            <a:avLst/>
+          </a:prstGeom>
+        </p:spPr>
+        <p:style>
+          <a:lnRef idx="2">
+            <a:schemeClr val="dk1"/>
+          </a:lnRef>
+          <a:fillRef idx="1">
+            <a:schemeClr val="lt1"/>
+          </a:fillRef>
+          <a:effectRef idx="0">
+            <a:schemeClr val="dk1"/>
+          </a:effectRef>
+          <a:fontRef idx="minor">
+            <a:schemeClr val="dk1"/>
+          </a:fontRef>
+        </p:style>
+        <p:txBody>
+          <a:bodyPr rtlCol="0" anchor="ctr"/>
+          <a:lstStyle/>
+          <a:p>
+            <a:pPr algn="ctr"/>
+            <a:r>
+              <a:rPr lang="zh-CN" altLang="en-US" dirty="0" smtClean="0"/>
+              <a:t>值为</a:t>
+            </a:r>
+            <a:r>
+              <a:rPr lang="en-US" altLang="zh-CN" dirty="0" err="1" smtClean="0"/>
+              <a:t>cur_e</a:t>
+            </a:r>
+            <a:r>
+              <a:rPr lang="zh-CN" altLang="en-US" dirty="0" smtClean="0"/>
+              <a:t>的元素是否是线性表中的第一个元素？</a:t>
+            </a:r>
+            <a:endParaRPr lang="en-US" dirty="0"/>
+          </a:p>
+        </p:txBody>
+      </p:sp>
+      <p:cxnSp>
+        <p:nvCxnSpPr>
+          <p:cNvPr id="66" name="Straight Arrow Connector 65"/>
+          <p:cNvCxnSpPr>
+            <a:stCxn id="49" idx="2"/>
+            <a:endCxn id="64" idx="0"/>
+          </p:cNvCxnSpPr>
+          <p:nvPr/>
+        </p:nvCxnSpPr>
+        <p:spPr>
+          <a:xfrm>
+            <a:off x="4199763" y="3997920"/>
+            <a:ext cx="0" cy="356330"/>
+          </a:xfrm>
+          <a:prstGeom prst="straightConnector1">
+            <a:avLst/>
+          </a:prstGeom>
+          <a:ln>
+            <a:tailEnd type="triangle"/>
+          </a:ln>
+        </p:spPr>
+        <p:style>
+          <a:lnRef idx="2">
+            <a:schemeClr val="dk1"/>
+          </a:lnRef>
+          <a:fillRef idx="0">
+            <a:schemeClr val="dk1"/>
+          </a:fillRef>
+          <a:effectRef idx="1">
+            <a:schemeClr val="dk1"/>
+          </a:effectRef>
+          <a:fontRef idx="minor">
+            <a:schemeClr val="tx1"/>
+          </a:fontRef>
+        </p:style>
+      </p:cxnSp>
+      <p:cxnSp>
+        <p:nvCxnSpPr>
+          <p:cNvPr id="72" name="Straight Arrow Connector 71"/>
+          <p:cNvCxnSpPr>
+            <a:stCxn id="64" idx="2"/>
+            <a:endCxn id="65" idx="0"/>
+          </p:cNvCxnSpPr>
+          <p:nvPr/>
+        </p:nvCxnSpPr>
+        <p:spPr>
+          <a:xfrm flipH="1">
+            <a:off x="4199761" y="5928696"/>
+            <a:ext cx="2" cy="382057"/>
+          </a:xfrm>
+          <a:prstGeom prst="straightConnector1">
+            <a:avLst/>
+          </a:prstGeom>
+          <a:ln>
+            <a:tailEnd type="triangle"/>
+          </a:ln>
+        </p:spPr>
+        <p:style>
+          <a:lnRef idx="2">
+            <a:schemeClr val="dk1"/>
+          </a:lnRef>
+          <a:fillRef idx="0">
+            <a:schemeClr val="dk1"/>
+          </a:fillRef>
+          <a:effectRef idx="1">
+            <a:schemeClr val="dk1"/>
+          </a:effectRef>
+          <a:fontRef idx="minor">
+            <a:schemeClr val="tx1"/>
+          </a:fontRef>
+        </p:style>
+      </p:cxnSp>
+      <p:cxnSp>
+        <p:nvCxnSpPr>
+          <p:cNvPr id="73" name="Elbow Connector 72"/>
+          <p:cNvCxnSpPr>
+            <a:stCxn id="64" idx="1"/>
+            <a:endCxn id="6" idx="0"/>
+          </p:cNvCxnSpPr>
+          <p:nvPr/>
+        </p:nvCxnSpPr>
+        <p:spPr>
+          <a:xfrm rot="10800000" flipV="1">
+            <a:off x="1882691" y="5141473"/>
+            <a:ext cx="732822" cy="4901174"/>
+          </a:xfrm>
+          <a:prstGeom prst="bentConnector2">
+            <a:avLst/>
+          </a:prstGeom>
+          <a:ln>
+            <a:tailEnd type="triangle"/>
+          </a:ln>
+        </p:spPr>
+        <p:style>
+          <a:lnRef idx="2">
+            <a:schemeClr val="dk1"/>
+          </a:lnRef>
+          <a:fillRef idx="0">
+            <a:schemeClr val="dk1"/>
+          </a:fillRef>
+          <a:effectRef idx="1">
+            <a:schemeClr val="dk1"/>
+          </a:effectRef>
+          <a:fontRef idx="minor">
+            <a:schemeClr val="tx1"/>
+          </a:fontRef>
+        </p:style>
+      </p:cxnSp>
+      <p:cxnSp>
+        <p:nvCxnSpPr>
+          <p:cNvPr id="74" name="Elbow Connector 73"/>
+          <p:cNvCxnSpPr>
+            <a:stCxn id="65" idx="1"/>
+            <a:endCxn id="6" idx="0"/>
+          </p:cNvCxnSpPr>
+          <p:nvPr/>
+        </p:nvCxnSpPr>
+        <p:spPr>
+          <a:xfrm rot="10800000" flipV="1">
+            <a:off x="1882691" y="7289155"/>
+            <a:ext cx="622330" cy="2753492"/>
+          </a:xfrm>
+          <a:prstGeom prst="bentConnector2">
+            <a:avLst/>
+          </a:prstGeom>
+          <a:ln>
+            <a:tailEnd type="triangle"/>
+          </a:ln>
+        </p:spPr>
+        <p:style>
+          <a:lnRef idx="2">
+            <a:schemeClr val="dk1"/>
+          </a:lnRef>
+          <a:fillRef idx="0">
+            <a:schemeClr val="dk1"/>
+          </a:fillRef>
+          <a:effectRef idx="1">
+            <a:schemeClr val="dk1"/>
+          </a:effectRef>
+          <a:fontRef idx="minor">
+            <a:schemeClr val="tx1"/>
+          </a:fontRef>
+        </p:style>
+      </p:cxnSp>
+      <p:sp>
+        <p:nvSpPr>
+          <p:cNvPr id="76" name="TextBox 75"/>
+          <p:cNvSpPr txBox="1"/>
+          <p:nvPr/>
+        </p:nvSpPr>
+        <p:spPr>
+          <a:xfrm>
+            <a:off x="4193286" y="8210309"/>
+            <a:ext cx="333746" cy="369332"/>
+          </a:xfrm>
+          <a:prstGeom prst="rect">
+            <a:avLst/>
+          </a:prstGeom>
+          <a:noFill/>
+        </p:spPr>
+        <p:txBody>
+          <a:bodyPr wrap="none" rtlCol="0">
+            <a:spAutoFit/>
+          </a:bodyPr>
+          <a:lstStyle/>
+          <a:p>
+            <a:r>
+              <a:rPr lang="en-US" altLang="zh-CN" dirty="0" smtClean="0"/>
+              <a:t>N</a:t>
+            </a:r>
+            <a:endParaRPr lang="en-US" dirty="0"/>
+          </a:p>
+        </p:txBody>
+      </p:sp>
+      <p:sp>
+        <p:nvSpPr>
+          <p:cNvPr id="77" name="Rectangle 76"/>
+          <p:cNvSpPr/>
+          <p:nvPr/>
+        </p:nvSpPr>
+        <p:spPr>
+          <a:xfrm>
+            <a:off x="2862038" y="8579641"/>
+            <a:ext cx="2675448" cy="1260508"/>
+          </a:xfrm>
+          <a:prstGeom prst="rect">
+            <a:avLst/>
+          </a:prstGeom>
+        </p:spPr>
+        <p:style>
+          <a:lnRef idx="2">
+            <a:schemeClr val="dk1"/>
+          </a:lnRef>
+          <a:fillRef idx="1">
+            <a:schemeClr val="lt1"/>
+          </a:fillRef>
+          <a:effectRef idx="0">
+            <a:schemeClr val="dk1"/>
+          </a:effectRef>
+          <a:fontRef idx="minor">
+            <a:schemeClr val="dk1"/>
+          </a:fontRef>
+        </p:style>
+        <p:txBody>
+          <a:bodyPr rtlCol="0" anchor="ctr"/>
+          <a:lstStyle/>
+          <a:p>
+            <a:pPr algn="ctr"/>
+            <a:r>
+              <a:rPr lang="zh-CN" altLang="en-US" dirty="0" smtClean="0"/>
+              <a:t>根据</a:t>
+            </a:r>
+            <a:r>
+              <a:rPr lang="en-US" altLang="zh-CN" dirty="0" err="1" smtClean="0"/>
+              <a:t>idx</a:t>
+            </a:r>
+            <a:r>
+              <a:rPr lang="zh-CN" altLang="en-US" dirty="0" smtClean="0"/>
+              <a:t>获取</a:t>
+            </a:r>
+            <a:r>
+              <a:rPr lang="en-US" altLang="zh-CN" dirty="0" err="1" smtClean="0"/>
+              <a:t>cur_e</a:t>
+            </a:r>
+            <a:r>
+              <a:rPr lang="zh-CN" altLang="en-US" dirty="0" smtClean="0"/>
+              <a:t>的前驱的位置，并将前驱的值存入</a:t>
+            </a:r>
+            <a:r>
+              <a:rPr lang="en-US" altLang="zh-CN" dirty="0" err="1" smtClean="0"/>
+              <a:t>pre_e</a:t>
+            </a:r>
+            <a:r>
+              <a:rPr lang="zh-CN" altLang="en-US" dirty="0" smtClean="0"/>
+              <a:t>中带回：</a:t>
+            </a:r>
+            <a:endParaRPr lang="en-US" altLang="zh-CN" dirty="0" smtClean="0"/>
+          </a:p>
+          <a:p>
+            <a:pPr algn="ctr"/>
+            <a:r>
+              <a:rPr lang="zh-CN" altLang="en-US" dirty="0" smtClean="0"/>
+              <a:t>*</a:t>
+            </a:r>
+            <a:r>
+              <a:rPr lang="en-US" altLang="zh-CN" dirty="0" err="1" smtClean="0"/>
+              <a:t>pre_e</a:t>
+            </a:r>
+            <a:r>
+              <a:rPr lang="en-US" altLang="zh-CN" dirty="0" smtClean="0"/>
+              <a:t> = </a:t>
+            </a:r>
+            <a:r>
+              <a:rPr lang="en-US" altLang="zh-CN" dirty="0" err="1" smtClean="0"/>
+              <a:t>L.elem</a:t>
+            </a:r>
+            <a:r>
+              <a:rPr lang="en-US" altLang="zh-CN" dirty="0" smtClean="0"/>
+              <a:t>[</a:t>
+            </a:r>
+            <a:r>
+              <a:rPr lang="en-US" altLang="zh-CN" dirty="0" err="1" smtClean="0"/>
+              <a:t>idx</a:t>
+            </a:r>
+            <a:r>
+              <a:rPr lang="en-US" altLang="zh-CN" dirty="0" smtClean="0"/>
+              <a:t> </a:t>
+            </a:r>
+            <a:r>
+              <a:rPr lang="mr-IN" altLang="zh-CN" dirty="0" smtClean="0"/>
+              <a:t>-</a:t>
+            </a:r>
+            <a:r>
+              <a:rPr lang="en-US" altLang="zh-CN" dirty="0" smtClean="0"/>
+              <a:t> 2]</a:t>
+            </a:r>
+            <a:endParaRPr lang="en-US" dirty="0"/>
+          </a:p>
+        </p:txBody>
+      </p:sp>
+      <p:cxnSp>
+        <p:nvCxnSpPr>
+          <p:cNvPr id="79" name="Straight Arrow Connector 78"/>
+          <p:cNvCxnSpPr>
+            <a:stCxn id="65" idx="2"/>
+            <a:endCxn id="77" idx="0"/>
+          </p:cNvCxnSpPr>
+          <p:nvPr/>
+        </p:nvCxnSpPr>
+        <p:spPr>
+          <a:xfrm>
+            <a:off x="4199761" y="8267557"/>
+            <a:ext cx="1" cy="312084"/>
+          </a:xfrm>
+          <a:prstGeom prst="straightConnector1">
+            <a:avLst/>
+          </a:prstGeom>
+          <a:ln>
+            <a:tailEnd type="triangle"/>
+          </a:ln>
+        </p:spPr>
+        <p:style>
+          <a:lnRef idx="2">
+            <a:schemeClr val="dk1"/>
+          </a:lnRef>
+          <a:fillRef idx="0">
+            <a:schemeClr val="dk1"/>
+          </a:fillRef>
+          <a:effectRef idx="1">
+            <a:schemeClr val="dk1"/>
+          </a:effectRef>
+          <a:fontRef idx="minor">
+            <a:schemeClr val="tx1"/>
+          </a:fontRef>
+        </p:style>
+      </p:cxnSp>
+      <p:sp>
+        <p:nvSpPr>
+          <p:cNvPr id="81" name="TextBox 80"/>
+          <p:cNvSpPr txBox="1"/>
+          <p:nvPr/>
+        </p:nvSpPr>
+        <p:spPr>
+          <a:xfrm>
+            <a:off x="4199760" y="5880637"/>
+            <a:ext cx="296876" cy="369332"/>
+          </a:xfrm>
+          <a:prstGeom prst="rect">
+            <a:avLst/>
+          </a:prstGeom>
+          <a:noFill/>
+        </p:spPr>
+        <p:txBody>
+          <a:bodyPr wrap="none" rtlCol="0">
+            <a:spAutoFit/>
+          </a:bodyPr>
+          <a:lstStyle/>
+          <a:p>
+            <a:r>
+              <a:rPr lang="en-US" altLang="zh-CN" dirty="0" smtClean="0"/>
+              <a:t>Y</a:t>
+            </a:r>
+            <a:endParaRPr lang="en-US" dirty="0"/>
+          </a:p>
+        </p:txBody>
+      </p:sp>
+      <p:sp>
+        <p:nvSpPr>
+          <p:cNvPr id="84" name="TextBox 83"/>
+          <p:cNvSpPr txBox="1"/>
+          <p:nvPr/>
+        </p:nvSpPr>
+        <p:spPr>
+          <a:xfrm>
+            <a:off x="2297984" y="6960994"/>
+            <a:ext cx="296876" cy="369332"/>
+          </a:xfrm>
+          <a:prstGeom prst="rect">
+            <a:avLst/>
+          </a:prstGeom>
+          <a:noFill/>
+        </p:spPr>
+        <p:txBody>
+          <a:bodyPr wrap="none" rtlCol="0">
+            <a:spAutoFit/>
+          </a:bodyPr>
+          <a:lstStyle/>
+          <a:p>
+            <a:r>
+              <a:rPr lang="en-US" altLang="zh-CN" dirty="0" smtClean="0"/>
+              <a:t>Y</a:t>
+            </a:r>
+            <a:endParaRPr lang="en-US" dirty="0"/>
+          </a:p>
+        </p:txBody>
+      </p:sp>
+      <p:sp>
+        <p:nvSpPr>
+          <p:cNvPr id="85" name="Rounded Rectangle 84"/>
+          <p:cNvSpPr/>
+          <p:nvPr/>
+        </p:nvSpPr>
+        <p:spPr>
+          <a:xfrm>
+            <a:off x="3702804" y="10152233"/>
+            <a:ext cx="993913" cy="496445"/>
+          </a:xfrm>
+          <a:prstGeom prst="roundRect">
+            <a:avLst/>
+          </a:prstGeom>
+        </p:spPr>
+        <p:style>
+          <a:lnRef idx="2">
+            <a:schemeClr val="dk1"/>
+          </a:lnRef>
+          <a:fillRef idx="1">
+            <a:schemeClr val="lt1"/>
+          </a:fillRef>
+          <a:effectRef idx="0">
+            <a:schemeClr val="dk1"/>
+          </a:effectRef>
+          <a:fontRef idx="minor">
+            <a:schemeClr val="dk1"/>
+          </a:fontRef>
+        </p:style>
+        <p:txBody>
+          <a:bodyPr rtlCol="0" anchor="ctr"/>
+          <a:lstStyle/>
+          <a:p>
+            <a:pPr algn="ctr"/>
+            <a:r>
+              <a:rPr lang="zh-CN" altLang="en-US" dirty="0" smtClean="0"/>
+              <a:t>返回</a:t>
+            </a:r>
+            <a:r>
+              <a:rPr lang="en-US" altLang="zh-CN" dirty="0" smtClean="0"/>
+              <a:t>OK</a:t>
+            </a:r>
+            <a:endParaRPr lang="en-US" dirty="0"/>
+          </a:p>
+        </p:txBody>
+      </p:sp>
+      <p:cxnSp>
+        <p:nvCxnSpPr>
+          <p:cNvPr id="87" name="Straight Arrow Connector 86"/>
+          <p:cNvCxnSpPr>
+            <a:stCxn id="77" idx="2"/>
+            <a:endCxn id="85" idx="0"/>
+          </p:cNvCxnSpPr>
+          <p:nvPr/>
+        </p:nvCxnSpPr>
+        <p:spPr>
+          <a:xfrm flipH="1">
+            <a:off x="4199761" y="9840149"/>
+            <a:ext cx="1" cy="312084"/>
+          </a:xfrm>
+          <a:prstGeom prst="straightConnector1">
+            <a:avLst/>
+          </a:prstGeom>
+          <a:ln>
+            <a:tailEnd type="triangle"/>
+          </a:ln>
+        </p:spPr>
+        <p:style>
+          <a:lnRef idx="2">
+            <a:schemeClr val="dk1"/>
+          </a:lnRef>
+          <a:fillRef idx="0">
+            <a:schemeClr val="dk1"/>
+          </a:fillRef>
+          <a:effectRef idx="1">
+            <a:schemeClr val="dk1"/>
+          </a:effectRef>
+          <a:fontRef idx="minor">
+            <a:schemeClr val="tx1"/>
+          </a:fontRef>
+        </p:style>
+      </p:cxnSp>
+    </p:spTree>
+    <p:extLst>
+      <p:ext uri="{BB962C8B-B14F-4D97-AF65-F5344CB8AC3E}">
+        <p14:creationId xmlns:p14="http://schemas.microsoft.com/office/powerpoint/2010/main" val="438584704"/>
+      </p:ext>
+    </p:extLst>
+  </p:cSld>
+  <p:clrMapOvr>
+    <a:masterClrMapping/>
+  </p:clrMapOvr>
+</p:sld>
+</file>
+
+<file path=ppt/slides/slide5.xml><?xml version="1.0" encoding="utf-8"?>
+<p:sld xmlns:a="http://schemas.openxmlformats.org/drawingml/2006/main" xmlns:r="http://schemas.openxmlformats.org/officeDocument/2006/relationships" xmlns:p="http://schemas.openxmlformats.org/presentationml/2006/main">
+  <p:cSld>
+    <p:spTree>
+      <p:nvGrpSpPr>
+        <p:cNvPr id="1" name=""/>
+        <p:cNvGrpSpPr/>
+        <p:nvPr/>
+      </p:nvGrpSpPr>
+      <p:grpSpPr>
+        <a:xfrm>
+          <a:off x="0" y="0"/>
+          <a:ext cx="0" cy="0"/>
+          <a:chOff x="0" y="0"/>
+          <a:chExt cx="0" cy="0"/>
+        </a:xfrm>
+      </p:grpSpPr>
+      <p:sp>
+        <p:nvSpPr>
+          <p:cNvPr id="4" name="Rounded Rectangle 3"/>
+          <p:cNvSpPr/>
+          <p:nvPr/>
+        </p:nvSpPr>
+        <p:spPr>
+          <a:xfrm>
+            <a:off x="2705163" y="568403"/>
+            <a:ext cx="2989198" cy="516834"/>
+          </a:xfrm>
+          <a:prstGeom prst="roundRect">
+            <a:avLst/>
+          </a:prstGeom>
+        </p:spPr>
+        <p:style>
+          <a:lnRef idx="2">
+            <a:schemeClr val="dk1"/>
+          </a:lnRef>
+          <a:fillRef idx="1">
+            <a:schemeClr val="lt1"/>
+          </a:fillRef>
+          <a:effectRef idx="0">
+            <a:schemeClr val="dk1"/>
+          </a:effectRef>
+          <a:fontRef idx="minor">
+            <a:schemeClr val="dk1"/>
+          </a:fontRef>
+        </p:style>
+        <p:txBody>
+          <a:bodyPr rtlCol="0" anchor="ctr"/>
+          <a:lstStyle/>
+          <a:p>
+            <a:pPr algn="ctr"/>
+            <a:r>
+              <a:rPr lang="en-US" altLang="zh-CN" dirty="0" err="1" smtClean="0"/>
+              <a:t>NextElem</a:t>
+            </a:r>
+            <a:r>
+              <a:rPr lang="en-US" altLang="zh-CN" dirty="0" smtClean="0"/>
+              <a:t>(L, </a:t>
+            </a:r>
+            <a:r>
+              <a:rPr lang="en-US" altLang="zh-CN" dirty="0" err="1" smtClean="0"/>
+              <a:t>cur_e</a:t>
+            </a:r>
+            <a:r>
+              <a:rPr lang="en-US" altLang="zh-CN" dirty="0" smtClean="0"/>
+              <a:t>, &amp;</a:t>
+            </a:r>
+            <a:r>
+              <a:rPr lang="en-US" altLang="zh-CN" dirty="0" err="1" smtClean="0"/>
+              <a:t>next_e</a:t>
+            </a:r>
+            <a:r>
+              <a:rPr lang="en-US" altLang="zh-CN" dirty="0" smtClean="0"/>
+              <a:t>)</a:t>
+            </a:r>
+            <a:endParaRPr lang="en-US" dirty="0"/>
+          </a:p>
+        </p:txBody>
+      </p:sp>
+      <p:sp>
+        <p:nvSpPr>
+          <p:cNvPr id="5" name="Decision 4"/>
+          <p:cNvSpPr/>
+          <p:nvPr/>
+        </p:nvSpPr>
+        <p:spPr>
+          <a:xfrm>
+            <a:off x="2825816" y="1407630"/>
+            <a:ext cx="2753141" cy="1172817"/>
+          </a:xfrm>
+          <a:prstGeom prst="flowChartDecision">
+            <a:avLst/>
+          </a:prstGeom>
+        </p:spPr>
+        <p:style>
+          <a:lnRef idx="2">
+            <a:schemeClr val="dk1"/>
+          </a:lnRef>
+          <a:fillRef idx="1">
+            <a:schemeClr val="lt1"/>
+          </a:fillRef>
+          <a:effectRef idx="0">
+            <a:schemeClr val="dk1"/>
+          </a:effectRef>
+          <a:fontRef idx="minor">
+            <a:schemeClr val="dk1"/>
+          </a:fontRef>
+        </p:style>
+        <p:txBody>
+          <a:bodyPr rtlCol="0" anchor="ctr"/>
+          <a:lstStyle/>
+          <a:p>
+            <a:pPr algn="ctr"/>
+            <a:r>
+              <a:rPr lang="en-US" dirty="0" err="1" smtClean="0"/>
+              <a:t>L.elem</a:t>
+            </a:r>
+            <a:r>
+              <a:rPr lang="zh-CN" altLang="en-US" dirty="0" smtClean="0"/>
+              <a:t> </a:t>
+            </a:r>
+            <a:r>
+              <a:rPr lang="zh-CN" altLang="en-US" dirty="0" smtClean="0"/>
+              <a:t>是否为空指针？</a:t>
+            </a:r>
+            <a:endParaRPr lang="en-US" dirty="0"/>
+          </a:p>
+        </p:txBody>
+      </p:sp>
+      <p:sp>
+        <p:nvSpPr>
+          <p:cNvPr id="6" name="Rounded Rectangle 5"/>
+          <p:cNvSpPr/>
+          <p:nvPr/>
+        </p:nvSpPr>
+        <p:spPr>
+          <a:xfrm>
+            <a:off x="1385734" y="10042647"/>
+            <a:ext cx="993913" cy="715616"/>
+          </a:xfrm>
+          <a:prstGeom prst="roundRect">
+            <a:avLst/>
+          </a:prstGeom>
+        </p:spPr>
+        <p:style>
+          <a:lnRef idx="2">
+            <a:schemeClr val="dk1"/>
+          </a:lnRef>
+          <a:fillRef idx="1">
+            <a:schemeClr val="lt1"/>
+          </a:fillRef>
+          <a:effectRef idx="0">
+            <a:schemeClr val="dk1"/>
+          </a:effectRef>
+          <a:fontRef idx="minor">
+            <a:schemeClr val="dk1"/>
+          </a:fontRef>
+        </p:style>
+        <p:txBody>
+          <a:bodyPr rtlCol="0" anchor="ctr"/>
+          <a:lstStyle/>
+          <a:p>
+            <a:pPr algn="ctr"/>
+            <a:r>
+              <a:rPr lang="zh-CN" altLang="en-US" dirty="0" smtClean="0"/>
+              <a:t>返回</a:t>
+            </a:r>
+            <a:r>
+              <a:rPr lang="en-US" altLang="zh-CN" dirty="0" smtClean="0"/>
+              <a:t>ERROR</a:t>
+            </a:r>
+            <a:endParaRPr lang="en-US" dirty="0"/>
+          </a:p>
+        </p:txBody>
+      </p:sp>
+      <p:cxnSp>
+        <p:nvCxnSpPr>
+          <p:cNvPr id="10" name="Straight Arrow Connector 9"/>
+          <p:cNvCxnSpPr>
+            <a:stCxn id="4" idx="2"/>
+            <a:endCxn id="5" idx="0"/>
+          </p:cNvCxnSpPr>
+          <p:nvPr/>
+        </p:nvCxnSpPr>
+        <p:spPr>
+          <a:xfrm>
+            <a:off x="4199762" y="1085237"/>
+            <a:ext cx="2625" cy="322393"/>
+          </a:xfrm>
+          <a:prstGeom prst="straightConnector1">
+            <a:avLst/>
+          </a:prstGeom>
+          <a:ln>
+            <a:tailEnd type="triangle"/>
+          </a:ln>
+        </p:spPr>
+        <p:style>
+          <a:lnRef idx="2">
+            <a:schemeClr val="dk1"/>
+          </a:lnRef>
+          <a:fillRef idx="0">
+            <a:schemeClr val="dk1"/>
+          </a:fillRef>
+          <a:effectRef idx="1">
+            <a:schemeClr val="dk1"/>
+          </a:effectRef>
+          <a:fontRef idx="minor">
+            <a:schemeClr val="tx1"/>
+          </a:fontRef>
+        </p:style>
+      </p:cxnSp>
+      <p:cxnSp>
+        <p:nvCxnSpPr>
+          <p:cNvPr id="11" name="Straight Arrow Connector 10"/>
+          <p:cNvCxnSpPr>
+            <a:stCxn id="5" idx="2"/>
+            <a:endCxn id="49" idx="0"/>
+          </p:cNvCxnSpPr>
+          <p:nvPr/>
+        </p:nvCxnSpPr>
+        <p:spPr>
+          <a:xfrm flipH="1">
+            <a:off x="4199763" y="2580447"/>
+            <a:ext cx="2624" cy="456550"/>
+          </a:xfrm>
+          <a:prstGeom prst="straightConnector1">
+            <a:avLst/>
+          </a:prstGeom>
+          <a:ln>
+            <a:tailEnd type="triangle"/>
+          </a:ln>
+        </p:spPr>
+        <p:style>
+          <a:lnRef idx="2">
+            <a:schemeClr val="dk1"/>
+          </a:lnRef>
+          <a:fillRef idx="0">
+            <a:schemeClr val="dk1"/>
+          </a:fillRef>
+          <a:effectRef idx="1">
+            <a:schemeClr val="dk1"/>
+          </a:effectRef>
+          <a:fontRef idx="minor">
+            <a:schemeClr val="tx1"/>
+          </a:fontRef>
+        </p:style>
+      </p:cxnSp>
+      <p:cxnSp>
+        <p:nvCxnSpPr>
+          <p:cNvPr id="23" name="Elbow Connector 22"/>
+          <p:cNvCxnSpPr>
+            <a:stCxn id="5" idx="1"/>
+            <a:endCxn id="6" idx="0"/>
+          </p:cNvCxnSpPr>
+          <p:nvPr/>
+        </p:nvCxnSpPr>
+        <p:spPr>
+          <a:xfrm rot="10800000" flipV="1">
+            <a:off x="1882692" y="1994039"/>
+            <a:ext cx="943125" cy="8048608"/>
+          </a:xfrm>
+          <a:prstGeom prst="bentConnector2">
+            <a:avLst/>
+          </a:prstGeom>
+          <a:ln>
+            <a:tailEnd type="triangle"/>
+          </a:ln>
+        </p:spPr>
+        <p:style>
+          <a:lnRef idx="2">
+            <a:schemeClr val="dk1"/>
+          </a:lnRef>
+          <a:fillRef idx="0">
+            <a:schemeClr val="dk1"/>
+          </a:fillRef>
+          <a:effectRef idx="1">
+            <a:schemeClr val="dk1"/>
+          </a:effectRef>
+          <a:fontRef idx="minor">
+            <a:schemeClr val="tx1"/>
+          </a:fontRef>
+        </p:style>
+      </p:cxnSp>
+      <p:sp>
+        <p:nvSpPr>
+          <p:cNvPr id="67" name="TextBox 66"/>
+          <p:cNvSpPr txBox="1"/>
+          <p:nvPr/>
+        </p:nvSpPr>
+        <p:spPr>
+          <a:xfrm>
+            <a:off x="2615513" y="1671645"/>
+            <a:ext cx="296876" cy="369332"/>
+          </a:xfrm>
+          <a:prstGeom prst="rect">
+            <a:avLst/>
+          </a:prstGeom>
+          <a:noFill/>
+        </p:spPr>
+        <p:txBody>
+          <a:bodyPr wrap="none" rtlCol="0">
+            <a:spAutoFit/>
+          </a:bodyPr>
+          <a:lstStyle/>
+          <a:p>
+            <a:r>
+              <a:rPr lang="en-US" altLang="zh-CN" dirty="0" smtClean="0"/>
+              <a:t>Y</a:t>
+            </a:r>
+            <a:endParaRPr lang="en-US" dirty="0"/>
+          </a:p>
+        </p:txBody>
+      </p:sp>
+      <p:sp>
+        <p:nvSpPr>
+          <p:cNvPr id="68" name="TextBox 67"/>
+          <p:cNvSpPr txBox="1"/>
+          <p:nvPr/>
+        </p:nvSpPr>
+        <p:spPr>
+          <a:xfrm>
+            <a:off x="4181325" y="2535077"/>
+            <a:ext cx="333746" cy="369332"/>
+          </a:xfrm>
+          <a:prstGeom prst="rect">
+            <a:avLst/>
+          </a:prstGeom>
+          <a:noFill/>
+        </p:spPr>
+        <p:txBody>
+          <a:bodyPr wrap="none" rtlCol="0">
+            <a:spAutoFit/>
+          </a:bodyPr>
+          <a:lstStyle/>
+          <a:p>
+            <a:r>
+              <a:rPr lang="en-US" altLang="zh-CN" dirty="0" smtClean="0"/>
+              <a:t>N</a:t>
+            </a:r>
+            <a:endParaRPr lang="en-US" dirty="0"/>
+          </a:p>
+        </p:txBody>
+      </p:sp>
+      <p:sp>
+        <p:nvSpPr>
+          <p:cNvPr id="69" name="TextBox 68"/>
+          <p:cNvSpPr txBox="1"/>
+          <p:nvPr/>
+        </p:nvSpPr>
+        <p:spPr>
+          <a:xfrm>
+            <a:off x="2379647" y="4772139"/>
+            <a:ext cx="333746" cy="369332"/>
+          </a:xfrm>
+          <a:prstGeom prst="rect">
+            <a:avLst/>
+          </a:prstGeom>
+          <a:noFill/>
+        </p:spPr>
+        <p:txBody>
+          <a:bodyPr wrap="none" rtlCol="0">
+            <a:spAutoFit/>
+          </a:bodyPr>
+          <a:lstStyle/>
+          <a:p>
+            <a:r>
+              <a:rPr lang="en-US" altLang="zh-CN" dirty="0" smtClean="0"/>
+              <a:t>N</a:t>
+            </a:r>
+            <a:endParaRPr lang="en-US" dirty="0"/>
+          </a:p>
+        </p:txBody>
+      </p:sp>
+      <p:sp>
+        <p:nvSpPr>
+          <p:cNvPr id="49" name="Rectangle 48"/>
+          <p:cNvSpPr/>
+          <p:nvPr/>
+        </p:nvSpPr>
+        <p:spPr>
+          <a:xfrm>
+            <a:off x="2805728" y="3036997"/>
+            <a:ext cx="2788070" cy="960923"/>
+          </a:xfrm>
+          <a:prstGeom prst="rect">
+            <a:avLst/>
+          </a:prstGeom>
+        </p:spPr>
+        <p:style>
+          <a:lnRef idx="2">
+            <a:schemeClr val="dk1"/>
+          </a:lnRef>
+          <a:fillRef idx="1">
+            <a:schemeClr val="lt1"/>
+          </a:fillRef>
+          <a:effectRef idx="0">
+            <a:schemeClr val="dk1"/>
+          </a:effectRef>
+          <a:fontRef idx="minor">
+            <a:schemeClr val="dk1"/>
+          </a:fontRef>
+        </p:style>
+        <p:txBody>
+          <a:bodyPr rtlCol="0" anchor="ctr"/>
+          <a:lstStyle/>
+          <a:p>
+            <a:pPr algn="ctr"/>
+            <a:r>
+              <a:rPr lang="zh-CN" altLang="en-US" dirty="0" smtClean="0"/>
+              <a:t>调用</a:t>
+            </a:r>
+            <a:r>
+              <a:rPr lang="en-US" altLang="zh-CN" dirty="0" err="1" smtClean="0"/>
+              <a:t>LocateElem</a:t>
+            </a:r>
+            <a:r>
+              <a:rPr lang="en-US" altLang="zh-CN" dirty="0" smtClean="0"/>
+              <a:t>(L, </a:t>
+            </a:r>
+            <a:r>
+              <a:rPr lang="en-US" altLang="zh-CN" dirty="0" err="1" smtClean="0"/>
+              <a:t>cur_e</a:t>
+            </a:r>
+            <a:r>
+              <a:rPr lang="en-US" altLang="zh-CN" dirty="0" smtClean="0"/>
+              <a:t>)</a:t>
+            </a:r>
+            <a:r>
+              <a:rPr lang="zh-CN" altLang="en-US" dirty="0" smtClean="0"/>
+              <a:t>获取值为</a:t>
+            </a:r>
+            <a:r>
+              <a:rPr lang="en-US" altLang="zh-CN" dirty="0" err="1" smtClean="0"/>
+              <a:t>cur_e</a:t>
+            </a:r>
+            <a:r>
+              <a:rPr lang="zh-CN" altLang="en-US" dirty="0" smtClean="0"/>
+              <a:t>在线性表中的位序，结果存入</a:t>
+            </a:r>
+            <a:r>
+              <a:rPr lang="en-US" altLang="zh-CN" dirty="0" err="1" smtClean="0"/>
+              <a:t>idx</a:t>
+            </a:r>
+            <a:r>
+              <a:rPr lang="zh-CN" altLang="en-US" dirty="0" smtClean="0"/>
+              <a:t>中</a:t>
+            </a:r>
+            <a:endParaRPr lang="en-US" dirty="0"/>
+          </a:p>
+        </p:txBody>
+      </p:sp>
+      <p:sp>
+        <p:nvSpPr>
+          <p:cNvPr id="64" name="Decision 63"/>
+          <p:cNvSpPr/>
+          <p:nvPr/>
+        </p:nvSpPr>
+        <p:spPr>
+          <a:xfrm>
+            <a:off x="2615513" y="4354250"/>
+            <a:ext cx="3168499" cy="1574446"/>
+          </a:xfrm>
+          <a:prstGeom prst="flowChartDecision">
+            <a:avLst/>
+          </a:prstGeom>
+        </p:spPr>
+        <p:style>
+          <a:lnRef idx="2">
+            <a:schemeClr val="dk1"/>
+          </a:lnRef>
+          <a:fillRef idx="1">
+            <a:schemeClr val="lt1"/>
+          </a:fillRef>
+          <a:effectRef idx="0">
+            <a:schemeClr val="dk1"/>
+          </a:effectRef>
+          <a:fontRef idx="minor">
+            <a:schemeClr val="dk1"/>
+          </a:fontRef>
+        </p:style>
+        <p:txBody>
+          <a:bodyPr rtlCol="0" anchor="ctr"/>
+          <a:lstStyle/>
+          <a:p>
+            <a:pPr algn="ctr"/>
+            <a:r>
+              <a:rPr lang="zh-CN" altLang="en-US" dirty="0" smtClean="0"/>
+              <a:t>值为</a:t>
+            </a:r>
+            <a:r>
+              <a:rPr lang="en-US" altLang="zh-CN" dirty="0" err="1" smtClean="0"/>
+              <a:t>cur_e</a:t>
+            </a:r>
+            <a:r>
+              <a:rPr lang="zh-CN" altLang="en-US" dirty="0" smtClean="0"/>
+              <a:t>的元素是否存在于线性表中？</a:t>
+            </a:r>
+            <a:endParaRPr lang="en-US" dirty="0"/>
+          </a:p>
+        </p:txBody>
+      </p:sp>
+      <p:sp>
+        <p:nvSpPr>
+          <p:cNvPr id="65" name="Decision 64"/>
+          <p:cNvSpPr/>
+          <p:nvPr/>
+        </p:nvSpPr>
+        <p:spPr>
+          <a:xfrm>
+            <a:off x="2505021" y="6310753"/>
+            <a:ext cx="3389480" cy="1956804"/>
+          </a:xfrm>
+          <a:prstGeom prst="flowChartDecision">
+            <a:avLst/>
+          </a:prstGeom>
+        </p:spPr>
+        <p:style>
+          <a:lnRef idx="2">
+            <a:schemeClr val="dk1"/>
+          </a:lnRef>
+          <a:fillRef idx="1">
+            <a:schemeClr val="lt1"/>
+          </a:fillRef>
+          <a:effectRef idx="0">
+            <a:schemeClr val="dk1"/>
+          </a:effectRef>
+          <a:fontRef idx="minor">
+            <a:schemeClr val="dk1"/>
+          </a:fontRef>
+        </p:style>
+        <p:txBody>
+          <a:bodyPr rtlCol="0" anchor="ctr"/>
+          <a:lstStyle/>
+          <a:p>
+            <a:pPr algn="ctr"/>
+            <a:r>
+              <a:rPr lang="zh-CN" altLang="en-US" dirty="0" smtClean="0"/>
+              <a:t>值为</a:t>
+            </a:r>
+            <a:r>
+              <a:rPr lang="en-US" altLang="zh-CN" dirty="0" err="1" smtClean="0"/>
+              <a:t>cur_e</a:t>
+            </a:r>
+            <a:r>
+              <a:rPr lang="zh-CN" altLang="en-US" dirty="0" smtClean="0"/>
+              <a:t>的元素是否是线性表中的最后一个元素？</a:t>
+            </a:r>
+            <a:endParaRPr lang="en-US" dirty="0"/>
+          </a:p>
+        </p:txBody>
+      </p:sp>
+      <p:cxnSp>
+        <p:nvCxnSpPr>
+          <p:cNvPr id="66" name="Straight Arrow Connector 65"/>
+          <p:cNvCxnSpPr>
+            <a:stCxn id="49" idx="2"/>
+            <a:endCxn id="64" idx="0"/>
+          </p:cNvCxnSpPr>
+          <p:nvPr/>
+        </p:nvCxnSpPr>
+        <p:spPr>
+          <a:xfrm>
+            <a:off x="4199763" y="3997920"/>
+            <a:ext cx="0" cy="356330"/>
+          </a:xfrm>
+          <a:prstGeom prst="straightConnector1">
+            <a:avLst/>
+          </a:prstGeom>
+          <a:ln>
+            <a:tailEnd type="triangle"/>
+          </a:ln>
+        </p:spPr>
+        <p:style>
+          <a:lnRef idx="2">
+            <a:schemeClr val="dk1"/>
+          </a:lnRef>
+          <a:fillRef idx="0">
+            <a:schemeClr val="dk1"/>
+          </a:fillRef>
+          <a:effectRef idx="1">
+            <a:schemeClr val="dk1"/>
+          </a:effectRef>
+          <a:fontRef idx="minor">
+            <a:schemeClr val="tx1"/>
+          </a:fontRef>
+        </p:style>
+      </p:cxnSp>
+      <p:cxnSp>
+        <p:nvCxnSpPr>
+          <p:cNvPr id="72" name="Straight Arrow Connector 71"/>
+          <p:cNvCxnSpPr>
+            <a:stCxn id="64" idx="2"/>
+            <a:endCxn id="65" idx="0"/>
+          </p:cNvCxnSpPr>
+          <p:nvPr/>
+        </p:nvCxnSpPr>
+        <p:spPr>
+          <a:xfrm flipH="1">
+            <a:off x="4199761" y="5928696"/>
+            <a:ext cx="2" cy="382057"/>
+          </a:xfrm>
+          <a:prstGeom prst="straightConnector1">
+            <a:avLst/>
+          </a:prstGeom>
+          <a:ln>
+            <a:tailEnd type="triangle"/>
+          </a:ln>
+        </p:spPr>
+        <p:style>
+          <a:lnRef idx="2">
+            <a:schemeClr val="dk1"/>
+          </a:lnRef>
+          <a:fillRef idx="0">
+            <a:schemeClr val="dk1"/>
+          </a:fillRef>
+          <a:effectRef idx="1">
+            <a:schemeClr val="dk1"/>
+          </a:effectRef>
+          <a:fontRef idx="minor">
+            <a:schemeClr val="tx1"/>
+          </a:fontRef>
+        </p:style>
+      </p:cxnSp>
+      <p:cxnSp>
+        <p:nvCxnSpPr>
+          <p:cNvPr id="73" name="Elbow Connector 72"/>
+          <p:cNvCxnSpPr>
+            <a:stCxn id="64" idx="1"/>
+            <a:endCxn id="6" idx="0"/>
+          </p:cNvCxnSpPr>
+          <p:nvPr/>
+        </p:nvCxnSpPr>
+        <p:spPr>
+          <a:xfrm rot="10800000" flipV="1">
+            <a:off x="1882691" y="5141473"/>
+            <a:ext cx="732822" cy="4901174"/>
+          </a:xfrm>
+          <a:prstGeom prst="bentConnector2">
+            <a:avLst/>
+          </a:prstGeom>
+          <a:ln>
+            <a:tailEnd type="triangle"/>
+          </a:ln>
+        </p:spPr>
+        <p:style>
+          <a:lnRef idx="2">
+            <a:schemeClr val="dk1"/>
+          </a:lnRef>
+          <a:fillRef idx="0">
+            <a:schemeClr val="dk1"/>
+          </a:fillRef>
+          <a:effectRef idx="1">
+            <a:schemeClr val="dk1"/>
+          </a:effectRef>
+          <a:fontRef idx="minor">
+            <a:schemeClr val="tx1"/>
+          </a:fontRef>
+        </p:style>
+      </p:cxnSp>
+      <p:cxnSp>
+        <p:nvCxnSpPr>
+          <p:cNvPr id="74" name="Elbow Connector 73"/>
+          <p:cNvCxnSpPr>
+            <a:stCxn id="65" idx="1"/>
+            <a:endCxn id="6" idx="0"/>
+          </p:cNvCxnSpPr>
+          <p:nvPr/>
+        </p:nvCxnSpPr>
+        <p:spPr>
+          <a:xfrm rot="10800000" flipV="1">
+            <a:off x="1882691" y="7289155"/>
+            <a:ext cx="622330" cy="2753492"/>
+          </a:xfrm>
+          <a:prstGeom prst="bentConnector2">
+            <a:avLst/>
+          </a:prstGeom>
+          <a:ln>
+            <a:tailEnd type="triangle"/>
+          </a:ln>
+        </p:spPr>
+        <p:style>
+          <a:lnRef idx="2">
+            <a:schemeClr val="dk1"/>
+          </a:lnRef>
+          <a:fillRef idx="0">
+            <a:schemeClr val="dk1"/>
+          </a:fillRef>
+          <a:effectRef idx="1">
+            <a:schemeClr val="dk1"/>
+          </a:effectRef>
+          <a:fontRef idx="minor">
+            <a:schemeClr val="tx1"/>
+          </a:fontRef>
+        </p:style>
+      </p:cxnSp>
+      <p:sp>
+        <p:nvSpPr>
+          <p:cNvPr id="76" name="TextBox 75"/>
+          <p:cNvSpPr txBox="1"/>
+          <p:nvPr/>
+        </p:nvSpPr>
+        <p:spPr>
+          <a:xfrm>
+            <a:off x="4193286" y="8210309"/>
+            <a:ext cx="333746" cy="369332"/>
+          </a:xfrm>
+          <a:prstGeom prst="rect">
+            <a:avLst/>
+          </a:prstGeom>
+          <a:noFill/>
+        </p:spPr>
+        <p:txBody>
+          <a:bodyPr wrap="none" rtlCol="0">
+            <a:spAutoFit/>
+          </a:bodyPr>
+          <a:lstStyle/>
+          <a:p>
+            <a:r>
+              <a:rPr lang="en-US" altLang="zh-CN" dirty="0" smtClean="0"/>
+              <a:t>N</a:t>
+            </a:r>
+            <a:endParaRPr lang="en-US" dirty="0"/>
+          </a:p>
+        </p:txBody>
+      </p:sp>
+      <p:sp>
+        <p:nvSpPr>
+          <p:cNvPr id="77" name="Rectangle 76"/>
+          <p:cNvSpPr/>
+          <p:nvPr/>
+        </p:nvSpPr>
+        <p:spPr>
+          <a:xfrm>
+            <a:off x="2862038" y="8579641"/>
+            <a:ext cx="2675448" cy="1260508"/>
+          </a:xfrm>
+          <a:prstGeom prst="rect">
+            <a:avLst/>
+          </a:prstGeom>
+        </p:spPr>
+        <p:style>
+          <a:lnRef idx="2">
+            <a:schemeClr val="dk1"/>
+          </a:lnRef>
+          <a:fillRef idx="1">
+            <a:schemeClr val="lt1"/>
+          </a:fillRef>
+          <a:effectRef idx="0">
+            <a:schemeClr val="dk1"/>
+          </a:effectRef>
+          <a:fontRef idx="minor">
+            <a:schemeClr val="dk1"/>
+          </a:fontRef>
+        </p:style>
+        <p:txBody>
+          <a:bodyPr rtlCol="0" anchor="ctr"/>
+          <a:lstStyle/>
+          <a:p>
+            <a:pPr algn="ctr"/>
+            <a:r>
+              <a:rPr lang="zh-CN" altLang="en-US" dirty="0" smtClean="0"/>
+              <a:t>根据</a:t>
+            </a:r>
+            <a:r>
+              <a:rPr lang="en-US" altLang="zh-CN" dirty="0" err="1" smtClean="0"/>
+              <a:t>idx</a:t>
+            </a:r>
+            <a:r>
+              <a:rPr lang="zh-CN" altLang="en-US" dirty="0" smtClean="0"/>
+              <a:t>获取</a:t>
+            </a:r>
+            <a:r>
+              <a:rPr lang="en-US" altLang="zh-CN" dirty="0" err="1" smtClean="0"/>
+              <a:t>cur_e</a:t>
+            </a:r>
+            <a:r>
+              <a:rPr lang="zh-CN" altLang="en-US" dirty="0" smtClean="0"/>
+              <a:t>的前驱的位置，并将前驱的值存入</a:t>
+            </a:r>
+            <a:r>
+              <a:rPr lang="en-US" altLang="zh-CN" dirty="0" err="1" smtClean="0"/>
+              <a:t>next_e</a:t>
+            </a:r>
+            <a:r>
+              <a:rPr lang="zh-CN" altLang="en-US" dirty="0" smtClean="0"/>
+              <a:t>中带回：</a:t>
+            </a:r>
+            <a:endParaRPr lang="en-US" altLang="zh-CN" dirty="0" smtClean="0"/>
+          </a:p>
+          <a:p>
+            <a:pPr algn="ctr"/>
+            <a:r>
+              <a:rPr lang="zh-CN" altLang="en-US" dirty="0" smtClean="0"/>
+              <a:t>*</a:t>
+            </a:r>
+            <a:r>
+              <a:rPr lang="en-US" altLang="zh-CN" dirty="0" err="1" smtClean="0"/>
+              <a:t>next_e</a:t>
+            </a:r>
+            <a:r>
+              <a:rPr lang="en-US" altLang="zh-CN" smtClean="0"/>
+              <a:t> = </a:t>
+            </a:r>
+            <a:r>
+              <a:rPr lang="en-US" altLang="zh-CN" dirty="0" err="1" smtClean="0"/>
+              <a:t>L.elem</a:t>
+            </a:r>
+            <a:r>
+              <a:rPr lang="en-US" altLang="zh-CN" dirty="0" smtClean="0"/>
+              <a:t>[</a:t>
+            </a:r>
+            <a:r>
+              <a:rPr lang="en-US" altLang="zh-CN" dirty="0" err="1" smtClean="0"/>
+              <a:t>idx</a:t>
+            </a:r>
+            <a:r>
+              <a:rPr lang="en-US" altLang="zh-CN" dirty="0" smtClean="0"/>
+              <a:t>]</a:t>
+            </a:r>
+            <a:endParaRPr lang="en-US" dirty="0"/>
+          </a:p>
+        </p:txBody>
+      </p:sp>
+      <p:cxnSp>
+        <p:nvCxnSpPr>
+          <p:cNvPr id="79" name="Straight Arrow Connector 78"/>
+          <p:cNvCxnSpPr>
+            <a:stCxn id="65" idx="2"/>
+            <a:endCxn id="77" idx="0"/>
+          </p:cNvCxnSpPr>
+          <p:nvPr/>
+        </p:nvCxnSpPr>
+        <p:spPr>
+          <a:xfrm>
+            <a:off x="4199761" y="8267557"/>
+            <a:ext cx="1" cy="312084"/>
+          </a:xfrm>
+          <a:prstGeom prst="straightConnector1">
+            <a:avLst/>
+          </a:prstGeom>
+          <a:ln>
+            <a:tailEnd type="triangle"/>
+          </a:ln>
+        </p:spPr>
+        <p:style>
+          <a:lnRef idx="2">
+            <a:schemeClr val="dk1"/>
+          </a:lnRef>
+          <a:fillRef idx="0">
+            <a:schemeClr val="dk1"/>
+          </a:fillRef>
+          <a:effectRef idx="1">
+            <a:schemeClr val="dk1"/>
+          </a:effectRef>
+          <a:fontRef idx="minor">
+            <a:schemeClr val="tx1"/>
+          </a:fontRef>
+        </p:style>
+      </p:cxnSp>
+      <p:sp>
+        <p:nvSpPr>
+          <p:cNvPr id="81" name="TextBox 80"/>
+          <p:cNvSpPr txBox="1"/>
+          <p:nvPr/>
+        </p:nvSpPr>
+        <p:spPr>
+          <a:xfrm>
+            <a:off x="4199760" y="5880637"/>
+            <a:ext cx="296876" cy="369332"/>
+          </a:xfrm>
+          <a:prstGeom prst="rect">
+            <a:avLst/>
+          </a:prstGeom>
+          <a:noFill/>
+        </p:spPr>
+        <p:txBody>
+          <a:bodyPr wrap="none" rtlCol="0">
+            <a:spAutoFit/>
+          </a:bodyPr>
+          <a:lstStyle/>
+          <a:p>
+            <a:r>
+              <a:rPr lang="en-US" altLang="zh-CN" dirty="0" smtClean="0"/>
+              <a:t>Y</a:t>
+            </a:r>
+            <a:endParaRPr lang="en-US" dirty="0"/>
+          </a:p>
+        </p:txBody>
+      </p:sp>
+      <p:sp>
+        <p:nvSpPr>
+          <p:cNvPr id="84" name="TextBox 83"/>
+          <p:cNvSpPr txBox="1"/>
+          <p:nvPr/>
+        </p:nvSpPr>
+        <p:spPr>
+          <a:xfrm>
+            <a:off x="2297984" y="6960994"/>
+            <a:ext cx="296876" cy="369332"/>
+          </a:xfrm>
+          <a:prstGeom prst="rect">
+            <a:avLst/>
+          </a:prstGeom>
+          <a:noFill/>
+        </p:spPr>
+        <p:txBody>
+          <a:bodyPr wrap="none" rtlCol="0">
+            <a:spAutoFit/>
+          </a:bodyPr>
+          <a:lstStyle/>
+          <a:p>
+            <a:r>
+              <a:rPr lang="en-US" altLang="zh-CN" dirty="0" smtClean="0"/>
+              <a:t>Y</a:t>
+            </a:r>
+            <a:endParaRPr lang="en-US" dirty="0"/>
+          </a:p>
+        </p:txBody>
+      </p:sp>
+      <p:sp>
+        <p:nvSpPr>
+          <p:cNvPr id="85" name="Rounded Rectangle 84"/>
+          <p:cNvSpPr/>
+          <p:nvPr/>
+        </p:nvSpPr>
+        <p:spPr>
+          <a:xfrm>
+            <a:off x="3702804" y="10152233"/>
+            <a:ext cx="993913" cy="496445"/>
+          </a:xfrm>
+          <a:prstGeom prst="roundRect">
+            <a:avLst/>
+          </a:prstGeom>
+        </p:spPr>
+        <p:style>
+          <a:lnRef idx="2">
+            <a:schemeClr val="dk1"/>
+          </a:lnRef>
+          <a:fillRef idx="1">
+            <a:schemeClr val="lt1"/>
+          </a:fillRef>
+          <a:effectRef idx="0">
+            <a:schemeClr val="dk1"/>
+          </a:effectRef>
+          <a:fontRef idx="minor">
+            <a:schemeClr val="dk1"/>
+          </a:fontRef>
+        </p:style>
+        <p:txBody>
+          <a:bodyPr rtlCol="0" anchor="ctr"/>
+          <a:lstStyle/>
+          <a:p>
+            <a:pPr algn="ctr"/>
+            <a:r>
+              <a:rPr lang="zh-CN" altLang="en-US" dirty="0" smtClean="0"/>
+              <a:t>返回</a:t>
+            </a:r>
+            <a:r>
+              <a:rPr lang="en-US" altLang="zh-CN" dirty="0" smtClean="0"/>
+              <a:t>OK</a:t>
+            </a:r>
+            <a:endParaRPr lang="en-US" dirty="0"/>
+          </a:p>
+        </p:txBody>
+      </p:sp>
+      <p:cxnSp>
+        <p:nvCxnSpPr>
+          <p:cNvPr id="87" name="Straight Arrow Connector 86"/>
+          <p:cNvCxnSpPr>
+            <a:stCxn id="77" idx="2"/>
+            <a:endCxn id="85" idx="0"/>
+          </p:cNvCxnSpPr>
+          <p:nvPr/>
+        </p:nvCxnSpPr>
+        <p:spPr>
+          <a:xfrm flipH="1">
+            <a:off x="4199761" y="9840149"/>
+            <a:ext cx="1" cy="312084"/>
+          </a:xfrm>
+          <a:prstGeom prst="straightConnector1">
+            <a:avLst/>
+          </a:prstGeom>
+          <a:ln>
+            <a:tailEnd type="triangle"/>
+          </a:ln>
+        </p:spPr>
+        <p:style>
+          <a:lnRef idx="2">
+            <a:schemeClr val="dk1"/>
+          </a:lnRef>
+          <a:fillRef idx="0">
+            <a:schemeClr val="dk1"/>
+          </a:fillRef>
+          <a:effectRef idx="1">
+            <a:schemeClr val="dk1"/>
+          </a:effectRef>
+          <a:fontRef idx="minor">
+            <a:schemeClr val="tx1"/>
+          </a:fontRef>
+        </p:style>
+      </p:cxnSp>
+    </p:spTree>
+    <p:extLst>
+      <p:ext uri="{BB962C8B-B14F-4D97-AF65-F5344CB8AC3E}">
+        <p14:creationId xmlns:p14="http://schemas.microsoft.com/office/powerpoint/2010/main" val="308608432"/>
       </p:ext>
     </p:extLst>
   </p:cSld>

--- a/data_structure/charts.pptx
+++ b/data_structure/charts.pptx
@@ -23965,7 +23965,7 @@
         </p:nvSpPr>
         <p:spPr>
           <a:xfrm>
-            <a:off x="14179138" y="4608484"/>
+            <a:off x="13326973" y="5899536"/>
             <a:ext cx="1446157" cy="371337"/>
           </a:xfrm>
           <a:prstGeom prst="rect">
@@ -24047,7 +24047,7 @@
         </p:nvSpPr>
         <p:spPr>
           <a:xfrm>
-            <a:off x="14405259" y="5362555"/>
+            <a:off x="13553094" y="6653607"/>
             <a:ext cx="993913" cy="715616"/>
           </a:xfrm>
           <a:prstGeom prst="roundRect">
@@ -24096,7 +24096,7 @@
         </p:nvCxnSpPr>
         <p:spPr>
           <a:xfrm flipH="1">
-            <a:off x="14902216" y="4979821"/>
+            <a:off x="14050051" y="6270873"/>
             <a:ext cx="1" cy="382734"/>
           </a:xfrm>
           <a:prstGeom prst="straightConnector1">
@@ -24227,7 +24227,7 @@
         </p:nvSpPr>
         <p:spPr>
           <a:xfrm>
-            <a:off x="9201411" y="6883044"/>
+            <a:off x="9201411" y="7010634"/>
             <a:ext cx="1854636" cy="691127"/>
           </a:xfrm>
           <a:prstGeom prst="diamond">
@@ -24273,7 +24273,7 @@
         <p:spPr>
           <a:xfrm flipH="1">
             <a:off x="10128729" y="6469725"/>
-            <a:ext cx="1" cy="413319"/>
+            <a:ext cx="1" cy="540909"/>
           </a:xfrm>
           <a:prstGeom prst="straightConnector1">
             <a:avLst/>
@@ -24305,7 +24305,7 @@
         </p:nvSpPr>
         <p:spPr>
           <a:xfrm>
-            <a:off x="7261147" y="7987490"/>
+            <a:off x="7261147" y="8115080"/>
             <a:ext cx="2162471" cy="657011"/>
           </a:xfrm>
           <a:prstGeom prst="rect">
@@ -24366,7 +24366,7 @@
         </p:nvCxnSpPr>
         <p:spPr>
           <a:xfrm flipH="1">
-            <a:off x="8342382" y="8644501"/>
+            <a:off x="8342382" y="8772091"/>
             <a:ext cx="1" cy="446204"/>
           </a:xfrm>
           <a:prstGeom prst="straightConnector1">
@@ -24402,7 +24402,7 @@
         </p:nvCxnSpPr>
         <p:spPr>
           <a:xfrm rot="10800000" flipV="1">
-            <a:off x="8342383" y="7228608"/>
+            <a:off x="8342383" y="7356198"/>
             <a:ext cx="859028" cy="758882"/>
           </a:xfrm>
           <a:prstGeom prst="bentConnector2">
@@ -24435,7 +24435,7 @@
         </p:nvSpPr>
         <p:spPr>
           <a:xfrm>
-            <a:off x="7261146" y="9090705"/>
+            <a:off x="7261146" y="9218295"/>
             <a:ext cx="2162471" cy="657011"/>
           </a:xfrm>
           <a:prstGeom prst="rect">
@@ -24493,7 +24493,7 @@
         </p:nvSpPr>
         <p:spPr>
           <a:xfrm>
-            <a:off x="10854822" y="7975208"/>
+            <a:off x="10854822" y="8102798"/>
             <a:ext cx="2162471" cy="657011"/>
           </a:xfrm>
           <a:prstGeom prst="rect">
@@ -24551,7 +24551,7 @@
         </p:nvCxnSpPr>
         <p:spPr>
           <a:xfrm flipH="1">
-            <a:off x="11936057" y="8632219"/>
+            <a:off x="11936057" y="8759809"/>
             <a:ext cx="1" cy="446204"/>
           </a:xfrm>
           <a:prstGeom prst="straightConnector1">
@@ -24584,7 +24584,7 @@
         </p:nvSpPr>
         <p:spPr>
           <a:xfrm>
-            <a:off x="10854821" y="9078423"/>
+            <a:off x="10854821" y="9206013"/>
             <a:ext cx="2162471" cy="657011"/>
           </a:xfrm>
           <a:prstGeom prst="rect">
@@ -24645,8 +24645,328 @@
         </p:nvCxnSpPr>
         <p:spPr>
           <a:xfrm>
-            <a:off x="11056047" y="7228608"/>
+            <a:off x="11056047" y="7356198"/>
             <a:ext cx="880011" cy="746600"/>
+          </a:xfrm>
+          <a:prstGeom prst="bentConnector2">
+            <a:avLst/>
+          </a:prstGeom>
+          <a:ln>
+            <a:tailEnd type="triangle"/>
+          </a:ln>
+        </p:spPr>
+        <p:style>
+          <a:lnRef idx="2">
+            <a:schemeClr val="dk1"/>
+          </a:lnRef>
+          <a:fillRef idx="0">
+            <a:schemeClr val="dk1"/>
+          </a:fillRef>
+          <a:effectRef idx="1">
+            <a:schemeClr val="dk1"/>
+          </a:effectRef>
+          <a:fontRef idx="minor">
+            <a:schemeClr val="tx1"/>
+          </a:fontRef>
+        </p:style>
+      </p:cxnSp>
+      <p:sp>
+        <p:nvSpPr>
+          <p:cNvPr id="135" name="TextBox 134"/>
+          <p:cNvSpPr txBox="1"/>
+          <p:nvPr/>
+        </p:nvSpPr>
+        <p:spPr>
+          <a:xfrm>
+            <a:off x="7723019" y="6728344"/>
+            <a:ext cx="1800493" cy="646587"/>
+          </a:xfrm>
+          <a:prstGeom prst="rect">
+            <a:avLst/>
+          </a:prstGeom>
+          <a:noFill/>
+        </p:spPr>
+        <p:txBody>
+          <a:bodyPr wrap="none" rtlCol="0">
+            <a:spAutoFit/>
+          </a:bodyPr>
+          <a:lstStyle/>
+          <a:p>
+            <a:pPr algn="ctr"/>
+            <a:r>
+              <a:rPr lang="en-US" altLang="zh-CN" sz="1801" dirty="0" smtClean="0"/>
+              <a:t>LR == 0</a:t>
+            </a:r>
+          </a:p>
+          <a:p>
+            <a:pPr algn="ctr"/>
+            <a:r>
+              <a:rPr lang="zh-CN" altLang="en-US" sz="1801" dirty="0" smtClean="0"/>
+              <a:t>（插入左子树）</a:t>
+            </a:r>
+            <a:endParaRPr lang="en-US" sz="1801" dirty="0"/>
+          </a:p>
+        </p:txBody>
+      </p:sp>
+      <p:sp>
+        <p:nvSpPr>
+          <p:cNvPr id="136" name="TextBox 135"/>
+          <p:cNvSpPr txBox="1"/>
+          <p:nvPr/>
+        </p:nvSpPr>
+        <p:spPr>
+          <a:xfrm>
+            <a:off x="10827605" y="6728344"/>
+            <a:ext cx="1800493" cy="646587"/>
+          </a:xfrm>
+          <a:prstGeom prst="rect">
+            <a:avLst/>
+          </a:prstGeom>
+          <a:noFill/>
+        </p:spPr>
+        <p:txBody>
+          <a:bodyPr wrap="none" rtlCol="0">
+            <a:spAutoFit/>
+          </a:bodyPr>
+          <a:lstStyle/>
+          <a:p>
+            <a:pPr algn="ctr"/>
+            <a:r>
+              <a:rPr lang="en-US" altLang="zh-CN" sz="1801" dirty="0" smtClean="0"/>
+              <a:t>LR == 1</a:t>
+            </a:r>
+          </a:p>
+          <a:p>
+            <a:pPr algn="ctr"/>
+            <a:r>
+              <a:rPr lang="zh-CN" altLang="en-US" sz="1801" dirty="0" smtClean="0"/>
+              <a:t>（插入右子树）</a:t>
+            </a:r>
+            <a:endParaRPr lang="en-US" sz="1801" dirty="0"/>
+          </a:p>
+        </p:txBody>
+      </p:sp>
+      <p:sp>
+        <p:nvSpPr>
+          <p:cNvPr id="138" name="Rectangle 137"/>
+          <p:cNvSpPr/>
+          <p:nvPr/>
+        </p:nvSpPr>
+        <p:spPr>
+          <a:xfrm>
+            <a:off x="9290433" y="10535896"/>
+            <a:ext cx="1653410" cy="411308"/>
+          </a:xfrm>
+          <a:prstGeom prst="rect">
+            <a:avLst/>
+          </a:prstGeom>
+        </p:spPr>
+        <p:style>
+          <a:lnRef idx="2">
+            <a:schemeClr val="dk1"/>
+          </a:lnRef>
+          <a:fillRef idx="1">
+            <a:schemeClr val="lt1"/>
+          </a:fillRef>
+          <a:effectRef idx="0">
+            <a:schemeClr val="dk1"/>
+          </a:effectRef>
+          <a:fontRef idx="minor">
+            <a:schemeClr val="dk1"/>
+          </a:fontRef>
+        </p:style>
+        <p:txBody>
+          <a:bodyPr rtlCol="0" anchor="ctr"/>
+          <a:lstStyle/>
+          <a:p>
+            <a:pPr algn="ctr"/>
+            <a:r>
+              <a:rPr lang="zh-CN" altLang="en-US" sz="1801" dirty="0" smtClean="0"/>
+              <a:t>释放</a:t>
+            </a:r>
+            <a:r>
+              <a:rPr lang="en-US" altLang="zh-CN" sz="1801" dirty="0" smtClean="0"/>
+              <a:t>c</a:t>
+            </a:r>
+            <a:r>
+              <a:rPr lang="zh-CN" altLang="en-US" sz="1801" dirty="0" smtClean="0"/>
+              <a:t>的头节点</a:t>
+            </a:r>
+            <a:endParaRPr lang="en-US" sz="1801" dirty="0"/>
+          </a:p>
+        </p:txBody>
+      </p:sp>
+      <p:sp>
+        <p:nvSpPr>
+          <p:cNvPr id="139" name="Rounded Rectangle 138"/>
+          <p:cNvSpPr/>
+          <p:nvPr/>
+        </p:nvSpPr>
+        <p:spPr>
+          <a:xfrm>
+            <a:off x="9620181" y="11345796"/>
+            <a:ext cx="993913" cy="391162"/>
+          </a:xfrm>
+          <a:prstGeom prst="roundRect">
+            <a:avLst/>
+          </a:prstGeom>
+        </p:spPr>
+        <p:style>
+          <a:lnRef idx="2">
+            <a:schemeClr val="dk1"/>
+          </a:lnRef>
+          <a:fillRef idx="1">
+            <a:schemeClr val="lt1"/>
+          </a:fillRef>
+          <a:effectRef idx="0">
+            <a:schemeClr val="dk1"/>
+          </a:effectRef>
+          <a:fontRef idx="minor">
+            <a:schemeClr val="dk1"/>
+          </a:fontRef>
+        </p:style>
+        <p:txBody>
+          <a:bodyPr rtlCol="0" anchor="ctr"/>
+          <a:lstStyle/>
+          <a:p>
+            <a:pPr algn="ctr"/>
+            <a:r>
+              <a:rPr lang="zh-CN" altLang="en-US" sz="1801" dirty="0" smtClean="0"/>
+              <a:t>返回</a:t>
+            </a:r>
+            <a:r>
+              <a:rPr lang="en-US" altLang="zh-CN" sz="1801" dirty="0" smtClean="0"/>
+              <a:t>OK</a:t>
+            </a:r>
+            <a:endParaRPr lang="en-US" sz="1801" dirty="0"/>
+          </a:p>
+        </p:txBody>
+      </p:sp>
+      <p:cxnSp>
+        <p:nvCxnSpPr>
+          <p:cNvPr id="140" name="Straight Arrow Connector 139"/>
+          <p:cNvCxnSpPr>
+            <a:stCxn id="138" idx="2"/>
+            <a:endCxn id="139" idx="0"/>
+          </p:cNvCxnSpPr>
+          <p:nvPr/>
+        </p:nvCxnSpPr>
+        <p:spPr>
+          <a:xfrm>
+            <a:off x="10117138" y="10947204"/>
+            <a:ext cx="0" cy="398592"/>
+          </a:xfrm>
+          <a:prstGeom prst="straightConnector1">
+            <a:avLst/>
+          </a:prstGeom>
+          <a:ln>
+            <a:tailEnd type="triangle"/>
+          </a:ln>
+        </p:spPr>
+        <p:style>
+          <a:lnRef idx="2">
+            <a:schemeClr val="dk1"/>
+          </a:lnRef>
+          <a:fillRef idx="0">
+            <a:schemeClr val="dk1"/>
+          </a:fillRef>
+          <a:effectRef idx="1">
+            <a:schemeClr val="dk1"/>
+          </a:effectRef>
+          <a:fontRef idx="minor">
+            <a:schemeClr val="tx1"/>
+          </a:fontRef>
+        </p:style>
+      </p:cxnSp>
+      <p:cxnSp>
+        <p:nvCxnSpPr>
+          <p:cNvPr id="143" name="Elbow Connector 142"/>
+          <p:cNvCxnSpPr>
+            <a:stCxn id="123" idx="2"/>
+            <a:endCxn id="138" idx="0"/>
+          </p:cNvCxnSpPr>
+          <p:nvPr/>
+        </p:nvCxnSpPr>
+        <p:spPr>
+          <a:xfrm rot="16200000" flipH="1">
+            <a:off x="8899465" y="9318223"/>
+            <a:ext cx="660590" cy="1774756"/>
+          </a:xfrm>
+          <a:prstGeom prst="bentConnector3">
+            <a:avLst>
+              <a:gd name="adj1" fmla="val 50000"/>
+            </a:avLst>
+          </a:prstGeom>
+          <a:ln>
+            <a:tailEnd type="triangle"/>
+          </a:ln>
+        </p:spPr>
+        <p:style>
+          <a:lnRef idx="2">
+            <a:schemeClr val="dk1"/>
+          </a:lnRef>
+          <a:fillRef idx="0">
+            <a:schemeClr val="dk1"/>
+          </a:fillRef>
+          <a:effectRef idx="1">
+            <a:schemeClr val="dk1"/>
+          </a:effectRef>
+          <a:fontRef idx="minor">
+            <a:schemeClr val="tx1"/>
+          </a:fontRef>
+        </p:style>
+      </p:cxnSp>
+      <p:cxnSp>
+        <p:nvCxnSpPr>
+          <p:cNvPr id="146" name="Elbow Connector 145"/>
+          <p:cNvCxnSpPr>
+            <a:stCxn id="132" idx="2"/>
+            <a:endCxn id="138" idx="0"/>
+          </p:cNvCxnSpPr>
+          <p:nvPr/>
+        </p:nvCxnSpPr>
+        <p:spPr>
+          <a:xfrm rot="5400000">
+            <a:off x="10690162" y="9290001"/>
+            <a:ext cx="672872" cy="1818919"/>
+          </a:xfrm>
+          <a:prstGeom prst="bentConnector3">
+            <a:avLst>
+              <a:gd name="adj1" fmla="val 50000"/>
+            </a:avLst>
+          </a:prstGeom>
+          <a:ln>
+            <a:tailEnd type="triangle"/>
+          </a:ln>
+        </p:spPr>
+        <p:style>
+          <a:lnRef idx="2">
+            <a:schemeClr val="dk1"/>
+          </a:lnRef>
+          <a:fillRef idx="0">
+            <a:schemeClr val="dk1"/>
+          </a:fillRef>
+          <a:effectRef idx="1">
+            <a:schemeClr val="dk1"/>
+          </a:effectRef>
+          <a:fontRef idx="minor">
+            <a:schemeClr val="tx1"/>
+          </a:fontRef>
+        </p:style>
+      </p:cxnSp>
+      <p:cxnSp>
+        <p:nvCxnSpPr>
+          <p:cNvPr id="149" name="Elbow Connector 148"/>
+          <p:cNvCxnSpPr>
+            <a:stCxn id="65" idx="3"/>
+            <a:endCxn id="71" idx="0"/>
+          </p:cNvCxnSpPr>
+          <p:nvPr/>
+        </p:nvCxnSpPr>
+        <p:spPr>
+          <a:xfrm>
+            <a:off x="11354577" y="5085839"/>
+            <a:ext cx="2695475" cy="813697"/>
           </a:xfrm>
           <a:prstGeom prst="bentConnector2">
             <a:avLst/>

--- a/data_structure/charts.pptx
+++ b/data_structure/charts.pptx
@@ -23881,13 +23881,14 @@
           <p:cNvPr id="64" name="Elbow Connector 63"/>
           <p:cNvCxnSpPr>
             <a:stCxn id="48" idx="1"/>
+            <a:endCxn id="156" idx="0"/>
           </p:cNvCxnSpPr>
           <p:nvPr/>
         </p:nvCxnSpPr>
         <p:spPr>
           <a:xfrm rot="10800000" flipV="1">
-            <a:off x="6363656" y="1539458"/>
-            <a:ext cx="2431620" cy="7556244"/>
+            <a:off x="7953460" y="1539457"/>
+            <a:ext cx="841816" cy="653511"/>
           </a:xfrm>
           <a:prstGeom prst="bentConnector2">
             <a:avLst/>
@@ -24796,65 +24797,19 @@
           </a:p>
         </p:txBody>
       </p:sp>
-      <p:sp>
-        <p:nvSpPr>
-          <p:cNvPr id="139" name="Rounded Rectangle 138"/>
-          <p:cNvSpPr/>
-          <p:nvPr/>
-        </p:nvSpPr>
-        <p:spPr>
-          <a:xfrm>
-            <a:off x="9620181" y="11345796"/>
-            <a:ext cx="993913" cy="391162"/>
-          </a:xfrm>
-          <a:prstGeom prst="roundRect">
-            <a:avLst/>
-          </a:prstGeom>
-        </p:spPr>
-        <p:style>
-          <a:lnRef idx="2">
-            <a:schemeClr val="dk1"/>
-          </a:lnRef>
-          <a:fillRef idx="1">
-            <a:schemeClr val="lt1"/>
-          </a:fillRef>
-          <a:effectRef idx="0">
-            <a:schemeClr val="dk1"/>
-          </a:effectRef>
-          <a:fontRef idx="minor">
-            <a:schemeClr val="dk1"/>
-          </a:fontRef>
-        </p:style>
-        <p:txBody>
-          <a:bodyPr rtlCol="0" anchor="ctr"/>
-          <a:lstStyle/>
-          <a:p>
-            <a:pPr algn="ctr"/>
-            <a:r>
-              <a:rPr lang="zh-CN" altLang="en-US" sz="1801" dirty="0" smtClean="0"/>
-              <a:t>返回</a:t>
-            </a:r>
-            <a:r>
-              <a:rPr lang="en-US" altLang="zh-CN" sz="1801" dirty="0" smtClean="0"/>
-              <a:t>OK</a:t>
-            </a:r>
-            <a:endParaRPr lang="en-US" sz="1801" dirty="0"/>
-          </a:p>
-        </p:txBody>
-      </p:sp>
       <p:cxnSp>
         <p:nvCxnSpPr>
           <p:cNvPr id="140" name="Straight Arrow Connector 139"/>
           <p:cNvCxnSpPr>
             <a:stCxn id="138" idx="2"/>
-            <a:endCxn id="139" idx="0"/>
+            <a:endCxn id="160" idx="0"/>
           </p:cNvCxnSpPr>
           <p:nvPr/>
         </p:nvCxnSpPr>
         <p:spPr>
           <a:xfrm>
             <a:off x="10117138" y="10947204"/>
-            <a:ext cx="0" cy="398592"/>
+            <a:ext cx="11591" cy="391929"/>
           </a:xfrm>
           <a:prstGeom prst="straightConnector1">
             <a:avLst/>
@@ -24969,6 +24924,192 @@
             <a:ext cx="2695475" cy="813697"/>
           </a:xfrm>
           <a:prstGeom prst="bentConnector2">
+            <a:avLst/>
+          </a:prstGeom>
+          <a:ln>
+            <a:tailEnd type="triangle"/>
+          </a:ln>
+        </p:spPr>
+        <p:style>
+          <a:lnRef idx="2">
+            <a:schemeClr val="dk1"/>
+          </a:lnRef>
+          <a:fillRef idx="0">
+            <a:schemeClr val="dk1"/>
+          </a:fillRef>
+          <a:effectRef idx="1">
+            <a:schemeClr val="dk1"/>
+          </a:effectRef>
+          <a:fontRef idx="minor">
+            <a:schemeClr val="tx1"/>
+          </a:fontRef>
+        </p:style>
+      </p:cxnSp>
+      <p:sp>
+        <p:nvSpPr>
+          <p:cNvPr id="156" name="Rounded Rectangle 155"/>
+          <p:cNvSpPr/>
+          <p:nvPr/>
+        </p:nvSpPr>
+        <p:spPr>
+          <a:xfrm>
+            <a:off x="7456503" y="2192969"/>
+            <a:ext cx="993913" cy="715616"/>
+          </a:xfrm>
+          <a:prstGeom prst="roundRect">
+            <a:avLst/>
+          </a:prstGeom>
+        </p:spPr>
+        <p:style>
+          <a:lnRef idx="2">
+            <a:schemeClr val="dk1"/>
+          </a:lnRef>
+          <a:fillRef idx="1">
+            <a:schemeClr val="lt1"/>
+          </a:fillRef>
+          <a:effectRef idx="0">
+            <a:schemeClr val="dk1"/>
+          </a:effectRef>
+          <a:fontRef idx="minor">
+            <a:schemeClr val="dk1"/>
+          </a:fontRef>
+        </p:style>
+        <p:txBody>
+          <a:bodyPr rtlCol="0" anchor="ctr"/>
+          <a:lstStyle/>
+          <a:p>
+            <a:pPr algn="ctr"/>
+            <a:r>
+              <a:rPr lang="zh-CN" altLang="en-US" sz="1801" dirty="0"/>
+              <a:t>返回</a:t>
+            </a:r>
+            <a:r>
+              <a:rPr lang="en-US" altLang="zh-CN" sz="1801" dirty="0"/>
+              <a:t>ERROR</a:t>
+            </a:r>
+            <a:endParaRPr lang="en-US" sz="1801" dirty="0"/>
+          </a:p>
+        </p:txBody>
+      </p:sp>
+      <p:sp>
+        <p:nvSpPr>
+          <p:cNvPr id="160" name="Rectangle 159"/>
+          <p:cNvSpPr/>
+          <p:nvPr/>
+        </p:nvSpPr>
+        <p:spPr>
+          <a:xfrm>
+            <a:off x="8513271" y="11339133"/>
+            <a:ext cx="3230915" cy="674174"/>
+          </a:xfrm>
+          <a:prstGeom prst="rect">
+            <a:avLst/>
+          </a:prstGeom>
+        </p:spPr>
+        <p:style>
+          <a:lnRef idx="2">
+            <a:schemeClr val="dk1"/>
+          </a:lnRef>
+          <a:fillRef idx="1">
+            <a:schemeClr val="lt1"/>
+          </a:fillRef>
+          <a:effectRef idx="0">
+            <a:schemeClr val="dk1"/>
+          </a:effectRef>
+          <a:fontRef idx="minor">
+            <a:schemeClr val="dk1"/>
+          </a:fontRef>
+        </p:style>
+        <p:txBody>
+          <a:bodyPr rtlCol="0" anchor="ctr"/>
+          <a:lstStyle/>
+          <a:p>
+            <a:pPr algn="ctr"/>
+            <a:r>
+              <a:rPr lang="zh-CN" altLang="en-US" sz="1801" smtClean="0"/>
+              <a:t>更新节点标识位：</a:t>
+            </a:r>
+            <a:endParaRPr lang="en-US" altLang="zh-CN" sz="1801" dirty="0"/>
+          </a:p>
+          <a:p>
+            <a:pPr algn="ctr"/>
+            <a:r>
+              <a:rPr lang="en-US" altLang="zh-CN" sz="1801" dirty="0" smtClean="0"/>
+              <a:t>_</a:t>
+            </a:r>
+            <a:r>
+              <a:rPr lang="en-US" altLang="zh-CN" sz="1801" dirty="0" err="1" smtClean="0"/>
+              <a:t>ReassignIDsInLevelOrder</a:t>
+            </a:r>
+            <a:r>
+              <a:rPr lang="en-US" altLang="zh-CN" sz="1801" dirty="0" smtClean="0"/>
+              <a:t>(T)</a:t>
+            </a:r>
+            <a:endParaRPr lang="en-US" sz="1801" dirty="0"/>
+          </a:p>
+        </p:txBody>
+      </p:sp>
+      <p:sp>
+        <p:nvSpPr>
+          <p:cNvPr id="161" name="Rounded Rectangle 160"/>
+          <p:cNvSpPr/>
+          <p:nvPr/>
+        </p:nvSpPr>
+        <p:spPr>
+          <a:xfrm>
+            <a:off x="9642263" y="12425381"/>
+            <a:ext cx="993913" cy="391162"/>
+          </a:xfrm>
+          <a:prstGeom prst="roundRect">
+            <a:avLst/>
+          </a:prstGeom>
+        </p:spPr>
+        <p:style>
+          <a:lnRef idx="2">
+            <a:schemeClr val="dk1"/>
+          </a:lnRef>
+          <a:fillRef idx="1">
+            <a:schemeClr val="lt1"/>
+          </a:fillRef>
+          <a:effectRef idx="0">
+            <a:schemeClr val="dk1"/>
+          </a:effectRef>
+          <a:fontRef idx="minor">
+            <a:schemeClr val="dk1"/>
+          </a:fontRef>
+        </p:style>
+        <p:txBody>
+          <a:bodyPr rtlCol="0" anchor="ctr"/>
+          <a:lstStyle/>
+          <a:p>
+            <a:pPr algn="ctr"/>
+            <a:r>
+              <a:rPr lang="zh-CN" altLang="en-US" sz="1801" dirty="0" smtClean="0"/>
+              <a:t>返回</a:t>
+            </a:r>
+            <a:r>
+              <a:rPr lang="en-US" altLang="zh-CN" sz="1801" dirty="0" smtClean="0"/>
+              <a:t>OK</a:t>
+            </a:r>
+            <a:endParaRPr lang="en-US" sz="1801" dirty="0"/>
+          </a:p>
+        </p:txBody>
+      </p:sp>
+      <p:cxnSp>
+        <p:nvCxnSpPr>
+          <p:cNvPr id="164" name="Straight Arrow Connector 163"/>
+          <p:cNvCxnSpPr>
+            <a:stCxn id="160" idx="2"/>
+            <a:endCxn id="161" idx="0"/>
+          </p:cNvCxnSpPr>
+          <p:nvPr/>
+        </p:nvCxnSpPr>
+        <p:spPr>
+          <a:xfrm>
+            <a:off x="10128729" y="12013307"/>
+            <a:ext cx="10491" cy="412074"/>
+          </a:xfrm>
+          <a:prstGeom prst="straightConnector1">
             <a:avLst/>
           </a:prstGeom>
           <a:ln>

--- a/data_structure/charts.pptx
+++ b/data_structure/charts.pptx
@@ -5,7 +5,7 @@
     <p:sldMasterId id="2147483672" r:id="rId1"/>
   </p:sldMasterIdLst>
   <p:notesMasterIdLst>
-    <p:notesMasterId r:id="rId19"/>
+    <p:notesMasterId r:id="rId20"/>
   </p:notesMasterIdLst>
   <p:sldIdLst>
     <p:sldId id="256" r:id="rId2"/>
@@ -25,6 +25,7 @@
     <p:sldId id="271" r:id="rId16"/>
     <p:sldId id="274" r:id="rId17"/>
     <p:sldId id="275" r:id="rId18"/>
+    <p:sldId id="276" r:id="rId19"/>
   </p:sldIdLst>
   <p:sldSz cx="21674138" cy="12192000"/>
   <p:notesSz cx="6858000" cy="9144000"/>
@@ -213,7 +214,7 @@
           <a:p>
             <a:fld id="{061D1934-5DF5-C54F-B23E-73DBB33C8C5F}" type="datetimeFigureOut">
               <a:rPr lang="en-US" smtClean="0"/>
-              <a:t>12/20/17</a:t>
+              <a:t>12/21/17</a:t>
             </a:fld>
             <a:endParaRPr lang="en-US"/>
           </a:p>
@@ -659,6 +660,90 @@
 </p:notes>
 </file>
 
+<file path=ppt/notesSlides/notesSlide3.xml><?xml version="1.0" encoding="utf-8"?>
+<p:notes xmlns:a="http://schemas.openxmlformats.org/drawingml/2006/main" xmlns:r="http://schemas.openxmlformats.org/officeDocument/2006/relationships" xmlns:p="http://schemas.openxmlformats.org/presentationml/2006/main">
+  <p:cSld>
+    <p:spTree>
+      <p:nvGrpSpPr>
+        <p:cNvPr id="1" name=""/>
+        <p:cNvGrpSpPr/>
+        <p:nvPr/>
+      </p:nvGrpSpPr>
+      <p:grpSpPr>
+        <a:xfrm>
+          <a:off x="0" y="0"/>
+          <a:ext cx="0" cy="0"/>
+          <a:chOff x="0" y="0"/>
+          <a:chExt cx="0" cy="0"/>
+        </a:xfrm>
+      </p:grpSpPr>
+      <p:sp>
+        <p:nvSpPr>
+          <p:cNvPr id="2" name="Slide Image Placeholder 1"/>
+          <p:cNvSpPr>
+            <a:spLocks noGrp="1" noRot="1" noChangeAspect="1"/>
+          </p:cNvSpPr>
+          <p:nvPr>
+            <p:ph type="sldImg"/>
+          </p:nvPr>
+        </p:nvSpPr>
+        <p:spPr/>
+      </p:sp>
+      <p:sp>
+        <p:nvSpPr>
+          <p:cNvPr id="3" name="Notes Placeholder 2"/>
+          <p:cNvSpPr>
+            <a:spLocks noGrp="1"/>
+          </p:cNvSpPr>
+          <p:nvPr>
+            <p:ph type="body" idx="1"/>
+          </p:nvPr>
+        </p:nvSpPr>
+        <p:spPr/>
+        <p:txBody>
+          <a:bodyPr/>
+          <a:lstStyle/>
+          <a:p>
+            <a:endParaRPr lang="en-US" dirty="0"/>
+          </a:p>
+        </p:txBody>
+      </p:sp>
+      <p:sp>
+        <p:nvSpPr>
+          <p:cNvPr id="4" name="Slide Number Placeholder 3"/>
+          <p:cNvSpPr>
+            <a:spLocks noGrp="1"/>
+          </p:cNvSpPr>
+          <p:nvPr>
+            <p:ph type="sldNum" sz="quarter" idx="10"/>
+          </p:nvPr>
+        </p:nvSpPr>
+        <p:spPr/>
+        <p:txBody>
+          <a:bodyPr/>
+          <a:lstStyle/>
+          <a:p>
+            <a:fld id="{16A60896-5EA2-E84A-8303-B8EF42F20825}" type="slidenum">
+              <a:rPr lang="en-US" smtClean="0"/>
+              <a:t>18</a:t>
+            </a:fld>
+            <a:endParaRPr lang="en-US"/>
+          </a:p>
+        </p:txBody>
+      </p:sp>
+    </p:spTree>
+    <p:extLst>
+      <p:ext uri="{BB962C8B-B14F-4D97-AF65-F5344CB8AC3E}">
+        <p14:creationId xmlns:p14="http://schemas.microsoft.com/office/powerpoint/2010/main" val="858895060"/>
+      </p:ext>
+    </p:extLst>
+  </p:cSld>
+  <p:clrMapOvr>
+    <a:masterClrMapping/>
+  </p:clrMapOvr>
+</p:notes>
+</file>
+
 <file path=ppt/slideLayouts/slideLayout1.xml><?xml version="1.0" encoding="utf-8"?>
 <p:sldLayout xmlns:a="http://schemas.openxmlformats.org/drawingml/2006/main" xmlns:r="http://schemas.openxmlformats.org/officeDocument/2006/relationships" xmlns:p="http://schemas.openxmlformats.org/presentationml/2006/main" type="title" preserve="1">
   <p:cSld name="Title Slide">
@@ -790,7 +875,7 @@
           <a:p>
             <a:fld id="{C54E8006-D355-7B42-8642-83EF30980978}" type="datetimeFigureOut">
               <a:rPr lang="en-US" smtClean="0"/>
-              <a:t>12/20/17</a:t>
+              <a:t>12/21/17</a:t>
             </a:fld>
             <a:endParaRPr lang="en-US"/>
           </a:p>
@@ -960,7 +1045,7 @@
           <a:p>
             <a:fld id="{C54E8006-D355-7B42-8642-83EF30980978}" type="datetimeFigureOut">
               <a:rPr lang="en-US" smtClean="0"/>
-              <a:t>12/20/17</a:t>
+              <a:t>12/21/17</a:t>
             </a:fld>
             <a:endParaRPr lang="en-US"/>
           </a:p>
@@ -1140,7 +1225,7 @@
           <a:p>
             <a:fld id="{C54E8006-D355-7B42-8642-83EF30980978}" type="datetimeFigureOut">
               <a:rPr lang="en-US" smtClean="0"/>
-              <a:t>12/20/17</a:t>
+              <a:t>12/21/17</a:t>
             </a:fld>
             <a:endParaRPr lang="en-US"/>
           </a:p>
@@ -1310,7 +1395,7 @@
           <a:p>
             <a:fld id="{C54E8006-D355-7B42-8642-83EF30980978}" type="datetimeFigureOut">
               <a:rPr lang="en-US" smtClean="0"/>
-              <a:t>12/20/17</a:t>
+              <a:t>12/21/17</a:t>
             </a:fld>
             <a:endParaRPr lang="en-US"/>
           </a:p>
@@ -1556,7 +1641,7 @@
           <a:p>
             <a:fld id="{C54E8006-D355-7B42-8642-83EF30980978}" type="datetimeFigureOut">
               <a:rPr lang="en-US" smtClean="0"/>
-              <a:t>12/20/17</a:t>
+              <a:t>12/21/17</a:t>
             </a:fld>
             <a:endParaRPr lang="en-US"/>
           </a:p>
@@ -1788,7 +1873,7 @@
           <a:p>
             <a:fld id="{C54E8006-D355-7B42-8642-83EF30980978}" type="datetimeFigureOut">
               <a:rPr lang="en-US" smtClean="0"/>
-              <a:t>12/20/17</a:t>
+              <a:t>12/21/17</a:t>
             </a:fld>
             <a:endParaRPr lang="en-US"/>
           </a:p>
@@ -2155,7 +2240,7 @@
           <a:p>
             <a:fld id="{C54E8006-D355-7B42-8642-83EF30980978}" type="datetimeFigureOut">
               <a:rPr lang="en-US" smtClean="0"/>
-              <a:t>12/20/17</a:t>
+              <a:t>12/21/17</a:t>
             </a:fld>
             <a:endParaRPr lang="en-US"/>
           </a:p>
@@ -2273,7 +2358,7 @@
           <a:p>
             <a:fld id="{C54E8006-D355-7B42-8642-83EF30980978}" type="datetimeFigureOut">
               <a:rPr lang="en-US" smtClean="0"/>
-              <a:t>12/20/17</a:t>
+              <a:t>12/21/17</a:t>
             </a:fld>
             <a:endParaRPr lang="en-US"/>
           </a:p>
@@ -2368,7 +2453,7 @@
           <a:p>
             <a:fld id="{C54E8006-D355-7B42-8642-83EF30980978}" type="datetimeFigureOut">
               <a:rPr lang="en-US" smtClean="0"/>
-              <a:t>12/20/17</a:t>
+              <a:t>12/21/17</a:t>
             </a:fld>
             <a:endParaRPr lang="en-US"/>
           </a:p>
@@ -2645,7 +2730,7 @@
           <a:p>
             <a:fld id="{C54E8006-D355-7B42-8642-83EF30980978}" type="datetimeFigureOut">
               <a:rPr lang="en-US" smtClean="0"/>
-              <a:t>12/20/17</a:t>
+              <a:t>12/21/17</a:t>
             </a:fld>
             <a:endParaRPr lang="en-US"/>
           </a:p>
@@ -2902,7 +2987,7 @@
           <a:p>
             <a:fld id="{C54E8006-D355-7B42-8642-83EF30980978}" type="datetimeFigureOut">
               <a:rPr lang="en-US" smtClean="0"/>
-              <a:t>12/20/17</a:t>
+              <a:t>12/21/17</a:t>
             </a:fld>
             <a:endParaRPr lang="en-US"/>
           </a:p>
@@ -3115,7 +3200,7 @@
           <a:p>
             <a:fld id="{C54E8006-D355-7B42-8642-83EF30980978}" type="datetimeFigureOut">
               <a:rPr lang="en-US" smtClean="0"/>
-              <a:t>12/20/17</a:t>
+              <a:t>12/21/17</a:t>
             </a:fld>
             <a:endParaRPr lang="en-US"/>
           </a:p>
@@ -16740,7 +16825,7 @@
             <a:avLst/>
           </a:prstGeom>
           <a:ln>
-            <a:tailEnd type="oval"/>
+            <a:tailEnd type="diamond"/>
           </a:ln>
         </p:spPr>
         <p:style>
@@ -16775,7 +16860,7 @@
             <a:avLst/>
           </a:prstGeom>
           <a:ln>
-            <a:headEnd type="oval"/>
+            <a:headEnd type="diamond"/>
             <a:tailEnd type="none"/>
           </a:ln>
         </p:spPr>
@@ -17209,7 +17294,7 @@
           <a:prstGeom prst="bentConnector4">
             <a:avLst>
               <a:gd name="adj1" fmla="val -4622"/>
-              <a:gd name="adj2" fmla="val 52072"/>
+              <a:gd name="adj2" fmla="val 52498"/>
             </a:avLst>
           </a:prstGeom>
           <a:ln>
@@ -19438,7 +19523,7 @@
         </p:nvSpPr>
         <p:spPr>
           <a:xfrm>
-            <a:off x="8535241" y="263113"/>
+            <a:off x="8535241" y="944050"/>
             <a:ext cx="3223919" cy="353753"/>
           </a:xfrm>
           <a:prstGeom prst="roundRect">
@@ -19488,7 +19573,7 @@
         </p:nvSpPr>
         <p:spPr>
           <a:xfrm>
-            <a:off x="8759624" y="1047898"/>
+            <a:off x="8759624" y="1728835"/>
             <a:ext cx="2775151" cy="911804"/>
           </a:xfrm>
           <a:prstGeom prst="flowChartDecision">
@@ -19545,7 +19630,7 @@
         </p:nvCxnSpPr>
         <p:spPr>
           <a:xfrm flipH="1">
-            <a:off x="10147200" y="616866"/>
+            <a:off x="10147200" y="1297803"/>
             <a:ext cx="1" cy="431032"/>
           </a:xfrm>
           <a:prstGeom prst="straightConnector1">
@@ -19578,7 +19663,7 @@
         </p:nvSpPr>
         <p:spPr>
           <a:xfrm>
-            <a:off x="9492302" y="2390734"/>
+            <a:off x="9492302" y="3071671"/>
             <a:ext cx="1309794" cy="337843"/>
           </a:xfrm>
           <a:prstGeom prst="rect">
@@ -19627,7 +19712,7 @@
         </p:nvCxnSpPr>
         <p:spPr>
           <a:xfrm flipH="1">
-            <a:off x="10147199" y="1959702"/>
+            <a:off x="10147199" y="2640639"/>
             <a:ext cx="1" cy="431032"/>
           </a:xfrm>
           <a:prstGeom prst="straightConnector1">
@@ -19660,7 +19745,7 @@
         </p:nvSpPr>
         <p:spPr>
           <a:xfrm>
-            <a:off x="11907843" y="2235870"/>
+            <a:off x="11907843" y="2916807"/>
             <a:ext cx="806466" cy="647570"/>
           </a:xfrm>
           <a:prstGeom prst="roundRect">
@@ -19706,7 +19791,7 @@
         </p:nvSpPr>
         <p:spPr>
           <a:xfrm>
-            <a:off x="8389979" y="3176971"/>
+            <a:off x="8389979" y="3857908"/>
             <a:ext cx="3514440" cy="1101379"/>
           </a:xfrm>
           <a:prstGeom prst="diamond">
@@ -19771,7 +19856,7 @@
         </p:nvCxnSpPr>
         <p:spPr>
           <a:xfrm>
-            <a:off x="10147199" y="2728577"/>
+            <a:off x="10147199" y="3409514"/>
             <a:ext cx="0" cy="448394"/>
           </a:xfrm>
           <a:prstGeom prst="straightConnector1">
@@ -19804,7 +19889,7 @@
         </p:nvSpPr>
         <p:spPr>
           <a:xfrm>
-            <a:off x="11908601" y="4595285"/>
+            <a:off x="11908601" y="5276222"/>
             <a:ext cx="804950" cy="441128"/>
           </a:xfrm>
           <a:prstGeom prst="roundRect">
@@ -19850,7 +19935,7 @@
         </p:nvSpPr>
         <p:spPr>
           <a:xfrm>
-            <a:off x="9404074" y="4636559"/>
+            <a:off x="9404074" y="5317496"/>
             <a:ext cx="1486249" cy="358580"/>
           </a:xfrm>
           <a:prstGeom prst="rect">
@@ -19899,86 +19984,8 @@
         </p:nvCxnSpPr>
         <p:spPr>
           <a:xfrm>
-            <a:off x="10147199" y="4278350"/>
+            <a:off x="10147199" y="4959287"/>
             <a:ext cx="0" cy="358209"/>
-          </a:xfrm>
-          <a:prstGeom prst="straightConnector1">
-            <a:avLst/>
-          </a:prstGeom>
-          <a:ln>
-            <a:tailEnd type="triangle"/>
-          </a:ln>
-        </p:spPr>
-        <p:style>
-          <a:lnRef idx="2">
-            <a:schemeClr val="dk1"/>
-          </a:lnRef>
-          <a:fillRef idx="0">
-            <a:schemeClr val="dk1"/>
-          </a:fillRef>
-          <a:effectRef idx="1">
-            <a:schemeClr val="dk1"/>
-          </a:effectRef>
-          <a:fontRef idx="minor">
-            <a:schemeClr val="tx1"/>
-          </a:fontRef>
-        </p:style>
-      </p:cxnSp>
-      <p:sp>
-        <p:nvSpPr>
-          <p:cNvPr id="63" name="Rectangle 62"/>
-          <p:cNvSpPr/>
-          <p:nvPr/>
-        </p:nvSpPr>
-        <p:spPr>
-          <a:xfrm>
-            <a:off x="9404074" y="5366909"/>
-            <a:ext cx="1486249" cy="358580"/>
-          </a:xfrm>
-          <a:prstGeom prst="rect">
-            <a:avLst/>
-          </a:prstGeom>
-        </p:spPr>
-        <p:style>
-          <a:lnRef idx="2">
-            <a:schemeClr val="dk1"/>
-          </a:lnRef>
-          <a:fillRef idx="1">
-            <a:schemeClr val="lt1"/>
-          </a:fillRef>
-          <a:effectRef idx="0">
-            <a:schemeClr val="dk1"/>
-          </a:effectRef>
-          <a:fontRef idx="minor">
-            <a:schemeClr val="dk1"/>
-          </a:fontRef>
-        </p:style>
-        <p:txBody>
-          <a:bodyPr rtlCol="0" anchor="ctr"/>
-          <a:lstStyle/>
-          <a:p>
-            <a:pPr algn="ctr"/>
-            <a:r>
-              <a:rPr lang="zh-CN" altLang="en-US" sz="1801" dirty="0" smtClean="0"/>
-              <a:t>根节点进栈</a:t>
-            </a:r>
-            <a:endParaRPr lang="en-US" sz="1801" dirty="0"/>
-          </a:p>
-        </p:txBody>
-      </p:sp>
-      <p:cxnSp>
-        <p:nvCxnSpPr>
-          <p:cNvPr id="66" name="Straight Arrow Connector 65"/>
-          <p:cNvCxnSpPr>
-            <a:stCxn id="57" idx="2"/>
-            <a:endCxn id="63" idx="0"/>
-          </p:cNvCxnSpPr>
-          <p:nvPr/>
-        </p:nvCxnSpPr>
-        <p:spPr>
-          <a:xfrm>
-            <a:off x="10147199" y="4995139"/>
-            <a:ext cx="0" cy="371770"/>
           </a:xfrm>
           <a:prstGeom prst="straightConnector1">
             <a:avLst/>
@@ -20006,15 +20013,15 @@
         <p:nvCxnSpPr>
           <p:cNvPr id="73" name="Straight Arrow Connector 72"/>
           <p:cNvCxnSpPr>
-            <a:stCxn id="63" idx="2"/>
-            <a:endCxn id="74" idx="0"/>
+            <a:stCxn id="57" idx="2"/>
+            <a:endCxn id="127" idx="0"/>
           </p:cNvCxnSpPr>
           <p:nvPr/>
         </p:nvCxnSpPr>
         <p:spPr>
-          <a:xfrm>
-            <a:off x="10147199" y="5725489"/>
-            <a:ext cx="568" cy="546431"/>
+          <a:xfrm flipH="1">
+            <a:off x="10138760" y="5676076"/>
+            <a:ext cx="8439" cy="388683"/>
           </a:xfrm>
           <a:prstGeom prst="straightConnector1">
             <a:avLst/>
@@ -20046,7 +20053,7 @@
         </p:nvSpPr>
         <p:spPr>
           <a:xfrm>
-            <a:off x="8694664" y="6271920"/>
+            <a:off x="8694096" y="7128945"/>
             <a:ext cx="2906206" cy="698001"/>
           </a:xfrm>
           <a:prstGeom prst="flowChartDecision">
@@ -20092,7 +20099,7 @@
         </p:nvSpPr>
         <p:spPr>
           <a:xfrm>
-            <a:off x="7417934" y="8661876"/>
+            <a:off x="7417366" y="9518901"/>
             <a:ext cx="1319819" cy="349733"/>
           </a:xfrm>
           <a:prstGeom prst="rect">
@@ -20138,7 +20145,7 @@
         </p:nvSpPr>
         <p:spPr>
           <a:xfrm>
-            <a:off x="11336241" y="8661876"/>
+            <a:off x="11335673" y="9518901"/>
             <a:ext cx="1334244" cy="351340"/>
           </a:xfrm>
           <a:prstGeom prst="rect">
@@ -20188,7 +20195,7 @@
         </p:nvSpPr>
         <p:spPr>
           <a:xfrm>
-            <a:off x="9660156" y="8661876"/>
+            <a:off x="9659588" y="9518901"/>
             <a:ext cx="930341" cy="345819"/>
           </a:xfrm>
           <a:prstGeom prst="rect">
@@ -20237,7 +20244,7 @@
         </p:nvCxnSpPr>
         <p:spPr>
           <a:xfrm>
-            <a:off x="11904419" y="3727661"/>
+            <a:off x="11904419" y="4408598"/>
             <a:ext cx="406657" cy="867624"/>
           </a:xfrm>
           <a:prstGeom prst="bentConnector2">
@@ -20273,7 +20280,7 @@
         </p:nvCxnSpPr>
         <p:spPr>
           <a:xfrm>
-            <a:off x="11534775" y="1503800"/>
+            <a:off x="11534775" y="2184737"/>
             <a:ext cx="776301" cy="732070"/>
           </a:xfrm>
           <a:prstGeom prst="bentConnector2">
@@ -20306,7 +20313,7 @@
         </p:nvSpPr>
         <p:spPr>
           <a:xfrm>
-            <a:off x="9465419" y="9369600"/>
+            <a:off x="9464851" y="10226625"/>
             <a:ext cx="1319819" cy="349733"/>
           </a:xfrm>
           <a:prstGeom prst="rect">
@@ -20355,7 +20362,7 @@
         </p:nvCxnSpPr>
         <p:spPr>
           <a:xfrm>
-            <a:off x="10125327" y="9007695"/>
+            <a:off x="10124759" y="9864720"/>
             <a:ext cx="2" cy="361905"/>
           </a:xfrm>
           <a:prstGeom prst="straightConnector1">
@@ -20388,7 +20395,7 @@
         </p:nvSpPr>
         <p:spPr>
           <a:xfrm>
-            <a:off x="8368106" y="10198535"/>
+            <a:off x="8367538" y="11055560"/>
             <a:ext cx="3514440" cy="1101379"/>
           </a:xfrm>
           <a:prstGeom prst="diamond">
@@ -20453,7 +20460,7 @@
         </p:nvCxnSpPr>
         <p:spPr>
           <a:xfrm flipH="1">
-            <a:off x="10125326" y="9719333"/>
+            <a:off x="10124758" y="10576358"/>
             <a:ext cx="3" cy="479202"/>
           </a:xfrm>
           <a:prstGeom prst="straightConnector1">
@@ -20483,19 +20490,18 @@
           <p:cNvPr id="108" name="Elbow Connector 107"/>
           <p:cNvCxnSpPr>
             <a:stCxn id="104" idx="3"/>
-            <a:endCxn id="74" idx="0"/>
+            <a:endCxn id="127" idx="3"/>
           </p:cNvCxnSpPr>
           <p:nvPr/>
         </p:nvCxnSpPr>
         <p:spPr>
           <a:xfrm flipH="1" flipV="1">
-            <a:off x="10147767" y="6271920"/>
-            <a:ext cx="1734779" cy="4477305"/>
-          </a:xfrm>
-          <a:prstGeom prst="bentConnector4">
+            <a:off x="11591863" y="6466818"/>
+            <a:ext cx="290115" cy="5139432"/>
+          </a:xfrm>
+          <a:prstGeom prst="bentConnector3">
             <a:avLst>
-              <a:gd name="adj1" fmla="val -57866"/>
-              <a:gd name="adj2" fmla="val 105994"/>
+              <a:gd name="adj1" fmla="val -393981"/>
             </a:avLst>
           </a:prstGeom>
           <a:ln>
@@ -20525,7 +20531,7 @@
         </p:nvSpPr>
         <p:spPr>
           <a:xfrm>
-            <a:off x="8928414" y="7337710"/>
+            <a:off x="8927846" y="8194735"/>
             <a:ext cx="2421828" cy="926933"/>
           </a:xfrm>
           <a:prstGeom prst="flowChartDecision">
@@ -20574,7 +20580,7 @@
         </p:nvCxnSpPr>
         <p:spPr>
           <a:xfrm flipH="1">
-            <a:off x="10139328" y="6969921"/>
+            <a:off x="10138760" y="7826946"/>
             <a:ext cx="8439" cy="367789"/>
           </a:xfrm>
           <a:prstGeom prst="straightConnector1">
@@ -20610,7 +20616,7 @@
         </p:nvCxnSpPr>
         <p:spPr>
           <a:xfrm flipH="1">
-            <a:off x="10125327" y="8264643"/>
+            <a:off x="10124759" y="9121668"/>
             <a:ext cx="14001" cy="397233"/>
           </a:xfrm>
           <a:prstGeom prst="straightConnector1">
@@ -20643,7 +20649,7 @@
         </p:nvSpPr>
         <p:spPr>
           <a:xfrm>
-            <a:off x="7693414" y="7457807"/>
+            <a:off x="7692846" y="8314832"/>
             <a:ext cx="1338828" cy="369460"/>
           </a:xfrm>
           <a:prstGeom prst="rect">
@@ -20673,7 +20679,7 @@
         </p:nvSpPr>
         <p:spPr>
           <a:xfrm>
-            <a:off x="11235237" y="7472424"/>
+            <a:off x="11234669" y="8329449"/>
             <a:ext cx="1338828" cy="369460"/>
           </a:xfrm>
           <a:prstGeom prst="rect">
@@ -20703,7 +20709,7 @@
         </p:nvSpPr>
         <p:spPr>
           <a:xfrm>
-            <a:off x="10093749" y="8239117"/>
+            <a:off x="10093181" y="9096142"/>
             <a:ext cx="1569660" cy="369460"/>
           </a:xfrm>
           <a:prstGeom prst="rect">
@@ -20736,7 +20742,7 @@
         </p:nvCxnSpPr>
         <p:spPr>
           <a:xfrm>
-            <a:off x="11350242" y="7801177"/>
+            <a:off x="11349674" y="8658202"/>
             <a:ext cx="653121" cy="860699"/>
           </a:xfrm>
           <a:prstGeom prst="bentConnector2">
@@ -20772,7 +20778,7 @@
         </p:nvCxnSpPr>
         <p:spPr>
           <a:xfrm rot="10800000" flipV="1">
-            <a:off x="8077844" y="7801176"/>
+            <a:off x="8077276" y="8658201"/>
             <a:ext cx="850570" cy="860699"/>
           </a:xfrm>
           <a:prstGeom prst="bentConnector2">
@@ -20808,7 +20814,7 @@
         </p:nvCxnSpPr>
         <p:spPr>
           <a:xfrm rot="10800000" flipH="1" flipV="1">
-            <a:off x="8694664" y="6620920"/>
+            <a:off x="8694096" y="7477945"/>
             <a:ext cx="1415110" cy="5480919"/>
           </a:xfrm>
           <a:prstGeom prst="bentConnector4">
@@ -20847,7 +20853,7 @@
         </p:nvCxnSpPr>
         <p:spPr>
           <a:xfrm rot="16200000" flipH="1">
-            <a:off x="8508122" y="8581331"/>
+            <a:off x="8507554" y="9438356"/>
             <a:ext cx="1186926" cy="2047482"/>
           </a:xfrm>
           <a:prstGeom prst="bentConnector3">
@@ -20885,7 +20891,7 @@
         </p:nvCxnSpPr>
         <p:spPr>
           <a:xfrm rot="5400000">
-            <a:off x="10471686" y="8666857"/>
+            <a:off x="10471118" y="9523882"/>
             <a:ext cx="1185319" cy="1878037"/>
           </a:xfrm>
           <a:prstGeom prst="bentConnector3">
@@ -20923,8 +20929,8 @@
         </p:nvCxnSpPr>
         <p:spPr>
           <a:xfrm rot="16200000" flipH="1">
-            <a:off x="12343868" y="9081371"/>
-            <a:ext cx="544852" cy="4981937"/>
+            <a:off x="12484155" y="9797542"/>
+            <a:ext cx="588265" cy="5307058"/>
           </a:xfrm>
           <a:prstGeom prst="bentConnector3">
             <a:avLst>
@@ -20958,7 +20964,7 @@
         </p:nvSpPr>
         <p:spPr>
           <a:xfrm>
-            <a:off x="8759624" y="12101840"/>
+            <a:off x="8759056" y="12958865"/>
             <a:ext cx="2700299" cy="483483"/>
           </a:xfrm>
           <a:prstGeom prst="diamond">
@@ -21000,7 +21006,7 @@
         </p:nvSpPr>
         <p:spPr>
           <a:xfrm>
-            <a:off x="9570229" y="12996052"/>
+            <a:off x="9569661" y="13853077"/>
             <a:ext cx="1079087" cy="382215"/>
           </a:xfrm>
           <a:prstGeom prst="rect">
@@ -21061,7 +21067,7 @@
         </p:nvCxnSpPr>
         <p:spPr>
           <a:xfrm flipH="1">
-            <a:off x="10109773" y="12585323"/>
+            <a:off x="10109205" y="13442348"/>
             <a:ext cx="1" cy="410729"/>
           </a:xfrm>
           <a:prstGeom prst="straightConnector1">
@@ -21094,8 +21100,8 @@
         </p:nvSpPr>
         <p:spPr>
           <a:xfrm>
-            <a:off x="13350043" y="9106937"/>
-            <a:ext cx="3514440" cy="1101379"/>
+            <a:off x="13261762" y="9952240"/>
+            <a:ext cx="4340108" cy="1101379"/>
           </a:xfrm>
           <a:prstGeom prst="diamond">
             <a:avLst/>
@@ -21121,8 +21127,12 @@
           <a:p>
             <a:pPr algn="ctr"/>
             <a:r>
+              <a:rPr lang="en-US" altLang="zh-CN" sz="1801" dirty="0" smtClean="0"/>
+              <a:t>T</a:t>
+            </a:r>
+            <a:r>
               <a:rPr lang="zh-CN" altLang="en-US" sz="1801" dirty="0" smtClean="0"/>
-              <a:t>当前元素即是要查找的元素：</a:t>
+              <a:t>不为空且当前元素即是要查找的元素：</a:t>
             </a:r>
             <a:endParaRPr lang="en-US" altLang="zh-CN" sz="1801" dirty="0" smtClean="0"/>
           </a:p>
@@ -21152,7 +21162,7 @@
         </p:nvSpPr>
         <p:spPr>
           <a:xfrm>
-            <a:off x="14147738" y="8100670"/>
+            <a:off x="14472292" y="8979076"/>
             <a:ext cx="1919050" cy="610881"/>
           </a:xfrm>
           <a:prstGeom prst="rect">
@@ -21204,9 +21214,9 @@
           <p:nvPr/>
         </p:nvCxnSpPr>
         <p:spPr>
-          <a:xfrm>
-            <a:off x="15107263" y="8711551"/>
-            <a:ext cx="0" cy="395386"/>
+          <a:xfrm flipH="1">
+            <a:off x="15431816" y="9589957"/>
+            <a:ext cx="1" cy="362283"/>
           </a:xfrm>
           <a:prstGeom prst="straightConnector1">
             <a:avLst/>
@@ -21238,7 +21248,7 @@
         </p:nvSpPr>
         <p:spPr>
           <a:xfrm>
-            <a:off x="10117700" y="12568860"/>
+            <a:off x="10117132" y="13425885"/>
             <a:ext cx="296876" cy="369460"/>
           </a:xfrm>
           <a:prstGeom prst="rect">
@@ -21264,21 +21274,19 @@
         <p:nvCxnSpPr>
           <p:cNvPr id="233" name="Elbow Connector 232"/>
           <p:cNvCxnSpPr>
-            <a:stCxn id="213" idx="2"/>
-            <a:endCxn id="74" idx="0"/>
+            <a:stCxn id="213" idx="1"/>
+            <a:endCxn id="127" idx="3"/>
           </p:cNvCxnSpPr>
           <p:nvPr/>
         </p:nvCxnSpPr>
         <p:spPr>
-          <a:xfrm rot="5400000" flipH="1">
-            <a:off x="10659317" y="5760370"/>
-            <a:ext cx="3936396" cy="4959496"/>
-          </a:xfrm>
-          <a:prstGeom prst="bentConnector5">
+          <a:xfrm rot="10800000">
+            <a:off x="11591864" y="6466818"/>
+            <a:ext cx="1669899" cy="4036112"/>
+          </a:xfrm>
+          <a:prstGeom prst="bentConnector3">
             <a:avLst>
-              <a:gd name="adj1" fmla="val -13666"/>
-              <a:gd name="adj2" fmla="val 44649"/>
-              <a:gd name="adj3" fmla="val 106817"/>
+              <a:gd name="adj1" fmla="val 14456"/>
             </a:avLst>
           </a:prstGeom>
           <a:ln>
@@ -21308,7 +21316,7 @@
         </p:nvSpPr>
         <p:spPr>
           <a:xfrm>
-            <a:off x="14788958" y="10157259"/>
+            <a:off x="13090186" y="10157532"/>
             <a:ext cx="333746" cy="369460"/>
           </a:xfrm>
           <a:prstGeom prst="rect">
@@ -21341,13 +21349,13 @@
         </p:nvCxnSpPr>
         <p:spPr>
           <a:xfrm flipH="1">
-            <a:off x="15107263" y="9657627"/>
-            <a:ext cx="1757220" cy="2187139"/>
+            <a:off x="15431816" y="10502930"/>
+            <a:ext cx="2170054" cy="2242274"/>
           </a:xfrm>
           <a:prstGeom prst="bentConnector4">
             <a:avLst>
-              <a:gd name="adj1" fmla="val -13009"/>
-              <a:gd name="adj2" fmla="val 87610"/>
+              <a:gd name="adj1" fmla="val -10534"/>
+              <a:gd name="adj2" fmla="val 62280"/>
             </a:avLst>
           </a:prstGeom>
           <a:ln>
@@ -21377,7 +21385,7 @@
         </p:nvSpPr>
         <p:spPr>
           <a:xfrm>
-            <a:off x="14324961" y="11844766"/>
+            <a:off x="14649514" y="12745204"/>
             <a:ext cx="1564604" cy="357120"/>
           </a:xfrm>
           <a:prstGeom prst="rect">
@@ -21423,7 +21431,7 @@
         </p:nvSpPr>
         <p:spPr>
           <a:xfrm>
-            <a:off x="14704788" y="12554924"/>
+            <a:off x="15029341" y="13455362"/>
             <a:ext cx="804950" cy="441128"/>
           </a:xfrm>
           <a:prstGeom prst="roundRect">
@@ -21472,7 +21480,7 @@
         </p:nvCxnSpPr>
         <p:spPr>
           <a:xfrm>
-            <a:off x="15107263" y="12201886"/>
+            <a:off x="15431816" y="13102324"/>
             <a:ext cx="0" cy="353038"/>
           </a:xfrm>
           <a:prstGeom prst="straightConnector1">
@@ -21508,12 +21516,12 @@
         </p:nvCxnSpPr>
         <p:spPr>
           <a:xfrm flipV="1">
-            <a:off x="10649316" y="12023326"/>
-            <a:ext cx="3675645" cy="1163834"/>
+            <a:off x="10648748" y="12923764"/>
+            <a:ext cx="4000766" cy="1120421"/>
           </a:xfrm>
           <a:prstGeom prst="bentConnector3">
             <a:avLst>
-              <a:gd name="adj1" fmla="val 61581"/>
+              <a:gd name="adj1" fmla="val 50000"/>
             </a:avLst>
           </a:prstGeom>
           <a:ln>
@@ -21543,7 +21551,7 @@
         </p:nvSpPr>
         <p:spPr>
           <a:xfrm>
-            <a:off x="16786344" y="9300507"/>
+            <a:off x="17493835" y="10157532"/>
             <a:ext cx="296876" cy="369460"/>
           </a:xfrm>
           <a:prstGeom prst="rect">
@@ -21572,7 +21580,7 @@
         </p:nvSpPr>
         <p:spPr>
           <a:xfrm>
-            <a:off x="11386503" y="12017156"/>
+            <a:off x="11385935" y="12874181"/>
             <a:ext cx="333746" cy="369460"/>
           </a:xfrm>
           <a:prstGeom prst="rect">
@@ -21602,7 +21610,7 @@
         </p:nvSpPr>
         <p:spPr>
           <a:xfrm>
-            <a:off x="10125109" y="11242203"/>
+            <a:off x="10124541" y="12099228"/>
             <a:ext cx="296876" cy="369460"/>
           </a:xfrm>
           <a:prstGeom prst="rect">
@@ -21632,7 +21640,7 @@
         </p:nvSpPr>
         <p:spPr>
           <a:xfrm>
-            <a:off x="11810973" y="10424918"/>
+            <a:off x="11810405" y="11281943"/>
             <a:ext cx="333746" cy="369460"/>
           </a:xfrm>
           <a:prstGeom prst="rect">
@@ -21662,7 +21670,7 @@
         </p:nvSpPr>
         <p:spPr>
           <a:xfrm>
-            <a:off x="10132326" y="6919041"/>
+            <a:off x="10131758" y="7776066"/>
             <a:ext cx="296876" cy="369460"/>
           </a:xfrm>
           <a:prstGeom prst="rect">
@@ -21692,7 +21700,7 @@
         </p:nvSpPr>
         <p:spPr>
           <a:xfrm>
-            <a:off x="8434237" y="6310154"/>
+            <a:off x="8433669" y="7167179"/>
             <a:ext cx="333746" cy="369460"/>
           </a:xfrm>
           <a:prstGeom prst="rect">
@@ -21722,7 +21730,7 @@
         </p:nvSpPr>
         <p:spPr>
           <a:xfrm>
-            <a:off x="10125744" y="4231920"/>
+            <a:off x="10125744" y="4912857"/>
             <a:ext cx="333746" cy="369460"/>
           </a:xfrm>
           <a:prstGeom prst="rect">
@@ -21752,7 +21760,7 @@
         </p:nvSpPr>
         <p:spPr>
           <a:xfrm>
-            <a:off x="11854925" y="3413626"/>
+            <a:off x="11854925" y="4094563"/>
             <a:ext cx="296876" cy="369460"/>
           </a:xfrm>
           <a:prstGeom prst="rect">
@@ -21782,7 +21790,7 @@
         </p:nvSpPr>
         <p:spPr>
           <a:xfrm>
-            <a:off x="10133863" y="1882943"/>
+            <a:off x="10133863" y="2563880"/>
             <a:ext cx="333746" cy="369460"/>
           </a:xfrm>
           <a:prstGeom prst="rect">
@@ -21812,7 +21820,7 @@
         </p:nvSpPr>
         <p:spPr>
           <a:xfrm>
-            <a:off x="11502354" y="1192051"/>
+            <a:off x="11502354" y="1872988"/>
             <a:ext cx="296876" cy="369460"/>
           </a:xfrm>
           <a:prstGeom prst="rect">
@@ -21844,7 +21852,7 @@
         </p:nvCxnSpPr>
         <p:spPr>
           <a:xfrm flipV="1">
-            <a:off x="11459923" y="12340591"/>
+            <a:off x="11459355" y="13197616"/>
             <a:ext cx="517923" cy="0"/>
           </a:xfrm>
           <a:prstGeom prst="straightConnector1">
@@ -21879,7 +21887,7 @@
         </p:nvCxnSpPr>
         <p:spPr>
           <a:xfrm>
-            <a:off x="13717736" y="7827267"/>
+            <a:off x="14042290" y="8705673"/>
             <a:ext cx="1389527" cy="273403"/>
           </a:xfrm>
           <a:prstGeom prst="bentConnector2">
@@ -21905,6 +21913,228 @@
           </a:fontRef>
         </p:style>
       </p:cxnSp>
+      <p:sp>
+        <p:nvSpPr>
+          <p:cNvPr id="127" name="Decision 126"/>
+          <p:cNvSpPr/>
+          <p:nvPr/>
+        </p:nvSpPr>
+        <p:spPr>
+          <a:xfrm>
+            <a:off x="8685657" y="6064759"/>
+            <a:ext cx="2906206" cy="804117"/>
+          </a:xfrm>
+          <a:prstGeom prst="flowChartDecision">
+            <a:avLst/>
+          </a:prstGeom>
+        </p:spPr>
+        <p:style>
+          <a:lnRef idx="2">
+            <a:schemeClr val="dk1"/>
+          </a:lnRef>
+          <a:fillRef idx="1">
+            <a:schemeClr val="lt1"/>
+          </a:fillRef>
+          <a:effectRef idx="0">
+            <a:schemeClr val="dk1"/>
+          </a:effectRef>
+          <a:fontRef idx="minor">
+            <a:schemeClr val="dk1"/>
+          </a:fontRef>
+        </p:style>
+        <p:txBody>
+          <a:bodyPr rtlCol="0" anchor="ctr"/>
+          <a:lstStyle/>
+          <a:p>
+            <a:pPr algn="ctr"/>
+            <a:r>
+              <a:rPr lang="en-US" altLang="zh-CN" sz="1801" dirty="0" smtClean="0"/>
+              <a:t>S</a:t>
+            </a:r>
+            <a:r>
+              <a:rPr lang="zh-CN" altLang="en-US" sz="1801" dirty="0" smtClean="0"/>
+              <a:t>为空栈且</a:t>
+            </a:r>
+            <a:r>
+              <a:rPr lang="en-US" altLang="zh-CN" sz="1801" dirty="0" smtClean="0"/>
+              <a:t>T</a:t>
+            </a:r>
+            <a:r>
+              <a:rPr lang="zh-CN" altLang="en-US" sz="1801" dirty="0" smtClean="0"/>
+              <a:t>为空指针？</a:t>
+            </a:r>
+            <a:endParaRPr lang="en-US" altLang="zh-CN" sz="1801" dirty="0" smtClean="0"/>
+          </a:p>
+        </p:txBody>
+      </p:sp>
+      <p:cxnSp>
+        <p:nvCxnSpPr>
+          <p:cNvPr id="130" name="Straight Arrow Connector 129"/>
+          <p:cNvCxnSpPr>
+            <a:stCxn id="127" idx="2"/>
+            <a:endCxn id="74" idx="0"/>
+          </p:cNvCxnSpPr>
+          <p:nvPr/>
+        </p:nvCxnSpPr>
+        <p:spPr>
+          <a:xfrm>
+            <a:off x="10138760" y="6868876"/>
+            <a:ext cx="8439" cy="260069"/>
+          </a:xfrm>
+          <a:prstGeom prst="straightConnector1">
+            <a:avLst/>
+          </a:prstGeom>
+          <a:ln>
+            <a:tailEnd type="triangle"/>
+          </a:ln>
+        </p:spPr>
+        <p:style>
+          <a:lnRef idx="2">
+            <a:schemeClr val="dk1"/>
+          </a:lnRef>
+          <a:fillRef idx="0">
+            <a:schemeClr val="dk1"/>
+          </a:fillRef>
+          <a:effectRef idx="1">
+            <a:schemeClr val="dk1"/>
+          </a:effectRef>
+          <a:fontRef idx="minor">
+            <a:schemeClr val="tx1"/>
+          </a:fontRef>
+        </p:style>
+      </p:cxnSp>
+      <p:cxnSp>
+        <p:nvCxnSpPr>
+          <p:cNvPr id="142" name="Elbow Connector 141"/>
+          <p:cNvCxnSpPr>
+            <a:stCxn id="127" idx="1"/>
+          </p:cNvCxnSpPr>
+          <p:nvPr/>
+        </p:nvCxnSpPr>
+        <p:spPr>
+          <a:xfrm rot="10800000" flipV="1">
+            <a:off x="6719707" y="6466817"/>
+            <a:ext cx="1965950" cy="7987119"/>
+          </a:xfrm>
+          <a:prstGeom prst="bentConnector2">
+            <a:avLst/>
+          </a:prstGeom>
+          <a:ln>
+            <a:tailEnd type="none"/>
+          </a:ln>
+        </p:spPr>
+        <p:style>
+          <a:lnRef idx="2">
+            <a:schemeClr val="dk1"/>
+          </a:lnRef>
+          <a:fillRef idx="0">
+            <a:schemeClr val="dk1"/>
+          </a:fillRef>
+          <a:effectRef idx="1">
+            <a:schemeClr val="dk1"/>
+          </a:effectRef>
+          <a:fontRef idx="minor">
+            <a:schemeClr val="tx1"/>
+          </a:fontRef>
+        </p:style>
+      </p:cxnSp>
+      <p:cxnSp>
+        <p:nvCxnSpPr>
+          <p:cNvPr id="148" name="Elbow Connector 147"/>
+          <p:cNvCxnSpPr>
+            <a:endCxn id="246" idx="1"/>
+          </p:cNvCxnSpPr>
+          <p:nvPr/>
+        </p:nvCxnSpPr>
+        <p:spPr>
+          <a:xfrm flipV="1">
+            <a:off x="6723577" y="12923764"/>
+            <a:ext cx="7925937" cy="1530172"/>
+          </a:xfrm>
+          <a:prstGeom prst="bentConnector3">
+            <a:avLst>
+              <a:gd name="adj1" fmla="val 74895"/>
+            </a:avLst>
+          </a:prstGeom>
+          <a:ln>
+            <a:tailEnd type="none"/>
+          </a:ln>
+        </p:spPr>
+        <p:style>
+          <a:lnRef idx="2">
+            <a:schemeClr val="dk1"/>
+          </a:lnRef>
+          <a:fillRef idx="0">
+            <a:schemeClr val="dk1"/>
+          </a:fillRef>
+          <a:effectRef idx="1">
+            <a:schemeClr val="dk1"/>
+          </a:effectRef>
+          <a:fontRef idx="minor">
+            <a:schemeClr val="tx1"/>
+          </a:fontRef>
+        </p:style>
+      </p:cxnSp>
+      <p:sp>
+        <p:nvSpPr>
+          <p:cNvPr id="152" name="TextBox 151"/>
+          <p:cNvSpPr txBox="1"/>
+          <p:nvPr/>
+        </p:nvSpPr>
+        <p:spPr>
+          <a:xfrm>
+            <a:off x="8434490" y="6147840"/>
+            <a:ext cx="296876" cy="369460"/>
+          </a:xfrm>
+          <a:prstGeom prst="rect">
+            <a:avLst/>
+          </a:prstGeom>
+          <a:noFill/>
+        </p:spPr>
+        <p:txBody>
+          <a:bodyPr wrap="none" rtlCol="0">
+            <a:spAutoFit/>
+          </a:bodyPr>
+          <a:lstStyle/>
+          <a:p>
+            <a:r>
+              <a:rPr lang="en-US" altLang="zh-CN" sz="1801" dirty="0" smtClean="0"/>
+              <a:t>Y</a:t>
+            </a:r>
+            <a:endParaRPr lang="en-US" sz="1801" dirty="0"/>
+          </a:p>
+        </p:txBody>
+      </p:sp>
+      <p:sp>
+        <p:nvSpPr>
+          <p:cNvPr id="153" name="TextBox 152"/>
+          <p:cNvSpPr txBox="1"/>
+          <p:nvPr/>
+        </p:nvSpPr>
+        <p:spPr>
+          <a:xfrm>
+            <a:off x="10155638" y="6791160"/>
+            <a:ext cx="333746" cy="369460"/>
+          </a:xfrm>
+          <a:prstGeom prst="rect">
+            <a:avLst/>
+          </a:prstGeom>
+          <a:noFill/>
+        </p:spPr>
+        <p:txBody>
+          <a:bodyPr wrap="none" rtlCol="0">
+            <a:spAutoFit/>
+          </a:bodyPr>
+          <a:lstStyle/>
+          <a:p>
+            <a:r>
+              <a:rPr lang="en-US" altLang="zh-CN" sz="1801" dirty="0" smtClean="0"/>
+              <a:t>N</a:t>
+            </a:r>
+            <a:endParaRPr lang="en-US" sz="1801" dirty="0"/>
+          </a:p>
+        </p:txBody>
+      </p:sp>
     </p:spTree>
     <p:extLst>
       <p:ext uri="{BB962C8B-B14F-4D97-AF65-F5344CB8AC3E}">
@@ -25148,6 +25378,2288 @@
       </p:par>
     </p:tnLst>
   </p:timing>
+</p:sld>
+</file>
+
+<file path=ppt/slides/slide18.xml><?xml version="1.0" encoding="utf-8"?>
+<p:sld xmlns:a="http://schemas.openxmlformats.org/drawingml/2006/main" xmlns:r="http://schemas.openxmlformats.org/officeDocument/2006/relationships" xmlns:p="http://schemas.openxmlformats.org/presentationml/2006/main">
+  <p:cSld>
+    <p:spTree>
+      <p:nvGrpSpPr>
+        <p:cNvPr id="1" name=""/>
+        <p:cNvGrpSpPr/>
+        <p:nvPr/>
+      </p:nvGrpSpPr>
+      <p:grpSpPr>
+        <a:xfrm>
+          <a:off x="0" y="0"/>
+          <a:ext cx="0" cy="0"/>
+          <a:chOff x="0" y="0"/>
+          <a:chExt cx="0" cy="0"/>
+        </a:xfrm>
+      </p:grpSpPr>
+      <p:sp>
+        <p:nvSpPr>
+          <p:cNvPr id="4" name="Oval 3"/>
+          <p:cNvSpPr/>
+          <p:nvPr/>
+        </p:nvSpPr>
+        <p:spPr>
+          <a:xfrm>
+            <a:off x="2111828" y="1293584"/>
+            <a:ext cx="317500" cy="317500"/>
+          </a:xfrm>
+          <a:prstGeom prst="ellipse">
+            <a:avLst/>
+          </a:prstGeom>
+        </p:spPr>
+        <p:style>
+          <a:lnRef idx="2">
+            <a:schemeClr val="dk1"/>
+          </a:lnRef>
+          <a:fillRef idx="1">
+            <a:schemeClr val="lt1"/>
+          </a:fillRef>
+          <a:effectRef idx="0">
+            <a:schemeClr val="dk1"/>
+          </a:effectRef>
+          <a:fontRef idx="minor">
+            <a:schemeClr val="dk1"/>
+          </a:fontRef>
+        </p:style>
+        <p:txBody>
+          <a:bodyPr rtlCol="0" anchor="ctr"/>
+          <a:lstStyle/>
+          <a:p>
+            <a:pPr algn="ctr"/>
+            <a:r>
+              <a:rPr lang="en-US" sz="1801" dirty="0">
+                <a:solidFill>
+                  <a:schemeClr val="dk1"/>
+                </a:solidFill>
+              </a:rPr>
+              <a:t>1</a:t>
+            </a:r>
+          </a:p>
+        </p:txBody>
+      </p:sp>
+      <p:sp>
+        <p:nvSpPr>
+          <p:cNvPr id="5" name="Oval 4"/>
+          <p:cNvSpPr/>
+          <p:nvPr/>
+        </p:nvSpPr>
+        <p:spPr>
+          <a:xfrm>
+            <a:off x="1631042" y="1778905"/>
+            <a:ext cx="317500" cy="317500"/>
+          </a:xfrm>
+          <a:prstGeom prst="ellipse">
+            <a:avLst/>
+          </a:prstGeom>
+        </p:spPr>
+        <p:style>
+          <a:lnRef idx="2">
+            <a:schemeClr val="dk1"/>
+          </a:lnRef>
+          <a:fillRef idx="1">
+            <a:schemeClr val="lt1"/>
+          </a:fillRef>
+          <a:effectRef idx="0">
+            <a:schemeClr val="dk1"/>
+          </a:effectRef>
+          <a:fontRef idx="minor">
+            <a:schemeClr val="dk1"/>
+          </a:fontRef>
+        </p:style>
+        <p:txBody>
+          <a:bodyPr rtlCol="0" anchor="ctr"/>
+          <a:lstStyle/>
+          <a:p>
+            <a:pPr algn="ctr"/>
+            <a:r>
+              <a:rPr lang="en-US" sz="1801" dirty="0" smtClean="0"/>
+              <a:t>2</a:t>
+            </a:r>
+            <a:endParaRPr lang="en-US" sz="1801" dirty="0">
+              <a:solidFill>
+                <a:schemeClr val="dk1"/>
+              </a:solidFill>
+            </a:endParaRPr>
+          </a:p>
+        </p:txBody>
+      </p:sp>
+      <p:sp>
+        <p:nvSpPr>
+          <p:cNvPr id="7" name="Oval 6"/>
+          <p:cNvSpPr/>
+          <p:nvPr/>
+        </p:nvSpPr>
+        <p:spPr>
+          <a:xfrm>
+            <a:off x="2079170" y="2229754"/>
+            <a:ext cx="317500" cy="317500"/>
+          </a:xfrm>
+          <a:prstGeom prst="ellipse">
+            <a:avLst/>
+          </a:prstGeom>
+        </p:spPr>
+        <p:style>
+          <a:lnRef idx="2">
+            <a:schemeClr val="dk1"/>
+          </a:lnRef>
+          <a:fillRef idx="1">
+            <a:schemeClr val="lt1"/>
+          </a:fillRef>
+          <a:effectRef idx="0">
+            <a:schemeClr val="dk1"/>
+          </a:effectRef>
+          <a:fontRef idx="minor">
+            <a:schemeClr val="dk1"/>
+          </a:fontRef>
+        </p:style>
+        <p:txBody>
+          <a:bodyPr rtlCol="0" anchor="ctr"/>
+          <a:lstStyle/>
+          <a:p>
+            <a:pPr algn="ctr"/>
+            <a:r>
+              <a:rPr lang="en-US" sz="1801"/>
+              <a:t>4</a:t>
+            </a:r>
+            <a:endParaRPr lang="en-US" sz="1801" dirty="0">
+              <a:solidFill>
+                <a:schemeClr val="dk1"/>
+              </a:solidFill>
+            </a:endParaRPr>
+          </a:p>
+        </p:txBody>
+      </p:sp>
+      <p:sp>
+        <p:nvSpPr>
+          <p:cNvPr id="8" name="Oval 7"/>
+          <p:cNvSpPr/>
+          <p:nvPr/>
+        </p:nvSpPr>
+        <p:spPr>
+          <a:xfrm>
+            <a:off x="2599871" y="2719613"/>
+            <a:ext cx="317500" cy="317500"/>
+          </a:xfrm>
+          <a:prstGeom prst="ellipse">
+            <a:avLst/>
+          </a:prstGeom>
+        </p:spPr>
+        <p:style>
+          <a:lnRef idx="2">
+            <a:schemeClr val="dk1"/>
+          </a:lnRef>
+          <a:fillRef idx="1">
+            <a:schemeClr val="lt1"/>
+          </a:fillRef>
+          <a:effectRef idx="0">
+            <a:schemeClr val="dk1"/>
+          </a:effectRef>
+          <a:fontRef idx="minor">
+            <a:schemeClr val="dk1"/>
+          </a:fontRef>
+        </p:style>
+        <p:txBody>
+          <a:bodyPr rtlCol="0" anchor="ctr"/>
+          <a:lstStyle/>
+          <a:p>
+            <a:pPr algn="ctr"/>
+            <a:r>
+              <a:rPr lang="en-US" sz="1801"/>
+              <a:t>5</a:t>
+            </a:r>
+            <a:endParaRPr lang="en-US" sz="1801" dirty="0">
+              <a:solidFill>
+                <a:schemeClr val="dk1"/>
+              </a:solidFill>
+            </a:endParaRPr>
+          </a:p>
+        </p:txBody>
+      </p:sp>
+      <p:sp>
+        <p:nvSpPr>
+          <p:cNvPr id="10" name="Oval 9"/>
+          <p:cNvSpPr/>
+          <p:nvPr/>
+        </p:nvSpPr>
+        <p:spPr>
+          <a:xfrm>
+            <a:off x="2133600" y="3209468"/>
+            <a:ext cx="317500" cy="317500"/>
+          </a:xfrm>
+          <a:prstGeom prst="ellipse">
+            <a:avLst/>
+          </a:prstGeom>
+        </p:spPr>
+        <p:style>
+          <a:lnRef idx="2">
+            <a:schemeClr val="dk1"/>
+          </a:lnRef>
+          <a:fillRef idx="1">
+            <a:schemeClr val="lt1"/>
+          </a:fillRef>
+          <a:effectRef idx="0">
+            <a:schemeClr val="dk1"/>
+          </a:effectRef>
+          <a:fontRef idx="minor">
+            <a:schemeClr val="dk1"/>
+          </a:fontRef>
+        </p:style>
+        <p:txBody>
+          <a:bodyPr rtlCol="0" anchor="ctr"/>
+          <a:lstStyle/>
+          <a:p>
+            <a:pPr algn="ctr"/>
+            <a:r>
+              <a:rPr lang="en-US" sz="1801" dirty="0" smtClean="0">
+                <a:solidFill>
+                  <a:schemeClr val="dk1"/>
+                </a:solidFill>
+              </a:rPr>
+              <a:t>6</a:t>
+            </a:r>
+            <a:endParaRPr lang="en-US" sz="1801" dirty="0">
+              <a:solidFill>
+                <a:schemeClr val="dk1"/>
+              </a:solidFill>
+            </a:endParaRPr>
+          </a:p>
+        </p:txBody>
+      </p:sp>
+      <p:sp>
+        <p:nvSpPr>
+          <p:cNvPr id="11" name="Oval 10"/>
+          <p:cNvSpPr/>
+          <p:nvPr/>
+        </p:nvSpPr>
+        <p:spPr>
+          <a:xfrm>
+            <a:off x="3122386" y="3209468"/>
+            <a:ext cx="317500" cy="317500"/>
+          </a:xfrm>
+          <a:prstGeom prst="ellipse">
+            <a:avLst/>
+          </a:prstGeom>
+        </p:spPr>
+        <p:style>
+          <a:lnRef idx="2">
+            <a:schemeClr val="dk1"/>
+          </a:lnRef>
+          <a:fillRef idx="1">
+            <a:schemeClr val="lt1"/>
+          </a:fillRef>
+          <a:effectRef idx="0">
+            <a:schemeClr val="dk1"/>
+          </a:effectRef>
+          <a:fontRef idx="minor">
+            <a:schemeClr val="dk1"/>
+          </a:fontRef>
+        </p:style>
+        <p:txBody>
+          <a:bodyPr rtlCol="0" anchor="ctr"/>
+          <a:lstStyle/>
+          <a:p>
+            <a:pPr algn="ctr"/>
+            <a:r>
+              <a:rPr lang="en-US" sz="1801" smtClean="0">
+                <a:solidFill>
+                  <a:schemeClr val="dk1"/>
+                </a:solidFill>
+              </a:rPr>
+              <a:t>7</a:t>
+            </a:r>
+            <a:endParaRPr lang="en-US" sz="1801" dirty="0">
+              <a:solidFill>
+                <a:schemeClr val="dk1"/>
+              </a:solidFill>
+            </a:endParaRPr>
+          </a:p>
+        </p:txBody>
+      </p:sp>
+      <p:sp>
+        <p:nvSpPr>
+          <p:cNvPr id="12" name="Oval 11"/>
+          <p:cNvSpPr/>
+          <p:nvPr/>
+        </p:nvSpPr>
+        <p:spPr>
+          <a:xfrm>
+            <a:off x="1621740" y="3741057"/>
+            <a:ext cx="317500" cy="317500"/>
+          </a:xfrm>
+          <a:prstGeom prst="ellipse">
+            <a:avLst/>
+          </a:prstGeom>
+        </p:spPr>
+        <p:style>
+          <a:lnRef idx="2">
+            <a:schemeClr val="dk1"/>
+          </a:lnRef>
+          <a:fillRef idx="1">
+            <a:schemeClr val="lt1"/>
+          </a:fillRef>
+          <a:effectRef idx="0">
+            <a:schemeClr val="dk1"/>
+          </a:effectRef>
+          <a:fontRef idx="minor">
+            <a:schemeClr val="dk1"/>
+          </a:fontRef>
+        </p:style>
+        <p:txBody>
+          <a:bodyPr rtlCol="0" anchor="ctr"/>
+          <a:lstStyle/>
+          <a:p>
+            <a:pPr algn="ctr"/>
+            <a:r>
+              <a:rPr lang="en-US" sz="1801" dirty="0" smtClean="0">
+                <a:solidFill>
+                  <a:schemeClr val="dk1"/>
+                </a:solidFill>
+              </a:rPr>
+              <a:t>8</a:t>
+            </a:r>
+            <a:endParaRPr lang="en-US" sz="1801" dirty="0">
+              <a:solidFill>
+                <a:schemeClr val="dk1"/>
+              </a:solidFill>
+            </a:endParaRPr>
+          </a:p>
+        </p:txBody>
+      </p:sp>
+      <p:sp>
+        <p:nvSpPr>
+          <p:cNvPr id="13" name="Oval 12"/>
+          <p:cNvSpPr/>
+          <p:nvPr/>
+        </p:nvSpPr>
+        <p:spPr>
+          <a:xfrm>
+            <a:off x="3677556" y="3741057"/>
+            <a:ext cx="317500" cy="317500"/>
+          </a:xfrm>
+          <a:prstGeom prst="ellipse">
+            <a:avLst/>
+          </a:prstGeom>
+        </p:spPr>
+        <p:style>
+          <a:lnRef idx="2">
+            <a:schemeClr val="dk1"/>
+          </a:lnRef>
+          <a:fillRef idx="1">
+            <a:schemeClr val="lt1"/>
+          </a:fillRef>
+          <a:effectRef idx="0">
+            <a:schemeClr val="dk1"/>
+          </a:effectRef>
+          <a:fontRef idx="minor">
+            <a:schemeClr val="dk1"/>
+          </a:fontRef>
+        </p:style>
+        <p:txBody>
+          <a:bodyPr rtlCol="0" anchor="ctr"/>
+          <a:lstStyle/>
+          <a:p>
+            <a:pPr algn="ctr"/>
+            <a:r>
+              <a:rPr lang="en-US" sz="1801" smtClean="0">
+                <a:solidFill>
+                  <a:schemeClr val="dk1"/>
+                </a:solidFill>
+              </a:rPr>
+              <a:t>9</a:t>
+            </a:r>
+            <a:endParaRPr lang="en-US" sz="1801" dirty="0">
+              <a:solidFill>
+                <a:schemeClr val="dk1"/>
+              </a:solidFill>
+            </a:endParaRPr>
+          </a:p>
+        </p:txBody>
+      </p:sp>
+      <p:cxnSp>
+        <p:nvCxnSpPr>
+          <p:cNvPr id="14" name="Straight Arrow Connector 13"/>
+          <p:cNvCxnSpPr>
+            <a:stCxn id="4" idx="3"/>
+            <a:endCxn id="5" idx="0"/>
+          </p:cNvCxnSpPr>
+          <p:nvPr/>
+        </p:nvCxnSpPr>
+        <p:spPr>
+          <a:xfrm flipH="1">
+            <a:off x="1789792" y="1564587"/>
+            <a:ext cx="368533" cy="214318"/>
+          </a:xfrm>
+          <a:prstGeom prst="straightConnector1">
+            <a:avLst/>
+          </a:prstGeom>
+          <a:ln>
+            <a:tailEnd type="none"/>
+          </a:ln>
+        </p:spPr>
+        <p:style>
+          <a:lnRef idx="2">
+            <a:schemeClr val="dk1"/>
+          </a:lnRef>
+          <a:fillRef idx="0">
+            <a:schemeClr val="dk1"/>
+          </a:fillRef>
+          <a:effectRef idx="1">
+            <a:schemeClr val="dk1"/>
+          </a:effectRef>
+          <a:fontRef idx="minor">
+            <a:schemeClr val="tx1"/>
+          </a:fontRef>
+        </p:style>
+      </p:cxnSp>
+      <p:cxnSp>
+        <p:nvCxnSpPr>
+          <p:cNvPr id="18" name="Straight Arrow Connector 17"/>
+          <p:cNvCxnSpPr>
+            <a:stCxn id="5" idx="5"/>
+            <a:endCxn id="7" idx="0"/>
+          </p:cNvCxnSpPr>
+          <p:nvPr/>
+        </p:nvCxnSpPr>
+        <p:spPr>
+          <a:xfrm>
+            <a:off x="1902045" y="2049908"/>
+            <a:ext cx="335875" cy="179846"/>
+          </a:xfrm>
+          <a:prstGeom prst="straightConnector1">
+            <a:avLst/>
+          </a:prstGeom>
+          <a:ln>
+            <a:tailEnd type="none"/>
+          </a:ln>
+        </p:spPr>
+        <p:style>
+          <a:lnRef idx="2">
+            <a:schemeClr val="dk1"/>
+          </a:lnRef>
+          <a:fillRef idx="0">
+            <a:schemeClr val="dk1"/>
+          </a:fillRef>
+          <a:effectRef idx="1">
+            <a:schemeClr val="dk1"/>
+          </a:effectRef>
+          <a:fontRef idx="minor">
+            <a:schemeClr val="tx1"/>
+          </a:fontRef>
+        </p:style>
+      </p:cxnSp>
+      <p:cxnSp>
+        <p:nvCxnSpPr>
+          <p:cNvPr id="22" name="Straight Arrow Connector 21"/>
+          <p:cNvCxnSpPr>
+            <a:stCxn id="8" idx="0"/>
+            <a:endCxn id="7" idx="5"/>
+          </p:cNvCxnSpPr>
+          <p:nvPr/>
+        </p:nvCxnSpPr>
+        <p:spPr>
+          <a:xfrm flipH="1" flipV="1">
+            <a:off x="2350173" y="2500757"/>
+            <a:ext cx="408448" cy="218856"/>
+          </a:xfrm>
+          <a:prstGeom prst="straightConnector1">
+            <a:avLst/>
+          </a:prstGeom>
+          <a:ln>
+            <a:tailEnd type="none"/>
+          </a:ln>
+        </p:spPr>
+        <p:style>
+          <a:lnRef idx="2">
+            <a:schemeClr val="dk1"/>
+          </a:lnRef>
+          <a:fillRef idx="0">
+            <a:schemeClr val="dk1"/>
+          </a:fillRef>
+          <a:effectRef idx="1">
+            <a:schemeClr val="dk1"/>
+          </a:effectRef>
+          <a:fontRef idx="minor">
+            <a:schemeClr val="tx1"/>
+          </a:fontRef>
+        </p:style>
+      </p:cxnSp>
+      <p:cxnSp>
+        <p:nvCxnSpPr>
+          <p:cNvPr id="26" name="Straight Arrow Connector 25"/>
+          <p:cNvCxnSpPr>
+            <a:stCxn id="8" idx="3"/>
+            <a:endCxn id="10" idx="0"/>
+          </p:cNvCxnSpPr>
+          <p:nvPr/>
+        </p:nvCxnSpPr>
+        <p:spPr>
+          <a:xfrm flipH="1">
+            <a:off x="2292350" y="2990616"/>
+            <a:ext cx="354018" cy="218852"/>
+          </a:xfrm>
+          <a:prstGeom prst="straightConnector1">
+            <a:avLst/>
+          </a:prstGeom>
+          <a:ln>
+            <a:tailEnd type="none"/>
+          </a:ln>
+        </p:spPr>
+        <p:style>
+          <a:lnRef idx="2">
+            <a:schemeClr val="dk1"/>
+          </a:lnRef>
+          <a:fillRef idx="0">
+            <a:schemeClr val="dk1"/>
+          </a:fillRef>
+          <a:effectRef idx="1">
+            <a:schemeClr val="dk1"/>
+          </a:effectRef>
+          <a:fontRef idx="minor">
+            <a:schemeClr val="tx1"/>
+          </a:fontRef>
+        </p:style>
+      </p:cxnSp>
+      <p:cxnSp>
+        <p:nvCxnSpPr>
+          <p:cNvPr id="29" name="Straight Arrow Connector 28"/>
+          <p:cNvCxnSpPr>
+            <a:stCxn id="8" idx="5"/>
+            <a:endCxn id="11" idx="0"/>
+          </p:cNvCxnSpPr>
+          <p:nvPr/>
+        </p:nvCxnSpPr>
+        <p:spPr>
+          <a:xfrm>
+            <a:off x="2870874" y="2990616"/>
+            <a:ext cx="410262" cy="218852"/>
+          </a:xfrm>
+          <a:prstGeom prst="straightConnector1">
+            <a:avLst/>
+          </a:prstGeom>
+          <a:ln>
+            <a:tailEnd type="none"/>
+          </a:ln>
+        </p:spPr>
+        <p:style>
+          <a:lnRef idx="2">
+            <a:schemeClr val="dk1"/>
+          </a:lnRef>
+          <a:fillRef idx="0">
+            <a:schemeClr val="dk1"/>
+          </a:fillRef>
+          <a:effectRef idx="1">
+            <a:schemeClr val="dk1"/>
+          </a:effectRef>
+          <a:fontRef idx="minor">
+            <a:schemeClr val="tx1"/>
+          </a:fontRef>
+        </p:style>
+      </p:cxnSp>
+      <p:cxnSp>
+        <p:nvCxnSpPr>
+          <p:cNvPr id="32" name="Straight Arrow Connector 31"/>
+          <p:cNvCxnSpPr>
+            <a:stCxn id="10" idx="3"/>
+            <a:endCxn id="12" idx="0"/>
+          </p:cNvCxnSpPr>
+          <p:nvPr/>
+        </p:nvCxnSpPr>
+        <p:spPr>
+          <a:xfrm flipH="1">
+            <a:off x="1780490" y="3480471"/>
+            <a:ext cx="399607" cy="260586"/>
+          </a:xfrm>
+          <a:prstGeom prst="straightConnector1">
+            <a:avLst/>
+          </a:prstGeom>
+          <a:ln>
+            <a:tailEnd type="none"/>
+          </a:ln>
+        </p:spPr>
+        <p:style>
+          <a:lnRef idx="2">
+            <a:schemeClr val="dk1"/>
+          </a:lnRef>
+          <a:fillRef idx="0">
+            <a:schemeClr val="dk1"/>
+          </a:fillRef>
+          <a:effectRef idx="1">
+            <a:schemeClr val="dk1"/>
+          </a:effectRef>
+          <a:fontRef idx="minor">
+            <a:schemeClr val="tx1"/>
+          </a:fontRef>
+        </p:style>
+      </p:cxnSp>
+      <p:cxnSp>
+        <p:nvCxnSpPr>
+          <p:cNvPr id="37" name="Straight Arrow Connector 36"/>
+          <p:cNvCxnSpPr>
+            <a:stCxn id="11" idx="5"/>
+            <a:endCxn id="13" idx="0"/>
+          </p:cNvCxnSpPr>
+          <p:nvPr/>
+        </p:nvCxnSpPr>
+        <p:spPr>
+          <a:xfrm>
+            <a:off x="3393389" y="3480471"/>
+            <a:ext cx="442917" cy="260586"/>
+          </a:xfrm>
+          <a:prstGeom prst="straightConnector1">
+            <a:avLst/>
+          </a:prstGeom>
+          <a:ln>
+            <a:tailEnd type="none"/>
+          </a:ln>
+        </p:spPr>
+        <p:style>
+          <a:lnRef idx="2">
+            <a:schemeClr val="dk1"/>
+          </a:lnRef>
+          <a:fillRef idx="0">
+            <a:schemeClr val="dk1"/>
+          </a:fillRef>
+          <a:effectRef idx="1">
+            <a:schemeClr val="dk1"/>
+          </a:effectRef>
+          <a:fontRef idx="minor">
+            <a:schemeClr val="tx1"/>
+          </a:fontRef>
+        </p:style>
+      </p:cxnSp>
+      <p:sp>
+        <p:nvSpPr>
+          <p:cNvPr id="17" name="Oval 16"/>
+          <p:cNvSpPr/>
+          <p:nvPr/>
+        </p:nvSpPr>
+        <p:spPr>
+          <a:xfrm>
+            <a:off x="5998028" y="1461405"/>
+            <a:ext cx="317500" cy="317500"/>
+          </a:xfrm>
+          <a:prstGeom prst="ellipse">
+            <a:avLst/>
+          </a:prstGeom>
+        </p:spPr>
+        <p:style>
+          <a:lnRef idx="2">
+            <a:schemeClr val="dk1"/>
+          </a:lnRef>
+          <a:fillRef idx="1">
+            <a:schemeClr val="lt1"/>
+          </a:fillRef>
+          <a:effectRef idx="0">
+            <a:schemeClr val="dk1"/>
+          </a:effectRef>
+          <a:fontRef idx="minor">
+            <a:schemeClr val="dk1"/>
+          </a:fontRef>
+        </p:style>
+        <p:txBody>
+          <a:bodyPr rtlCol="0" anchor="ctr"/>
+          <a:lstStyle/>
+          <a:p>
+            <a:pPr algn="ctr"/>
+            <a:r>
+              <a:rPr lang="en-US" sz="1801" dirty="0">
+                <a:solidFill>
+                  <a:schemeClr val="dk1"/>
+                </a:solidFill>
+              </a:rPr>
+              <a:t>1</a:t>
+            </a:r>
+          </a:p>
+        </p:txBody>
+      </p:sp>
+      <p:sp>
+        <p:nvSpPr>
+          <p:cNvPr id="19" name="Oval 18"/>
+          <p:cNvSpPr/>
+          <p:nvPr/>
+        </p:nvSpPr>
+        <p:spPr>
+          <a:xfrm>
+            <a:off x="6475185" y="1946726"/>
+            <a:ext cx="317500" cy="317500"/>
+          </a:xfrm>
+          <a:prstGeom prst="ellipse">
+            <a:avLst/>
+          </a:prstGeom>
+        </p:spPr>
+        <p:style>
+          <a:lnRef idx="2">
+            <a:schemeClr val="dk1"/>
+          </a:lnRef>
+          <a:fillRef idx="1">
+            <a:schemeClr val="lt1"/>
+          </a:fillRef>
+          <a:effectRef idx="0">
+            <a:schemeClr val="dk1"/>
+          </a:effectRef>
+          <a:fontRef idx="minor">
+            <a:schemeClr val="dk1"/>
+          </a:fontRef>
+        </p:style>
+        <p:txBody>
+          <a:bodyPr rtlCol="0" anchor="ctr"/>
+          <a:lstStyle/>
+          <a:p>
+            <a:pPr algn="ctr"/>
+            <a:r>
+              <a:rPr lang="en-US" sz="1801" dirty="0" smtClean="0"/>
+              <a:t>2</a:t>
+            </a:r>
+            <a:endParaRPr lang="en-US" sz="1801" dirty="0">
+              <a:solidFill>
+                <a:schemeClr val="dk1"/>
+              </a:solidFill>
+            </a:endParaRPr>
+          </a:p>
+        </p:txBody>
+      </p:sp>
+      <p:cxnSp>
+        <p:nvCxnSpPr>
+          <p:cNvPr id="20" name="Straight Arrow Connector 19"/>
+          <p:cNvCxnSpPr>
+            <a:stCxn id="17" idx="5"/>
+            <a:endCxn id="19" idx="0"/>
+          </p:cNvCxnSpPr>
+          <p:nvPr/>
+        </p:nvCxnSpPr>
+        <p:spPr>
+          <a:xfrm>
+            <a:off x="6269031" y="1732408"/>
+            <a:ext cx="364904" cy="214318"/>
+          </a:xfrm>
+          <a:prstGeom prst="straightConnector1">
+            <a:avLst/>
+          </a:prstGeom>
+          <a:ln>
+            <a:tailEnd type="none"/>
+          </a:ln>
+        </p:spPr>
+        <p:style>
+          <a:lnRef idx="2">
+            <a:schemeClr val="dk1"/>
+          </a:lnRef>
+          <a:fillRef idx="0">
+            <a:schemeClr val="dk1"/>
+          </a:fillRef>
+          <a:effectRef idx="1">
+            <a:schemeClr val="dk1"/>
+          </a:effectRef>
+          <a:fontRef idx="minor">
+            <a:schemeClr val="tx1"/>
+          </a:fontRef>
+        </p:style>
+      </p:cxnSp>
+      <p:sp>
+        <p:nvSpPr>
+          <p:cNvPr id="25" name="Oval 24"/>
+          <p:cNvSpPr/>
+          <p:nvPr/>
+        </p:nvSpPr>
+        <p:spPr>
+          <a:xfrm>
+            <a:off x="3371512" y="5781218"/>
+            <a:ext cx="317500" cy="317500"/>
+          </a:xfrm>
+          <a:prstGeom prst="ellipse">
+            <a:avLst/>
+          </a:prstGeom>
+        </p:spPr>
+        <p:style>
+          <a:lnRef idx="2">
+            <a:schemeClr val="dk1"/>
+          </a:lnRef>
+          <a:fillRef idx="1">
+            <a:schemeClr val="lt1"/>
+          </a:fillRef>
+          <a:effectRef idx="0">
+            <a:schemeClr val="dk1"/>
+          </a:effectRef>
+          <a:fontRef idx="minor">
+            <a:schemeClr val="dk1"/>
+          </a:fontRef>
+        </p:style>
+        <p:txBody>
+          <a:bodyPr rtlCol="0" anchor="ctr"/>
+          <a:lstStyle/>
+          <a:p>
+            <a:pPr algn="ctr"/>
+            <a:r>
+              <a:rPr lang="en-US" altLang="zh-CN" sz="1801" dirty="0" smtClean="0"/>
+              <a:t>c</a:t>
+            </a:r>
+            <a:endParaRPr lang="en-US" sz="1801" dirty="0">
+              <a:solidFill>
+                <a:schemeClr val="dk1"/>
+              </a:solidFill>
+            </a:endParaRPr>
+          </a:p>
+        </p:txBody>
+      </p:sp>
+      <p:sp>
+        <p:nvSpPr>
+          <p:cNvPr id="27" name="Oval 26"/>
+          <p:cNvSpPr/>
+          <p:nvPr/>
+        </p:nvSpPr>
+        <p:spPr>
+          <a:xfrm>
+            <a:off x="2890726" y="6266539"/>
+            <a:ext cx="317500" cy="317500"/>
+          </a:xfrm>
+          <a:prstGeom prst="ellipse">
+            <a:avLst/>
+          </a:prstGeom>
+        </p:spPr>
+        <p:style>
+          <a:lnRef idx="2">
+            <a:schemeClr val="dk1"/>
+          </a:lnRef>
+          <a:fillRef idx="1">
+            <a:schemeClr val="lt1"/>
+          </a:fillRef>
+          <a:effectRef idx="0">
+            <a:schemeClr val="dk1"/>
+          </a:effectRef>
+          <a:fontRef idx="minor">
+            <a:schemeClr val="dk1"/>
+          </a:fontRef>
+        </p:style>
+        <p:txBody>
+          <a:bodyPr rtlCol="0" anchor="ctr"/>
+          <a:lstStyle/>
+          <a:p>
+            <a:pPr algn="ctr"/>
+            <a:r>
+              <a:rPr lang="en-US" altLang="zh-CN" sz="1801" dirty="0" smtClean="0"/>
+              <a:t>x</a:t>
+            </a:r>
+            <a:endParaRPr lang="en-US" sz="1801" dirty="0">
+              <a:solidFill>
+                <a:schemeClr val="dk1"/>
+              </a:solidFill>
+            </a:endParaRPr>
+          </a:p>
+        </p:txBody>
+      </p:sp>
+      <p:cxnSp>
+        <p:nvCxnSpPr>
+          <p:cNvPr id="28" name="Straight Arrow Connector 27"/>
+          <p:cNvCxnSpPr>
+            <a:stCxn id="25" idx="3"/>
+            <a:endCxn id="27" idx="0"/>
+          </p:cNvCxnSpPr>
+          <p:nvPr/>
+        </p:nvCxnSpPr>
+        <p:spPr>
+          <a:xfrm flipH="1">
+            <a:off x="3049476" y="6052221"/>
+            <a:ext cx="368533" cy="214318"/>
+          </a:xfrm>
+          <a:prstGeom prst="straightConnector1">
+            <a:avLst/>
+          </a:prstGeom>
+          <a:ln>
+            <a:tailEnd type="none"/>
+          </a:ln>
+        </p:spPr>
+        <p:style>
+          <a:lnRef idx="2">
+            <a:schemeClr val="dk1"/>
+          </a:lnRef>
+          <a:fillRef idx="0">
+            <a:schemeClr val="dk1"/>
+          </a:fillRef>
+          <a:effectRef idx="1">
+            <a:schemeClr val="dk1"/>
+          </a:effectRef>
+          <a:fontRef idx="minor">
+            <a:schemeClr val="tx1"/>
+          </a:fontRef>
+        </p:style>
+      </p:cxnSp>
+      <p:sp>
+        <p:nvSpPr>
+          <p:cNvPr id="31" name="Oval 30"/>
+          <p:cNvSpPr/>
+          <p:nvPr/>
+        </p:nvSpPr>
+        <p:spPr>
+          <a:xfrm>
+            <a:off x="3868056" y="5288641"/>
+            <a:ext cx="317500" cy="317500"/>
+          </a:xfrm>
+          <a:prstGeom prst="ellipse">
+            <a:avLst/>
+          </a:prstGeom>
+        </p:spPr>
+        <p:style>
+          <a:lnRef idx="2">
+            <a:schemeClr val="dk1"/>
+          </a:lnRef>
+          <a:fillRef idx="1">
+            <a:schemeClr val="lt1"/>
+          </a:fillRef>
+          <a:effectRef idx="0">
+            <a:schemeClr val="dk1"/>
+          </a:effectRef>
+          <a:fontRef idx="minor">
+            <a:schemeClr val="dk1"/>
+          </a:fontRef>
+        </p:style>
+        <p:txBody>
+          <a:bodyPr rtlCol="0" anchor="ctr"/>
+          <a:lstStyle/>
+          <a:p>
+            <a:pPr algn="ctr"/>
+            <a:r>
+              <a:rPr lang="en-US" sz="1801" dirty="0">
+                <a:solidFill>
+                  <a:schemeClr val="dk1"/>
+                </a:solidFill>
+              </a:rPr>
+              <a:t>1</a:t>
+            </a:r>
+          </a:p>
+        </p:txBody>
+      </p:sp>
+      <p:sp>
+        <p:nvSpPr>
+          <p:cNvPr id="33" name="Oval 32"/>
+          <p:cNvSpPr/>
+          <p:nvPr/>
+        </p:nvSpPr>
+        <p:spPr>
+          <a:xfrm>
+            <a:off x="3849239" y="6266539"/>
+            <a:ext cx="317500" cy="317500"/>
+          </a:xfrm>
+          <a:prstGeom prst="ellipse">
+            <a:avLst/>
+          </a:prstGeom>
+        </p:spPr>
+        <p:style>
+          <a:lnRef idx="2">
+            <a:schemeClr val="dk1"/>
+          </a:lnRef>
+          <a:fillRef idx="1">
+            <a:schemeClr val="lt1"/>
+          </a:fillRef>
+          <a:effectRef idx="0">
+            <a:schemeClr val="dk1"/>
+          </a:effectRef>
+          <a:fontRef idx="minor">
+            <a:schemeClr val="dk1"/>
+          </a:fontRef>
+        </p:style>
+        <p:txBody>
+          <a:bodyPr rtlCol="0" anchor="ctr"/>
+          <a:lstStyle/>
+          <a:p>
+            <a:pPr algn="ctr"/>
+            <a:r>
+              <a:rPr lang="en-US" sz="1801" dirty="0" smtClean="0"/>
+              <a:t>2</a:t>
+            </a:r>
+            <a:endParaRPr lang="en-US" sz="1801" dirty="0">
+              <a:solidFill>
+                <a:schemeClr val="dk1"/>
+              </a:solidFill>
+            </a:endParaRPr>
+          </a:p>
+        </p:txBody>
+      </p:sp>
+      <p:sp>
+        <p:nvSpPr>
+          <p:cNvPr id="34" name="Oval 33"/>
+          <p:cNvSpPr/>
+          <p:nvPr/>
+        </p:nvSpPr>
+        <p:spPr>
+          <a:xfrm>
+            <a:off x="4297367" y="6717388"/>
+            <a:ext cx="317500" cy="317500"/>
+          </a:xfrm>
+          <a:prstGeom prst="ellipse">
+            <a:avLst/>
+          </a:prstGeom>
+        </p:spPr>
+        <p:style>
+          <a:lnRef idx="2">
+            <a:schemeClr val="dk1"/>
+          </a:lnRef>
+          <a:fillRef idx="1">
+            <a:schemeClr val="lt1"/>
+          </a:fillRef>
+          <a:effectRef idx="0">
+            <a:schemeClr val="dk1"/>
+          </a:effectRef>
+          <a:fontRef idx="minor">
+            <a:schemeClr val="dk1"/>
+          </a:fontRef>
+        </p:style>
+        <p:txBody>
+          <a:bodyPr rtlCol="0" anchor="ctr"/>
+          <a:lstStyle/>
+          <a:p>
+            <a:pPr algn="ctr"/>
+            <a:r>
+              <a:rPr lang="en-US" sz="1801"/>
+              <a:t>4</a:t>
+            </a:r>
+            <a:endParaRPr lang="en-US" sz="1801" dirty="0">
+              <a:solidFill>
+                <a:schemeClr val="dk1"/>
+              </a:solidFill>
+            </a:endParaRPr>
+          </a:p>
+        </p:txBody>
+      </p:sp>
+      <p:sp>
+        <p:nvSpPr>
+          <p:cNvPr id="35" name="Oval 34"/>
+          <p:cNvSpPr/>
+          <p:nvPr/>
+        </p:nvSpPr>
+        <p:spPr>
+          <a:xfrm>
+            <a:off x="4818068" y="7207247"/>
+            <a:ext cx="317500" cy="317500"/>
+          </a:xfrm>
+          <a:prstGeom prst="ellipse">
+            <a:avLst/>
+          </a:prstGeom>
+        </p:spPr>
+        <p:style>
+          <a:lnRef idx="2">
+            <a:schemeClr val="dk1"/>
+          </a:lnRef>
+          <a:fillRef idx="1">
+            <a:schemeClr val="lt1"/>
+          </a:fillRef>
+          <a:effectRef idx="0">
+            <a:schemeClr val="dk1"/>
+          </a:effectRef>
+          <a:fontRef idx="minor">
+            <a:schemeClr val="dk1"/>
+          </a:fontRef>
+        </p:style>
+        <p:txBody>
+          <a:bodyPr rtlCol="0" anchor="ctr"/>
+          <a:lstStyle/>
+          <a:p>
+            <a:pPr algn="ctr"/>
+            <a:r>
+              <a:rPr lang="en-US" sz="1801"/>
+              <a:t>5</a:t>
+            </a:r>
+            <a:endParaRPr lang="en-US" sz="1801" dirty="0">
+              <a:solidFill>
+                <a:schemeClr val="dk1"/>
+              </a:solidFill>
+            </a:endParaRPr>
+          </a:p>
+        </p:txBody>
+      </p:sp>
+      <p:sp>
+        <p:nvSpPr>
+          <p:cNvPr id="36" name="Oval 35"/>
+          <p:cNvSpPr/>
+          <p:nvPr/>
+        </p:nvSpPr>
+        <p:spPr>
+          <a:xfrm>
+            <a:off x="4351797" y="7697102"/>
+            <a:ext cx="317500" cy="317500"/>
+          </a:xfrm>
+          <a:prstGeom prst="ellipse">
+            <a:avLst/>
+          </a:prstGeom>
+        </p:spPr>
+        <p:style>
+          <a:lnRef idx="2">
+            <a:schemeClr val="dk1"/>
+          </a:lnRef>
+          <a:fillRef idx="1">
+            <a:schemeClr val="lt1"/>
+          </a:fillRef>
+          <a:effectRef idx="0">
+            <a:schemeClr val="dk1"/>
+          </a:effectRef>
+          <a:fontRef idx="minor">
+            <a:schemeClr val="dk1"/>
+          </a:fontRef>
+        </p:style>
+        <p:txBody>
+          <a:bodyPr rtlCol="0" anchor="ctr"/>
+          <a:lstStyle/>
+          <a:p>
+            <a:pPr algn="ctr"/>
+            <a:r>
+              <a:rPr lang="en-US" sz="1801" dirty="0" smtClean="0">
+                <a:solidFill>
+                  <a:schemeClr val="dk1"/>
+                </a:solidFill>
+              </a:rPr>
+              <a:t>6</a:t>
+            </a:r>
+            <a:endParaRPr lang="en-US" sz="1801" dirty="0">
+              <a:solidFill>
+                <a:schemeClr val="dk1"/>
+              </a:solidFill>
+            </a:endParaRPr>
+          </a:p>
+        </p:txBody>
+      </p:sp>
+      <p:sp>
+        <p:nvSpPr>
+          <p:cNvPr id="38" name="Oval 37"/>
+          <p:cNvSpPr/>
+          <p:nvPr/>
+        </p:nvSpPr>
+        <p:spPr>
+          <a:xfrm>
+            <a:off x="5340583" y="7697102"/>
+            <a:ext cx="317500" cy="317500"/>
+          </a:xfrm>
+          <a:prstGeom prst="ellipse">
+            <a:avLst/>
+          </a:prstGeom>
+        </p:spPr>
+        <p:style>
+          <a:lnRef idx="2">
+            <a:schemeClr val="dk1"/>
+          </a:lnRef>
+          <a:fillRef idx="1">
+            <a:schemeClr val="lt1"/>
+          </a:fillRef>
+          <a:effectRef idx="0">
+            <a:schemeClr val="dk1"/>
+          </a:effectRef>
+          <a:fontRef idx="minor">
+            <a:schemeClr val="dk1"/>
+          </a:fontRef>
+        </p:style>
+        <p:txBody>
+          <a:bodyPr rtlCol="0" anchor="ctr"/>
+          <a:lstStyle/>
+          <a:p>
+            <a:pPr algn="ctr"/>
+            <a:r>
+              <a:rPr lang="en-US" sz="1801" smtClean="0">
+                <a:solidFill>
+                  <a:schemeClr val="dk1"/>
+                </a:solidFill>
+              </a:rPr>
+              <a:t>7</a:t>
+            </a:r>
+            <a:endParaRPr lang="en-US" sz="1801" dirty="0">
+              <a:solidFill>
+                <a:schemeClr val="dk1"/>
+              </a:solidFill>
+            </a:endParaRPr>
+          </a:p>
+        </p:txBody>
+      </p:sp>
+      <p:sp>
+        <p:nvSpPr>
+          <p:cNvPr id="39" name="Oval 38"/>
+          <p:cNvSpPr/>
+          <p:nvPr/>
+        </p:nvSpPr>
+        <p:spPr>
+          <a:xfrm>
+            <a:off x="3839937" y="8228691"/>
+            <a:ext cx="317500" cy="317500"/>
+          </a:xfrm>
+          <a:prstGeom prst="ellipse">
+            <a:avLst/>
+          </a:prstGeom>
+        </p:spPr>
+        <p:style>
+          <a:lnRef idx="2">
+            <a:schemeClr val="dk1"/>
+          </a:lnRef>
+          <a:fillRef idx="1">
+            <a:schemeClr val="lt1"/>
+          </a:fillRef>
+          <a:effectRef idx="0">
+            <a:schemeClr val="dk1"/>
+          </a:effectRef>
+          <a:fontRef idx="minor">
+            <a:schemeClr val="dk1"/>
+          </a:fontRef>
+        </p:style>
+        <p:txBody>
+          <a:bodyPr rtlCol="0" anchor="ctr"/>
+          <a:lstStyle/>
+          <a:p>
+            <a:pPr algn="ctr"/>
+            <a:r>
+              <a:rPr lang="en-US" sz="1801" dirty="0" smtClean="0">
+                <a:solidFill>
+                  <a:schemeClr val="dk1"/>
+                </a:solidFill>
+              </a:rPr>
+              <a:t>8</a:t>
+            </a:r>
+            <a:endParaRPr lang="en-US" sz="1801" dirty="0">
+              <a:solidFill>
+                <a:schemeClr val="dk1"/>
+              </a:solidFill>
+            </a:endParaRPr>
+          </a:p>
+        </p:txBody>
+      </p:sp>
+      <p:sp>
+        <p:nvSpPr>
+          <p:cNvPr id="40" name="Oval 39"/>
+          <p:cNvSpPr/>
+          <p:nvPr/>
+        </p:nvSpPr>
+        <p:spPr>
+          <a:xfrm>
+            <a:off x="5895753" y="8228691"/>
+            <a:ext cx="317500" cy="317500"/>
+          </a:xfrm>
+          <a:prstGeom prst="ellipse">
+            <a:avLst/>
+          </a:prstGeom>
+        </p:spPr>
+        <p:style>
+          <a:lnRef idx="2">
+            <a:schemeClr val="dk1"/>
+          </a:lnRef>
+          <a:fillRef idx="1">
+            <a:schemeClr val="lt1"/>
+          </a:fillRef>
+          <a:effectRef idx="0">
+            <a:schemeClr val="dk1"/>
+          </a:effectRef>
+          <a:fontRef idx="minor">
+            <a:schemeClr val="dk1"/>
+          </a:fontRef>
+        </p:style>
+        <p:txBody>
+          <a:bodyPr rtlCol="0" anchor="ctr"/>
+          <a:lstStyle/>
+          <a:p>
+            <a:pPr algn="ctr"/>
+            <a:r>
+              <a:rPr lang="en-US" sz="1801" smtClean="0">
+                <a:solidFill>
+                  <a:schemeClr val="dk1"/>
+                </a:solidFill>
+              </a:rPr>
+              <a:t>9</a:t>
+            </a:r>
+            <a:endParaRPr lang="en-US" sz="1801" dirty="0">
+              <a:solidFill>
+                <a:schemeClr val="dk1"/>
+              </a:solidFill>
+            </a:endParaRPr>
+          </a:p>
+        </p:txBody>
+      </p:sp>
+      <p:cxnSp>
+        <p:nvCxnSpPr>
+          <p:cNvPr id="42" name="Straight Arrow Connector 41"/>
+          <p:cNvCxnSpPr>
+            <a:stCxn id="35" idx="5"/>
+            <a:endCxn id="38" idx="0"/>
+          </p:cNvCxnSpPr>
+          <p:nvPr/>
+        </p:nvCxnSpPr>
+        <p:spPr>
+          <a:xfrm>
+            <a:off x="4120242" y="6537542"/>
+            <a:ext cx="335875" cy="179846"/>
+          </a:xfrm>
+          <a:prstGeom prst="straightConnector1">
+            <a:avLst/>
+          </a:prstGeom>
+          <a:ln>
+            <a:tailEnd type="none"/>
+          </a:ln>
+        </p:spPr>
+        <p:style>
+          <a:lnRef idx="2">
+            <a:schemeClr val="dk1"/>
+          </a:lnRef>
+          <a:fillRef idx="0">
+            <a:schemeClr val="dk1"/>
+          </a:fillRef>
+          <a:effectRef idx="1">
+            <a:schemeClr val="dk1"/>
+          </a:effectRef>
+          <a:fontRef idx="minor">
+            <a:schemeClr val="tx1"/>
+          </a:fontRef>
+        </p:style>
+      </p:cxnSp>
+      <p:cxnSp>
+        <p:nvCxnSpPr>
+          <p:cNvPr id="43" name="Straight Arrow Connector 42"/>
+          <p:cNvCxnSpPr>
+            <a:stCxn id="39" idx="0"/>
+            <a:endCxn id="38" idx="5"/>
+          </p:cNvCxnSpPr>
+          <p:nvPr/>
+        </p:nvCxnSpPr>
+        <p:spPr>
+          <a:xfrm flipH="1" flipV="1">
+            <a:off x="4568370" y="6988391"/>
+            <a:ext cx="408448" cy="218856"/>
+          </a:xfrm>
+          <a:prstGeom prst="straightConnector1">
+            <a:avLst/>
+          </a:prstGeom>
+          <a:ln>
+            <a:tailEnd type="none"/>
+          </a:ln>
+        </p:spPr>
+        <p:style>
+          <a:lnRef idx="2">
+            <a:schemeClr val="dk1"/>
+          </a:lnRef>
+          <a:fillRef idx="0">
+            <a:schemeClr val="dk1"/>
+          </a:fillRef>
+          <a:effectRef idx="1">
+            <a:schemeClr val="dk1"/>
+          </a:effectRef>
+          <a:fontRef idx="minor">
+            <a:schemeClr val="tx1"/>
+          </a:fontRef>
+        </p:style>
+      </p:cxnSp>
+      <p:cxnSp>
+        <p:nvCxnSpPr>
+          <p:cNvPr id="44" name="Straight Arrow Connector 43"/>
+          <p:cNvCxnSpPr>
+            <a:stCxn id="39" idx="3"/>
+          </p:cNvCxnSpPr>
+          <p:nvPr/>
+        </p:nvCxnSpPr>
+        <p:spPr>
+          <a:xfrm flipH="1">
+            <a:off x="4510547" y="7478250"/>
+            <a:ext cx="354018" cy="218852"/>
+          </a:xfrm>
+          <a:prstGeom prst="straightConnector1">
+            <a:avLst/>
+          </a:prstGeom>
+          <a:ln>
+            <a:tailEnd type="none"/>
+          </a:ln>
+        </p:spPr>
+        <p:style>
+          <a:lnRef idx="2">
+            <a:schemeClr val="dk1"/>
+          </a:lnRef>
+          <a:fillRef idx="0">
+            <a:schemeClr val="dk1"/>
+          </a:fillRef>
+          <a:effectRef idx="1">
+            <a:schemeClr val="dk1"/>
+          </a:effectRef>
+          <a:fontRef idx="minor">
+            <a:schemeClr val="tx1"/>
+          </a:fontRef>
+        </p:style>
+      </p:cxnSp>
+      <p:cxnSp>
+        <p:nvCxnSpPr>
+          <p:cNvPr id="45" name="Straight Arrow Connector 44"/>
+          <p:cNvCxnSpPr>
+            <a:stCxn id="39" idx="5"/>
+            <a:endCxn id="42" idx="0"/>
+          </p:cNvCxnSpPr>
+          <p:nvPr/>
+        </p:nvCxnSpPr>
+        <p:spPr>
+          <a:xfrm>
+            <a:off x="5089071" y="7478250"/>
+            <a:ext cx="410262" cy="218852"/>
+          </a:xfrm>
+          <a:prstGeom prst="straightConnector1">
+            <a:avLst/>
+          </a:prstGeom>
+          <a:ln>
+            <a:tailEnd type="none"/>
+          </a:ln>
+        </p:spPr>
+        <p:style>
+          <a:lnRef idx="2">
+            <a:schemeClr val="dk1"/>
+          </a:lnRef>
+          <a:fillRef idx="0">
+            <a:schemeClr val="dk1"/>
+          </a:fillRef>
+          <a:effectRef idx="1">
+            <a:schemeClr val="dk1"/>
+          </a:effectRef>
+          <a:fontRef idx="minor">
+            <a:schemeClr val="tx1"/>
+          </a:fontRef>
+        </p:style>
+      </p:cxnSp>
+      <p:cxnSp>
+        <p:nvCxnSpPr>
+          <p:cNvPr id="46" name="Straight Arrow Connector 45"/>
+          <p:cNvCxnSpPr>
+            <a:endCxn id="43" idx="0"/>
+          </p:cNvCxnSpPr>
+          <p:nvPr/>
+        </p:nvCxnSpPr>
+        <p:spPr>
+          <a:xfrm flipH="1">
+            <a:off x="3998687" y="7968105"/>
+            <a:ext cx="399607" cy="260586"/>
+          </a:xfrm>
+          <a:prstGeom prst="straightConnector1">
+            <a:avLst/>
+          </a:prstGeom>
+          <a:ln>
+            <a:tailEnd type="none"/>
+          </a:ln>
+        </p:spPr>
+        <p:style>
+          <a:lnRef idx="2">
+            <a:schemeClr val="dk1"/>
+          </a:lnRef>
+          <a:fillRef idx="0">
+            <a:schemeClr val="dk1"/>
+          </a:fillRef>
+          <a:effectRef idx="1">
+            <a:schemeClr val="dk1"/>
+          </a:effectRef>
+          <a:fontRef idx="minor">
+            <a:schemeClr val="tx1"/>
+          </a:fontRef>
+        </p:style>
+      </p:cxnSp>
+      <p:cxnSp>
+        <p:nvCxnSpPr>
+          <p:cNvPr id="47" name="Straight Arrow Connector 46"/>
+          <p:cNvCxnSpPr>
+            <a:stCxn id="42" idx="5"/>
+            <a:endCxn id="44" idx="0"/>
+          </p:cNvCxnSpPr>
+          <p:nvPr/>
+        </p:nvCxnSpPr>
+        <p:spPr>
+          <a:xfrm>
+            <a:off x="5611586" y="7968105"/>
+            <a:ext cx="442917" cy="260586"/>
+          </a:xfrm>
+          <a:prstGeom prst="straightConnector1">
+            <a:avLst/>
+          </a:prstGeom>
+          <a:ln>
+            <a:tailEnd type="none"/>
+          </a:ln>
+        </p:spPr>
+        <p:style>
+          <a:lnRef idx="2">
+            <a:schemeClr val="dk1"/>
+          </a:lnRef>
+          <a:fillRef idx="0">
+            <a:schemeClr val="dk1"/>
+          </a:fillRef>
+          <a:effectRef idx="1">
+            <a:schemeClr val="dk1"/>
+          </a:effectRef>
+          <a:fontRef idx="minor">
+            <a:schemeClr val="tx1"/>
+          </a:fontRef>
+        </p:style>
+      </p:cxnSp>
+      <p:cxnSp>
+        <p:nvCxnSpPr>
+          <p:cNvPr id="442" name="Straight Arrow Connector 441"/>
+          <p:cNvCxnSpPr>
+            <a:stCxn id="31" idx="3"/>
+            <a:endCxn id="25" idx="0"/>
+          </p:cNvCxnSpPr>
+          <p:nvPr/>
+        </p:nvCxnSpPr>
+        <p:spPr>
+          <a:xfrm flipH="1">
+            <a:off x="3530262" y="5559644"/>
+            <a:ext cx="384291" cy="221574"/>
+          </a:xfrm>
+          <a:prstGeom prst="straightConnector1">
+            <a:avLst/>
+          </a:prstGeom>
+          <a:ln>
+            <a:tailEnd type="none"/>
+          </a:ln>
+        </p:spPr>
+        <p:style>
+          <a:lnRef idx="2">
+            <a:schemeClr val="dk1"/>
+          </a:lnRef>
+          <a:fillRef idx="0">
+            <a:schemeClr val="dk1"/>
+          </a:fillRef>
+          <a:effectRef idx="1">
+            <a:schemeClr val="dk1"/>
+          </a:effectRef>
+          <a:fontRef idx="minor">
+            <a:schemeClr val="tx1"/>
+          </a:fontRef>
+        </p:style>
+      </p:cxnSp>
+      <p:cxnSp>
+        <p:nvCxnSpPr>
+          <p:cNvPr id="445" name="Straight Arrow Connector 444"/>
+          <p:cNvCxnSpPr>
+            <a:stCxn id="25" idx="5"/>
+            <a:endCxn id="33" idx="0"/>
+          </p:cNvCxnSpPr>
+          <p:nvPr/>
+        </p:nvCxnSpPr>
+        <p:spPr>
+          <a:xfrm>
+            <a:off x="3642515" y="6052221"/>
+            <a:ext cx="365474" cy="214318"/>
+          </a:xfrm>
+          <a:prstGeom prst="straightConnector1">
+            <a:avLst/>
+          </a:prstGeom>
+          <a:ln>
+            <a:tailEnd type="none"/>
+          </a:ln>
+        </p:spPr>
+        <p:style>
+          <a:lnRef idx="2">
+            <a:schemeClr val="dk1"/>
+          </a:lnRef>
+          <a:fillRef idx="0">
+            <a:schemeClr val="dk1"/>
+          </a:fillRef>
+          <a:effectRef idx="1">
+            <a:schemeClr val="dk1"/>
+          </a:effectRef>
+          <a:fontRef idx="minor">
+            <a:schemeClr val="tx1"/>
+          </a:fontRef>
+        </p:style>
+      </p:cxnSp>
+      <p:sp>
+        <p:nvSpPr>
+          <p:cNvPr id="451" name="Oval 450"/>
+          <p:cNvSpPr/>
+          <p:nvPr/>
+        </p:nvSpPr>
+        <p:spPr>
+          <a:xfrm>
+            <a:off x="1442696" y="9201818"/>
+            <a:ext cx="317500" cy="317500"/>
+          </a:xfrm>
+          <a:prstGeom prst="ellipse">
+            <a:avLst/>
+          </a:prstGeom>
+        </p:spPr>
+        <p:style>
+          <a:lnRef idx="2">
+            <a:schemeClr val="dk1"/>
+          </a:lnRef>
+          <a:fillRef idx="1">
+            <a:schemeClr val="lt1"/>
+          </a:fillRef>
+          <a:effectRef idx="0">
+            <a:schemeClr val="dk1"/>
+          </a:effectRef>
+          <a:fontRef idx="minor">
+            <a:schemeClr val="dk1"/>
+          </a:fontRef>
+        </p:style>
+        <p:txBody>
+          <a:bodyPr rtlCol="0" anchor="ctr"/>
+          <a:lstStyle/>
+          <a:p>
+            <a:pPr algn="ctr"/>
+            <a:r>
+              <a:rPr lang="en-US" altLang="zh-CN" sz="1801" dirty="0" smtClean="0"/>
+              <a:t>c</a:t>
+            </a:r>
+            <a:endParaRPr lang="en-US" sz="1801" dirty="0">
+              <a:solidFill>
+                <a:schemeClr val="dk1"/>
+              </a:solidFill>
+            </a:endParaRPr>
+          </a:p>
+        </p:txBody>
+      </p:sp>
+      <p:sp>
+        <p:nvSpPr>
+          <p:cNvPr id="454" name="Oval 453"/>
+          <p:cNvSpPr/>
+          <p:nvPr/>
+        </p:nvSpPr>
+        <p:spPr>
+          <a:xfrm>
+            <a:off x="1939240" y="8709241"/>
+            <a:ext cx="317500" cy="317500"/>
+          </a:xfrm>
+          <a:prstGeom prst="ellipse">
+            <a:avLst/>
+          </a:prstGeom>
+        </p:spPr>
+        <p:style>
+          <a:lnRef idx="2">
+            <a:schemeClr val="dk1"/>
+          </a:lnRef>
+          <a:fillRef idx="1">
+            <a:schemeClr val="lt1"/>
+          </a:fillRef>
+          <a:effectRef idx="0">
+            <a:schemeClr val="dk1"/>
+          </a:effectRef>
+          <a:fontRef idx="minor">
+            <a:schemeClr val="dk1"/>
+          </a:fontRef>
+        </p:style>
+        <p:txBody>
+          <a:bodyPr rtlCol="0" anchor="ctr"/>
+          <a:lstStyle/>
+          <a:p>
+            <a:pPr algn="ctr"/>
+            <a:r>
+              <a:rPr lang="en-US" sz="1801" dirty="0">
+                <a:solidFill>
+                  <a:schemeClr val="dk1"/>
+                </a:solidFill>
+              </a:rPr>
+              <a:t>1</a:t>
+            </a:r>
+          </a:p>
+        </p:txBody>
+      </p:sp>
+      <p:sp>
+        <p:nvSpPr>
+          <p:cNvPr id="455" name="Oval 454"/>
+          <p:cNvSpPr/>
+          <p:nvPr/>
+        </p:nvSpPr>
+        <p:spPr>
+          <a:xfrm>
+            <a:off x="1920423" y="9687139"/>
+            <a:ext cx="317500" cy="317500"/>
+          </a:xfrm>
+          <a:prstGeom prst="ellipse">
+            <a:avLst/>
+          </a:prstGeom>
+        </p:spPr>
+        <p:style>
+          <a:lnRef idx="2">
+            <a:schemeClr val="dk1"/>
+          </a:lnRef>
+          <a:fillRef idx="1">
+            <a:schemeClr val="lt1"/>
+          </a:fillRef>
+          <a:effectRef idx="0">
+            <a:schemeClr val="dk1"/>
+          </a:effectRef>
+          <a:fontRef idx="minor">
+            <a:schemeClr val="dk1"/>
+          </a:fontRef>
+        </p:style>
+        <p:txBody>
+          <a:bodyPr rtlCol="0" anchor="ctr"/>
+          <a:lstStyle/>
+          <a:p>
+            <a:pPr algn="ctr"/>
+            <a:r>
+              <a:rPr lang="en-US" sz="1801" dirty="0" smtClean="0"/>
+              <a:t>2</a:t>
+            </a:r>
+            <a:endParaRPr lang="en-US" sz="1801" dirty="0">
+              <a:solidFill>
+                <a:schemeClr val="dk1"/>
+              </a:solidFill>
+            </a:endParaRPr>
+          </a:p>
+        </p:txBody>
+      </p:sp>
+      <p:sp>
+        <p:nvSpPr>
+          <p:cNvPr id="456" name="Oval 455"/>
+          <p:cNvSpPr/>
+          <p:nvPr/>
+        </p:nvSpPr>
+        <p:spPr>
+          <a:xfrm>
+            <a:off x="2368551" y="10137988"/>
+            <a:ext cx="317500" cy="317500"/>
+          </a:xfrm>
+          <a:prstGeom prst="ellipse">
+            <a:avLst/>
+          </a:prstGeom>
+        </p:spPr>
+        <p:style>
+          <a:lnRef idx="2">
+            <a:schemeClr val="dk1"/>
+          </a:lnRef>
+          <a:fillRef idx="1">
+            <a:schemeClr val="lt1"/>
+          </a:fillRef>
+          <a:effectRef idx="0">
+            <a:schemeClr val="dk1"/>
+          </a:effectRef>
+          <a:fontRef idx="minor">
+            <a:schemeClr val="dk1"/>
+          </a:fontRef>
+        </p:style>
+        <p:txBody>
+          <a:bodyPr rtlCol="0" anchor="ctr"/>
+          <a:lstStyle/>
+          <a:p>
+            <a:pPr algn="ctr"/>
+            <a:r>
+              <a:rPr lang="en-US" sz="1801"/>
+              <a:t>4</a:t>
+            </a:r>
+            <a:endParaRPr lang="en-US" sz="1801" dirty="0">
+              <a:solidFill>
+                <a:schemeClr val="dk1"/>
+              </a:solidFill>
+            </a:endParaRPr>
+          </a:p>
+        </p:txBody>
+      </p:sp>
+      <p:sp>
+        <p:nvSpPr>
+          <p:cNvPr id="457" name="Oval 456"/>
+          <p:cNvSpPr/>
+          <p:nvPr/>
+        </p:nvSpPr>
+        <p:spPr>
+          <a:xfrm>
+            <a:off x="2889252" y="10627847"/>
+            <a:ext cx="317500" cy="317500"/>
+          </a:xfrm>
+          <a:prstGeom prst="ellipse">
+            <a:avLst/>
+          </a:prstGeom>
+        </p:spPr>
+        <p:style>
+          <a:lnRef idx="2">
+            <a:schemeClr val="dk1"/>
+          </a:lnRef>
+          <a:fillRef idx="1">
+            <a:schemeClr val="lt1"/>
+          </a:fillRef>
+          <a:effectRef idx="0">
+            <a:schemeClr val="dk1"/>
+          </a:effectRef>
+          <a:fontRef idx="minor">
+            <a:schemeClr val="dk1"/>
+          </a:fontRef>
+        </p:style>
+        <p:txBody>
+          <a:bodyPr rtlCol="0" anchor="ctr"/>
+          <a:lstStyle/>
+          <a:p>
+            <a:pPr algn="ctr"/>
+            <a:r>
+              <a:rPr lang="en-US" sz="1801"/>
+              <a:t>5</a:t>
+            </a:r>
+            <a:endParaRPr lang="en-US" sz="1801" dirty="0">
+              <a:solidFill>
+                <a:schemeClr val="dk1"/>
+              </a:solidFill>
+            </a:endParaRPr>
+          </a:p>
+        </p:txBody>
+      </p:sp>
+      <p:sp>
+        <p:nvSpPr>
+          <p:cNvPr id="458" name="Oval 457"/>
+          <p:cNvSpPr/>
+          <p:nvPr/>
+        </p:nvSpPr>
+        <p:spPr>
+          <a:xfrm>
+            <a:off x="2422981" y="11117702"/>
+            <a:ext cx="317500" cy="317500"/>
+          </a:xfrm>
+          <a:prstGeom prst="ellipse">
+            <a:avLst/>
+          </a:prstGeom>
+        </p:spPr>
+        <p:style>
+          <a:lnRef idx="2">
+            <a:schemeClr val="dk1"/>
+          </a:lnRef>
+          <a:fillRef idx="1">
+            <a:schemeClr val="lt1"/>
+          </a:fillRef>
+          <a:effectRef idx="0">
+            <a:schemeClr val="dk1"/>
+          </a:effectRef>
+          <a:fontRef idx="minor">
+            <a:schemeClr val="dk1"/>
+          </a:fontRef>
+        </p:style>
+        <p:txBody>
+          <a:bodyPr rtlCol="0" anchor="ctr"/>
+          <a:lstStyle/>
+          <a:p>
+            <a:pPr algn="ctr"/>
+            <a:r>
+              <a:rPr lang="en-US" sz="1801" dirty="0" smtClean="0">
+                <a:solidFill>
+                  <a:schemeClr val="dk1"/>
+                </a:solidFill>
+              </a:rPr>
+              <a:t>6</a:t>
+            </a:r>
+            <a:endParaRPr lang="en-US" sz="1801" dirty="0">
+              <a:solidFill>
+                <a:schemeClr val="dk1"/>
+              </a:solidFill>
+            </a:endParaRPr>
+          </a:p>
+        </p:txBody>
+      </p:sp>
+      <p:sp>
+        <p:nvSpPr>
+          <p:cNvPr id="459" name="Oval 458"/>
+          <p:cNvSpPr/>
+          <p:nvPr/>
+        </p:nvSpPr>
+        <p:spPr>
+          <a:xfrm>
+            <a:off x="3411767" y="11117702"/>
+            <a:ext cx="317500" cy="317500"/>
+          </a:xfrm>
+          <a:prstGeom prst="ellipse">
+            <a:avLst/>
+          </a:prstGeom>
+        </p:spPr>
+        <p:style>
+          <a:lnRef idx="2">
+            <a:schemeClr val="dk1"/>
+          </a:lnRef>
+          <a:fillRef idx="1">
+            <a:schemeClr val="lt1"/>
+          </a:fillRef>
+          <a:effectRef idx="0">
+            <a:schemeClr val="dk1"/>
+          </a:effectRef>
+          <a:fontRef idx="minor">
+            <a:schemeClr val="dk1"/>
+          </a:fontRef>
+        </p:style>
+        <p:txBody>
+          <a:bodyPr rtlCol="0" anchor="ctr"/>
+          <a:lstStyle/>
+          <a:p>
+            <a:pPr algn="ctr"/>
+            <a:r>
+              <a:rPr lang="en-US" sz="1801" smtClean="0">
+                <a:solidFill>
+                  <a:schemeClr val="dk1"/>
+                </a:solidFill>
+              </a:rPr>
+              <a:t>7</a:t>
+            </a:r>
+            <a:endParaRPr lang="en-US" sz="1801" dirty="0">
+              <a:solidFill>
+                <a:schemeClr val="dk1"/>
+              </a:solidFill>
+            </a:endParaRPr>
+          </a:p>
+        </p:txBody>
+      </p:sp>
+      <p:sp>
+        <p:nvSpPr>
+          <p:cNvPr id="460" name="Oval 459"/>
+          <p:cNvSpPr/>
+          <p:nvPr/>
+        </p:nvSpPr>
+        <p:spPr>
+          <a:xfrm>
+            <a:off x="1911121" y="11649291"/>
+            <a:ext cx="317500" cy="317500"/>
+          </a:xfrm>
+          <a:prstGeom prst="ellipse">
+            <a:avLst/>
+          </a:prstGeom>
+        </p:spPr>
+        <p:style>
+          <a:lnRef idx="2">
+            <a:schemeClr val="dk1"/>
+          </a:lnRef>
+          <a:fillRef idx="1">
+            <a:schemeClr val="lt1"/>
+          </a:fillRef>
+          <a:effectRef idx="0">
+            <a:schemeClr val="dk1"/>
+          </a:effectRef>
+          <a:fontRef idx="minor">
+            <a:schemeClr val="dk1"/>
+          </a:fontRef>
+        </p:style>
+        <p:txBody>
+          <a:bodyPr rtlCol="0" anchor="ctr"/>
+          <a:lstStyle/>
+          <a:p>
+            <a:pPr algn="ctr"/>
+            <a:r>
+              <a:rPr lang="en-US" sz="1801" dirty="0" smtClean="0">
+                <a:solidFill>
+                  <a:schemeClr val="dk1"/>
+                </a:solidFill>
+              </a:rPr>
+              <a:t>8</a:t>
+            </a:r>
+            <a:endParaRPr lang="en-US" sz="1801" dirty="0">
+              <a:solidFill>
+                <a:schemeClr val="dk1"/>
+              </a:solidFill>
+            </a:endParaRPr>
+          </a:p>
+        </p:txBody>
+      </p:sp>
+      <p:sp>
+        <p:nvSpPr>
+          <p:cNvPr id="461" name="Oval 460"/>
+          <p:cNvSpPr/>
+          <p:nvPr/>
+        </p:nvSpPr>
+        <p:spPr>
+          <a:xfrm>
+            <a:off x="3966937" y="11649291"/>
+            <a:ext cx="317500" cy="317500"/>
+          </a:xfrm>
+          <a:prstGeom prst="ellipse">
+            <a:avLst/>
+          </a:prstGeom>
+        </p:spPr>
+        <p:style>
+          <a:lnRef idx="2">
+            <a:schemeClr val="dk1"/>
+          </a:lnRef>
+          <a:fillRef idx="1">
+            <a:schemeClr val="lt1"/>
+          </a:fillRef>
+          <a:effectRef idx="0">
+            <a:schemeClr val="dk1"/>
+          </a:effectRef>
+          <a:fontRef idx="minor">
+            <a:schemeClr val="dk1"/>
+          </a:fontRef>
+        </p:style>
+        <p:txBody>
+          <a:bodyPr rtlCol="0" anchor="ctr"/>
+          <a:lstStyle/>
+          <a:p>
+            <a:pPr algn="ctr"/>
+            <a:r>
+              <a:rPr lang="en-US" sz="1801" smtClean="0">
+                <a:solidFill>
+                  <a:schemeClr val="dk1"/>
+                </a:solidFill>
+              </a:rPr>
+              <a:t>9</a:t>
+            </a:r>
+            <a:endParaRPr lang="en-US" sz="1801" dirty="0">
+              <a:solidFill>
+                <a:schemeClr val="dk1"/>
+              </a:solidFill>
+            </a:endParaRPr>
+          </a:p>
+        </p:txBody>
+      </p:sp>
+      <p:cxnSp>
+        <p:nvCxnSpPr>
+          <p:cNvPr id="462" name="Straight Arrow Connector 461"/>
+          <p:cNvCxnSpPr/>
+          <p:nvPr/>
+        </p:nvCxnSpPr>
+        <p:spPr>
+          <a:xfrm>
+            <a:off x="2191426" y="9958142"/>
+            <a:ext cx="335875" cy="179846"/>
+          </a:xfrm>
+          <a:prstGeom prst="straightConnector1">
+            <a:avLst/>
+          </a:prstGeom>
+          <a:ln>
+            <a:tailEnd type="none"/>
+          </a:ln>
+        </p:spPr>
+        <p:style>
+          <a:lnRef idx="2">
+            <a:schemeClr val="dk1"/>
+          </a:lnRef>
+          <a:fillRef idx="0">
+            <a:schemeClr val="dk1"/>
+          </a:fillRef>
+          <a:effectRef idx="1">
+            <a:schemeClr val="dk1"/>
+          </a:effectRef>
+          <a:fontRef idx="minor">
+            <a:schemeClr val="tx1"/>
+          </a:fontRef>
+        </p:style>
+      </p:cxnSp>
+      <p:cxnSp>
+        <p:nvCxnSpPr>
+          <p:cNvPr id="463" name="Straight Arrow Connector 462"/>
+          <p:cNvCxnSpPr/>
+          <p:nvPr/>
+        </p:nvCxnSpPr>
+        <p:spPr>
+          <a:xfrm flipH="1" flipV="1">
+            <a:off x="2639554" y="10408991"/>
+            <a:ext cx="408448" cy="218856"/>
+          </a:xfrm>
+          <a:prstGeom prst="straightConnector1">
+            <a:avLst/>
+          </a:prstGeom>
+          <a:ln>
+            <a:tailEnd type="none"/>
+          </a:ln>
+        </p:spPr>
+        <p:style>
+          <a:lnRef idx="2">
+            <a:schemeClr val="dk1"/>
+          </a:lnRef>
+          <a:fillRef idx="0">
+            <a:schemeClr val="dk1"/>
+          </a:fillRef>
+          <a:effectRef idx="1">
+            <a:schemeClr val="dk1"/>
+          </a:effectRef>
+          <a:fontRef idx="minor">
+            <a:schemeClr val="tx1"/>
+          </a:fontRef>
+        </p:style>
+      </p:cxnSp>
+      <p:cxnSp>
+        <p:nvCxnSpPr>
+          <p:cNvPr id="464" name="Straight Arrow Connector 463"/>
+          <p:cNvCxnSpPr/>
+          <p:nvPr/>
+        </p:nvCxnSpPr>
+        <p:spPr>
+          <a:xfrm flipH="1">
+            <a:off x="2581731" y="10898850"/>
+            <a:ext cx="354018" cy="218852"/>
+          </a:xfrm>
+          <a:prstGeom prst="straightConnector1">
+            <a:avLst/>
+          </a:prstGeom>
+          <a:ln>
+            <a:tailEnd type="none"/>
+          </a:ln>
+        </p:spPr>
+        <p:style>
+          <a:lnRef idx="2">
+            <a:schemeClr val="dk1"/>
+          </a:lnRef>
+          <a:fillRef idx="0">
+            <a:schemeClr val="dk1"/>
+          </a:fillRef>
+          <a:effectRef idx="1">
+            <a:schemeClr val="dk1"/>
+          </a:effectRef>
+          <a:fontRef idx="minor">
+            <a:schemeClr val="tx1"/>
+          </a:fontRef>
+        </p:style>
+      </p:cxnSp>
+      <p:cxnSp>
+        <p:nvCxnSpPr>
+          <p:cNvPr id="465" name="Straight Arrow Connector 464"/>
+          <p:cNvCxnSpPr/>
+          <p:nvPr/>
+        </p:nvCxnSpPr>
+        <p:spPr>
+          <a:xfrm>
+            <a:off x="3160255" y="10898850"/>
+            <a:ext cx="410262" cy="218852"/>
+          </a:xfrm>
+          <a:prstGeom prst="straightConnector1">
+            <a:avLst/>
+          </a:prstGeom>
+          <a:ln>
+            <a:tailEnd type="none"/>
+          </a:ln>
+        </p:spPr>
+        <p:style>
+          <a:lnRef idx="2">
+            <a:schemeClr val="dk1"/>
+          </a:lnRef>
+          <a:fillRef idx="0">
+            <a:schemeClr val="dk1"/>
+          </a:fillRef>
+          <a:effectRef idx="1">
+            <a:schemeClr val="dk1"/>
+          </a:effectRef>
+          <a:fontRef idx="minor">
+            <a:schemeClr val="tx1"/>
+          </a:fontRef>
+        </p:style>
+      </p:cxnSp>
+      <p:cxnSp>
+        <p:nvCxnSpPr>
+          <p:cNvPr id="466" name="Straight Arrow Connector 465"/>
+          <p:cNvCxnSpPr/>
+          <p:nvPr/>
+        </p:nvCxnSpPr>
+        <p:spPr>
+          <a:xfrm flipH="1">
+            <a:off x="2069871" y="11388705"/>
+            <a:ext cx="399607" cy="260586"/>
+          </a:xfrm>
+          <a:prstGeom prst="straightConnector1">
+            <a:avLst/>
+          </a:prstGeom>
+          <a:ln>
+            <a:tailEnd type="none"/>
+          </a:ln>
+        </p:spPr>
+        <p:style>
+          <a:lnRef idx="2">
+            <a:schemeClr val="dk1"/>
+          </a:lnRef>
+          <a:fillRef idx="0">
+            <a:schemeClr val="dk1"/>
+          </a:fillRef>
+          <a:effectRef idx="1">
+            <a:schemeClr val="dk1"/>
+          </a:effectRef>
+          <a:fontRef idx="minor">
+            <a:schemeClr val="tx1"/>
+          </a:fontRef>
+        </p:style>
+      </p:cxnSp>
+      <p:cxnSp>
+        <p:nvCxnSpPr>
+          <p:cNvPr id="467" name="Straight Arrow Connector 466"/>
+          <p:cNvCxnSpPr/>
+          <p:nvPr/>
+        </p:nvCxnSpPr>
+        <p:spPr>
+          <a:xfrm>
+            <a:off x="3682770" y="11388705"/>
+            <a:ext cx="442917" cy="260586"/>
+          </a:xfrm>
+          <a:prstGeom prst="straightConnector1">
+            <a:avLst/>
+          </a:prstGeom>
+          <a:ln>
+            <a:tailEnd type="none"/>
+          </a:ln>
+        </p:spPr>
+        <p:style>
+          <a:lnRef idx="2">
+            <a:schemeClr val="dk1"/>
+          </a:lnRef>
+          <a:fillRef idx="0">
+            <a:schemeClr val="dk1"/>
+          </a:fillRef>
+          <a:effectRef idx="1">
+            <a:schemeClr val="dk1"/>
+          </a:effectRef>
+          <a:fontRef idx="minor">
+            <a:schemeClr val="tx1"/>
+          </a:fontRef>
+        </p:style>
+      </p:cxnSp>
+      <p:cxnSp>
+        <p:nvCxnSpPr>
+          <p:cNvPr id="468" name="Straight Arrow Connector 467"/>
+          <p:cNvCxnSpPr/>
+          <p:nvPr/>
+        </p:nvCxnSpPr>
+        <p:spPr>
+          <a:xfrm flipH="1">
+            <a:off x="1601446" y="8980244"/>
+            <a:ext cx="384291" cy="221574"/>
+          </a:xfrm>
+          <a:prstGeom prst="straightConnector1">
+            <a:avLst/>
+          </a:prstGeom>
+          <a:ln>
+            <a:tailEnd type="none"/>
+          </a:ln>
+        </p:spPr>
+        <p:style>
+          <a:lnRef idx="2">
+            <a:schemeClr val="dk1"/>
+          </a:lnRef>
+          <a:fillRef idx="0">
+            <a:schemeClr val="dk1"/>
+          </a:fillRef>
+          <a:effectRef idx="1">
+            <a:schemeClr val="dk1"/>
+          </a:effectRef>
+          <a:fontRef idx="minor">
+            <a:schemeClr val="tx1"/>
+          </a:fontRef>
+        </p:style>
+      </p:cxnSp>
+      <p:cxnSp>
+        <p:nvCxnSpPr>
+          <p:cNvPr id="469" name="Straight Arrow Connector 468"/>
+          <p:cNvCxnSpPr/>
+          <p:nvPr/>
+        </p:nvCxnSpPr>
+        <p:spPr>
+          <a:xfrm>
+            <a:off x="1713699" y="9472821"/>
+            <a:ext cx="365474" cy="214318"/>
+          </a:xfrm>
+          <a:prstGeom prst="straightConnector1">
+            <a:avLst/>
+          </a:prstGeom>
+          <a:ln>
+            <a:tailEnd type="none"/>
+          </a:ln>
+        </p:spPr>
+        <p:style>
+          <a:lnRef idx="2">
+            <a:schemeClr val="dk1"/>
+          </a:lnRef>
+          <a:fillRef idx="0">
+            <a:schemeClr val="dk1"/>
+          </a:fillRef>
+          <a:effectRef idx="1">
+            <a:schemeClr val="dk1"/>
+          </a:effectRef>
+          <a:fontRef idx="minor">
+            <a:schemeClr val="tx1"/>
+          </a:fontRef>
+        </p:style>
+      </p:cxnSp>
+    </p:spTree>
+    <p:extLst>
+      <p:ext uri="{BB962C8B-B14F-4D97-AF65-F5344CB8AC3E}">
+        <p14:creationId xmlns:p14="http://schemas.microsoft.com/office/powerpoint/2010/main" val="1825504457"/>
+      </p:ext>
+    </p:extLst>
+  </p:cSld>
+  <p:clrMapOvr>
+    <a:masterClrMapping/>
+  </p:clrMapOvr>
 </p:sld>
 </file>
 

--- a/data_structure/charts.pptx
+++ b/data_structure/charts.pptx
@@ -5,7 +5,7 @@
     <p:sldMasterId id="2147483672" r:id="rId1"/>
   </p:sldMasterIdLst>
   <p:notesMasterIdLst>
-    <p:notesMasterId r:id="rId26"/>
+    <p:notesMasterId r:id="rId27"/>
   </p:notesMasterIdLst>
   <p:sldIdLst>
     <p:sldId id="256" r:id="rId2"/>
@@ -32,6 +32,7 @@
     <p:sldId id="281" r:id="rId23"/>
     <p:sldId id="282" r:id="rId24"/>
     <p:sldId id="283" r:id="rId25"/>
+    <p:sldId id="284" r:id="rId26"/>
   </p:sldIdLst>
   <p:sldSz cx="21674138" cy="12192000"/>
   <p:notesSz cx="6858000" cy="9144000"/>
@@ -220,7 +221,7 @@
           <a:p>
             <a:fld id="{061D1934-5DF5-C54F-B23E-73DBB33C8C5F}" type="datetimeFigureOut">
               <a:rPr lang="en-US" smtClean="0"/>
-              <a:t>1/1/18</a:t>
+              <a:t>1/2/18</a:t>
             </a:fld>
             <a:endParaRPr lang="en-US"/>
           </a:p>
@@ -577,6 +578,90 @@
 </p:notes>
 </file>
 
+<file path=ppt/notesSlides/notesSlide10.xml><?xml version="1.0" encoding="utf-8"?>
+<p:notes xmlns:a="http://schemas.openxmlformats.org/drawingml/2006/main" xmlns:r="http://schemas.openxmlformats.org/officeDocument/2006/relationships" xmlns:p="http://schemas.openxmlformats.org/presentationml/2006/main">
+  <p:cSld>
+    <p:spTree>
+      <p:nvGrpSpPr>
+        <p:cNvPr id="1" name=""/>
+        <p:cNvGrpSpPr/>
+        <p:nvPr/>
+      </p:nvGrpSpPr>
+      <p:grpSpPr>
+        <a:xfrm>
+          <a:off x="0" y="0"/>
+          <a:ext cx="0" cy="0"/>
+          <a:chOff x="0" y="0"/>
+          <a:chExt cx="0" cy="0"/>
+        </a:xfrm>
+      </p:grpSpPr>
+      <p:sp>
+        <p:nvSpPr>
+          <p:cNvPr id="2" name="Slide Image Placeholder 1"/>
+          <p:cNvSpPr>
+            <a:spLocks noGrp="1" noRot="1" noChangeAspect="1"/>
+          </p:cNvSpPr>
+          <p:nvPr>
+            <p:ph type="sldImg"/>
+          </p:nvPr>
+        </p:nvSpPr>
+        <p:spPr/>
+      </p:sp>
+      <p:sp>
+        <p:nvSpPr>
+          <p:cNvPr id="3" name="Notes Placeholder 2"/>
+          <p:cNvSpPr>
+            <a:spLocks noGrp="1"/>
+          </p:cNvSpPr>
+          <p:nvPr>
+            <p:ph type="body" idx="1"/>
+          </p:nvPr>
+        </p:nvSpPr>
+        <p:spPr/>
+        <p:txBody>
+          <a:bodyPr/>
+          <a:lstStyle/>
+          <a:p>
+            <a:endParaRPr lang="en-US" dirty="0"/>
+          </a:p>
+        </p:txBody>
+      </p:sp>
+      <p:sp>
+        <p:nvSpPr>
+          <p:cNvPr id="4" name="Slide Number Placeholder 3"/>
+          <p:cNvSpPr>
+            <a:spLocks noGrp="1"/>
+          </p:cNvSpPr>
+          <p:nvPr>
+            <p:ph type="sldNum" sz="quarter" idx="10"/>
+          </p:nvPr>
+        </p:nvSpPr>
+        <p:spPr/>
+        <p:txBody>
+          <a:bodyPr/>
+          <a:lstStyle/>
+          <a:p>
+            <a:fld id="{16A60896-5EA2-E84A-8303-B8EF42F20825}" type="slidenum">
+              <a:rPr lang="en-US" smtClean="0"/>
+              <a:t>25</a:t>
+            </a:fld>
+            <a:endParaRPr lang="en-US"/>
+          </a:p>
+        </p:txBody>
+      </p:sp>
+    </p:spTree>
+    <p:extLst>
+      <p:ext uri="{BB962C8B-B14F-4D97-AF65-F5344CB8AC3E}">
+        <p14:creationId xmlns:p14="http://schemas.microsoft.com/office/powerpoint/2010/main" val="1005814078"/>
+      </p:ext>
+    </p:extLst>
+  </p:cSld>
+  <p:clrMapOvr>
+    <a:masterClrMapping/>
+  </p:clrMapOvr>
+</p:notes>
+</file>
+
 <file path=ppt/notesSlides/notesSlide2.xml><?xml version="1.0" encoding="utf-8"?>
 <p:notes xmlns:a="http://schemas.openxmlformats.org/drawingml/2006/main" xmlns:r="http://schemas.openxmlformats.org/officeDocument/2006/relationships" xmlns:p="http://schemas.openxmlformats.org/presentationml/2006/main">
   <p:cSld>
@@ -1390,7 +1475,7 @@
           <a:p>
             <a:fld id="{C54E8006-D355-7B42-8642-83EF30980978}" type="datetimeFigureOut">
               <a:rPr lang="en-US" smtClean="0"/>
-              <a:t>1/1/18</a:t>
+              <a:t>1/2/18</a:t>
             </a:fld>
             <a:endParaRPr lang="en-US"/>
           </a:p>
@@ -1560,7 +1645,7 @@
           <a:p>
             <a:fld id="{C54E8006-D355-7B42-8642-83EF30980978}" type="datetimeFigureOut">
               <a:rPr lang="en-US" smtClean="0"/>
-              <a:t>1/1/18</a:t>
+              <a:t>1/2/18</a:t>
             </a:fld>
             <a:endParaRPr lang="en-US"/>
           </a:p>
@@ -1740,7 +1825,7 @@
           <a:p>
             <a:fld id="{C54E8006-D355-7B42-8642-83EF30980978}" type="datetimeFigureOut">
               <a:rPr lang="en-US" smtClean="0"/>
-              <a:t>1/1/18</a:t>
+              <a:t>1/2/18</a:t>
             </a:fld>
             <a:endParaRPr lang="en-US"/>
           </a:p>
@@ -1910,7 +1995,7 @@
           <a:p>
             <a:fld id="{C54E8006-D355-7B42-8642-83EF30980978}" type="datetimeFigureOut">
               <a:rPr lang="en-US" smtClean="0"/>
-              <a:t>1/1/18</a:t>
+              <a:t>1/2/18</a:t>
             </a:fld>
             <a:endParaRPr lang="en-US"/>
           </a:p>
@@ -2156,7 +2241,7 @@
           <a:p>
             <a:fld id="{C54E8006-D355-7B42-8642-83EF30980978}" type="datetimeFigureOut">
               <a:rPr lang="en-US" smtClean="0"/>
-              <a:t>1/1/18</a:t>
+              <a:t>1/2/18</a:t>
             </a:fld>
             <a:endParaRPr lang="en-US"/>
           </a:p>
@@ -2388,7 +2473,7 @@
           <a:p>
             <a:fld id="{C54E8006-D355-7B42-8642-83EF30980978}" type="datetimeFigureOut">
               <a:rPr lang="en-US" smtClean="0"/>
-              <a:t>1/1/18</a:t>
+              <a:t>1/2/18</a:t>
             </a:fld>
             <a:endParaRPr lang="en-US"/>
           </a:p>
@@ -2755,7 +2840,7 @@
           <a:p>
             <a:fld id="{C54E8006-D355-7B42-8642-83EF30980978}" type="datetimeFigureOut">
               <a:rPr lang="en-US" smtClean="0"/>
-              <a:t>1/1/18</a:t>
+              <a:t>1/2/18</a:t>
             </a:fld>
             <a:endParaRPr lang="en-US"/>
           </a:p>
@@ -2873,7 +2958,7 @@
           <a:p>
             <a:fld id="{C54E8006-D355-7B42-8642-83EF30980978}" type="datetimeFigureOut">
               <a:rPr lang="en-US" smtClean="0"/>
-              <a:t>1/1/18</a:t>
+              <a:t>1/2/18</a:t>
             </a:fld>
             <a:endParaRPr lang="en-US"/>
           </a:p>
@@ -2968,7 +3053,7 @@
           <a:p>
             <a:fld id="{C54E8006-D355-7B42-8642-83EF30980978}" type="datetimeFigureOut">
               <a:rPr lang="en-US" smtClean="0"/>
-              <a:t>1/1/18</a:t>
+              <a:t>1/2/18</a:t>
             </a:fld>
             <a:endParaRPr lang="en-US"/>
           </a:p>
@@ -3245,7 +3330,7 @@
           <a:p>
             <a:fld id="{C54E8006-D355-7B42-8642-83EF30980978}" type="datetimeFigureOut">
               <a:rPr lang="en-US" smtClean="0"/>
-              <a:t>1/1/18</a:t>
+              <a:t>1/2/18</a:t>
             </a:fld>
             <a:endParaRPr lang="en-US"/>
           </a:p>
@@ -3502,7 +3587,7 @@
           <a:p>
             <a:fld id="{C54E8006-D355-7B42-8642-83EF30980978}" type="datetimeFigureOut">
               <a:rPr lang="en-US" smtClean="0"/>
-              <a:t>1/1/18</a:t>
+              <a:t>1/2/18</a:t>
             </a:fld>
             <a:endParaRPr lang="en-US"/>
           </a:p>
@@ -3715,7 +3800,7 @@
           <a:p>
             <a:fld id="{C54E8006-D355-7B42-8642-83EF30980978}" type="datetimeFigureOut">
               <a:rPr lang="en-US" smtClean="0"/>
-              <a:t>1/1/18</a:t>
+              <a:t>1/2/18</a:t>
             </a:fld>
             <a:endParaRPr lang="en-US"/>
           </a:p>
@@ -32269,11 +32354,7 @@
             <a:pPr algn="ctr"/>
             <a:r>
               <a:rPr lang="zh-CN" altLang="en-US" sz="1801" dirty="0" smtClean="0"/>
-              <a:t>顶点数量已经达到最大</a:t>
-            </a:r>
-            <a:r>
-              <a:rPr lang="zh-CN" altLang="en-US" sz="1801" dirty="0" smtClean="0"/>
-              <a:t>，即</a:t>
+              <a:t>顶点数量已经达到最大，即</a:t>
             </a:r>
             <a:endParaRPr lang="en-US" altLang="zh-CN" sz="1801" dirty="0" smtClean="0"/>
           </a:p>
@@ -32367,11 +32448,7 @@
             <a:pPr algn="ctr"/>
             <a:r>
               <a:rPr lang="zh-CN" altLang="en-US" sz="1801" dirty="0" smtClean="0"/>
-              <a:t>图中还没有顶点</a:t>
-            </a:r>
-            <a:r>
-              <a:rPr lang="zh-CN" altLang="en-US" sz="1801" dirty="0" smtClean="0"/>
-              <a:t>，即</a:t>
+              <a:t>图中还没有顶点，即</a:t>
             </a:r>
             <a:endParaRPr lang="en-US" altLang="zh-CN" sz="1801" dirty="0" smtClean="0"/>
           </a:p>
@@ -35204,15 +35281,7 @@
             <a:pPr algn="ctr"/>
             <a:r>
               <a:rPr lang="zh-CN" altLang="en-US" sz="1801" dirty="0" smtClean="0"/>
-              <a:t>令原第</a:t>
-            </a:r>
-            <a:r>
-              <a:rPr lang="zh-CN" altLang="en-US" sz="1801" dirty="0" smtClean="0"/>
-              <a:t>一</a:t>
-            </a:r>
-            <a:r>
-              <a:rPr lang="zh-CN" altLang="en-US" sz="1801" dirty="0" smtClean="0"/>
-              <a:t>个元素指向的下一个地址为第一个元素的地址</a:t>
+              <a:t>令原第一个元素指向的下一个地址为第一个元素的地址</a:t>
             </a:r>
             <a:endParaRPr lang="en-US" sz="1801" dirty="0"/>
           </a:p>
@@ -35641,70 +35710,6 @@
               <a:t>Y</a:t>
             </a:r>
             <a:endParaRPr lang="en-US" smtClean="0"/>
-          </a:p>
-        </p:txBody>
-      </p:sp>
-      <p:sp>
-        <p:nvSpPr>
-          <p:cNvPr id="229" name="TextBox 228"/>
-          <p:cNvSpPr txBox="1"/>
-          <p:nvPr/>
-        </p:nvSpPr>
-        <p:spPr>
-          <a:xfrm>
-            <a:off x="2698422" y="7334607"/>
-            <a:ext cx="300082" cy="369332"/>
-          </a:xfrm>
-          <a:prstGeom prst="rect">
-            <a:avLst/>
-          </a:prstGeom>
-          <a:noFill/>
-        </p:spPr>
-        <p:txBody>
-          <a:bodyPr wrap="none" rtlCol="0">
-            <a:spAutoFit/>
-          </a:bodyPr>
-          <a:lstStyle/>
-          <a:p>
-            <a:r>
-              <a:rPr lang="en-US" dirty="0" smtClean="0"/>
-              <a:t>*</a:t>
-            </a:r>
-            <a:endParaRPr lang="en-US" dirty="0"/>
-          </a:p>
-        </p:txBody>
-      </p:sp>
-      <p:sp>
-        <p:nvSpPr>
-          <p:cNvPr id="230" name="TextBox 229"/>
-          <p:cNvSpPr txBox="1"/>
-          <p:nvPr/>
-        </p:nvSpPr>
-        <p:spPr>
-          <a:xfrm>
-            <a:off x="831076" y="11554995"/>
-            <a:ext cx="6585457" cy="369332"/>
-          </a:xfrm>
-          <a:prstGeom prst="rect">
-            <a:avLst/>
-          </a:prstGeom>
-          <a:noFill/>
-        </p:spPr>
-        <p:txBody>
-          <a:bodyPr wrap="none" rtlCol="0">
-            <a:spAutoFit/>
-          </a:bodyPr>
-          <a:lstStyle/>
-          <a:p>
-            <a:r>
-              <a:rPr lang="en-US" dirty="0" smtClean="0"/>
-              <a:t>* </a:t>
-            </a:r>
-            <a:r>
-              <a:rPr lang="zh-CN" altLang="en-US" dirty="0" smtClean="0"/>
-              <a:t>由于只涉及简单图，循环条件最多成立一次，该循环可以舍去</a:t>
-            </a:r>
-            <a:endParaRPr lang="en-US" dirty="0"/>
           </a:p>
         </p:txBody>
       </p:sp>
@@ -42122,6 +42127,2885 @@
 </p:sld>
 </file>
 
+<file path=ppt/slides/slide25.xml><?xml version="1.0" encoding="utf-8"?>
+<p:sld xmlns:a="http://schemas.openxmlformats.org/drawingml/2006/main" xmlns:r="http://schemas.openxmlformats.org/officeDocument/2006/relationships" xmlns:p="http://schemas.openxmlformats.org/presentationml/2006/main">
+  <p:cSld>
+    <p:spTree>
+      <p:nvGrpSpPr>
+        <p:cNvPr id="1" name=""/>
+        <p:cNvGrpSpPr/>
+        <p:nvPr/>
+      </p:nvGrpSpPr>
+      <p:grpSpPr>
+        <a:xfrm>
+          <a:off x="0" y="0"/>
+          <a:ext cx="0" cy="0"/>
+          <a:chOff x="0" y="0"/>
+          <a:chExt cx="0" cy="0"/>
+        </a:xfrm>
+      </p:grpSpPr>
+      <p:sp>
+        <p:nvSpPr>
+          <p:cNvPr id="4" name="Oval 3"/>
+          <p:cNvSpPr/>
+          <p:nvPr/>
+        </p:nvSpPr>
+        <p:spPr>
+          <a:xfrm>
+            <a:off x="2111828" y="1293584"/>
+            <a:ext cx="317500" cy="317500"/>
+          </a:xfrm>
+          <a:prstGeom prst="ellipse">
+            <a:avLst/>
+          </a:prstGeom>
+        </p:spPr>
+        <p:style>
+          <a:lnRef idx="2">
+            <a:schemeClr val="dk1"/>
+          </a:lnRef>
+          <a:fillRef idx="1">
+            <a:schemeClr val="lt1"/>
+          </a:fillRef>
+          <a:effectRef idx="0">
+            <a:schemeClr val="dk1"/>
+          </a:effectRef>
+          <a:fontRef idx="minor">
+            <a:schemeClr val="dk1"/>
+          </a:fontRef>
+        </p:style>
+        <p:txBody>
+          <a:bodyPr rtlCol="0" anchor="ctr"/>
+          <a:lstStyle/>
+          <a:p>
+            <a:pPr algn="ctr"/>
+            <a:r>
+              <a:rPr lang="en-US" sz="1801" dirty="0">
+                <a:solidFill>
+                  <a:schemeClr val="dk1"/>
+                </a:solidFill>
+              </a:rPr>
+              <a:t>1</a:t>
+            </a:r>
+          </a:p>
+        </p:txBody>
+      </p:sp>
+      <p:sp>
+        <p:nvSpPr>
+          <p:cNvPr id="5" name="Oval 4"/>
+          <p:cNvSpPr/>
+          <p:nvPr/>
+        </p:nvSpPr>
+        <p:spPr>
+          <a:xfrm>
+            <a:off x="1631042" y="1778905"/>
+            <a:ext cx="317500" cy="317500"/>
+          </a:xfrm>
+          <a:prstGeom prst="ellipse">
+            <a:avLst/>
+          </a:prstGeom>
+        </p:spPr>
+        <p:style>
+          <a:lnRef idx="2">
+            <a:schemeClr val="dk1"/>
+          </a:lnRef>
+          <a:fillRef idx="1">
+            <a:schemeClr val="lt1"/>
+          </a:fillRef>
+          <a:effectRef idx="0">
+            <a:schemeClr val="dk1"/>
+          </a:effectRef>
+          <a:fontRef idx="minor">
+            <a:schemeClr val="dk1"/>
+          </a:fontRef>
+        </p:style>
+        <p:txBody>
+          <a:bodyPr rtlCol="0" anchor="ctr"/>
+          <a:lstStyle/>
+          <a:p>
+            <a:pPr algn="ctr"/>
+            <a:r>
+              <a:rPr lang="en-US" sz="1801" dirty="0" smtClean="0"/>
+              <a:t>2</a:t>
+            </a:r>
+            <a:endParaRPr lang="en-US" sz="1801" dirty="0">
+              <a:solidFill>
+                <a:schemeClr val="dk1"/>
+              </a:solidFill>
+            </a:endParaRPr>
+          </a:p>
+        </p:txBody>
+      </p:sp>
+      <p:sp>
+        <p:nvSpPr>
+          <p:cNvPr id="7" name="Oval 6"/>
+          <p:cNvSpPr/>
+          <p:nvPr/>
+        </p:nvSpPr>
+        <p:spPr>
+          <a:xfrm>
+            <a:off x="2079170" y="2229754"/>
+            <a:ext cx="317500" cy="317500"/>
+          </a:xfrm>
+          <a:prstGeom prst="ellipse">
+            <a:avLst/>
+          </a:prstGeom>
+        </p:spPr>
+        <p:style>
+          <a:lnRef idx="2">
+            <a:schemeClr val="dk1"/>
+          </a:lnRef>
+          <a:fillRef idx="1">
+            <a:schemeClr val="lt1"/>
+          </a:fillRef>
+          <a:effectRef idx="0">
+            <a:schemeClr val="dk1"/>
+          </a:effectRef>
+          <a:fontRef idx="minor">
+            <a:schemeClr val="dk1"/>
+          </a:fontRef>
+        </p:style>
+        <p:txBody>
+          <a:bodyPr rtlCol="0" anchor="ctr"/>
+          <a:lstStyle/>
+          <a:p>
+            <a:pPr algn="ctr"/>
+            <a:r>
+              <a:rPr lang="en-US" sz="1801"/>
+              <a:t>4</a:t>
+            </a:r>
+            <a:endParaRPr lang="en-US" sz="1801" dirty="0">
+              <a:solidFill>
+                <a:schemeClr val="dk1"/>
+              </a:solidFill>
+            </a:endParaRPr>
+          </a:p>
+        </p:txBody>
+      </p:sp>
+      <p:sp>
+        <p:nvSpPr>
+          <p:cNvPr id="8" name="Oval 7"/>
+          <p:cNvSpPr/>
+          <p:nvPr/>
+        </p:nvSpPr>
+        <p:spPr>
+          <a:xfrm>
+            <a:off x="2599871" y="2719613"/>
+            <a:ext cx="317500" cy="317500"/>
+          </a:xfrm>
+          <a:prstGeom prst="ellipse">
+            <a:avLst/>
+          </a:prstGeom>
+        </p:spPr>
+        <p:style>
+          <a:lnRef idx="2">
+            <a:schemeClr val="dk1"/>
+          </a:lnRef>
+          <a:fillRef idx="1">
+            <a:schemeClr val="lt1"/>
+          </a:fillRef>
+          <a:effectRef idx="0">
+            <a:schemeClr val="dk1"/>
+          </a:effectRef>
+          <a:fontRef idx="minor">
+            <a:schemeClr val="dk1"/>
+          </a:fontRef>
+        </p:style>
+        <p:txBody>
+          <a:bodyPr rtlCol="0" anchor="ctr"/>
+          <a:lstStyle/>
+          <a:p>
+            <a:pPr algn="ctr"/>
+            <a:r>
+              <a:rPr lang="en-US" sz="1801"/>
+              <a:t>5</a:t>
+            </a:r>
+            <a:endParaRPr lang="en-US" sz="1801" dirty="0">
+              <a:solidFill>
+                <a:schemeClr val="dk1"/>
+              </a:solidFill>
+            </a:endParaRPr>
+          </a:p>
+        </p:txBody>
+      </p:sp>
+      <p:sp>
+        <p:nvSpPr>
+          <p:cNvPr id="10" name="Oval 9"/>
+          <p:cNvSpPr/>
+          <p:nvPr/>
+        </p:nvSpPr>
+        <p:spPr>
+          <a:xfrm>
+            <a:off x="2133600" y="3209468"/>
+            <a:ext cx="317500" cy="317500"/>
+          </a:xfrm>
+          <a:prstGeom prst="ellipse">
+            <a:avLst/>
+          </a:prstGeom>
+        </p:spPr>
+        <p:style>
+          <a:lnRef idx="2">
+            <a:schemeClr val="dk1"/>
+          </a:lnRef>
+          <a:fillRef idx="1">
+            <a:schemeClr val="lt1"/>
+          </a:fillRef>
+          <a:effectRef idx="0">
+            <a:schemeClr val="dk1"/>
+          </a:effectRef>
+          <a:fontRef idx="minor">
+            <a:schemeClr val="dk1"/>
+          </a:fontRef>
+        </p:style>
+        <p:txBody>
+          <a:bodyPr rtlCol="0" anchor="ctr"/>
+          <a:lstStyle/>
+          <a:p>
+            <a:pPr algn="ctr"/>
+            <a:r>
+              <a:rPr lang="en-US" sz="1801" dirty="0" smtClean="0">
+                <a:solidFill>
+                  <a:schemeClr val="dk1"/>
+                </a:solidFill>
+              </a:rPr>
+              <a:t>6</a:t>
+            </a:r>
+            <a:endParaRPr lang="en-US" sz="1801" dirty="0">
+              <a:solidFill>
+                <a:schemeClr val="dk1"/>
+              </a:solidFill>
+            </a:endParaRPr>
+          </a:p>
+        </p:txBody>
+      </p:sp>
+      <p:sp>
+        <p:nvSpPr>
+          <p:cNvPr id="11" name="Oval 10"/>
+          <p:cNvSpPr/>
+          <p:nvPr/>
+        </p:nvSpPr>
+        <p:spPr>
+          <a:xfrm>
+            <a:off x="3122386" y="3209468"/>
+            <a:ext cx="317500" cy="317500"/>
+          </a:xfrm>
+          <a:prstGeom prst="ellipse">
+            <a:avLst/>
+          </a:prstGeom>
+        </p:spPr>
+        <p:style>
+          <a:lnRef idx="2">
+            <a:schemeClr val="dk1"/>
+          </a:lnRef>
+          <a:fillRef idx="1">
+            <a:schemeClr val="lt1"/>
+          </a:fillRef>
+          <a:effectRef idx="0">
+            <a:schemeClr val="dk1"/>
+          </a:effectRef>
+          <a:fontRef idx="minor">
+            <a:schemeClr val="dk1"/>
+          </a:fontRef>
+        </p:style>
+        <p:txBody>
+          <a:bodyPr rtlCol="0" anchor="ctr"/>
+          <a:lstStyle/>
+          <a:p>
+            <a:pPr algn="ctr"/>
+            <a:r>
+              <a:rPr lang="en-US" sz="1801" smtClean="0">
+                <a:solidFill>
+                  <a:schemeClr val="dk1"/>
+                </a:solidFill>
+              </a:rPr>
+              <a:t>7</a:t>
+            </a:r>
+            <a:endParaRPr lang="en-US" sz="1801" dirty="0">
+              <a:solidFill>
+                <a:schemeClr val="dk1"/>
+              </a:solidFill>
+            </a:endParaRPr>
+          </a:p>
+        </p:txBody>
+      </p:sp>
+      <p:sp>
+        <p:nvSpPr>
+          <p:cNvPr id="12" name="Oval 11"/>
+          <p:cNvSpPr/>
+          <p:nvPr/>
+        </p:nvSpPr>
+        <p:spPr>
+          <a:xfrm>
+            <a:off x="1621740" y="3741057"/>
+            <a:ext cx="317500" cy="317500"/>
+          </a:xfrm>
+          <a:prstGeom prst="ellipse">
+            <a:avLst/>
+          </a:prstGeom>
+        </p:spPr>
+        <p:style>
+          <a:lnRef idx="2">
+            <a:schemeClr val="dk1"/>
+          </a:lnRef>
+          <a:fillRef idx="1">
+            <a:schemeClr val="lt1"/>
+          </a:fillRef>
+          <a:effectRef idx="0">
+            <a:schemeClr val="dk1"/>
+          </a:effectRef>
+          <a:fontRef idx="minor">
+            <a:schemeClr val="dk1"/>
+          </a:fontRef>
+        </p:style>
+        <p:txBody>
+          <a:bodyPr rtlCol="0" anchor="ctr"/>
+          <a:lstStyle/>
+          <a:p>
+            <a:pPr algn="ctr"/>
+            <a:r>
+              <a:rPr lang="en-US" sz="1801" dirty="0" smtClean="0">
+                <a:solidFill>
+                  <a:schemeClr val="dk1"/>
+                </a:solidFill>
+              </a:rPr>
+              <a:t>8</a:t>
+            </a:r>
+            <a:endParaRPr lang="en-US" sz="1801" dirty="0">
+              <a:solidFill>
+                <a:schemeClr val="dk1"/>
+              </a:solidFill>
+            </a:endParaRPr>
+          </a:p>
+        </p:txBody>
+      </p:sp>
+      <p:sp>
+        <p:nvSpPr>
+          <p:cNvPr id="13" name="Oval 12"/>
+          <p:cNvSpPr/>
+          <p:nvPr/>
+        </p:nvSpPr>
+        <p:spPr>
+          <a:xfrm>
+            <a:off x="3677556" y="3741057"/>
+            <a:ext cx="317500" cy="317500"/>
+          </a:xfrm>
+          <a:prstGeom prst="ellipse">
+            <a:avLst/>
+          </a:prstGeom>
+        </p:spPr>
+        <p:style>
+          <a:lnRef idx="2">
+            <a:schemeClr val="dk1"/>
+          </a:lnRef>
+          <a:fillRef idx="1">
+            <a:schemeClr val="lt1"/>
+          </a:fillRef>
+          <a:effectRef idx="0">
+            <a:schemeClr val="dk1"/>
+          </a:effectRef>
+          <a:fontRef idx="minor">
+            <a:schemeClr val="dk1"/>
+          </a:fontRef>
+        </p:style>
+        <p:txBody>
+          <a:bodyPr rtlCol="0" anchor="ctr"/>
+          <a:lstStyle/>
+          <a:p>
+            <a:pPr algn="ctr"/>
+            <a:r>
+              <a:rPr lang="en-US" sz="1801" smtClean="0">
+                <a:solidFill>
+                  <a:schemeClr val="dk1"/>
+                </a:solidFill>
+              </a:rPr>
+              <a:t>9</a:t>
+            </a:r>
+            <a:endParaRPr lang="en-US" sz="1801" dirty="0">
+              <a:solidFill>
+                <a:schemeClr val="dk1"/>
+              </a:solidFill>
+            </a:endParaRPr>
+          </a:p>
+        </p:txBody>
+      </p:sp>
+      <p:cxnSp>
+        <p:nvCxnSpPr>
+          <p:cNvPr id="14" name="Straight Arrow Connector 13"/>
+          <p:cNvCxnSpPr>
+            <a:stCxn id="4" idx="3"/>
+            <a:endCxn id="5" idx="0"/>
+          </p:cNvCxnSpPr>
+          <p:nvPr/>
+        </p:nvCxnSpPr>
+        <p:spPr>
+          <a:xfrm flipH="1">
+            <a:off x="1789792" y="1564587"/>
+            <a:ext cx="368533" cy="214318"/>
+          </a:xfrm>
+          <a:prstGeom prst="straightConnector1">
+            <a:avLst/>
+          </a:prstGeom>
+          <a:ln>
+            <a:tailEnd type="none"/>
+          </a:ln>
+        </p:spPr>
+        <p:style>
+          <a:lnRef idx="2">
+            <a:schemeClr val="dk1"/>
+          </a:lnRef>
+          <a:fillRef idx="0">
+            <a:schemeClr val="dk1"/>
+          </a:fillRef>
+          <a:effectRef idx="1">
+            <a:schemeClr val="dk1"/>
+          </a:effectRef>
+          <a:fontRef idx="minor">
+            <a:schemeClr val="tx1"/>
+          </a:fontRef>
+        </p:style>
+      </p:cxnSp>
+      <p:cxnSp>
+        <p:nvCxnSpPr>
+          <p:cNvPr id="18" name="Straight Arrow Connector 17"/>
+          <p:cNvCxnSpPr>
+            <a:stCxn id="5" idx="5"/>
+            <a:endCxn id="7" idx="0"/>
+          </p:cNvCxnSpPr>
+          <p:nvPr/>
+        </p:nvCxnSpPr>
+        <p:spPr>
+          <a:xfrm>
+            <a:off x="1902045" y="2049908"/>
+            <a:ext cx="335875" cy="179846"/>
+          </a:xfrm>
+          <a:prstGeom prst="straightConnector1">
+            <a:avLst/>
+          </a:prstGeom>
+          <a:ln>
+            <a:tailEnd type="none"/>
+          </a:ln>
+        </p:spPr>
+        <p:style>
+          <a:lnRef idx="2">
+            <a:schemeClr val="dk1"/>
+          </a:lnRef>
+          <a:fillRef idx="0">
+            <a:schemeClr val="dk1"/>
+          </a:fillRef>
+          <a:effectRef idx="1">
+            <a:schemeClr val="dk1"/>
+          </a:effectRef>
+          <a:fontRef idx="minor">
+            <a:schemeClr val="tx1"/>
+          </a:fontRef>
+        </p:style>
+      </p:cxnSp>
+      <p:cxnSp>
+        <p:nvCxnSpPr>
+          <p:cNvPr id="22" name="Straight Arrow Connector 21"/>
+          <p:cNvCxnSpPr>
+            <a:stCxn id="8" idx="0"/>
+            <a:endCxn id="7" idx="5"/>
+          </p:cNvCxnSpPr>
+          <p:nvPr/>
+        </p:nvCxnSpPr>
+        <p:spPr>
+          <a:xfrm flipH="1" flipV="1">
+            <a:off x="2350173" y="2500757"/>
+            <a:ext cx="408448" cy="218856"/>
+          </a:xfrm>
+          <a:prstGeom prst="straightConnector1">
+            <a:avLst/>
+          </a:prstGeom>
+          <a:ln>
+            <a:tailEnd type="none"/>
+          </a:ln>
+        </p:spPr>
+        <p:style>
+          <a:lnRef idx="2">
+            <a:schemeClr val="dk1"/>
+          </a:lnRef>
+          <a:fillRef idx="0">
+            <a:schemeClr val="dk1"/>
+          </a:fillRef>
+          <a:effectRef idx="1">
+            <a:schemeClr val="dk1"/>
+          </a:effectRef>
+          <a:fontRef idx="minor">
+            <a:schemeClr val="tx1"/>
+          </a:fontRef>
+        </p:style>
+      </p:cxnSp>
+      <p:cxnSp>
+        <p:nvCxnSpPr>
+          <p:cNvPr id="26" name="Straight Arrow Connector 25"/>
+          <p:cNvCxnSpPr>
+            <a:stCxn id="8" idx="3"/>
+            <a:endCxn id="10" idx="0"/>
+          </p:cNvCxnSpPr>
+          <p:nvPr/>
+        </p:nvCxnSpPr>
+        <p:spPr>
+          <a:xfrm flipH="1">
+            <a:off x="2292350" y="2990616"/>
+            <a:ext cx="354018" cy="218852"/>
+          </a:xfrm>
+          <a:prstGeom prst="straightConnector1">
+            <a:avLst/>
+          </a:prstGeom>
+          <a:ln>
+            <a:tailEnd type="none"/>
+          </a:ln>
+        </p:spPr>
+        <p:style>
+          <a:lnRef idx="2">
+            <a:schemeClr val="dk1"/>
+          </a:lnRef>
+          <a:fillRef idx="0">
+            <a:schemeClr val="dk1"/>
+          </a:fillRef>
+          <a:effectRef idx="1">
+            <a:schemeClr val="dk1"/>
+          </a:effectRef>
+          <a:fontRef idx="minor">
+            <a:schemeClr val="tx1"/>
+          </a:fontRef>
+        </p:style>
+      </p:cxnSp>
+      <p:cxnSp>
+        <p:nvCxnSpPr>
+          <p:cNvPr id="29" name="Straight Arrow Connector 28"/>
+          <p:cNvCxnSpPr>
+            <a:stCxn id="8" idx="5"/>
+            <a:endCxn id="11" idx="0"/>
+          </p:cNvCxnSpPr>
+          <p:nvPr/>
+        </p:nvCxnSpPr>
+        <p:spPr>
+          <a:xfrm>
+            <a:off x="2870874" y="2990616"/>
+            <a:ext cx="410262" cy="218852"/>
+          </a:xfrm>
+          <a:prstGeom prst="straightConnector1">
+            <a:avLst/>
+          </a:prstGeom>
+          <a:ln>
+            <a:tailEnd type="none"/>
+          </a:ln>
+        </p:spPr>
+        <p:style>
+          <a:lnRef idx="2">
+            <a:schemeClr val="dk1"/>
+          </a:lnRef>
+          <a:fillRef idx="0">
+            <a:schemeClr val="dk1"/>
+          </a:fillRef>
+          <a:effectRef idx="1">
+            <a:schemeClr val="dk1"/>
+          </a:effectRef>
+          <a:fontRef idx="minor">
+            <a:schemeClr val="tx1"/>
+          </a:fontRef>
+        </p:style>
+      </p:cxnSp>
+      <p:cxnSp>
+        <p:nvCxnSpPr>
+          <p:cNvPr id="32" name="Straight Arrow Connector 31"/>
+          <p:cNvCxnSpPr>
+            <a:stCxn id="10" idx="3"/>
+            <a:endCxn id="12" idx="0"/>
+          </p:cNvCxnSpPr>
+          <p:nvPr/>
+        </p:nvCxnSpPr>
+        <p:spPr>
+          <a:xfrm flipH="1">
+            <a:off x="1780490" y="3480471"/>
+            <a:ext cx="399607" cy="260586"/>
+          </a:xfrm>
+          <a:prstGeom prst="straightConnector1">
+            <a:avLst/>
+          </a:prstGeom>
+          <a:ln>
+            <a:tailEnd type="none"/>
+          </a:ln>
+        </p:spPr>
+        <p:style>
+          <a:lnRef idx="2">
+            <a:schemeClr val="dk1"/>
+          </a:lnRef>
+          <a:fillRef idx="0">
+            <a:schemeClr val="dk1"/>
+          </a:fillRef>
+          <a:effectRef idx="1">
+            <a:schemeClr val="dk1"/>
+          </a:effectRef>
+          <a:fontRef idx="minor">
+            <a:schemeClr val="tx1"/>
+          </a:fontRef>
+        </p:style>
+      </p:cxnSp>
+      <p:cxnSp>
+        <p:nvCxnSpPr>
+          <p:cNvPr id="37" name="Straight Arrow Connector 36"/>
+          <p:cNvCxnSpPr>
+            <a:stCxn id="11" idx="5"/>
+            <a:endCxn id="13" idx="0"/>
+          </p:cNvCxnSpPr>
+          <p:nvPr/>
+        </p:nvCxnSpPr>
+        <p:spPr>
+          <a:xfrm>
+            <a:off x="3393389" y="3480471"/>
+            <a:ext cx="442917" cy="260586"/>
+          </a:xfrm>
+          <a:prstGeom prst="straightConnector1">
+            <a:avLst/>
+          </a:prstGeom>
+          <a:ln>
+            <a:tailEnd type="none"/>
+          </a:ln>
+        </p:spPr>
+        <p:style>
+          <a:lnRef idx="2">
+            <a:schemeClr val="dk1"/>
+          </a:lnRef>
+          <a:fillRef idx="0">
+            <a:schemeClr val="dk1"/>
+          </a:fillRef>
+          <a:effectRef idx="1">
+            <a:schemeClr val="dk1"/>
+          </a:effectRef>
+          <a:fontRef idx="minor">
+            <a:schemeClr val="tx1"/>
+          </a:fontRef>
+        </p:style>
+      </p:cxnSp>
+      <p:sp>
+        <p:nvSpPr>
+          <p:cNvPr id="17" name="Oval 16"/>
+          <p:cNvSpPr/>
+          <p:nvPr/>
+        </p:nvSpPr>
+        <p:spPr>
+          <a:xfrm>
+            <a:off x="5998028" y="1461405"/>
+            <a:ext cx="317500" cy="317500"/>
+          </a:xfrm>
+          <a:prstGeom prst="ellipse">
+            <a:avLst/>
+          </a:prstGeom>
+        </p:spPr>
+        <p:style>
+          <a:lnRef idx="2">
+            <a:schemeClr val="dk1"/>
+          </a:lnRef>
+          <a:fillRef idx="1">
+            <a:schemeClr val="lt1"/>
+          </a:fillRef>
+          <a:effectRef idx="0">
+            <a:schemeClr val="dk1"/>
+          </a:effectRef>
+          <a:fontRef idx="minor">
+            <a:schemeClr val="dk1"/>
+          </a:fontRef>
+        </p:style>
+        <p:txBody>
+          <a:bodyPr rtlCol="0" anchor="ctr"/>
+          <a:lstStyle/>
+          <a:p>
+            <a:pPr algn="ctr"/>
+            <a:r>
+              <a:rPr lang="en-US" sz="1801" dirty="0">
+                <a:solidFill>
+                  <a:schemeClr val="dk1"/>
+                </a:solidFill>
+              </a:rPr>
+              <a:t>1</a:t>
+            </a:r>
+          </a:p>
+        </p:txBody>
+      </p:sp>
+      <p:sp>
+        <p:nvSpPr>
+          <p:cNvPr id="19" name="Oval 18"/>
+          <p:cNvSpPr/>
+          <p:nvPr/>
+        </p:nvSpPr>
+        <p:spPr>
+          <a:xfrm>
+            <a:off x="6475185" y="1946726"/>
+            <a:ext cx="317500" cy="317500"/>
+          </a:xfrm>
+          <a:prstGeom prst="ellipse">
+            <a:avLst/>
+          </a:prstGeom>
+        </p:spPr>
+        <p:style>
+          <a:lnRef idx="2">
+            <a:schemeClr val="dk1"/>
+          </a:lnRef>
+          <a:fillRef idx="1">
+            <a:schemeClr val="lt1"/>
+          </a:fillRef>
+          <a:effectRef idx="0">
+            <a:schemeClr val="dk1"/>
+          </a:effectRef>
+          <a:fontRef idx="minor">
+            <a:schemeClr val="dk1"/>
+          </a:fontRef>
+        </p:style>
+        <p:txBody>
+          <a:bodyPr rtlCol="0" anchor="ctr"/>
+          <a:lstStyle/>
+          <a:p>
+            <a:pPr algn="ctr"/>
+            <a:r>
+              <a:rPr lang="en-US" sz="1801" dirty="0" smtClean="0"/>
+              <a:t>2</a:t>
+            </a:r>
+            <a:endParaRPr lang="en-US" sz="1801" dirty="0">
+              <a:solidFill>
+                <a:schemeClr val="dk1"/>
+              </a:solidFill>
+            </a:endParaRPr>
+          </a:p>
+        </p:txBody>
+      </p:sp>
+      <p:cxnSp>
+        <p:nvCxnSpPr>
+          <p:cNvPr id="20" name="Straight Arrow Connector 19"/>
+          <p:cNvCxnSpPr>
+            <a:stCxn id="17" idx="5"/>
+            <a:endCxn id="19" idx="0"/>
+          </p:cNvCxnSpPr>
+          <p:nvPr/>
+        </p:nvCxnSpPr>
+        <p:spPr>
+          <a:xfrm>
+            <a:off x="6269031" y="1732408"/>
+            <a:ext cx="364904" cy="214318"/>
+          </a:xfrm>
+          <a:prstGeom prst="straightConnector1">
+            <a:avLst/>
+          </a:prstGeom>
+          <a:ln>
+            <a:tailEnd type="none"/>
+          </a:ln>
+        </p:spPr>
+        <p:style>
+          <a:lnRef idx="2">
+            <a:schemeClr val="dk1"/>
+          </a:lnRef>
+          <a:fillRef idx="0">
+            <a:schemeClr val="dk1"/>
+          </a:fillRef>
+          <a:effectRef idx="1">
+            <a:schemeClr val="dk1"/>
+          </a:effectRef>
+          <a:fontRef idx="minor">
+            <a:schemeClr val="tx1"/>
+          </a:fontRef>
+        </p:style>
+      </p:cxnSp>
+      <p:sp>
+        <p:nvSpPr>
+          <p:cNvPr id="56" name="Oval 55"/>
+          <p:cNvSpPr/>
+          <p:nvPr/>
+        </p:nvSpPr>
+        <p:spPr>
+          <a:xfrm>
+            <a:off x="1621740" y="5703209"/>
+            <a:ext cx="317500" cy="317500"/>
+          </a:xfrm>
+          <a:prstGeom prst="ellipse">
+            <a:avLst/>
+          </a:prstGeom>
+        </p:spPr>
+        <p:style>
+          <a:lnRef idx="2">
+            <a:schemeClr val="dk1"/>
+          </a:lnRef>
+          <a:fillRef idx="1">
+            <a:schemeClr val="lt1"/>
+          </a:fillRef>
+          <a:effectRef idx="0">
+            <a:schemeClr val="dk1"/>
+          </a:effectRef>
+          <a:fontRef idx="minor">
+            <a:schemeClr val="dk1"/>
+          </a:fontRef>
+        </p:style>
+        <p:txBody>
+          <a:bodyPr rtlCol="0" anchor="ctr"/>
+          <a:lstStyle/>
+          <a:p>
+            <a:pPr algn="ctr"/>
+            <a:r>
+              <a:rPr lang="en-US" sz="1801" dirty="0"/>
+              <a:t>0</a:t>
+            </a:r>
+            <a:endParaRPr lang="en-US" sz="1801" dirty="0">
+              <a:solidFill>
+                <a:schemeClr val="dk1"/>
+              </a:solidFill>
+            </a:endParaRPr>
+          </a:p>
+        </p:txBody>
+      </p:sp>
+      <p:sp>
+        <p:nvSpPr>
+          <p:cNvPr id="57" name="Oval 56"/>
+          <p:cNvSpPr/>
+          <p:nvPr/>
+        </p:nvSpPr>
+        <p:spPr>
+          <a:xfrm>
+            <a:off x="3122386" y="5703209"/>
+            <a:ext cx="317500" cy="317500"/>
+          </a:xfrm>
+          <a:prstGeom prst="ellipse">
+            <a:avLst/>
+          </a:prstGeom>
+        </p:spPr>
+        <p:style>
+          <a:lnRef idx="2">
+            <a:schemeClr val="dk1"/>
+          </a:lnRef>
+          <a:fillRef idx="1">
+            <a:schemeClr val="lt1"/>
+          </a:fillRef>
+          <a:effectRef idx="0">
+            <a:schemeClr val="dk1"/>
+          </a:effectRef>
+          <a:fontRef idx="minor">
+            <a:schemeClr val="dk1"/>
+          </a:fontRef>
+        </p:style>
+        <p:txBody>
+          <a:bodyPr rtlCol="0" anchor="ctr"/>
+          <a:lstStyle/>
+          <a:p>
+            <a:pPr algn="ctr"/>
+            <a:r>
+              <a:rPr lang="en-US" sz="1801" dirty="0" smtClean="0"/>
+              <a:t>1</a:t>
+            </a:r>
+            <a:endParaRPr lang="en-US" sz="1801" dirty="0">
+              <a:solidFill>
+                <a:schemeClr val="dk1"/>
+              </a:solidFill>
+            </a:endParaRPr>
+          </a:p>
+        </p:txBody>
+      </p:sp>
+      <p:sp>
+        <p:nvSpPr>
+          <p:cNvPr id="58" name="Oval 57"/>
+          <p:cNvSpPr/>
+          <p:nvPr/>
+        </p:nvSpPr>
+        <p:spPr>
+          <a:xfrm>
+            <a:off x="1621740" y="7169254"/>
+            <a:ext cx="317500" cy="317500"/>
+          </a:xfrm>
+          <a:prstGeom prst="ellipse">
+            <a:avLst/>
+          </a:prstGeom>
+        </p:spPr>
+        <p:style>
+          <a:lnRef idx="2">
+            <a:schemeClr val="dk1"/>
+          </a:lnRef>
+          <a:fillRef idx="1">
+            <a:schemeClr val="lt1"/>
+          </a:fillRef>
+          <a:effectRef idx="0">
+            <a:schemeClr val="dk1"/>
+          </a:effectRef>
+          <a:fontRef idx="minor">
+            <a:schemeClr val="dk1"/>
+          </a:fontRef>
+        </p:style>
+        <p:txBody>
+          <a:bodyPr rtlCol="0" anchor="ctr"/>
+          <a:lstStyle/>
+          <a:p>
+            <a:pPr algn="ctr"/>
+            <a:r>
+              <a:rPr lang="en-US" sz="1801" dirty="0" smtClean="0"/>
+              <a:t>2</a:t>
+            </a:r>
+          </a:p>
+        </p:txBody>
+      </p:sp>
+      <p:sp>
+        <p:nvSpPr>
+          <p:cNvPr id="59" name="Oval 58"/>
+          <p:cNvSpPr/>
+          <p:nvPr/>
+        </p:nvSpPr>
+        <p:spPr>
+          <a:xfrm>
+            <a:off x="3122386" y="7169254"/>
+            <a:ext cx="317500" cy="317500"/>
+          </a:xfrm>
+          <a:prstGeom prst="ellipse">
+            <a:avLst/>
+          </a:prstGeom>
+        </p:spPr>
+        <p:style>
+          <a:lnRef idx="2">
+            <a:schemeClr val="dk1"/>
+          </a:lnRef>
+          <a:fillRef idx="1">
+            <a:schemeClr val="lt1"/>
+          </a:fillRef>
+          <a:effectRef idx="0">
+            <a:schemeClr val="dk1"/>
+          </a:effectRef>
+          <a:fontRef idx="minor">
+            <a:schemeClr val="dk1"/>
+          </a:fontRef>
+        </p:style>
+        <p:txBody>
+          <a:bodyPr rtlCol="0" anchor="ctr"/>
+          <a:lstStyle/>
+          <a:p>
+            <a:pPr algn="ctr"/>
+            <a:r>
+              <a:rPr lang="en-US" sz="1801" dirty="0" smtClean="0"/>
+              <a:t>3</a:t>
+            </a:r>
+          </a:p>
+        </p:txBody>
+      </p:sp>
+      <p:cxnSp>
+        <p:nvCxnSpPr>
+          <p:cNvPr id="60" name="Straight Arrow Connector 59"/>
+          <p:cNvCxnSpPr>
+            <a:stCxn id="56" idx="6"/>
+            <a:endCxn id="57" idx="2"/>
+          </p:cNvCxnSpPr>
+          <p:nvPr/>
+        </p:nvCxnSpPr>
+        <p:spPr>
+          <a:xfrm>
+            <a:off x="1939240" y="5861959"/>
+            <a:ext cx="1183146" cy="0"/>
+          </a:xfrm>
+          <a:prstGeom prst="straightConnector1">
+            <a:avLst/>
+          </a:prstGeom>
+          <a:ln>
+            <a:tailEnd type="triangle"/>
+          </a:ln>
+        </p:spPr>
+        <p:style>
+          <a:lnRef idx="2">
+            <a:schemeClr val="dk1"/>
+          </a:lnRef>
+          <a:fillRef idx="0">
+            <a:schemeClr val="dk1"/>
+          </a:fillRef>
+          <a:effectRef idx="1">
+            <a:schemeClr val="dk1"/>
+          </a:effectRef>
+          <a:fontRef idx="minor">
+            <a:schemeClr val="tx1"/>
+          </a:fontRef>
+        </p:style>
+      </p:cxnSp>
+      <p:cxnSp>
+        <p:nvCxnSpPr>
+          <p:cNvPr id="64" name="Straight Arrow Connector 63"/>
+          <p:cNvCxnSpPr>
+            <a:stCxn id="56" idx="4"/>
+            <a:endCxn id="58" idx="0"/>
+          </p:cNvCxnSpPr>
+          <p:nvPr/>
+        </p:nvCxnSpPr>
+        <p:spPr>
+          <a:xfrm>
+            <a:off x="1780490" y="6020709"/>
+            <a:ext cx="0" cy="1148545"/>
+          </a:xfrm>
+          <a:prstGeom prst="straightConnector1">
+            <a:avLst/>
+          </a:prstGeom>
+          <a:ln>
+            <a:tailEnd type="triangle"/>
+          </a:ln>
+        </p:spPr>
+        <p:style>
+          <a:lnRef idx="2">
+            <a:schemeClr val="dk1"/>
+          </a:lnRef>
+          <a:fillRef idx="0">
+            <a:schemeClr val="dk1"/>
+          </a:fillRef>
+          <a:effectRef idx="1">
+            <a:schemeClr val="dk1"/>
+          </a:effectRef>
+          <a:fontRef idx="minor">
+            <a:schemeClr val="tx1"/>
+          </a:fontRef>
+        </p:style>
+      </p:cxnSp>
+      <p:cxnSp>
+        <p:nvCxnSpPr>
+          <p:cNvPr id="68" name="Straight Arrow Connector 67"/>
+          <p:cNvCxnSpPr>
+            <a:stCxn id="58" idx="6"/>
+            <a:endCxn id="59" idx="2"/>
+          </p:cNvCxnSpPr>
+          <p:nvPr/>
+        </p:nvCxnSpPr>
+        <p:spPr>
+          <a:xfrm>
+            <a:off x="1939240" y="7328004"/>
+            <a:ext cx="1183146" cy="0"/>
+          </a:xfrm>
+          <a:prstGeom prst="straightConnector1">
+            <a:avLst/>
+          </a:prstGeom>
+          <a:ln>
+            <a:tailEnd type="triangle"/>
+          </a:ln>
+        </p:spPr>
+        <p:style>
+          <a:lnRef idx="2">
+            <a:schemeClr val="dk1"/>
+          </a:lnRef>
+          <a:fillRef idx="0">
+            <a:schemeClr val="dk1"/>
+          </a:fillRef>
+          <a:effectRef idx="1">
+            <a:schemeClr val="dk1"/>
+          </a:effectRef>
+          <a:fontRef idx="minor">
+            <a:schemeClr val="tx1"/>
+          </a:fontRef>
+        </p:style>
+      </p:cxnSp>
+      <p:cxnSp>
+        <p:nvCxnSpPr>
+          <p:cNvPr id="72" name="Straight Arrow Connector 71"/>
+          <p:cNvCxnSpPr>
+            <a:stCxn id="59" idx="1"/>
+            <a:endCxn id="56" idx="5"/>
+          </p:cNvCxnSpPr>
+          <p:nvPr/>
+        </p:nvCxnSpPr>
+        <p:spPr>
+          <a:xfrm flipH="1" flipV="1">
+            <a:off x="1892743" y="5974212"/>
+            <a:ext cx="1276140" cy="1241539"/>
+          </a:xfrm>
+          <a:prstGeom prst="straightConnector1">
+            <a:avLst/>
+          </a:prstGeom>
+          <a:ln>
+            <a:tailEnd type="triangle"/>
+          </a:ln>
+        </p:spPr>
+        <p:style>
+          <a:lnRef idx="2">
+            <a:schemeClr val="dk1"/>
+          </a:lnRef>
+          <a:fillRef idx="0">
+            <a:schemeClr val="dk1"/>
+          </a:fillRef>
+          <a:effectRef idx="1">
+            <a:schemeClr val="dk1"/>
+          </a:effectRef>
+          <a:fontRef idx="minor">
+            <a:schemeClr val="tx1"/>
+          </a:fontRef>
+        </p:style>
+      </p:cxnSp>
+      <p:sp>
+        <p:nvSpPr>
+          <p:cNvPr id="83" name="Oval 82"/>
+          <p:cNvSpPr/>
+          <p:nvPr/>
+        </p:nvSpPr>
+        <p:spPr>
+          <a:xfrm>
+            <a:off x="5406455" y="5703209"/>
+            <a:ext cx="317500" cy="317500"/>
+          </a:xfrm>
+          <a:prstGeom prst="ellipse">
+            <a:avLst/>
+          </a:prstGeom>
+        </p:spPr>
+        <p:style>
+          <a:lnRef idx="2">
+            <a:schemeClr val="dk1"/>
+          </a:lnRef>
+          <a:fillRef idx="1">
+            <a:schemeClr val="lt1"/>
+          </a:fillRef>
+          <a:effectRef idx="0">
+            <a:schemeClr val="dk1"/>
+          </a:effectRef>
+          <a:fontRef idx="minor">
+            <a:schemeClr val="dk1"/>
+          </a:fontRef>
+        </p:style>
+        <p:txBody>
+          <a:bodyPr rtlCol="0" anchor="ctr"/>
+          <a:lstStyle/>
+          <a:p>
+            <a:pPr algn="ctr"/>
+            <a:r>
+              <a:rPr lang="en-US" sz="1801" dirty="0"/>
+              <a:t>0</a:t>
+            </a:r>
+            <a:endParaRPr lang="en-US" sz="1801" dirty="0">
+              <a:solidFill>
+                <a:schemeClr val="dk1"/>
+              </a:solidFill>
+            </a:endParaRPr>
+          </a:p>
+        </p:txBody>
+      </p:sp>
+      <p:sp>
+        <p:nvSpPr>
+          <p:cNvPr id="84" name="Oval 83"/>
+          <p:cNvSpPr/>
+          <p:nvPr/>
+        </p:nvSpPr>
+        <p:spPr>
+          <a:xfrm>
+            <a:off x="6907101" y="5703209"/>
+            <a:ext cx="317500" cy="317500"/>
+          </a:xfrm>
+          <a:prstGeom prst="ellipse">
+            <a:avLst/>
+          </a:prstGeom>
+        </p:spPr>
+        <p:style>
+          <a:lnRef idx="2">
+            <a:schemeClr val="dk1"/>
+          </a:lnRef>
+          <a:fillRef idx="1">
+            <a:schemeClr val="lt1"/>
+          </a:fillRef>
+          <a:effectRef idx="0">
+            <a:schemeClr val="dk1"/>
+          </a:effectRef>
+          <a:fontRef idx="minor">
+            <a:schemeClr val="dk1"/>
+          </a:fontRef>
+        </p:style>
+        <p:txBody>
+          <a:bodyPr rtlCol="0" anchor="ctr"/>
+          <a:lstStyle/>
+          <a:p>
+            <a:pPr algn="ctr"/>
+            <a:r>
+              <a:rPr lang="en-US" sz="1801" dirty="0" smtClean="0"/>
+              <a:t>1</a:t>
+            </a:r>
+            <a:endParaRPr lang="en-US" sz="1801" dirty="0">
+              <a:solidFill>
+                <a:schemeClr val="dk1"/>
+              </a:solidFill>
+            </a:endParaRPr>
+          </a:p>
+        </p:txBody>
+      </p:sp>
+      <p:sp>
+        <p:nvSpPr>
+          <p:cNvPr id="85" name="Oval 84"/>
+          <p:cNvSpPr/>
+          <p:nvPr/>
+        </p:nvSpPr>
+        <p:spPr>
+          <a:xfrm>
+            <a:off x="5406455" y="7169254"/>
+            <a:ext cx="317500" cy="317500"/>
+          </a:xfrm>
+          <a:prstGeom prst="ellipse">
+            <a:avLst/>
+          </a:prstGeom>
+        </p:spPr>
+        <p:style>
+          <a:lnRef idx="2">
+            <a:schemeClr val="dk1"/>
+          </a:lnRef>
+          <a:fillRef idx="1">
+            <a:schemeClr val="lt1"/>
+          </a:fillRef>
+          <a:effectRef idx="0">
+            <a:schemeClr val="dk1"/>
+          </a:effectRef>
+          <a:fontRef idx="minor">
+            <a:schemeClr val="dk1"/>
+          </a:fontRef>
+        </p:style>
+        <p:txBody>
+          <a:bodyPr rtlCol="0" anchor="ctr"/>
+          <a:lstStyle/>
+          <a:p>
+            <a:pPr algn="ctr"/>
+            <a:r>
+              <a:rPr lang="en-US" sz="1801" dirty="0" smtClean="0"/>
+              <a:t>2</a:t>
+            </a:r>
+          </a:p>
+        </p:txBody>
+      </p:sp>
+      <p:sp>
+        <p:nvSpPr>
+          <p:cNvPr id="86" name="Oval 85"/>
+          <p:cNvSpPr/>
+          <p:nvPr/>
+        </p:nvSpPr>
+        <p:spPr>
+          <a:xfrm>
+            <a:off x="6907101" y="7169254"/>
+            <a:ext cx="317500" cy="317500"/>
+          </a:xfrm>
+          <a:prstGeom prst="ellipse">
+            <a:avLst/>
+          </a:prstGeom>
+        </p:spPr>
+        <p:style>
+          <a:lnRef idx="2">
+            <a:schemeClr val="dk1"/>
+          </a:lnRef>
+          <a:fillRef idx="1">
+            <a:schemeClr val="lt1"/>
+          </a:fillRef>
+          <a:effectRef idx="0">
+            <a:schemeClr val="dk1"/>
+          </a:effectRef>
+          <a:fontRef idx="minor">
+            <a:schemeClr val="dk1"/>
+          </a:fontRef>
+        </p:style>
+        <p:txBody>
+          <a:bodyPr rtlCol="0" anchor="ctr"/>
+          <a:lstStyle/>
+          <a:p>
+            <a:pPr algn="ctr"/>
+            <a:r>
+              <a:rPr lang="en-US" sz="1801" dirty="0" smtClean="0"/>
+              <a:t>3</a:t>
+            </a:r>
+          </a:p>
+        </p:txBody>
+      </p:sp>
+      <p:cxnSp>
+        <p:nvCxnSpPr>
+          <p:cNvPr id="87" name="Straight Arrow Connector 86"/>
+          <p:cNvCxnSpPr>
+            <a:stCxn id="83" idx="6"/>
+            <a:endCxn id="84" idx="2"/>
+          </p:cNvCxnSpPr>
+          <p:nvPr/>
+        </p:nvCxnSpPr>
+        <p:spPr>
+          <a:xfrm>
+            <a:off x="5723955" y="5861959"/>
+            <a:ext cx="1183146" cy="0"/>
+          </a:xfrm>
+          <a:prstGeom prst="straightConnector1">
+            <a:avLst/>
+          </a:prstGeom>
+          <a:ln>
+            <a:tailEnd type="triangle"/>
+          </a:ln>
+        </p:spPr>
+        <p:style>
+          <a:lnRef idx="2">
+            <a:schemeClr val="dk1"/>
+          </a:lnRef>
+          <a:fillRef idx="0">
+            <a:schemeClr val="dk1"/>
+          </a:fillRef>
+          <a:effectRef idx="1">
+            <a:schemeClr val="dk1"/>
+          </a:effectRef>
+          <a:fontRef idx="minor">
+            <a:schemeClr val="tx1"/>
+          </a:fontRef>
+        </p:style>
+      </p:cxnSp>
+      <p:cxnSp>
+        <p:nvCxnSpPr>
+          <p:cNvPr id="88" name="Straight Arrow Connector 87"/>
+          <p:cNvCxnSpPr>
+            <a:stCxn id="83" idx="4"/>
+            <a:endCxn id="85" idx="0"/>
+          </p:cNvCxnSpPr>
+          <p:nvPr/>
+        </p:nvCxnSpPr>
+        <p:spPr>
+          <a:xfrm>
+            <a:off x="5565205" y="6020709"/>
+            <a:ext cx="0" cy="1148545"/>
+          </a:xfrm>
+          <a:prstGeom prst="straightConnector1">
+            <a:avLst/>
+          </a:prstGeom>
+          <a:ln>
+            <a:tailEnd type="triangle"/>
+          </a:ln>
+        </p:spPr>
+        <p:style>
+          <a:lnRef idx="2">
+            <a:schemeClr val="dk1"/>
+          </a:lnRef>
+          <a:fillRef idx="0">
+            <a:schemeClr val="dk1"/>
+          </a:fillRef>
+          <a:effectRef idx="1">
+            <a:schemeClr val="dk1"/>
+          </a:effectRef>
+          <a:fontRef idx="minor">
+            <a:schemeClr val="tx1"/>
+          </a:fontRef>
+        </p:style>
+      </p:cxnSp>
+      <p:cxnSp>
+        <p:nvCxnSpPr>
+          <p:cNvPr id="89" name="Straight Arrow Connector 88"/>
+          <p:cNvCxnSpPr>
+            <a:stCxn id="85" idx="6"/>
+            <a:endCxn id="86" idx="2"/>
+          </p:cNvCxnSpPr>
+          <p:nvPr/>
+        </p:nvCxnSpPr>
+        <p:spPr>
+          <a:xfrm>
+            <a:off x="5723955" y="7328004"/>
+            <a:ext cx="1183146" cy="0"/>
+          </a:xfrm>
+          <a:prstGeom prst="straightConnector1">
+            <a:avLst/>
+          </a:prstGeom>
+          <a:ln>
+            <a:tailEnd type="triangle"/>
+          </a:ln>
+        </p:spPr>
+        <p:style>
+          <a:lnRef idx="2">
+            <a:schemeClr val="dk1"/>
+          </a:lnRef>
+          <a:fillRef idx="0">
+            <a:schemeClr val="dk1"/>
+          </a:fillRef>
+          <a:effectRef idx="1">
+            <a:schemeClr val="dk1"/>
+          </a:effectRef>
+          <a:fontRef idx="minor">
+            <a:schemeClr val="tx1"/>
+          </a:fontRef>
+        </p:style>
+      </p:cxnSp>
+      <p:cxnSp>
+        <p:nvCxnSpPr>
+          <p:cNvPr id="90" name="Straight Arrow Connector 89"/>
+          <p:cNvCxnSpPr>
+            <a:stCxn id="86" idx="1"/>
+            <a:endCxn id="83" idx="5"/>
+          </p:cNvCxnSpPr>
+          <p:nvPr/>
+        </p:nvCxnSpPr>
+        <p:spPr>
+          <a:xfrm flipH="1" flipV="1">
+            <a:off x="5677458" y="5974212"/>
+            <a:ext cx="1276140" cy="1241539"/>
+          </a:xfrm>
+          <a:prstGeom prst="straightConnector1">
+            <a:avLst/>
+          </a:prstGeom>
+          <a:ln>
+            <a:tailEnd type="triangle"/>
+          </a:ln>
+        </p:spPr>
+        <p:style>
+          <a:lnRef idx="2">
+            <a:schemeClr val="dk1"/>
+          </a:lnRef>
+          <a:fillRef idx="0">
+            <a:schemeClr val="dk1"/>
+          </a:fillRef>
+          <a:effectRef idx="1">
+            <a:schemeClr val="dk1"/>
+          </a:effectRef>
+          <a:fontRef idx="minor">
+            <a:schemeClr val="tx1"/>
+          </a:fontRef>
+        </p:style>
+      </p:cxnSp>
+      <p:sp>
+        <p:nvSpPr>
+          <p:cNvPr id="100" name="Oval 99"/>
+          <p:cNvSpPr/>
+          <p:nvPr/>
+        </p:nvSpPr>
+        <p:spPr>
+          <a:xfrm>
+            <a:off x="7644028" y="6436231"/>
+            <a:ext cx="317500" cy="317500"/>
+          </a:xfrm>
+          <a:prstGeom prst="ellipse">
+            <a:avLst/>
+          </a:prstGeom>
+        </p:spPr>
+        <p:style>
+          <a:lnRef idx="2">
+            <a:schemeClr val="dk1"/>
+          </a:lnRef>
+          <a:fillRef idx="1">
+            <a:schemeClr val="lt1"/>
+          </a:fillRef>
+          <a:effectRef idx="0">
+            <a:schemeClr val="dk1"/>
+          </a:effectRef>
+          <a:fontRef idx="minor">
+            <a:schemeClr val="dk1"/>
+          </a:fontRef>
+        </p:style>
+        <p:txBody>
+          <a:bodyPr rtlCol="0" anchor="ctr"/>
+          <a:lstStyle/>
+          <a:p>
+            <a:pPr algn="ctr"/>
+            <a:r>
+              <a:rPr lang="en-US" sz="1801" dirty="0" smtClean="0"/>
+              <a:t>4</a:t>
+            </a:r>
+          </a:p>
+        </p:txBody>
+      </p:sp>
+      <p:sp>
+        <p:nvSpPr>
+          <p:cNvPr id="101" name="Oval 100"/>
+          <p:cNvSpPr/>
+          <p:nvPr/>
+        </p:nvSpPr>
+        <p:spPr>
+          <a:xfrm>
+            <a:off x="1631042" y="8476549"/>
+            <a:ext cx="317500" cy="317500"/>
+          </a:xfrm>
+          <a:prstGeom prst="ellipse">
+            <a:avLst/>
+          </a:prstGeom>
+        </p:spPr>
+        <p:style>
+          <a:lnRef idx="2">
+            <a:schemeClr val="dk1"/>
+          </a:lnRef>
+          <a:fillRef idx="1">
+            <a:schemeClr val="lt1"/>
+          </a:fillRef>
+          <a:effectRef idx="0">
+            <a:schemeClr val="dk1"/>
+          </a:effectRef>
+          <a:fontRef idx="minor">
+            <a:schemeClr val="dk1"/>
+          </a:fontRef>
+        </p:style>
+        <p:txBody>
+          <a:bodyPr rtlCol="0" anchor="ctr"/>
+          <a:lstStyle/>
+          <a:p>
+            <a:pPr algn="ctr"/>
+            <a:r>
+              <a:rPr lang="en-US" sz="1801" dirty="0"/>
+              <a:t>0</a:t>
+            </a:r>
+            <a:endParaRPr lang="en-US" sz="1801" dirty="0">
+              <a:solidFill>
+                <a:schemeClr val="dk1"/>
+              </a:solidFill>
+            </a:endParaRPr>
+          </a:p>
+        </p:txBody>
+      </p:sp>
+      <p:sp>
+        <p:nvSpPr>
+          <p:cNvPr id="102" name="Oval 101"/>
+          <p:cNvSpPr/>
+          <p:nvPr/>
+        </p:nvSpPr>
+        <p:spPr>
+          <a:xfrm>
+            <a:off x="3131688" y="8476549"/>
+            <a:ext cx="317500" cy="317500"/>
+          </a:xfrm>
+          <a:prstGeom prst="ellipse">
+            <a:avLst/>
+          </a:prstGeom>
+        </p:spPr>
+        <p:style>
+          <a:lnRef idx="2">
+            <a:schemeClr val="dk1"/>
+          </a:lnRef>
+          <a:fillRef idx="1">
+            <a:schemeClr val="lt1"/>
+          </a:fillRef>
+          <a:effectRef idx="0">
+            <a:schemeClr val="dk1"/>
+          </a:effectRef>
+          <a:fontRef idx="minor">
+            <a:schemeClr val="dk1"/>
+          </a:fontRef>
+        </p:style>
+        <p:txBody>
+          <a:bodyPr rtlCol="0" anchor="ctr"/>
+          <a:lstStyle/>
+          <a:p>
+            <a:pPr algn="ctr"/>
+            <a:r>
+              <a:rPr lang="en-US" sz="1801" dirty="0" smtClean="0"/>
+              <a:t>1</a:t>
+            </a:r>
+            <a:endParaRPr lang="en-US" sz="1801" dirty="0">
+              <a:solidFill>
+                <a:schemeClr val="dk1"/>
+              </a:solidFill>
+            </a:endParaRPr>
+          </a:p>
+        </p:txBody>
+      </p:sp>
+      <p:sp>
+        <p:nvSpPr>
+          <p:cNvPr id="103" name="Oval 102"/>
+          <p:cNvSpPr/>
+          <p:nvPr/>
+        </p:nvSpPr>
+        <p:spPr>
+          <a:xfrm>
+            <a:off x="1631042" y="9942594"/>
+            <a:ext cx="317500" cy="317500"/>
+          </a:xfrm>
+          <a:prstGeom prst="ellipse">
+            <a:avLst/>
+          </a:prstGeom>
+        </p:spPr>
+        <p:style>
+          <a:lnRef idx="2">
+            <a:schemeClr val="dk1"/>
+          </a:lnRef>
+          <a:fillRef idx="1">
+            <a:schemeClr val="lt1"/>
+          </a:fillRef>
+          <a:effectRef idx="0">
+            <a:schemeClr val="dk1"/>
+          </a:effectRef>
+          <a:fontRef idx="minor">
+            <a:schemeClr val="dk1"/>
+          </a:fontRef>
+        </p:style>
+        <p:txBody>
+          <a:bodyPr rtlCol="0" anchor="ctr"/>
+          <a:lstStyle/>
+          <a:p>
+            <a:pPr algn="ctr"/>
+            <a:r>
+              <a:rPr lang="en-US" sz="1801" dirty="0" smtClean="0"/>
+              <a:t>2</a:t>
+            </a:r>
+          </a:p>
+        </p:txBody>
+      </p:sp>
+      <p:cxnSp>
+        <p:nvCxnSpPr>
+          <p:cNvPr id="105" name="Straight Arrow Connector 104"/>
+          <p:cNvCxnSpPr>
+            <a:stCxn id="101" idx="6"/>
+            <a:endCxn id="102" idx="2"/>
+          </p:cNvCxnSpPr>
+          <p:nvPr/>
+        </p:nvCxnSpPr>
+        <p:spPr>
+          <a:xfrm>
+            <a:off x="1948542" y="8635299"/>
+            <a:ext cx="1183146" cy="0"/>
+          </a:xfrm>
+          <a:prstGeom prst="straightConnector1">
+            <a:avLst/>
+          </a:prstGeom>
+          <a:ln>
+            <a:tailEnd type="triangle"/>
+          </a:ln>
+        </p:spPr>
+        <p:style>
+          <a:lnRef idx="2">
+            <a:schemeClr val="dk1"/>
+          </a:lnRef>
+          <a:fillRef idx="0">
+            <a:schemeClr val="dk1"/>
+          </a:fillRef>
+          <a:effectRef idx="1">
+            <a:schemeClr val="dk1"/>
+          </a:effectRef>
+          <a:fontRef idx="minor">
+            <a:schemeClr val="tx1"/>
+          </a:fontRef>
+        </p:style>
+      </p:cxnSp>
+      <p:cxnSp>
+        <p:nvCxnSpPr>
+          <p:cNvPr id="106" name="Straight Arrow Connector 105"/>
+          <p:cNvCxnSpPr>
+            <a:stCxn id="101" idx="4"/>
+            <a:endCxn id="103" idx="0"/>
+          </p:cNvCxnSpPr>
+          <p:nvPr/>
+        </p:nvCxnSpPr>
+        <p:spPr>
+          <a:xfrm>
+            <a:off x="1789792" y="8794049"/>
+            <a:ext cx="0" cy="1148545"/>
+          </a:xfrm>
+          <a:prstGeom prst="straightConnector1">
+            <a:avLst/>
+          </a:prstGeom>
+          <a:ln>
+            <a:tailEnd type="triangle"/>
+          </a:ln>
+        </p:spPr>
+        <p:style>
+          <a:lnRef idx="2">
+            <a:schemeClr val="dk1"/>
+          </a:lnRef>
+          <a:fillRef idx="0">
+            <a:schemeClr val="dk1"/>
+          </a:fillRef>
+          <a:effectRef idx="1">
+            <a:schemeClr val="dk1"/>
+          </a:effectRef>
+          <a:fontRef idx="minor">
+            <a:schemeClr val="tx1"/>
+          </a:fontRef>
+        </p:style>
+      </p:cxnSp>
+      <p:sp>
+        <p:nvSpPr>
+          <p:cNvPr id="109" name="Oval 108"/>
+          <p:cNvSpPr/>
+          <p:nvPr/>
+        </p:nvSpPr>
+        <p:spPr>
+          <a:xfrm>
+            <a:off x="3131691" y="9940373"/>
+            <a:ext cx="317500" cy="317500"/>
+          </a:xfrm>
+          <a:prstGeom prst="ellipse">
+            <a:avLst/>
+          </a:prstGeom>
+        </p:spPr>
+        <p:style>
+          <a:lnRef idx="2">
+            <a:schemeClr val="dk1"/>
+          </a:lnRef>
+          <a:fillRef idx="1">
+            <a:schemeClr val="lt1"/>
+          </a:fillRef>
+          <a:effectRef idx="0">
+            <a:schemeClr val="dk1"/>
+          </a:effectRef>
+          <a:fontRef idx="minor">
+            <a:schemeClr val="dk1"/>
+          </a:fontRef>
+        </p:style>
+        <p:txBody>
+          <a:bodyPr rtlCol="0" anchor="ctr"/>
+          <a:lstStyle/>
+          <a:p>
+            <a:pPr algn="ctr"/>
+            <a:r>
+              <a:rPr lang="en-US" sz="1801" dirty="0" smtClean="0"/>
+              <a:t>4</a:t>
+            </a:r>
+          </a:p>
+        </p:txBody>
+      </p:sp>
+      <p:sp>
+        <p:nvSpPr>
+          <p:cNvPr id="114" name="Oval 113"/>
+          <p:cNvSpPr/>
+          <p:nvPr/>
+        </p:nvSpPr>
+        <p:spPr>
+          <a:xfrm>
+            <a:off x="5406455" y="8474328"/>
+            <a:ext cx="317500" cy="317500"/>
+          </a:xfrm>
+          <a:prstGeom prst="ellipse">
+            <a:avLst/>
+          </a:prstGeom>
+        </p:spPr>
+        <p:style>
+          <a:lnRef idx="2">
+            <a:schemeClr val="dk1"/>
+          </a:lnRef>
+          <a:fillRef idx="1">
+            <a:schemeClr val="lt1"/>
+          </a:fillRef>
+          <a:effectRef idx="0">
+            <a:schemeClr val="dk1"/>
+          </a:effectRef>
+          <a:fontRef idx="minor">
+            <a:schemeClr val="dk1"/>
+          </a:fontRef>
+        </p:style>
+        <p:txBody>
+          <a:bodyPr rtlCol="0" anchor="ctr"/>
+          <a:lstStyle/>
+          <a:p>
+            <a:pPr algn="ctr"/>
+            <a:r>
+              <a:rPr lang="en-US" sz="1801" dirty="0"/>
+              <a:t>0</a:t>
+            </a:r>
+            <a:endParaRPr lang="en-US" sz="1801" dirty="0">
+              <a:solidFill>
+                <a:schemeClr val="dk1"/>
+              </a:solidFill>
+            </a:endParaRPr>
+          </a:p>
+        </p:txBody>
+      </p:sp>
+      <p:sp>
+        <p:nvSpPr>
+          <p:cNvPr id="115" name="Oval 114"/>
+          <p:cNvSpPr/>
+          <p:nvPr/>
+        </p:nvSpPr>
+        <p:spPr>
+          <a:xfrm>
+            <a:off x="6907101" y="8474328"/>
+            <a:ext cx="317500" cy="317500"/>
+          </a:xfrm>
+          <a:prstGeom prst="ellipse">
+            <a:avLst/>
+          </a:prstGeom>
+        </p:spPr>
+        <p:style>
+          <a:lnRef idx="2">
+            <a:schemeClr val="dk1"/>
+          </a:lnRef>
+          <a:fillRef idx="1">
+            <a:schemeClr val="lt1"/>
+          </a:fillRef>
+          <a:effectRef idx="0">
+            <a:schemeClr val="dk1"/>
+          </a:effectRef>
+          <a:fontRef idx="minor">
+            <a:schemeClr val="dk1"/>
+          </a:fontRef>
+        </p:style>
+        <p:txBody>
+          <a:bodyPr rtlCol="0" anchor="ctr"/>
+          <a:lstStyle/>
+          <a:p>
+            <a:pPr algn="ctr"/>
+            <a:r>
+              <a:rPr lang="en-US" sz="1801" dirty="0" smtClean="0"/>
+              <a:t>1</a:t>
+            </a:r>
+            <a:endParaRPr lang="en-US" sz="1801" dirty="0">
+              <a:solidFill>
+                <a:schemeClr val="dk1"/>
+              </a:solidFill>
+            </a:endParaRPr>
+          </a:p>
+        </p:txBody>
+      </p:sp>
+      <p:sp>
+        <p:nvSpPr>
+          <p:cNvPr id="116" name="Oval 115"/>
+          <p:cNvSpPr/>
+          <p:nvPr/>
+        </p:nvSpPr>
+        <p:spPr>
+          <a:xfrm>
+            <a:off x="5406455" y="9940373"/>
+            <a:ext cx="317500" cy="317500"/>
+          </a:xfrm>
+          <a:prstGeom prst="ellipse">
+            <a:avLst/>
+          </a:prstGeom>
+        </p:spPr>
+        <p:style>
+          <a:lnRef idx="2">
+            <a:schemeClr val="dk1"/>
+          </a:lnRef>
+          <a:fillRef idx="1">
+            <a:schemeClr val="lt1"/>
+          </a:fillRef>
+          <a:effectRef idx="0">
+            <a:schemeClr val="dk1"/>
+          </a:effectRef>
+          <a:fontRef idx="minor">
+            <a:schemeClr val="dk1"/>
+          </a:fontRef>
+        </p:style>
+        <p:txBody>
+          <a:bodyPr rtlCol="0" anchor="ctr"/>
+          <a:lstStyle/>
+          <a:p>
+            <a:pPr algn="ctr"/>
+            <a:r>
+              <a:rPr lang="en-US" sz="1801" dirty="0" smtClean="0"/>
+              <a:t>2</a:t>
+            </a:r>
+          </a:p>
+        </p:txBody>
+      </p:sp>
+      <p:cxnSp>
+        <p:nvCxnSpPr>
+          <p:cNvPr id="117" name="Straight Arrow Connector 116"/>
+          <p:cNvCxnSpPr>
+            <a:stCxn id="114" idx="6"/>
+            <a:endCxn id="115" idx="2"/>
+          </p:cNvCxnSpPr>
+          <p:nvPr/>
+        </p:nvCxnSpPr>
+        <p:spPr>
+          <a:xfrm>
+            <a:off x="5723955" y="8633078"/>
+            <a:ext cx="1183146" cy="0"/>
+          </a:xfrm>
+          <a:prstGeom prst="straightConnector1">
+            <a:avLst/>
+          </a:prstGeom>
+          <a:ln>
+            <a:tailEnd type="triangle"/>
+          </a:ln>
+        </p:spPr>
+        <p:style>
+          <a:lnRef idx="2">
+            <a:schemeClr val="dk1"/>
+          </a:lnRef>
+          <a:fillRef idx="0">
+            <a:schemeClr val="dk1"/>
+          </a:fillRef>
+          <a:effectRef idx="1">
+            <a:schemeClr val="dk1"/>
+          </a:effectRef>
+          <a:fontRef idx="minor">
+            <a:schemeClr val="tx1"/>
+          </a:fontRef>
+        </p:style>
+      </p:cxnSp>
+      <p:cxnSp>
+        <p:nvCxnSpPr>
+          <p:cNvPr id="118" name="Straight Arrow Connector 117"/>
+          <p:cNvCxnSpPr>
+            <a:stCxn id="114" idx="4"/>
+            <a:endCxn id="116" idx="0"/>
+          </p:cNvCxnSpPr>
+          <p:nvPr/>
+        </p:nvCxnSpPr>
+        <p:spPr>
+          <a:xfrm>
+            <a:off x="5565205" y="8791828"/>
+            <a:ext cx="0" cy="1148545"/>
+          </a:xfrm>
+          <a:prstGeom prst="straightConnector1">
+            <a:avLst/>
+          </a:prstGeom>
+          <a:ln>
+            <a:tailEnd type="triangle"/>
+          </a:ln>
+        </p:spPr>
+        <p:style>
+          <a:lnRef idx="2">
+            <a:schemeClr val="dk1"/>
+          </a:lnRef>
+          <a:fillRef idx="0">
+            <a:schemeClr val="dk1"/>
+          </a:fillRef>
+          <a:effectRef idx="1">
+            <a:schemeClr val="dk1"/>
+          </a:effectRef>
+          <a:fontRef idx="minor">
+            <a:schemeClr val="tx1"/>
+          </a:fontRef>
+        </p:style>
+      </p:cxnSp>
+      <p:sp>
+        <p:nvSpPr>
+          <p:cNvPr id="119" name="Oval 118"/>
+          <p:cNvSpPr/>
+          <p:nvPr/>
+        </p:nvSpPr>
+        <p:spPr>
+          <a:xfrm>
+            <a:off x="6907101" y="9935942"/>
+            <a:ext cx="317500" cy="317500"/>
+          </a:xfrm>
+          <a:prstGeom prst="ellipse">
+            <a:avLst/>
+          </a:prstGeom>
+        </p:spPr>
+        <p:style>
+          <a:lnRef idx="2">
+            <a:schemeClr val="dk1"/>
+          </a:lnRef>
+          <a:fillRef idx="1">
+            <a:schemeClr val="lt1"/>
+          </a:fillRef>
+          <a:effectRef idx="0">
+            <a:schemeClr val="dk1"/>
+          </a:effectRef>
+          <a:fontRef idx="minor">
+            <a:schemeClr val="dk1"/>
+          </a:fontRef>
+        </p:style>
+        <p:txBody>
+          <a:bodyPr rtlCol="0" anchor="ctr"/>
+          <a:lstStyle/>
+          <a:p>
+            <a:pPr algn="ctr"/>
+            <a:r>
+              <a:rPr lang="en-US" sz="1801" dirty="0" smtClean="0"/>
+              <a:t>4</a:t>
+            </a:r>
+          </a:p>
+        </p:txBody>
+      </p:sp>
+      <p:cxnSp>
+        <p:nvCxnSpPr>
+          <p:cNvPr id="124" name="Straight Arrow Connector 123"/>
+          <p:cNvCxnSpPr>
+            <a:stCxn id="115" idx="4"/>
+            <a:endCxn id="119" idx="0"/>
+          </p:cNvCxnSpPr>
+          <p:nvPr/>
+        </p:nvCxnSpPr>
+        <p:spPr>
+          <a:xfrm>
+            <a:off x="7065851" y="8791828"/>
+            <a:ext cx="0" cy="1144114"/>
+          </a:xfrm>
+          <a:prstGeom prst="straightConnector1">
+            <a:avLst/>
+          </a:prstGeom>
+          <a:ln>
+            <a:tailEnd type="triangle"/>
+          </a:ln>
+        </p:spPr>
+        <p:style>
+          <a:lnRef idx="2">
+            <a:schemeClr val="dk1"/>
+          </a:lnRef>
+          <a:fillRef idx="0">
+            <a:schemeClr val="dk1"/>
+          </a:fillRef>
+          <a:effectRef idx="1">
+            <a:schemeClr val="dk1"/>
+          </a:effectRef>
+          <a:fontRef idx="minor">
+            <a:schemeClr val="tx1"/>
+          </a:fontRef>
+        </p:style>
+      </p:cxnSp>
+      <p:sp>
+        <p:nvSpPr>
+          <p:cNvPr id="127" name="Oval 126"/>
+          <p:cNvSpPr/>
+          <p:nvPr/>
+        </p:nvSpPr>
+        <p:spPr>
+          <a:xfrm>
+            <a:off x="8720864" y="8474328"/>
+            <a:ext cx="317500" cy="317500"/>
+          </a:xfrm>
+          <a:prstGeom prst="ellipse">
+            <a:avLst/>
+          </a:prstGeom>
+        </p:spPr>
+        <p:style>
+          <a:lnRef idx="2">
+            <a:schemeClr val="dk1"/>
+          </a:lnRef>
+          <a:fillRef idx="1">
+            <a:schemeClr val="lt1"/>
+          </a:fillRef>
+          <a:effectRef idx="0">
+            <a:schemeClr val="dk1"/>
+          </a:effectRef>
+          <a:fontRef idx="minor">
+            <a:schemeClr val="dk1"/>
+          </a:fontRef>
+        </p:style>
+        <p:txBody>
+          <a:bodyPr rtlCol="0" anchor="ctr"/>
+          <a:lstStyle/>
+          <a:p>
+            <a:pPr algn="ctr"/>
+            <a:r>
+              <a:rPr lang="en-US" sz="1801" dirty="0"/>
+              <a:t>0</a:t>
+            </a:r>
+            <a:endParaRPr lang="en-US" sz="1801" dirty="0">
+              <a:solidFill>
+                <a:schemeClr val="dk1"/>
+              </a:solidFill>
+            </a:endParaRPr>
+          </a:p>
+        </p:txBody>
+      </p:sp>
+      <p:sp>
+        <p:nvSpPr>
+          <p:cNvPr id="128" name="Oval 127"/>
+          <p:cNvSpPr/>
+          <p:nvPr/>
+        </p:nvSpPr>
+        <p:spPr>
+          <a:xfrm>
+            <a:off x="10221510" y="8474328"/>
+            <a:ext cx="317500" cy="317500"/>
+          </a:xfrm>
+          <a:prstGeom prst="ellipse">
+            <a:avLst/>
+          </a:prstGeom>
+        </p:spPr>
+        <p:style>
+          <a:lnRef idx="2">
+            <a:schemeClr val="dk1"/>
+          </a:lnRef>
+          <a:fillRef idx="1">
+            <a:schemeClr val="lt1"/>
+          </a:fillRef>
+          <a:effectRef idx="0">
+            <a:schemeClr val="dk1"/>
+          </a:effectRef>
+          <a:fontRef idx="minor">
+            <a:schemeClr val="dk1"/>
+          </a:fontRef>
+        </p:style>
+        <p:txBody>
+          <a:bodyPr rtlCol="0" anchor="ctr"/>
+          <a:lstStyle/>
+          <a:p>
+            <a:pPr algn="ctr"/>
+            <a:r>
+              <a:rPr lang="en-US" sz="1801" dirty="0" smtClean="0"/>
+              <a:t>1</a:t>
+            </a:r>
+            <a:endParaRPr lang="en-US" sz="1801" dirty="0">
+              <a:solidFill>
+                <a:schemeClr val="dk1"/>
+              </a:solidFill>
+            </a:endParaRPr>
+          </a:p>
+        </p:txBody>
+      </p:sp>
+      <p:sp>
+        <p:nvSpPr>
+          <p:cNvPr id="129" name="Oval 128"/>
+          <p:cNvSpPr/>
+          <p:nvPr/>
+        </p:nvSpPr>
+        <p:spPr>
+          <a:xfrm>
+            <a:off x="10221510" y="9935942"/>
+            <a:ext cx="317500" cy="317500"/>
+          </a:xfrm>
+          <a:prstGeom prst="ellipse">
+            <a:avLst/>
+          </a:prstGeom>
+        </p:spPr>
+        <p:style>
+          <a:lnRef idx="2">
+            <a:schemeClr val="dk1"/>
+          </a:lnRef>
+          <a:fillRef idx="1">
+            <a:schemeClr val="lt1"/>
+          </a:fillRef>
+          <a:effectRef idx="0">
+            <a:schemeClr val="dk1"/>
+          </a:effectRef>
+          <a:fontRef idx="minor">
+            <a:schemeClr val="dk1"/>
+          </a:fontRef>
+        </p:style>
+        <p:txBody>
+          <a:bodyPr rtlCol="0" anchor="ctr"/>
+          <a:lstStyle/>
+          <a:p>
+            <a:pPr algn="ctr"/>
+            <a:r>
+              <a:rPr lang="en-US" sz="1801" dirty="0" smtClean="0"/>
+              <a:t>2</a:t>
+            </a:r>
+          </a:p>
+        </p:txBody>
+      </p:sp>
+      <p:cxnSp>
+        <p:nvCxnSpPr>
+          <p:cNvPr id="130" name="Straight Arrow Connector 129"/>
+          <p:cNvCxnSpPr>
+            <a:stCxn id="127" idx="6"/>
+            <a:endCxn id="128" idx="2"/>
+          </p:cNvCxnSpPr>
+          <p:nvPr/>
+        </p:nvCxnSpPr>
+        <p:spPr>
+          <a:xfrm>
+            <a:off x="9038364" y="8633078"/>
+            <a:ext cx="1183146" cy="0"/>
+          </a:xfrm>
+          <a:prstGeom prst="straightConnector1">
+            <a:avLst/>
+          </a:prstGeom>
+          <a:ln>
+            <a:tailEnd type="triangle"/>
+          </a:ln>
+        </p:spPr>
+        <p:style>
+          <a:lnRef idx="2">
+            <a:schemeClr val="dk1"/>
+          </a:lnRef>
+          <a:fillRef idx="0">
+            <a:schemeClr val="dk1"/>
+          </a:fillRef>
+          <a:effectRef idx="1">
+            <a:schemeClr val="dk1"/>
+          </a:effectRef>
+          <a:fontRef idx="minor">
+            <a:schemeClr val="tx1"/>
+          </a:fontRef>
+        </p:style>
+      </p:cxnSp>
+      <p:cxnSp>
+        <p:nvCxnSpPr>
+          <p:cNvPr id="131" name="Straight Arrow Connector 130"/>
+          <p:cNvCxnSpPr>
+            <a:stCxn id="127" idx="5"/>
+            <a:endCxn id="129" idx="1"/>
+          </p:cNvCxnSpPr>
+          <p:nvPr/>
+        </p:nvCxnSpPr>
+        <p:spPr>
+          <a:xfrm>
+            <a:off x="8991867" y="8745331"/>
+            <a:ext cx="1276140" cy="1237108"/>
+          </a:xfrm>
+          <a:prstGeom prst="straightConnector1">
+            <a:avLst/>
+          </a:prstGeom>
+          <a:ln>
+            <a:tailEnd type="triangle"/>
+          </a:ln>
+        </p:spPr>
+        <p:style>
+          <a:lnRef idx="2">
+            <a:schemeClr val="dk1"/>
+          </a:lnRef>
+          <a:fillRef idx="0">
+            <a:schemeClr val="dk1"/>
+          </a:fillRef>
+          <a:effectRef idx="1">
+            <a:schemeClr val="dk1"/>
+          </a:effectRef>
+          <a:fontRef idx="minor">
+            <a:schemeClr val="tx1"/>
+          </a:fontRef>
+        </p:style>
+      </p:cxnSp>
+      <p:sp>
+        <p:nvSpPr>
+          <p:cNvPr id="132" name="Oval 131"/>
+          <p:cNvSpPr/>
+          <p:nvPr/>
+        </p:nvSpPr>
+        <p:spPr>
+          <a:xfrm>
+            <a:off x="8720864" y="9942594"/>
+            <a:ext cx="317500" cy="317500"/>
+          </a:xfrm>
+          <a:prstGeom prst="ellipse">
+            <a:avLst/>
+          </a:prstGeom>
+        </p:spPr>
+        <p:style>
+          <a:lnRef idx="2">
+            <a:schemeClr val="dk1"/>
+          </a:lnRef>
+          <a:fillRef idx="1">
+            <a:schemeClr val="lt1"/>
+          </a:fillRef>
+          <a:effectRef idx="0">
+            <a:schemeClr val="dk1"/>
+          </a:effectRef>
+          <a:fontRef idx="minor">
+            <a:schemeClr val="dk1"/>
+          </a:fontRef>
+        </p:style>
+        <p:txBody>
+          <a:bodyPr rtlCol="0" anchor="ctr"/>
+          <a:lstStyle/>
+          <a:p>
+            <a:pPr algn="ctr"/>
+            <a:r>
+              <a:rPr lang="en-US" sz="1801" dirty="0" smtClean="0"/>
+              <a:t>4</a:t>
+            </a:r>
+          </a:p>
+        </p:txBody>
+      </p:sp>
+      <p:cxnSp>
+        <p:nvCxnSpPr>
+          <p:cNvPr id="133" name="Straight Arrow Connector 132"/>
+          <p:cNvCxnSpPr>
+            <a:stCxn id="128" idx="3"/>
+            <a:endCxn id="132" idx="7"/>
+          </p:cNvCxnSpPr>
+          <p:nvPr/>
+        </p:nvCxnSpPr>
+        <p:spPr>
+          <a:xfrm flipH="1">
+            <a:off x="8991867" y="8745331"/>
+            <a:ext cx="1276140" cy="1243760"/>
+          </a:xfrm>
+          <a:prstGeom prst="straightConnector1">
+            <a:avLst/>
+          </a:prstGeom>
+          <a:ln>
+            <a:tailEnd type="triangle"/>
+          </a:ln>
+        </p:spPr>
+        <p:style>
+          <a:lnRef idx="2">
+            <a:schemeClr val="dk1"/>
+          </a:lnRef>
+          <a:fillRef idx="0">
+            <a:schemeClr val="dk1"/>
+          </a:fillRef>
+          <a:effectRef idx="1">
+            <a:schemeClr val="dk1"/>
+          </a:effectRef>
+          <a:fontRef idx="minor">
+            <a:schemeClr val="tx1"/>
+          </a:fontRef>
+        </p:style>
+      </p:cxnSp>
+      <p:cxnSp>
+        <p:nvCxnSpPr>
+          <p:cNvPr id="140" name="Straight Arrow Connector 139"/>
+          <p:cNvCxnSpPr>
+            <a:stCxn id="127" idx="4"/>
+            <a:endCxn id="132" idx="0"/>
+          </p:cNvCxnSpPr>
+          <p:nvPr/>
+        </p:nvCxnSpPr>
+        <p:spPr>
+          <a:xfrm>
+            <a:off x="8879614" y="8791828"/>
+            <a:ext cx="0" cy="1150766"/>
+          </a:xfrm>
+          <a:prstGeom prst="straightConnector1">
+            <a:avLst/>
+          </a:prstGeom>
+          <a:ln>
+            <a:tailEnd type="triangle"/>
+          </a:ln>
+        </p:spPr>
+        <p:style>
+          <a:lnRef idx="2">
+            <a:schemeClr val="dk1"/>
+          </a:lnRef>
+          <a:fillRef idx="0">
+            <a:schemeClr val="dk1"/>
+          </a:fillRef>
+          <a:effectRef idx="1">
+            <a:schemeClr val="dk1"/>
+          </a:effectRef>
+          <a:fontRef idx="minor">
+            <a:schemeClr val="tx1"/>
+          </a:fontRef>
+        </p:style>
+      </p:cxnSp>
+      <p:sp>
+        <p:nvSpPr>
+          <p:cNvPr id="153" name="Oval 152"/>
+          <p:cNvSpPr/>
+          <p:nvPr/>
+        </p:nvSpPr>
+        <p:spPr>
+          <a:xfrm>
+            <a:off x="11717773" y="8474328"/>
+            <a:ext cx="317500" cy="317500"/>
+          </a:xfrm>
+          <a:prstGeom prst="ellipse">
+            <a:avLst/>
+          </a:prstGeom>
+        </p:spPr>
+        <p:style>
+          <a:lnRef idx="2">
+            <a:schemeClr val="dk1"/>
+          </a:lnRef>
+          <a:fillRef idx="1">
+            <a:schemeClr val="lt1"/>
+          </a:fillRef>
+          <a:effectRef idx="0">
+            <a:schemeClr val="dk1"/>
+          </a:effectRef>
+          <a:fontRef idx="minor">
+            <a:schemeClr val="dk1"/>
+          </a:fontRef>
+        </p:style>
+        <p:txBody>
+          <a:bodyPr rtlCol="0" anchor="ctr"/>
+          <a:lstStyle/>
+          <a:p>
+            <a:pPr algn="ctr"/>
+            <a:r>
+              <a:rPr lang="en-US" sz="1801" dirty="0"/>
+              <a:t>0</a:t>
+            </a:r>
+            <a:endParaRPr lang="en-US" sz="1801" dirty="0">
+              <a:solidFill>
+                <a:schemeClr val="dk1"/>
+              </a:solidFill>
+            </a:endParaRPr>
+          </a:p>
+        </p:txBody>
+      </p:sp>
+      <p:sp>
+        <p:nvSpPr>
+          <p:cNvPr id="154" name="Oval 153"/>
+          <p:cNvSpPr/>
+          <p:nvPr/>
+        </p:nvSpPr>
+        <p:spPr>
+          <a:xfrm>
+            <a:off x="13218419" y="8474328"/>
+            <a:ext cx="317500" cy="317500"/>
+          </a:xfrm>
+          <a:prstGeom prst="ellipse">
+            <a:avLst/>
+          </a:prstGeom>
+        </p:spPr>
+        <p:style>
+          <a:lnRef idx="2">
+            <a:schemeClr val="dk1"/>
+          </a:lnRef>
+          <a:fillRef idx="1">
+            <a:schemeClr val="lt1"/>
+          </a:fillRef>
+          <a:effectRef idx="0">
+            <a:schemeClr val="dk1"/>
+          </a:effectRef>
+          <a:fontRef idx="minor">
+            <a:schemeClr val="dk1"/>
+          </a:fontRef>
+        </p:style>
+        <p:txBody>
+          <a:bodyPr rtlCol="0" anchor="ctr"/>
+          <a:lstStyle/>
+          <a:p>
+            <a:pPr algn="ctr"/>
+            <a:r>
+              <a:rPr lang="en-US" sz="1801" dirty="0" smtClean="0"/>
+              <a:t>1</a:t>
+            </a:r>
+            <a:endParaRPr lang="en-US" sz="1801" dirty="0">
+              <a:solidFill>
+                <a:schemeClr val="dk1"/>
+              </a:solidFill>
+            </a:endParaRPr>
+          </a:p>
+        </p:txBody>
+      </p:sp>
+      <p:sp>
+        <p:nvSpPr>
+          <p:cNvPr id="155" name="Oval 154"/>
+          <p:cNvSpPr/>
+          <p:nvPr/>
+        </p:nvSpPr>
+        <p:spPr>
+          <a:xfrm>
+            <a:off x="13218419" y="9935942"/>
+            <a:ext cx="317500" cy="317500"/>
+          </a:xfrm>
+          <a:prstGeom prst="ellipse">
+            <a:avLst/>
+          </a:prstGeom>
+        </p:spPr>
+        <p:style>
+          <a:lnRef idx="2">
+            <a:schemeClr val="dk1"/>
+          </a:lnRef>
+          <a:fillRef idx="1">
+            <a:schemeClr val="lt1"/>
+          </a:fillRef>
+          <a:effectRef idx="0">
+            <a:schemeClr val="dk1"/>
+          </a:effectRef>
+          <a:fontRef idx="minor">
+            <a:schemeClr val="dk1"/>
+          </a:fontRef>
+        </p:style>
+        <p:txBody>
+          <a:bodyPr rtlCol="0" anchor="ctr"/>
+          <a:lstStyle/>
+          <a:p>
+            <a:pPr algn="ctr"/>
+            <a:r>
+              <a:rPr lang="en-US" sz="1801" dirty="0" smtClean="0"/>
+              <a:t>2</a:t>
+            </a:r>
+          </a:p>
+        </p:txBody>
+      </p:sp>
+      <p:cxnSp>
+        <p:nvCxnSpPr>
+          <p:cNvPr id="156" name="Straight Arrow Connector 155"/>
+          <p:cNvCxnSpPr>
+            <a:stCxn id="153" idx="6"/>
+            <a:endCxn id="154" idx="2"/>
+          </p:cNvCxnSpPr>
+          <p:nvPr/>
+        </p:nvCxnSpPr>
+        <p:spPr>
+          <a:xfrm>
+            <a:off x="12035273" y="8633078"/>
+            <a:ext cx="1183146" cy="0"/>
+          </a:xfrm>
+          <a:prstGeom prst="straightConnector1">
+            <a:avLst/>
+          </a:prstGeom>
+          <a:ln>
+            <a:tailEnd type="triangle"/>
+          </a:ln>
+        </p:spPr>
+        <p:style>
+          <a:lnRef idx="2">
+            <a:schemeClr val="dk1"/>
+          </a:lnRef>
+          <a:fillRef idx="0">
+            <a:schemeClr val="dk1"/>
+          </a:fillRef>
+          <a:effectRef idx="1">
+            <a:schemeClr val="dk1"/>
+          </a:effectRef>
+          <a:fontRef idx="minor">
+            <a:schemeClr val="tx1"/>
+          </a:fontRef>
+        </p:style>
+      </p:cxnSp>
+      <p:sp>
+        <p:nvSpPr>
+          <p:cNvPr id="158" name="Oval 157"/>
+          <p:cNvSpPr/>
+          <p:nvPr/>
+        </p:nvSpPr>
+        <p:spPr>
+          <a:xfrm>
+            <a:off x="11717773" y="9942594"/>
+            <a:ext cx="317500" cy="317500"/>
+          </a:xfrm>
+          <a:prstGeom prst="ellipse">
+            <a:avLst/>
+          </a:prstGeom>
+        </p:spPr>
+        <p:style>
+          <a:lnRef idx="2">
+            <a:schemeClr val="dk1"/>
+          </a:lnRef>
+          <a:fillRef idx="1">
+            <a:schemeClr val="lt1"/>
+          </a:fillRef>
+          <a:effectRef idx="0">
+            <a:schemeClr val="dk1"/>
+          </a:effectRef>
+          <a:fontRef idx="minor">
+            <a:schemeClr val="dk1"/>
+          </a:fontRef>
+        </p:style>
+        <p:txBody>
+          <a:bodyPr rtlCol="0" anchor="ctr"/>
+          <a:lstStyle/>
+          <a:p>
+            <a:pPr algn="ctr"/>
+            <a:r>
+              <a:rPr lang="en-US" sz="1801" dirty="0" smtClean="0"/>
+              <a:t>4</a:t>
+            </a:r>
+          </a:p>
+        </p:txBody>
+      </p:sp>
+      <p:cxnSp>
+        <p:nvCxnSpPr>
+          <p:cNvPr id="159" name="Straight Arrow Connector 158"/>
+          <p:cNvCxnSpPr>
+            <a:stCxn id="154" idx="3"/>
+            <a:endCxn id="158" idx="7"/>
+          </p:cNvCxnSpPr>
+          <p:nvPr/>
+        </p:nvCxnSpPr>
+        <p:spPr>
+          <a:xfrm flipH="1">
+            <a:off x="11988776" y="8745331"/>
+            <a:ext cx="1276140" cy="1243760"/>
+          </a:xfrm>
+          <a:prstGeom prst="straightConnector1">
+            <a:avLst/>
+          </a:prstGeom>
+          <a:ln>
+            <a:tailEnd type="triangle"/>
+          </a:ln>
+        </p:spPr>
+        <p:style>
+          <a:lnRef idx="2">
+            <a:schemeClr val="dk1"/>
+          </a:lnRef>
+          <a:fillRef idx="0">
+            <a:schemeClr val="dk1"/>
+          </a:fillRef>
+          <a:effectRef idx="1">
+            <a:schemeClr val="dk1"/>
+          </a:effectRef>
+          <a:fontRef idx="minor">
+            <a:schemeClr val="tx1"/>
+          </a:fontRef>
+        </p:style>
+      </p:cxnSp>
+      <p:cxnSp>
+        <p:nvCxnSpPr>
+          <p:cNvPr id="160" name="Straight Arrow Connector 159"/>
+          <p:cNvCxnSpPr>
+            <a:stCxn id="153" idx="4"/>
+            <a:endCxn id="158" idx="0"/>
+          </p:cNvCxnSpPr>
+          <p:nvPr/>
+        </p:nvCxnSpPr>
+        <p:spPr>
+          <a:xfrm>
+            <a:off x="11876523" y="8791828"/>
+            <a:ext cx="0" cy="1150766"/>
+          </a:xfrm>
+          <a:prstGeom prst="straightConnector1">
+            <a:avLst/>
+          </a:prstGeom>
+          <a:ln>
+            <a:tailEnd type="triangle"/>
+          </a:ln>
+        </p:spPr>
+        <p:style>
+          <a:lnRef idx="2">
+            <a:schemeClr val="dk1"/>
+          </a:lnRef>
+          <a:fillRef idx="0">
+            <a:schemeClr val="dk1"/>
+          </a:fillRef>
+          <a:effectRef idx="1">
+            <a:schemeClr val="dk1"/>
+          </a:effectRef>
+          <a:fontRef idx="minor">
+            <a:schemeClr val="tx1"/>
+          </a:fontRef>
+        </p:style>
+      </p:cxnSp>
+      <p:sp>
+        <p:nvSpPr>
+          <p:cNvPr id="167" name="Oval 166"/>
+          <p:cNvSpPr/>
+          <p:nvPr/>
+        </p:nvSpPr>
+        <p:spPr>
+          <a:xfrm>
+            <a:off x="14448062" y="8474328"/>
+            <a:ext cx="317500" cy="317500"/>
+          </a:xfrm>
+          <a:prstGeom prst="ellipse">
+            <a:avLst/>
+          </a:prstGeom>
+        </p:spPr>
+        <p:style>
+          <a:lnRef idx="2">
+            <a:schemeClr val="dk1"/>
+          </a:lnRef>
+          <a:fillRef idx="1">
+            <a:schemeClr val="lt1"/>
+          </a:fillRef>
+          <a:effectRef idx="0">
+            <a:schemeClr val="dk1"/>
+          </a:effectRef>
+          <a:fontRef idx="minor">
+            <a:schemeClr val="dk1"/>
+          </a:fontRef>
+        </p:style>
+        <p:txBody>
+          <a:bodyPr rtlCol="0" anchor="ctr"/>
+          <a:lstStyle/>
+          <a:p>
+            <a:pPr algn="ctr"/>
+            <a:r>
+              <a:rPr lang="en-US" sz="1801" dirty="0"/>
+              <a:t>0</a:t>
+            </a:r>
+            <a:endParaRPr lang="en-US" sz="1801" dirty="0">
+              <a:solidFill>
+                <a:schemeClr val="dk1"/>
+              </a:solidFill>
+            </a:endParaRPr>
+          </a:p>
+        </p:txBody>
+      </p:sp>
+      <p:sp>
+        <p:nvSpPr>
+          <p:cNvPr id="168" name="Oval 167"/>
+          <p:cNvSpPr/>
+          <p:nvPr/>
+        </p:nvSpPr>
+        <p:spPr>
+          <a:xfrm>
+            <a:off x="14448062" y="9937254"/>
+            <a:ext cx="317500" cy="317500"/>
+          </a:xfrm>
+          <a:prstGeom prst="ellipse">
+            <a:avLst/>
+          </a:prstGeom>
+        </p:spPr>
+        <p:style>
+          <a:lnRef idx="2">
+            <a:schemeClr val="dk1"/>
+          </a:lnRef>
+          <a:fillRef idx="1">
+            <a:schemeClr val="lt1"/>
+          </a:fillRef>
+          <a:effectRef idx="0">
+            <a:schemeClr val="dk1"/>
+          </a:effectRef>
+          <a:fontRef idx="minor">
+            <a:schemeClr val="dk1"/>
+          </a:fontRef>
+        </p:style>
+        <p:txBody>
+          <a:bodyPr rtlCol="0" anchor="ctr"/>
+          <a:lstStyle/>
+          <a:p>
+            <a:pPr algn="ctr"/>
+            <a:r>
+              <a:rPr lang="en-US" sz="1801" dirty="0" smtClean="0"/>
+              <a:t>1</a:t>
+            </a:r>
+            <a:endParaRPr lang="en-US" sz="1801" dirty="0">
+              <a:solidFill>
+                <a:schemeClr val="dk1"/>
+              </a:solidFill>
+            </a:endParaRPr>
+          </a:p>
+        </p:txBody>
+      </p:sp>
+      <p:sp>
+        <p:nvSpPr>
+          <p:cNvPr id="169" name="Oval 168"/>
+          <p:cNvSpPr/>
+          <p:nvPr/>
+        </p:nvSpPr>
+        <p:spPr>
+          <a:xfrm>
+            <a:off x="15948708" y="9935942"/>
+            <a:ext cx="317500" cy="317500"/>
+          </a:xfrm>
+          <a:prstGeom prst="ellipse">
+            <a:avLst/>
+          </a:prstGeom>
+        </p:spPr>
+        <p:style>
+          <a:lnRef idx="2">
+            <a:schemeClr val="dk1"/>
+          </a:lnRef>
+          <a:fillRef idx="1">
+            <a:schemeClr val="lt1"/>
+          </a:fillRef>
+          <a:effectRef idx="0">
+            <a:schemeClr val="dk1"/>
+          </a:effectRef>
+          <a:fontRef idx="minor">
+            <a:schemeClr val="dk1"/>
+          </a:fontRef>
+        </p:style>
+        <p:txBody>
+          <a:bodyPr rtlCol="0" anchor="ctr"/>
+          <a:lstStyle/>
+          <a:p>
+            <a:pPr algn="ctr"/>
+            <a:r>
+              <a:rPr lang="en-US" sz="1801" dirty="0" smtClean="0"/>
+              <a:t>2</a:t>
+            </a:r>
+          </a:p>
+        </p:txBody>
+      </p:sp>
+      <p:cxnSp>
+        <p:nvCxnSpPr>
+          <p:cNvPr id="170" name="Straight Arrow Connector 169"/>
+          <p:cNvCxnSpPr>
+            <a:stCxn id="167" idx="4"/>
+            <a:endCxn id="168" idx="0"/>
+          </p:cNvCxnSpPr>
+          <p:nvPr/>
+        </p:nvCxnSpPr>
+        <p:spPr>
+          <a:xfrm>
+            <a:off x="14606812" y="8791828"/>
+            <a:ext cx="0" cy="1145426"/>
+          </a:xfrm>
+          <a:prstGeom prst="straightConnector1">
+            <a:avLst/>
+          </a:prstGeom>
+          <a:ln>
+            <a:tailEnd type="triangle"/>
+          </a:ln>
+        </p:spPr>
+        <p:style>
+          <a:lnRef idx="2">
+            <a:schemeClr val="dk1"/>
+          </a:lnRef>
+          <a:fillRef idx="0">
+            <a:schemeClr val="dk1"/>
+          </a:fillRef>
+          <a:effectRef idx="1">
+            <a:schemeClr val="dk1"/>
+          </a:effectRef>
+          <a:fontRef idx="minor">
+            <a:schemeClr val="tx1"/>
+          </a:fontRef>
+        </p:style>
+      </p:cxnSp>
+      <p:sp>
+        <p:nvSpPr>
+          <p:cNvPr id="171" name="Oval 170"/>
+          <p:cNvSpPr/>
+          <p:nvPr/>
+        </p:nvSpPr>
+        <p:spPr>
+          <a:xfrm>
+            <a:off x="15948708" y="8474328"/>
+            <a:ext cx="317500" cy="317500"/>
+          </a:xfrm>
+          <a:prstGeom prst="ellipse">
+            <a:avLst/>
+          </a:prstGeom>
+        </p:spPr>
+        <p:style>
+          <a:lnRef idx="2">
+            <a:schemeClr val="dk1"/>
+          </a:lnRef>
+          <a:fillRef idx="1">
+            <a:schemeClr val="lt1"/>
+          </a:fillRef>
+          <a:effectRef idx="0">
+            <a:schemeClr val="dk1"/>
+          </a:effectRef>
+          <a:fontRef idx="minor">
+            <a:schemeClr val="dk1"/>
+          </a:fontRef>
+        </p:style>
+        <p:txBody>
+          <a:bodyPr rtlCol="0" anchor="ctr"/>
+          <a:lstStyle/>
+          <a:p>
+            <a:pPr algn="ctr"/>
+            <a:r>
+              <a:rPr lang="en-US" sz="1801" dirty="0" smtClean="0"/>
+              <a:t>4</a:t>
+            </a:r>
+          </a:p>
+        </p:txBody>
+      </p:sp>
+      <p:cxnSp>
+        <p:nvCxnSpPr>
+          <p:cNvPr id="172" name="Straight Arrow Connector 171"/>
+          <p:cNvCxnSpPr>
+            <a:stCxn id="168" idx="7"/>
+            <a:endCxn id="171" idx="3"/>
+          </p:cNvCxnSpPr>
+          <p:nvPr/>
+        </p:nvCxnSpPr>
+        <p:spPr>
+          <a:xfrm flipV="1">
+            <a:off x="14719065" y="8745331"/>
+            <a:ext cx="1276140" cy="1238420"/>
+          </a:xfrm>
+          <a:prstGeom prst="straightConnector1">
+            <a:avLst/>
+          </a:prstGeom>
+          <a:ln>
+            <a:tailEnd type="triangle"/>
+          </a:ln>
+        </p:spPr>
+        <p:style>
+          <a:lnRef idx="2">
+            <a:schemeClr val="dk1"/>
+          </a:lnRef>
+          <a:fillRef idx="0">
+            <a:schemeClr val="dk1"/>
+          </a:fillRef>
+          <a:effectRef idx="1">
+            <a:schemeClr val="dk1"/>
+          </a:effectRef>
+          <a:fontRef idx="minor">
+            <a:schemeClr val="tx1"/>
+          </a:fontRef>
+        </p:style>
+      </p:cxnSp>
+      <p:cxnSp>
+        <p:nvCxnSpPr>
+          <p:cNvPr id="173" name="Straight Arrow Connector 172"/>
+          <p:cNvCxnSpPr>
+            <a:stCxn id="167" idx="6"/>
+            <a:endCxn id="171" idx="2"/>
+          </p:cNvCxnSpPr>
+          <p:nvPr/>
+        </p:nvCxnSpPr>
+        <p:spPr>
+          <a:xfrm>
+            <a:off x="14765562" y="8633078"/>
+            <a:ext cx="1183146" cy="0"/>
+          </a:xfrm>
+          <a:prstGeom prst="straightConnector1">
+            <a:avLst/>
+          </a:prstGeom>
+          <a:ln>
+            <a:tailEnd type="triangle"/>
+          </a:ln>
+        </p:spPr>
+        <p:style>
+          <a:lnRef idx="2">
+            <a:schemeClr val="dk1"/>
+          </a:lnRef>
+          <a:fillRef idx="0">
+            <a:schemeClr val="dk1"/>
+          </a:fillRef>
+          <a:effectRef idx="1">
+            <a:schemeClr val="dk1"/>
+          </a:effectRef>
+          <a:fontRef idx="minor">
+            <a:schemeClr val="tx1"/>
+          </a:fontRef>
+        </p:style>
+      </p:cxnSp>
+    </p:spTree>
+    <p:extLst>
+      <p:ext uri="{BB962C8B-B14F-4D97-AF65-F5344CB8AC3E}">
+        <p14:creationId xmlns:p14="http://schemas.microsoft.com/office/powerpoint/2010/main" val="742933048"/>
+      </p:ext>
+    </p:extLst>
+  </p:cSld>
+  <p:clrMapOvr>
+    <a:masterClrMapping/>
+  </p:clrMapOvr>
+</p:sld>
+</file>
+
 <file path=ppt/slides/slide3.xml><?xml version="1.0" encoding="utf-8"?>
 <p:sld xmlns:a="http://schemas.openxmlformats.org/drawingml/2006/main" xmlns:r="http://schemas.openxmlformats.org/officeDocument/2006/relationships" xmlns:p="http://schemas.openxmlformats.org/presentationml/2006/main">
   <p:cSld>
@@ -43398,11 +46282,7 @@
             </a:r>
             <a:r>
               <a:rPr lang="zh-CN" altLang="en-US" sz="1801" dirty="0" smtClean="0"/>
-              <a:t> </a:t>
-            </a:r>
-            <a:r>
-              <a:rPr lang="zh-CN" altLang="en-US" sz="1801" dirty="0" smtClean="0"/>
-              <a:t>切换工作图</a:t>
+              <a:t> 切换工作图</a:t>
             </a:r>
             <a:endParaRPr lang="en-US" sz="1801" dirty="0"/>
           </a:p>

--- a/data_structure/charts.pptx
+++ b/data_structure/charts.pptx
@@ -221,7 +221,7 @@
           <a:p>
             <a:fld id="{061D1934-5DF5-C54F-B23E-73DBB33C8C5F}" type="datetimeFigureOut">
               <a:rPr lang="en-US" smtClean="0"/>
-              <a:t>1/2/18</a:t>
+              <a:t>1/4/18</a:t>
             </a:fld>
             <a:endParaRPr lang="en-US"/>
           </a:p>
@@ -1475,7 +1475,7 @@
           <a:p>
             <a:fld id="{C54E8006-D355-7B42-8642-83EF30980978}" type="datetimeFigureOut">
               <a:rPr lang="en-US" smtClean="0"/>
-              <a:t>1/2/18</a:t>
+              <a:t>1/4/18</a:t>
             </a:fld>
             <a:endParaRPr lang="en-US"/>
           </a:p>
@@ -1645,7 +1645,7 @@
           <a:p>
             <a:fld id="{C54E8006-D355-7B42-8642-83EF30980978}" type="datetimeFigureOut">
               <a:rPr lang="en-US" smtClean="0"/>
-              <a:t>1/2/18</a:t>
+              <a:t>1/4/18</a:t>
             </a:fld>
             <a:endParaRPr lang="en-US"/>
           </a:p>
@@ -1825,7 +1825,7 @@
           <a:p>
             <a:fld id="{C54E8006-D355-7B42-8642-83EF30980978}" type="datetimeFigureOut">
               <a:rPr lang="en-US" smtClean="0"/>
-              <a:t>1/2/18</a:t>
+              <a:t>1/4/18</a:t>
             </a:fld>
             <a:endParaRPr lang="en-US"/>
           </a:p>
@@ -1995,7 +1995,7 @@
           <a:p>
             <a:fld id="{C54E8006-D355-7B42-8642-83EF30980978}" type="datetimeFigureOut">
               <a:rPr lang="en-US" smtClean="0"/>
-              <a:t>1/2/18</a:t>
+              <a:t>1/4/18</a:t>
             </a:fld>
             <a:endParaRPr lang="en-US"/>
           </a:p>
@@ -2241,7 +2241,7 @@
           <a:p>
             <a:fld id="{C54E8006-D355-7B42-8642-83EF30980978}" type="datetimeFigureOut">
               <a:rPr lang="en-US" smtClean="0"/>
-              <a:t>1/2/18</a:t>
+              <a:t>1/4/18</a:t>
             </a:fld>
             <a:endParaRPr lang="en-US"/>
           </a:p>
@@ -2473,7 +2473,7 @@
           <a:p>
             <a:fld id="{C54E8006-D355-7B42-8642-83EF30980978}" type="datetimeFigureOut">
               <a:rPr lang="en-US" smtClean="0"/>
-              <a:t>1/2/18</a:t>
+              <a:t>1/4/18</a:t>
             </a:fld>
             <a:endParaRPr lang="en-US"/>
           </a:p>
@@ -2840,7 +2840,7 @@
           <a:p>
             <a:fld id="{C54E8006-D355-7B42-8642-83EF30980978}" type="datetimeFigureOut">
               <a:rPr lang="en-US" smtClean="0"/>
-              <a:t>1/2/18</a:t>
+              <a:t>1/4/18</a:t>
             </a:fld>
             <a:endParaRPr lang="en-US"/>
           </a:p>
@@ -2958,7 +2958,7 @@
           <a:p>
             <a:fld id="{C54E8006-D355-7B42-8642-83EF30980978}" type="datetimeFigureOut">
               <a:rPr lang="en-US" smtClean="0"/>
-              <a:t>1/2/18</a:t>
+              <a:t>1/4/18</a:t>
             </a:fld>
             <a:endParaRPr lang="en-US"/>
           </a:p>
@@ -3053,7 +3053,7 @@
           <a:p>
             <a:fld id="{C54E8006-D355-7B42-8642-83EF30980978}" type="datetimeFigureOut">
               <a:rPr lang="en-US" smtClean="0"/>
-              <a:t>1/2/18</a:t>
+              <a:t>1/4/18</a:t>
             </a:fld>
             <a:endParaRPr lang="en-US"/>
           </a:p>
@@ -3330,7 +3330,7 @@
           <a:p>
             <a:fld id="{C54E8006-D355-7B42-8642-83EF30980978}" type="datetimeFigureOut">
               <a:rPr lang="en-US" smtClean="0"/>
-              <a:t>1/2/18</a:t>
+              <a:t>1/4/18</a:t>
             </a:fld>
             <a:endParaRPr lang="en-US"/>
           </a:p>
@@ -3587,7 +3587,7 @@
           <a:p>
             <a:fld id="{C54E8006-D355-7B42-8642-83EF30980978}" type="datetimeFigureOut">
               <a:rPr lang="en-US" smtClean="0"/>
-              <a:t>1/2/18</a:t>
+              <a:t>1/4/18</a:t>
             </a:fld>
             <a:endParaRPr lang="en-US"/>
           </a:p>
@@ -3800,7 +3800,7 @@
           <a:p>
             <a:fld id="{C54E8006-D355-7B42-8642-83EF30980978}" type="datetimeFigureOut">
               <a:rPr lang="en-US" smtClean="0"/>
-              <a:t>1/2/18</a:t>
+              <a:t>1/4/18</a:t>
             </a:fld>
             <a:endParaRPr lang="en-US"/>
           </a:p>
@@ -26910,7 +26910,7 @@
           </a:xfrm>
           <a:prstGeom prst="bentConnector3">
             <a:avLst>
-              <a:gd name="adj1" fmla="val 50000"/>
+              <a:gd name="adj1" fmla="val 50970"/>
             </a:avLst>
           </a:prstGeom>
           <a:ln>
@@ -27154,6 +27154,126 @@
           </a:fontRef>
         </p:style>
       </p:cxnSp>
+      <p:sp>
+        <p:nvSpPr>
+          <p:cNvPr id="2" name="TextBox 1"/>
+          <p:cNvSpPr txBox="1"/>
+          <p:nvPr/>
+        </p:nvSpPr>
+        <p:spPr>
+          <a:xfrm>
+            <a:off x="8615967" y="1210614"/>
+            <a:ext cx="296876" cy="369332"/>
+          </a:xfrm>
+          <a:prstGeom prst="rect">
+            <a:avLst/>
+          </a:prstGeom>
+          <a:noFill/>
+        </p:spPr>
+        <p:txBody>
+          <a:bodyPr wrap="none" rtlCol="0">
+            <a:spAutoFit/>
+          </a:bodyPr>
+          <a:lstStyle/>
+          <a:p>
+            <a:r>
+              <a:rPr lang="en-US" altLang="zh-CN" dirty="0" smtClean="0"/>
+              <a:t>Y</a:t>
+            </a:r>
+            <a:endParaRPr lang="en-US" dirty="0"/>
+          </a:p>
+        </p:txBody>
+      </p:sp>
+      <p:sp>
+        <p:nvSpPr>
+          <p:cNvPr id="3" name="TextBox 2"/>
+          <p:cNvSpPr txBox="1"/>
+          <p:nvPr/>
+        </p:nvSpPr>
+        <p:spPr>
+          <a:xfrm>
+            <a:off x="10109916" y="1918952"/>
+            <a:ext cx="333746" cy="369332"/>
+          </a:xfrm>
+          <a:prstGeom prst="rect">
+            <a:avLst/>
+          </a:prstGeom>
+          <a:noFill/>
+        </p:spPr>
+        <p:txBody>
+          <a:bodyPr wrap="none" rtlCol="0">
+            <a:spAutoFit/>
+          </a:bodyPr>
+          <a:lstStyle/>
+          <a:p>
+            <a:r>
+              <a:rPr lang="en-US" altLang="zh-CN" dirty="0" smtClean="0"/>
+              <a:t>N</a:t>
+            </a:r>
+            <a:endParaRPr lang="en-US" dirty="0"/>
+          </a:p>
+        </p:txBody>
+      </p:sp>
+      <p:sp>
+        <p:nvSpPr>
+          <p:cNvPr id="4" name="TextBox 3"/>
+          <p:cNvSpPr txBox="1"/>
+          <p:nvPr/>
+        </p:nvSpPr>
+        <p:spPr>
+          <a:xfrm>
+            <a:off x="11294772" y="4765183"/>
+            <a:ext cx="296876" cy="369332"/>
+          </a:xfrm>
+          <a:prstGeom prst="rect">
+            <a:avLst/>
+          </a:prstGeom>
+          <a:noFill/>
+        </p:spPr>
+        <p:txBody>
+          <a:bodyPr wrap="none" rtlCol="0">
+            <a:spAutoFit/>
+          </a:bodyPr>
+          <a:lstStyle/>
+          <a:p>
+            <a:r>
+              <a:rPr lang="en-US" altLang="zh-CN" dirty="0" smtClean="0"/>
+              <a:t>Y</a:t>
+            </a:r>
+            <a:endParaRPr lang="en-US" dirty="0"/>
+          </a:p>
+        </p:txBody>
+      </p:sp>
+      <p:sp>
+        <p:nvSpPr>
+          <p:cNvPr id="5" name="TextBox 4"/>
+          <p:cNvSpPr txBox="1"/>
+          <p:nvPr/>
+        </p:nvSpPr>
+        <p:spPr>
+          <a:xfrm>
+            <a:off x="10109916" y="5344733"/>
+            <a:ext cx="333746" cy="369332"/>
+          </a:xfrm>
+          <a:prstGeom prst="rect">
+            <a:avLst/>
+          </a:prstGeom>
+          <a:noFill/>
+        </p:spPr>
+        <p:txBody>
+          <a:bodyPr wrap="none" rtlCol="0">
+            <a:spAutoFit/>
+          </a:bodyPr>
+          <a:lstStyle/>
+          <a:p>
+            <a:r>
+              <a:rPr lang="en-US" altLang="zh-CN" dirty="0" smtClean="0"/>
+              <a:t>N</a:t>
+            </a:r>
+            <a:endParaRPr lang="en-US" dirty="0"/>
+          </a:p>
+        </p:txBody>
+      </p:sp>
     </p:spTree>
     <p:extLst>
       <p:ext uri="{BB962C8B-B14F-4D97-AF65-F5344CB8AC3E}">
